--- a/Knowledge-Tree.pptx
+++ b/Knowledge-Tree.pptx
@@ -6,6 +6,12 @@
   </p:sldMasterIdLst>
   <p:sldIdLst>
     <p:sldId id="256" r:id="rId2"/>
+    <p:sldId id="257" r:id="rId3"/>
+    <p:sldId id="261" r:id="rId4"/>
+    <p:sldId id="262" r:id="rId5"/>
+    <p:sldId id="263" r:id="rId6"/>
+    <p:sldId id="264" r:id="rId7"/>
+    <p:sldId id="265" r:id="rId8"/>
   </p:sldIdLst>
   <p:sldSz cx="12192000" cy="6858000"/>
   <p:notesSz cx="6858000" cy="9144000"/>
@@ -104,6 +110,11 @@
       </a:defRPr>
     </a:lvl9pPr>
   </p:defaultTextStyle>
+  <p:extLst>
+    <p:ext uri="{EFAFB233-063F-42B5-8137-9DF3F51BA10A}">
+      <p15:sldGuideLst xmlns:p15="http://schemas.microsoft.com/office/powerpoint/2012/main"/>
+    </p:ext>
+  </p:extLst>
 </p:presentation>
 </file>
 
@@ -254,7 +265,7 @@
           <a:p>
             <a:fld id="{F0BE7671-7E54-437F-9FD7-4EB903191A88}" type="datetimeFigureOut">
               <a:rPr lang="zh-CN" altLang="en-US" smtClean="0"/>
-              <a:t>2019/7/9</a:t>
+              <a:t>2019/7/21</a:t>
             </a:fld>
             <a:endParaRPr lang="zh-CN" altLang="en-US"/>
           </a:p>
@@ -452,7 +463,7 @@
           <a:p>
             <a:fld id="{F0BE7671-7E54-437F-9FD7-4EB903191A88}" type="datetimeFigureOut">
               <a:rPr lang="zh-CN" altLang="en-US" smtClean="0"/>
-              <a:t>2019/7/9</a:t>
+              <a:t>2019/7/21</a:t>
             </a:fld>
             <a:endParaRPr lang="zh-CN" altLang="en-US"/>
           </a:p>
@@ -660,7 +671,7 @@
           <a:p>
             <a:fld id="{F0BE7671-7E54-437F-9FD7-4EB903191A88}" type="datetimeFigureOut">
               <a:rPr lang="zh-CN" altLang="en-US" smtClean="0"/>
-              <a:t>2019/7/9</a:t>
+              <a:t>2019/7/21</a:t>
             </a:fld>
             <a:endParaRPr lang="zh-CN" altLang="en-US"/>
           </a:p>
@@ -858,7 +869,7 @@
           <a:p>
             <a:fld id="{F0BE7671-7E54-437F-9FD7-4EB903191A88}" type="datetimeFigureOut">
               <a:rPr lang="zh-CN" altLang="en-US" smtClean="0"/>
-              <a:t>2019/7/9</a:t>
+              <a:t>2019/7/21</a:t>
             </a:fld>
             <a:endParaRPr lang="zh-CN" altLang="en-US"/>
           </a:p>
@@ -1133,7 +1144,7 @@
           <a:p>
             <a:fld id="{F0BE7671-7E54-437F-9FD7-4EB903191A88}" type="datetimeFigureOut">
               <a:rPr lang="zh-CN" altLang="en-US" smtClean="0"/>
-              <a:t>2019/7/9</a:t>
+              <a:t>2019/7/21</a:t>
             </a:fld>
             <a:endParaRPr lang="zh-CN" altLang="en-US"/>
           </a:p>
@@ -1398,7 +1409,7 @@
           <a:p>
             <a:fld id="{F0BE7671-7E54-437F-9FD7-4EB903191A88}" type="datetimeFigureOut">
               <a:rPr lang="zh-CN" altLang="en-US" smtClean="0"/>
-              <a:t>2019/7/9</a:t>
+              <a:t>2019/7/21</a:t>
             </a:fld>
             <a:endParaRPr lang="zh-CN" altLang="en-US"/>
           </a:p>
@@ -1810,7 +1821,7 @@
           <a:p>
             <a:fld id="{F0BE7671-7E54-437F-9FD7-4EB903191A88}" type="datetimeFigureOut">
               <a:rPr lang="zh-CN" altLang="en-US" smtClean="0"/>
-              <a:t>2019/7/9</a:t>
+              <a:t>2019/7/21</a:t>
             </a:fld>
             <a:endParaRPr lang="zh-CN" altLang="en-US"/>
           </a:p>
@@ -1951,7 +1962,7 @@
           <a:p>
             <a:fld id="{F0BE7671-7E54-437F-9FD7-4EB903191A88}" type="datetimeFigureOut">
               <a:rPr lang="zh-CN" altLang="en-US" smtClean="0"/>
-              <a:t>2019/7/9</a:t>
+              <a:t>2019/7/21</a:t>
             </a:fld>
             <a:endParaRPr lang="zh-CN" altLang="en-US"/>
           </a:p>
@@ -2064,7 +2075,7 @@
           <a:p>
             <a:fld id="{F0BE7671-7E54-437F-9FD7-4EB903191A88}" type="datetimeFigureOut">
               <a:rPr lang="zh-CN" altLang="en-US" smtClean="0"/>
-              <a:t>2019/7/9</a:t>
+              <a:t>2019/7/21</a:t>
             </a:fld>
             <a:endParaRPr lang="zh-CN" altLang="en-US"/>
           </a:p>
@@ -2375,7 +2386,7 @@
           <a:p>
             <a:fld id="{F0BE7671-7E54-437F-9FD7-4EB903191A88}" type="datetimeFigureOut">
               <a:rPr lang="zh-CN" altLang="en-US" smtClean="0"/>
-              <a:t>2019/7/9</a:t>
+              <a:t>2019/7/21</a:t>
             </a:fld>
             <a:endParaRPr lang="zh-CN" altLang="en-US"/>
           </a:p>
@@ -2663,7 +2674,7 @@
           <a:p>
             <a:fld id="{F0BE7671-7E54-437F-9FD7-4EB903191A88}" type="datetimeFigureOut">
               <a:rPr lang="zh-CN" altLang="en-US" smtClean="0"/>
-              <a:t>2019/7/9</a:t>
+              <a:t>2019/7/21</a:t>
             </a:fld>
             <a:endParaRPr lang="zh-CN" altLang="en-US"/>
           </a:p>
@@ -2904,7 +2915,7 @@
           <a:p>
             <a:fld id="{F0BE7671-7E54-437F-9FD7-4EB903191A88}" type="datetimeFigureOut">
               <a:rPr lang="zh-CN" altLang="en-US" smtClean="0"/>
-              <a:t>2019/7/9</a:t>
+              <a:t>2019/7/21</a:t>
             </a:fld>
             <a:endParaRPr lang="zh-CN" altLang="en-US"/>
           </a:p>
@@ -3439,6 +3450,6713 @@
 </p:sld>
 </file>
 
+<file path=ppt/slides/slide2.xml><?xml version="1.0" encoding="utf-8"?>
+<p:sld xmlns:a="http://schemas.openxmlformats.org/drawingml/2006/main" xmlns:r="http://schemas.openxmlformats.org/officeDocument/2006/relationships" xmlns:p="http://schemas.openxmlformats.org/presentationml/2006/main">
+  <p:cSld>
+    <p:spTree>
+      <p:nvGrpSpPr>
+        <p:cNvPr id="1" name=""/>
+        <p:cNvGrpSpPr/>
+        <p:nvPr/>
+      </p:nvGrpSpPr>
+      <p:grpSpPr>
+        <a:xfrm>
+          <a:off x="0" y="0"/>
+          <a:ext cx="0" cy="0"/>
+          <a:chOff x="0" y="0"/>
+          <a:chExt cx="0" cy="0"/>
+        </a:xfrm>
+      </p:grpSpPr>
+      <p:sp>
+        <p:nvSpPr>
+          <p:cNvPr id="2" name="标题 1">
+            <a:extLst>
+              <a:ext uri="{FF2B5EF4-FFF2-40B4-BE49-F238E27FC236}">
+                <a16:creationId xmlns:a16="http://schemas.microsoft.com/office/drawing/2014/main" id="{4DBEFF03-2B27-4B5F-99CC-9195A6F11D10}"/>
+              </a:ext>
+            </a:extLst>
+          </p:cNvPr>
+          <p:cNvSpPr>
+            <a:spLocks noGrp="1"/>
+          </p:cNvSpPr>
+          <p:nvPr>
+            <p:ph type="title"/>
+          </p:nvPr>
+        </p:nvSpPr>
+        <p:spPr>
+          <a:xfrm>
+            <a:off x="79898" y="18255"/>
+            <a:ext cx="11273902" cy="778525"/>
+          </a:xfrm>
+        </p:spPr>
+        <p:txBody>
+          <a:bodyPr/>
+          <a:lstStyle/>
+          <a:p>
+            <a:r>
+              <a:rPr lang="en-US" altLang="zh-CN" dirty="0"/>
+              <a:t>Linux architecture-outline</a:t>
+            </a:r>
+            <a:endParaRPr lang="zh-CN" altLang="en-US" dirty="0"/>
+          </a:p>
+        </p:txBody>
+      </p:sp>
+      <p:sp>
+        <p:nvSpPr>
+          <p:cNvPr id="4" name="立方体 3">
+            <a:extLst>
+              <a:ext uri="{FF2B5EF4-FFF2-40B4-BE49-F238E27FC236}">
+                <a16:creationId xmlns:a16="http://schemas.microsoft.com/office/drawing/2014/main" id="{22D34478-9AD0-472A-85FA-7CC839B29B65}"/>
+              </a:ext>
+            </a:extLst>
+          </p:cNvPr>
+          <p:cNvSpPr/>
+          <p:nvPr/>
+        </p:nvSpPr>
+        <p:spPr>
+          <a:xfrm>
+            <a:off x="6329776" y="3951175"/>
+            <a:ext cx="1127464" cy="497150"/>
+          </a:xfrm>
+          <a:prstGeom prst="cube">
+            <a:avLst/>
+          </a:prstGeom>
+        </p:spPr>
+        <p:style>
+          <a:lnRef idx="2">
+            <a:schemeClr val="accent1">
+              <a:shade val="50000"/>
+            </a:schemeClr>
+          </a:lnRef>
+          <a:fillRef idx="1">
+            <a:schemeClr val="accent1"/>
+          </a:fillRef>
+          <a:effectRef idx="0">
+            <a:schemeClr val="accent1"/>
+          </a:effectRef>
+          <a:fontRef idx="minor">
+            <a:schemeClr val="lt1"/>
+          </a:fontRef>
+        </p:style>
+        <p:txBody>
+          <a:bodyPr rtlCol="0" anchor="ctr"/>
+          <a:lstStyle/>
+          <a:p>
+            <a:pPr algn="ctr"/>
+            <a:r>
+              <a:rPr lang="en-US" altLang="zh-CN" sz="1200" dirty="0"/>
+              <a:t>Bootloader</a:t>
+            </a:r>
+            <a:endParaRPr lang="zh-CN" altLang="en-US" sz="1200" dirty="0"/>
+          </a:p>
+        </p:txBody>
+      </p:sp>
+      <p:sp>
+        <p:nvSpPr>
+          <p:cNvPr id="5" name="立方体 4">
+            <a:extLst>
+              <a:ext uri="{FF2B5EF4-FFF2-40B4-BE49-F238E27FC236}">
+                <a16:creationId xmlns:a16="http://schemas.microsoft.com/office/drawing/2014/main" id="{ADA16702-8B29-4AD5-B356-80ED1E1EC458}"/>
+              </a:ext>
+            </a:extLst>
+          </p:cNvPr>
+          <p:cNvSpPr/>
+          <p:nvPr/>
+        </p:nvSpPr>
+        <p:spPr>
+          <a:xfrm>
+            <a:off x="6187734" y="5107875"/>
+            <a:ext cx="1127464" cy="497150"/>
+          </a:xfrm>
+          <a:prstGeom prst="cube">
+            <a:avLst/>
+          </a:prstGeom>
+        </p:spPr>
+        <p:style>
+          <a:lnRef idx="2">
+            <a:schemeClr val="accent1">
+              <a:shade val="50000"/>
+            </a:schemeClr>
+          </a:lnRef>
+          <a:fillRef idx="1">
+            <a:schemeClr val="accent1"/>
+          </a:fillRef>
+          <a:effectRef idx="0">
+            <a:schemeClr val="accent1"/>
+          </a:effectRef>
+          <a:fontRef idx="minor">
+            <a:schemeClr val="lt1"/>
+          </a:fontRef>
+        </p:style>
+        <p:txBody>
+          <a:bodyPr rtlCol="0" anchor="ctr"/>
+          <a:lstStyle/>
+          <a:p>
+            <a:pPr algn="ctr"/>
+            <a:r>
+              <a:rPr lang="en-US" altLang="zh-CN" sz="1200" dirty="0"/>
+              <a:t>ASIC/SOC</a:t>
+            </a:r>
+            <a:endParaRPr lang="zh-CN" altLang="en-US" sz="1200" dirty="0"/>
+          </a:p>
+        </p:txBody>
+      </p:sp>
+      <p:sp>
+        <p:nvSpPr>
+          <p:cNvPr id="6" name="缺角矩形 5">
+            <a:extLst>
+              <a:ext uri="{FF2B5EF4-FFF2-40B4-BE49-F238E27FC236}">
+                <a16:creationId xmlns:a16="http://schemas.microsoft.com/office/drawing/2014/main" id="{1222E876-8F49-4FE4-A2E3-30A9673D5F1E}"/>
+              </a:ext>
+            </a:extLst>
+          </p:cNvPr>
+          <p:cNvSpPr/>
+          <p:nvPr/>
+        </p:nvSpPr>
+        <p:spPr>
+          <a:xfrm>
+            <a:off x="7608161" y="4614402"/>
+            <a:ext cx="870012" cy="493473"/>
+          </a:xfrm>
+          <a:prstGeom prst="plaque">
+            <a:avLst/>
+          </a:prstGeom>
+          <a:solidFill>
+            <a:schemeClr val="accent6">
+              <a:lumMod val="20000"/>
+              <a:lumOff val="80000"/>
+            </a:schemeClr>
+          </a:solidFill>
+          <a:ln>
+            <a:solidFill>
+              <a:srgbClr val="7030A0"/>
+            </a:solidFill>
+            <a:prstDash val="dash"/>
+          </a:ln>
+        </p:spPr>
+        <p:style>
+          <a:lnRef idx="2">
+            <a:schemeClr val="accent1">
+              <a:shade val="50000"/>
+            </a:schemeClr>
+          </a:lnRef>
+          <a:fillRef idx="1">
+            <a:schemeClr val="accent1"/>
+          </a:fillRef>
+          <a:effectRef idx="0">
+            <a:schemeClr val="accent1"/>
+          </a:effectRef>
+          <a:fontRef idx="minor">
+            <a:schemeClr val="lt1"/>
+          </a:fontRef>
+        </p:style>
+        <p:txBody>
+          <a:bodyPr rtlCol="0" anchor="ctr"/>
+          <a:lstStyle/>
+          <a:p>
+            <a:pPr algn="ctr"/>
+            <a:r>
+              <a:rPr lang="en-US" altLang="zh-CN" sz="1000" dirty="0">
+                <a:solidFill>
+                  <a:schemeClr val="tx1"/>
+                </a:solidFill>
+              </a:rPr>
+              <a:t>Firmware (optional)</a:t>
+            </a:r>
+            <a:endParaRPr lang="zh-CN" altLang="en-US" sz="1000" dirty="0">
+              <a:solidFill>
+                <a:schemeClr val="tx1"/>
+              </a:solidFill>
+            </a:endParaRPr>
+          </a:p>
+        </p:txBody>
+      </p:sp>
+      <p:sp>
+        <p:nvSpPr>
+          <p:cNvPr id="7" name="箭头: 直角双向 6">
+            <a:extLst>
+              <a:ext uri="{FF2B5EF4-FFF2-40B4-BE49-F238E27FC236}">
+                <a16:creationId xmlns:a16="http://schemas.microsoft.com/office/drawing/2014/main" id="{0A2D04D3-E868-421A-B8A8-7C2190EF8039}"/>
+              </a:ext>
+            </a:extLst>
+          </p:cNvPr>
+          <p:cNvSpPr/>
+          <p:nvPr/>
+        </p:nvSpPr>
+        <p:spPr>
+          <a:xfrm>
+            <a:off x="7377342" y="5107875"/>
+            <a:ext cx="577049" cy="278884"/>
+          </a:xfrm>
+          <a:prstGeom prst="leftUpArrow">
+            <a:avLst/>
+          </a:prstGeom>
+        </p:spPr>
+        <p:style>
+          <a:lnRef idx="2">
+            <a:schemeClr val="accent1">
+              <a:shade val="50000"/>
+            </a:schemeClr>
+          </a:lnRef>
+          <a:fillRef idx="1">
+            <a:schemeClr val="accent1"/>
+          </a:fillRef>
+          <a:effectRef idx="0">
+            <a:schemeClr val="accent1"/>
+          </a:effectRef>
+          <a:fontRef idx="minor">
+            <a:schemeClr val="lt1"/>
+          </a:fontRef>
+        </p:style>
+        <p:txBody>
+          <a:bodyPr rtlCol="0" anchor="ctr"/>
+          <a:lstStyle/>
+          <a:p>
+            <a:pPr algn="ctr"/>
+            <a:endParaRPr lang="zh-CN" altLang="en-US"/>
+          </a:p>
+        </p:txBody>
+      </p:sp>
+      <p:sp>
+        <p:nvSpPr>
+          <p:cNvPr id="8" name="箭头: 直角双向 7">
+            <a:extLst>
+              <a:ext uri="{FF2B5EF4-FFF2-40B4-BE49-F238E27FC236}">
+                <a16:creationId xmlns:a16="http://schemas.microsoft.com/office/drawing/2014/main" id="{7C259396-DFB8-4999-986D-99B74DEA7D4A}"/>
+              </a:ext>
+            </a:extLst>
+          </p:cNvPr>
+          <p:cNvSpPr/>
+          <p:nvPr/>
+        </p:nvSpPr>
+        <p:spPr>
+          <a:xfrm rot="16200000">
+            <a:off x="7526425" y="4156664"/>
+            <a:ext cx="577049" cy="278884"/>
+          </a:xfrm>
+          <a:prstGeom prst="leftUpArrow">
+            <a:avLst/>
+          </a:prstGeom>
+        </p:spPr>
+        <p:style>
+          <a:lnRef idx="2">
+            <a:schemeClr val="accent1">
+              <a:shade val="50000"/>
+            </a:schemeClr>
+          </a:lnRef>
+          <a:fillRef idx="1">
+            <a:schemeClr val="accent1"/>
+          </a:fillRef>
+          <a:effectRef idx="0">
+            <a:schemeClr val="accent1"/>
+          </a:effectRef>
+          <a:fontRef idx="minor">
+            <a:schemeClr val="lt1"/>
+          </a:fontRef>
+        </p:style>
+        <p:txBody>
+          <a:bodyPr rtlCol="0" anchor="ctr"/>
+          <a:lstStyle/>
+          <a:p>
+            <a:pPr algn="ctr"/>
+            <a:endParaRPr lang="zh-CN" altLang="en-US"/>
+          </a:p>
+        </p:txBody>
+      </p:sp>
+      <p:sp>
+        <p:nvSpPr>
+          <p:cNvPr id="9" name="箭头: 上 8">
+            <a:extLst>
+              <a:ext uri="{FF2B5EF4-FFF2-40B4-BE49-F238E27FC236}">
+                <a16:creationId xmlns:a16="http://schemas.microsoft.com/office/drawing/2014/main" id="{096BF2E9-4B31-46C9-94E9-AD18CE6F61D7}"/>
+              </a:ext>
+            </a:extLst>
+          </p:cNvPr>
+          <p:cNvSpPr/>
+          <p:nvPr/>
+        </p:nvSpPr>
+        <p:spPr>
+          <a:xfrm>
+            <a:off x="6773661" y="3575714"/>
+            <a:ext cx="119847" cy="375461"/>
+          </a:xfrm>
+          <a:prstGeom prst="upArrow">
+            <a:avLst/>
+          </a:prstGeom>
+        </p:spPr>
+        <p:style>
+          <a:lnRef idx="2">
+            <a:schemeClr val="accent1">
+              <a:shade val="50000"/>
+            </a:schemeClr>
+          </a:lnRef>
+          <a:fillRef idx="1">
+            <a:schemeClr val="accent1"/>
+          </a:fillRef>
+          <a:effectRef idx="0">
+            <a:schemeClr val="accent1"/>
+          </a:effectRef>
+          <a:fontRef idx="minor">
+            <a:schemeClr val="lt1"/>
+          </a:fontRef>
+        </p:style>
+        <p:txBody>
+          <a:bodyPr rtlCol="0" anchor="ctr"/>
+          <a:lstStyle/>
+          <a:p>
+            <a:pPr algn="ctr"/>
+            <a:endParaRPr lang="zh-CN" altLang="en-US"/>
+          </a:p>
+        </p:txBody>
+      </p:sp>
+      <p:sp>
+        <p:nvSpPr>
+          <p:cNvPr id="11" name="文本框 10">
+            <a:extLst>
+              <a:ext uri="{FF2B5EF4-FFF2-40B4-BE49-F238E27FC236}">
+                <a16:creationId xmlns:a16="http://schemas.microsoft.com/office/drawing/2014/main" id="{F27CFE37-1626-44E5-825A-F659491630CB}"/>
+              </a:ext>
+            </a:extLst>
+          </p:cNvPr>
+          <p:cNvSpPr txBox="1"/>
+          <p:nvPr/>
+        </p:nvSpPr>
+        <p:spPr>
+          <a:xfrm>
+            <a:off x="6893508" y="3521294"/>
+            <a:ext cx="798990" cy="400110"/>
+          </a:xfrm>
+          <a:prstGeom prst="rect">
+            <a:avLst/>
+          </a:prstGeom>
+          <a:noFill/>
+        </p:spPr>
+        <p:txBody>
+          <a:bodyPr wrap="square" rtlCol="0">
+            <a:spAutoFit/>
+          </a:bodyPr>
+          <a:lstStyle/>
+          <a:p>
+            <a:r>
+              <a:rPr lang="en-US" altLang="zh-CN" sz="1000" dirty="0"/>
+              <a:t>Boot parameters</a:t>
+            </a:r>
+            <a:endParaRPr lang="zh-CN" altLang="en-US" sz="1000" dirty="0"/>
+          </a:p>
+        </p:txBody>
+      </p:sp>
+      <p:sp>
+        <p:nvSpPr>
+          <p:cNvPr id="12" name="立方体 11">
+            <a:extLst>
+              <a:ext uri="{FF2B5EF4-FFF2-40B4-BE49-F238E27FC236}">
+                <a16:creationId xmlns:a16="http://schemas.microsoft.com/office/drawing/2014/main" id="{E1092073-3B9B-4ABA-8033-C861B2A64F39}"/>
+              </a:ext>
+            </a:extLst>
+          </p:cNvPr>
+          <p:cNvSpPr/>
+          <p:nvPr/>
+        </p:nvSpPr>
+        <p:spPr>
+          <a:xfrm>
+            <a:off x="6217696" y="3062084"/>
+            <a:ext cx="1209582" cy="497150"/>
+          </a:xfrm>
+          <a:prstGeom prst="cube">
+            <a:avLst/>
+          </a:prstGeom>
+        </p:spPr>
+        <p:style>
+          <a:lnRef idx="2">
+            <a:schemeClr val="accent1">
+              <a:shade val="50000"/>
+            </a:schemeClr>
+          </a:lnRef>
+          <a:fillRef idx="1">
+            <a:schemeClr val="accent1"/>
+          </a:fillRef>
+          <a:effectRef idx="0">
+            <a:schemeClr val="accent1"/>
+          </a:effectRef>
+          <a:fontRef idx="minor">
+            <a:schemeClr val="lt1"/>
+          </a:fontRef>
+        </p:style>
+        <p:txBody>
+          <a:bodyPr rtlCol="0" anchor="ctr"/>
+          <a:lstStyle/>
+          <a:p>
+            <a:pPr algn="ctr"/>
+            <a:r>
+              <a:rPr lang="en-US" altLang="zh-CN" sz="1200" dirty="0"/>
+              <a:t>kernel</a:t>
+            </a:r>
+            <a:endParaRPr lang="zh-CN" altLang="en-US" sz="1200" dirty="0"/>
+          </a:p>
+        </p:txBody>
+      </p:sp>
+      <p:sp>
+        <p:nvSpPr>
+          <p:cNvPr id="13" name="立方体 12">
+            <a:extLst>
+              <a:ext uri="{FF2B5EF4-FFF2-40B4-BE49-F238E27FC236}">
+                <a16:creationId xmlns:a16="http://schemas.microsoft.com/office/drawing/2014/main" id="{D2DA8301-4910-4D9D-830B-8DEB4A38EAC3}"/>
+              </a:ext>
+            </a:extLst>
+          </p:cNvPr>
+          <p:cNvSpPr/>
+          <p:nvPr/>
+        </p:nvSpPr>
+        <p:spPr>
+          <a:xfrm>
+            <a:off x="6249878" y="2218705"/>
+            <a:ext cx="1127464" cy="497150"/>
+          </a:xfrm>
+          <a:prstGeom prst="cube">
+            <a:avLst/>
+          </a:prstGeom>
+        </p:spPr>
+        <p:style>
+          <a:lnRef idx="2">
+            <a:schemeClr val="accent1">
+              <a:shade val="50000"/>
+            </a:schemeClr>
+          </a:lnRef>
+          <a:fillRef idx="1">
+            <a:schemeClr val="accent1"/>
+          </a:fillRef>
+          <a:effectRef idx="0">
+            <a:schemeClr val="accent1"/>
+          </a:effectRef>
+          <a:fontRef idx="minor">
+            <a:schemeClr val="lt1"/>
+          </a:fontRef>
+        </p:style>
+        <p:txBody>
+          <a:bodyPr rtlCol="0" anchor="ctr"/>
+          <a:lstStyle/>
+          <a:p>
+            <a:pPr algn="ctr"/>
+            <a:r>
+              <a:rPr lang="en-US" altLang="zh-CN" sz="1200" dirty="0" err="1"/>
+              <a:t>FileSystem</a:t>
+            </a:r>
+            <a:endParaRPr lang="zh-CN" altLang="en-US" sz="1200" dirty="0"/>
+          </a:p>
+        </p:txBody>
+      </p:sp>
+      <p:sp>
+        <p:nvSpPr>
+          <p:cNvPr id="14" name="箭头: 上下 13">
+            <a:extLst>
+              <a:ext uri="{FF2B5EF4-FFF2-40B4-BE49-F238E27FC236}">
+                <a16:creationId xmlns:a16="http://schemas.microsoft.com/office/drawing/2014/main" id="{BF5D8777-7EC9-4EF5-8067-40A0828C9D34}"/>
+              </a:ext>
+            </a:extLst>
+          </p:cNvPr>
+          <p:cNvSpPr/>
+          <p:nvPr/>
+        </p:nvSpPr>
+        <p:spPr>
+          <a:xfrm>
+            <a:off x="6813610" y="2715855"/>
+            <a:ext cx="79898" cy="308289"/>
+          </a:xfrm>
+          <a:prstGeom prst="upDownArrow">
+            <a:avLst/>
+          </a:prstGeom>
+        </p:spPr>
+        <p:style>
+          <a:lnRef idx="2">
+            <a:schemeClr val="accent1">
+              <a:shade val="50000"/>
+            </a:schemeClr>
+          </a:lnRef>
+          <a:fillRef idx="1">
+            <a:schemeClr val="accent1"/>
+          </a:fillRef>
+          <a:effectRef idx="0">
+            <a:schemeClr val="accent1"/>
+          </a:effectRef>
+          <a:fontRef idx="minor">
+            <a:schemeClr val="lt1"/>
+          </a:fontRef>
+        </p:style>
+        <p:txBody>
+          <a:bodyPr rtlCol="0" anchor="ctr"/>
+          <a:lstStyle/>
+          <a:p>
+            <a:pPr algn="ctr"/>
+            <a:endParaRPr lang="zh-CN" altLang="en-US"/>
+          </a:p>
+        </p:txBody>
+      </p:sp>
+      <p:sp>
+        <p:nvSpPr>
+          <p:cNvPr id="15" name="立方体 14">
+            <a:extLst>
+              <a:ext uri="{FF2B5EF4-FFF2-40B4-BE49-F238E27FC236}">
+                <a16:creationId xmlns:a16="http://schemas.microsoft.com/office/drawing/2014/main" id="{E78C9CD9-CDD3-4ABD-9107-ECA51AE9BB18}"/>
+              </a:ext>
+            </a:extLst>
+          </p:cNvPr>
+          <p:cNvSpPr/>
+          <p:nvPr/>
+        </p:nvSpPr>
+        <p:spPr>
+          <a:xfrm>
+            <a:off x="6289827" y="1438328"/>
+            <a:ext cx="1127464" cy="497150"/>
+          </a:xfrm>
+          <a:prstGeom prst="cube">
+            <a:avLst/>
+          </a:prstGeom>
+        </p:spPr>
+        <p:style>
+          <a:lnRef idx="2">
+            <a:schemeClr val="accent1">
+              <a:shade val="50000"/>
+            </a:schemeClr>
+          </a:lnRef>
+          <a:fillRef idx="1">
+            <a:schemeClr val="accent1"/>
+          </a:fillRef>
+          <a:effectRef idx="0">
+            <a:schemeClr val="accent1"/>
+          </a:effectRef>
+          <a:fontRef idx="minor">
+            <a:schemeClr val="lt1"/>
+          </a:fontRef>
+        </p:style>
+        <p:txBody>
+          <a:bodyPr rtlCol="0" anchor="ctr"/>
+          <a:lstStyle/>
+          <a:p>
+            <a:pPr algn="ctr"/>
+            <a:r>
+              <a:rPr lang="en-US" altLang="zh-CN" sz="1200" dirty="0"/>
+              <a:t>Applications</a:t>
+            </a:r>
+            <a:endParaRPr lang="zh-CN" altLang="en-US" sz="1200" dirty="0"/>
+          </a:p>
+        </p:txBody>
+      </p:sp>
+      <p:sp>
+        <p:nvSpPr>
+          <p:cNvPr id="16" name="箭头: 上下 15">
+            <a:extLst>
+              <a:ext uri="{FF2B5EF4-FFF2-40B4-BE49-F238E27FC236}">
+                <a16:creationId xmlns:a16="http://schemas.microsoft.com/office/drawing/2014/main" id="{CCE7C80B-1631-43AD-9E58-CBCCD79B03A9}"/>
+              </a:ext>
+            </a:extLst>
+          </p:cNvPr>
+          <p:cNvSpPr/>
+          <p:nvPr/>
+        </p:nvSpPr>
+        <p:spPr>
+          <a:xfrm>
+            <a:off x="6782538" y="1951992"/>
+            <a:ext cx="79898" cy="308289"/>
+          </a:xfrm>
+          <a:prstGeom prst="upDownArrow">
+            <a:avLst/>
+          </a:prstGeom>
+        </p:spPr>
+        <p:style>
+          <a:lnRef idx="2">
+            <a:schemeClr val="accent1">
+              <a:shade val="50000"/>
+            </a:schemeClr>
+          </a:lnRef>
+          <a:fillRef idx="1">
+            <a:schemeClr val="accent1"/>
+          </a:fillRef>
+          <a:effectRef idx="0">
+            <a:schemeClr val="accent1"/>
+          </a:effectRef>
+          <a:fontRef idx="minor">
+            <a:schemeClr val="lt1"/>
+          </a:fontRef>
+        </p:style>
+        <p:txBody>
+          <a:bodyPr rtlCol="0" anchor="ctr"/>
+          <a:lstStyle/>
+          <a:p>
+            <a:pPr algn="ctr"/>
+            <a:endParaRPr lang="zh-CN" altLang="en-US"/>
+          </a:p>
+        </p:txBody>
+      </p:sp>
+      <p:sp>
+        <p:nvSpPr>
+          <p:cNvPr id="17" name="立方体 16">
+            <a:extLst>
+              <a:ext uri="{FF2B5EF4-FFF2-40B4-BE49-F238E27FC236}">
+                <a16:creationId xmlns:a16="http://schemas.microsoft.com/office/drawing/2014/main" id="{6F6A4280-5667-40DC-BFC6-5A16F0C13F12}"/>
+              </a:ext>
+            </a:extLst>
+          </p:cNvPr>
+          <p:cNvSpPr/>
+          <p:nvPr/>
+        </p:nvSpPr>
+        <p:spPr>
+          <a:xfrm>
+            <a:off x="7382162" y="3073675"/>
+            <a:ext cx="1388612" cy="497150"/>
+          </a:xfrm>
+          <a:prstGeom prst="cube">
+            <a:avLst/>
+          </a:prstGeom>
+        </p:spPr>
+        <p:style>
+          <a:lnRef idx="2">
+            <a:schemeClr val="accent1">
+              <a:shade val="50000"/>
+            </a:schemeClr>
+          </a:lnRef>
+          <a:fillRef idx="1">
+            <a:schemeClr val="accent1"/>
+          </a:fillRef>
+          <a:effectRef idx="0">
+            <a:schemeClr val="accent1"/>
+          </a:effectRef>
+          <a:fontRef idx="minor">
+            <a:schemeClr val="lt1"/>
+          </a:fontRef>
+        </p:style>
+        <p:txBody>
+          <a:bodyPr rtlCol="0" anchor="ctr"/>
+          <a:lstStyle/>
+          <a:p>
+            <a:pPr algn="ctr"/>
+            <a:r>
+              <a:rPr lang="en-US" altLang="zh-CN" sz="1200" dirty="0"/>
+              <a:t>Driver(open/read/write/</a:t>
+            </a:r>
+            <a:r>
+              <a:rPr lang="en-US" altLang="zh-CN" sz="1200" dirty="0" err="1"/>
+              <a:t>ioctl</a:t>
+            </a:r>
+            <a:r>
+              <a:rPr lang="en-US" altLang="zh-CN" sz="1200" dirty="0"/>
+              <a:t>…) </a:t>
+            </a:r>
+            <a:endParaRPr lang="zh-CN" altLang="en-US" sz="1200" dirty="0"/>
+          </a:p>
+        </p:txBody>
+      </p:sp>
+      <p:sp>
+        <p:nvSpPr>
+          <p:cNvPr id="19" name="立方体 18">
+            <a:extLst>
+              <a:ext uri="{FF2B5EF4-FFF2-40B4-BE49-F238E27FC236}">
+                <a16:creationId xmlns:a16="http://schemas.microsoft.com/office/drawing/2014/main" id="{6DC5E313-26F0-4557-9B29-9CC568E11C1B}"/>
+              </a:ext>
+            </a:extLst>
+          </p:cNvPr>
+          <p:cNvSpPr/>
+          <p:nvPr/>
+        </p:nvSpPr>
+        <p:spPr>
+          <a:xfrm>
+            <a:off x="7728008" y="2183552"/>
+            <a:ext cx="1240273" cy="497150"/>
+          </a:xfrm>
+          <a:prstGeom prst="cube">
+            <a:avLst/>
+          </a:prstGeom>
+        </p:spPr>
+        <p:style>
+          <a:lnRef idx="2">
+            <a:schemeClr val="accent1">
+              <a:shade val="50000"/>
+            </a:schemeClr>
+          </a:lnRef>
+          <a:fillRef idx="1">
+            <a:schemeClr val="accent1"/>
+          </a:fillRef>
+          <a:effectRef idx="0">
+            <a:schemeClr val="accent1"/>
+          </a:effectRef>
+          <a:fontRef idx="minor">
+            <a:schemeClr val="lt1"/>
+          </a:fontRef>
+        </p:style>
+        <p:txBody>
+          <a:bodyPr rtlCol="0" anchor="ctr"/>
+          <a:lstStyle/>
+          <a:p>
+            <a:pPr algn="ctr"/>
+            <a:r>
+              <a:rPr lang="en-US" altLang="zh-CN" sz="1200" dirty="0"/>
+              <a:t>Library(</a:t>
+            </a:r>
+            <a:r>
+              <a:rPr lang="en-US" altLang="zh-CN" sz="1200" dirty="0" err="1"/>
+              <a:t>glibc</a:t>
+            </a:r>
+            <a:r>
+              <a:rPr lang="en-US" altLang="zh-CN" sz="1200" dirty="0"/>
+              <a:t>…)</a:t>
+            </a:r>
+            <a:endParaRPr lang="zh-CN" altLang="en-US" sz="1200" dirty="0"/>
+          </a:p>
+        </p:txBody>
+      </p:sp>
+      <p:sp>
+        <p:nvSpPr>
+          <p:cNvPr id="20" name="箭头: 左右 19">
+            <a:extLst>
+              <a:ext uri="{FF2B5EF4-FFF2-40B4-BE49-F238E27FC236}">
+                <a16:creationId xmlns:a16="http://schemas.microsoft.com/office/drawing/2014/main" id="{E3E45EC7-1AA3-475C-8F4D-76290CFE6A00}"/>
+              </a:ext>
+            </a:extLst>
+          </p:cNvPr>
+          <p:cNvSpPr/>
+          <p:nvPr/>
+        </p:nvSpPr>
+        <p:spPr>
+          <a:xfrm>
+            <a:off x="7365863" y="2457961"/>
+            <a:ext cx="362145" cy="106532"/>
+          </a:xfrm>
+          <a:prstGeom prst="leftRightArrow">
+            <a:avLst/>
+          </a:prstGeom>
+        </p:spPr>
+        <p:style>
+          <a:lnRef idx="2">
+            <a:schemeClr val="accent1">
+              <a:shade val="50000"/>
+            </a:schemeClr>
+          </a:lnRef>
+          <a:fillRef idx="1">
+            <a:schemeClr val="accent1"/>
+          </a:fillRef>
+          <a:effectRef idx="0">
+            <a:schemeClr val="accent1"/>
+          </a:effectRef>
+          <a:fontRef idx="minor">
+            <a:schemeClr val="lt1"/>
+          </a:fontRef>
+        </p:style>
+        <p:txBody>
+          <a:bodyPr rtlCol="0" anchor="ctr"/>
+          <a:lstStyle/>
+          <a:p>
+            <a:pPr algn="ctr"/>
+            <a:endParaRPr lang="zh-CN" altLang="en-US"/>
+          </a:p>
+        </p:txBody>
+      </p:sp>
+      <p:cxnSp>
+        <p:nvCxnSpPr>
+          <p:cNvPr id="22" name="直接箭头连接符 21">
+            <a:extLst>
+              <a:ext uri="{FF2B5EF4-FFF2-40B4-BE49-F238E27FC236}">
+                <a16:creationId xmlns:a16="http://schemas.microsoft.com/office/drawing/2014/main" id="{09085910-CB1B-4F70-BF4B-506FEBDC17F8}"/>
+              </a:ext>
+            </a:extLst>
+          </p:cNvPr>
+          <p:cNvCxnSpPr>
+            <a:cxnSpLocks/>
+            <a:stCxn id="17" idx="5"/>
+          </p:cNvCxnSpPr>
+          <p:nvPr/>
+        </p:nvCxnSpPr>
+        <p:spPr>
+          <a:xfrm flipV="1">
+            <a:off x="8770774" y="3089099"/>
+            <a:ext cx="368427" cy="171007"/>
+          </a:xfrm>
+          <a:prstGeom prst="straightConnector1">
+            <a:avLst/>
+          </a:prstGeom>
+          <a:ln>
+            <a:tailEnd type="triangle"/>
+          </a:ln>
+        </p:spPr>
+        <p:style>
+          <a:lnRef idx="1">
+            <a:schemeClr val="accent1"/>
+          </a:lnRef>
+          <a:fillRef idx="0">
+            <a:schemeClr val="accent1"/>
+          </a:fillRef>
+          <a:effectRef idx="0">
+            <a:schemeClr val="accent1"/>
+          </a:effectRef>
+          <a:fontRef idx="minor">
+            <a:schemeClr val="tx1"/>
+          </a:fontRef>
+        </p:style>
+      </p:cxnSp>
+      <p:cxnSp>
+        <p:nvCxnSpPr>
+          <p:cNvPr id="23" name="直接箭头连接符 22">
+            <a:extLst>
+              <a:ext uri="{FF2B5EF4-FFF2-40B4-BE49-F238E27FC236}">
+                <a16:creationId xmlns:a16="http://schemas.microsoft.com/office/drawing/2014/main" id="{6A466E73-EDEB-4B50-B2E3-C8C207AB653D}"/>
+              </a:ext>
+            </a:extLst>
+          </p:cNvPr>
+          <p:cNvCxnSpPr>
+            <a:cxnSpLocks/>
+            <a:stCxn id="17" idx="5"/>
+          </p:cNvCxnSpPr>
+          <p:nvPr/>
+        </p:nvCxnSpPr>
+        <p:spPr>
+          <a:xfrm>
+            <a:off x="8770774" y="3260106"/>
+            <a:ext cx="368427" cy="168676"/>
+          </a:xfrm>
+          <a:prstGeom prst="straightConnector1">
+            <a:avLst/>
+          </a:prstGeom>
+          <a:ln>
+            <a:tailEnd type="triangle"/>
+          </a:ln>
+        </p:spPr>
+        <p:style>
+          <a:lnRef idx="1">
+            <a:schemeClr val="accent1"/>
+          </a:lnRef>
+          <a:fillRef idx="0">
+            <a:schemeClr val="accent1"/>
+          </a:fillRef>
+          <a:effectRef idx="0">
+            <a:schemeClr val="accent1"/>
+          </a:effectRef>
+          <a:fontRef idx="minor">
+            <a:schemeClr val="tx1"/>
+          </a:fontRef>
+        </p:style>
+      </p:cxnSp>
+      <p:cxnSp>
+        <p:nvCxnSpPr>
+          <p:cNvPr id="26" name="直接箭头连接符 25">
+            <a:extLst>
+              <a:ext uri="{FF2B5EF4-FFF2-40B4-BE49-F238E27FC236}">
+                <a16:creationId xmlns:a16="http://schemas.microsoft.com/office/drawing/2014/main" id="{FEA867EA-C031-4ED7-BA92-1792AE0F13CA}"/>
+              </a:ext>
+            </a:extLst>
+          </p:cNvPr>
+          <p:cNvCxnSpPr>
+            <a:cxnSpLocks/>
+            <a:stCxn id="17" idx="5"/>
+          </p:cNvCxnSpPr>
+          <p:nvPr/>
+        </p:nvCxnSpPr>
+        <p:spPr>
+          <a:xfrm>
+            <a:off x="8770774" y="3260106"/>
+            <a:ext cx="294446" cy="395448"/>
+          </a:xfrm>
+          <a:prstGeom prst="straightConnector1">
+            <a:avLst/>
+          </a:prstGeom>
+          <a:ln>
+            <a:tailEnd type="triangle"/>
+          </a:ln>
+        </p:spPr>
+        <p:style>
+          <a:lnRef idx="1">
+            <a:schemeClr val="accent1"/>
+          </a:lnRef>
+          <a:fillRef idx="0">
+            <a:schemeClr val="accent1"/>
+          </a:fillRef>
+          <a:effectRef idx="0">
+            <a:schemeClr val="accent1"/>
+          </a:effectRef>
+          <a:fontRef idx="minor">
+            <a:schemeClr val="tx1"/>
+          </a:fontRef>
+        </p:style>
+      </p:cxnSp>
+      <p:sp>
+        <p:nvSpPr>
+          <p:cNvPr id="28" name="文本框 27">
+            <a:extLst>
+              <a:ext uri="{FF2B5EF4-FFF2-40B4-BE49-F238E27FC236}">
+                <a16:creationId xmlns:a16="http://schemas.microsoft.com/office/drawing/2014/main" id="{AD1022A9-C111-4A2C-9B87-9BBE9DCF9345}"/>
+              </a:ext>
+            </a:extLst>
+          </p:cNvPr>
+          <p:cNvSpPr txBox="1"/>
+          <p:nvPr/>
+        </p:nvSpPr>
+        <p:spPr>
+          <a:xfrm>
+            <a:off x="9214854" y="3013885"/>
+            <a:ext cx="1127464" cy="246221"/>
+          </a:xfrm>
+          <a:prstGeom prst="rect">
+            <a:avLst/>
+          </a:prstGeom>
+          <a:noFill/>
+        </p:spPr>
+        <p:txBody>
+          <a:bodyPr wrap="square" rtlCol="0">
+            <a:spAutoFit/>
+          </a:bodyPr>
+          <a:lstStyle/>
+          <a:p>
+            <a:r>
+              <a:rPr lang="en-US" altLang="zh-CN" sz="1000" dirty="0"/>
+              <a:t>Character device</a:t>
+            </a:r>
+            <a:endParaRPr lang="zh-CN" altLang="en-US" sz="1000" dirty="0"/>
+          </a:p>
+        </p:txBody>
+      </p:sp>
+      <p:sp>
+        <p:nvSpPr>
+          <p:cNvPr id="29" name="文本框 28">
+            <a:extLst>
+              <a:ext uri="{FF2B5EF4-FFF2-40B4-BE49-F238E27FC236}">
+                <a16:creationId xmlns:a16="http://schemas.microsoft.com/office/drawing/2014/main" id="{A2E99E23-79D9-4216-BB56-9E656FC6E87B}"/>
+              </a:ext>
+            </a:extLst>
+          </p:cNvPr>
+          <p:cNvSpPr txBox="1"/>
+          <p:nvPr/>
+        </p:nvSpPr>
+        <p:spPr>
+          <a:xfrm>
+            <a:off x="9218367" y="3324604"/>
+            <a:ext cx="1058665" cy="246221"/>
+          </a:xfrm>
+          <a:prstGeom prst="rect">
+            <a:avLst/>
+          </a:prstGeom>
+          <a:noFill/>
+        </p:spPr>
+        <p:txBody>
+          <a:bodyPr wrap="square" rtlCol="0">
+            <a:spAutoFit/>
+          </a:bodyPr>
+          <a:lstStyle/>
+          <a:p>
+            <a:r>
+              <a:rPr lang="en-US" altLang="zh-CN" sz="1000" dirty="0"/>
+              <a:t>Block device</a:t>
+            </a:r>
+            <a:endParaRPr lang="zh-CN" altLang="en-US" sz="1000" dirty="0"/>
+          </a:p>
+        </p:txBody>
+      </p:sp>
+      <p:sp>
+        <p:nvSpPr>
+          <p:cNvPr id="30" name="文本框 29">
+            <a:extLst>
+              <a:ext uri="{FF2B5EF4-FFF2-40B4-BE49-F238E27FC236}">
+                <a16:creationId xmlns:a16="http://schemas.microsoft.com/office/drawing/2014/main" id="{A8B5CB1E-954A-4684-B82B-91613213E745}"/>
+              </a:ext>
+            </a:extLst>
+          </p:cNvPr>
+          <p:cNvSpPr txBox="1"/>
+          <p:nvPr/>
+        </p:nvSpPr>
+        <p:spPr>
+          <a:xfrm>
+            <a:off x="9198756" y="3556820"/>
+            <a:ext cx="1127463" cy="246221"/>
+          </a:xfrm>
+          <a:prstGeom prst="rect">
+            <a:avLst/>
+          </a:prstGeom>
+          <a:noFill/>
+        </p:spPr>
+        <p:txBody>
+          <a:bodyPr wrap="square" rtlCol="0">
+            <a:spAutoFit/>
+          </a:bodyPr>
+          <a:lstStyle/>
+          <a:p>
+            <a:r>
+              <a:rPr lang="en-US" altLang="zh-CN" sz="1000" dirty="0"/>
+              <a:t>Network device</a:t>
+            </a:r>
+            <a:endParaRPr lang="zh-CN" altLang="en-US" sz="1000" dirty="0"/>
+          </a:p>
+        </p:txBody>
+      </p:sp>
+      <p:sp>
+        <p:nvSpPr>
+          <p:cNvPr id="31" name="立方体 30">
+            <a:extLst>
+              <a:ext uri="{FF2B5EF4-FFF2-40B4-BE49-F238E27FC236}">
+                <a16:creationId xmlns:a16="http://schemas.microsoft.com/office/drawing/2014/main" id="{E15F0ED8-88AE-4EC6-90CE-75E77A4B3356}"/>
+              </a:ext>
+            </a:extLst>
+          </p:cNvPr>
+          <p:cNvSpPr/>
+          <p:nvPr/>
+        </p:nvSpPr>
+        <p:spPr>
+          <a:xfrm>
+            <a:off x="5015788" y="3099510"/>
+            <a:ext cx="1209582" cy="497150"/>
+          </a:xfrm>
+          <a:prstGeom prst="cube">
+            <a:avLst/>
+          </a:prstGeom>
+        </p:spPr>
+        <p:style>
+          <a:lnRef idx="2">
+            <a:schemeClr val="accent1">
+              <a:shade val="50000"/>
+            </a:schemeClr>
+          </a:lnRef>
+          <a:fillRef idx="1">
+            <a:schemeClr val="accent1"/>
+          </a:fillRef>
+          <a:effectRef idx="0">
+            <a:schemeClr val="accent1"/>
+          </a:effectRef>
+          <a:fontRef idx="minor">
+            <a:schemeClr val="lt1"/>
+          </a:fontRef>
+        </p:style>
+        <p:txBody>
+          <a:bodyPr rtlCol="0" anchor="ctr"/>
+          <a:lstStyle/>
+          <a:p>
+            <a:pPr algn="ctr"/>
+            <a:r>
+              <a:rPr lang="en-US" altLang="zh-CN" sz="1200" dirty="0"/>
+              <a:t>Kernel-</a:t>
+            </a:r>
+            <a:r>
+              <a:rPr lang="en-US" altLang="zh-CN" sz="1200" dirty="0" err="1"/>
+              <a:t>syscall</a:t>
+            </a:r>
+            <a:endParaRPr lang="zh-CN" altLang="en-US" sz="1200" dirty="0"/>
+          </a:p>
+        </p:txBody>
+      </p:sp>
+      <p:sp>
+        <p:nvSpPr>
+          <p:cNvPr id="32" name="箭头: 直角双向 31">
+            <a:extLst>
+              <a:ext uri="{FF2B5EF4-FFF2-40B4-BE49-F238E27FC236}">
+                <a16:creationId xmlns:a16="http://schemas.microsoft.com/office/drawing/2014/main" id="{E1137A9F-8F0A-440A-9731-0084B227F869}"/>
+              </a:ext>
+            </a:extLst>
+          </p:cNvPr>
+          <p:cNvSpPr/>
+          <p:nvPr/>
+        </p:nvSpPr>
+        <p:spPr>
+          <a:xfrm rot="5400000">
+            <a:off x="4568859" y="4395600"/>
+            <a:ext cx="1961966" cy="322195"/>
+          </a:xfrm>
+          <a:prstGeom prst="leftUpArrow">
+            <a:avLst/>
+          </a:prstGeom>
+        </p:spPr>
+        <p:style>
+          <a:lnRef idx="2">
+            <a:schemeClr val="accent1">
+              <a:shade val="50000"/>
+            </a:schemeClr>
+          </a:lnRef>
+          <a:fillRef idx="1">
+            <a:schemeClr val="accent1"/>
+          </a:fillRef>
+          <a:effectRef idx="0">
+            <a:schemeClr val="accent1"/>
+          </a:effectRef>
+          <a:fontRef idx="minor">
+            <a:schemeClr val="lt1"/>
+          </a:fontRef>
+        </p:style>
+        <p:txBody>
+          <a:bodyPr rtlCol="0" anchor="ctr"/>
+          <a:lstStyle/>
+          <a:p>
+            <a:pPr algn="ctr"/>
+            <a:endParaRPr lang="zh-CN" altLang="en-US"/>
+          </a:p>
+        </p:txBody>
+      </p:sp>
+      <p:cxnSp>
+        <p:nvCxnSpPr>
+          <p:cNvPr id="41" name="连接符: 曲线 40">
+            <a:extLst>
+              <a:ext uri="{FF2B5EF4-FFF2-40B4-BE49-F238E27FC236}">
+                <a16:creationId xmlns:a16="http://schemas.microsoft.com/office/drawing/2014/main" id="{CDC14709-BE9A-4E24-9B37-162A73CA3F8A}"/>
+              </a:ext>
+            </a:extLst>
+          </p:cNvPr>
+          <p:cNvCxnSpPr>
+            <a:cxnSpLocks/>
+          </p:cNvCxnSpPr>
+          <p:nvPr/>
+        </p:nvCxnSpPr>
+        <p:spPr>
+          <a:xfrm flipV="1">
+            <a:off x="7102135" y="4861140"/>
+            <a:ext cx="807866" cy="710602"/>
+          </a:xfrm>
+          <a:prstGeom prst="curvedConnector3">
+            <a:avLst/>
+          </a:prstGeom>
+          <a:ln>
+            <a:solidFill>
+              <a:srgbClr val="C00000"/>
+            </a:solidFill>
+            <a:prstDash val="sysDash"/>
+            <a:tailEnd type="triangle"/>
+          </a:ln>
+        </p:spPr>
+        <p:style>
+          <a:lnRef idx="1">
+            <a:schemeClr val="accent1"/>
+          </a:lnRef>
+          <a:fillRef idx="0">
+            <a:schemeClr val="accent1"/>
+          </a:fillRef>
+          <a:effectRef idx="0">
+            <a:schemeClr val="accent1"/>
+          </a:effectRef>
+          <a:fontRef idx="minor">
+            <a:schemeClr val="tx1"/>
+          </a:fontRef>
+        </p:style>
+      </p:cxnSp>
+      <p:sp>
+        <p:nvSpPr>
+          <p:cNvPr id="43" name="文本框 42">
+            <a:extLst>
+              <a:ext uri="{FF2B5EF4-FFF2-40B4-BE49-F238E27FC236}">
+                <a16:creationId xmlns:a16="http://schemas.microsoft.com/office/drawing/2014/main" id="{44C71754-F657-4316-B3DE-9EE68CD6A441}"/>
+              </a:ext>
+            </a:extLst>
+          </p:cNvPr>
+          <p:cNvSpPr txBox="1"/>
+          <p:nvPr/>
+        </p:nvSpPr>
+        <p:spPr>
+          <a:xfrm>
+            <a:off x="6977847" y="5767425"/>
+            <a:ext cx="798990" cy="246221"/>
+          </a:xfrm>
+          <a:prstGeom prst="rect">
+            <a:avLst/>
+          </a:prstGeom>
+          <a:noFill/>
+        </p:spPr>
+        <p:txBody>
+          <a:bodyPr wrap="square" rtlCol="0">
+            <a:spAutoFit/>
+          </a:bodyPr>
+          <a:lstStyle/>
+          <a:p>
+            <a:r>
+              <a:rPr lang="en-US" altLang="zh-CN" sz="1000" b="1" dirty="0"/>
+              <a:t>1.Boot</a:t>
+            </a:r>
+            <a:endParaRPr lang="zh-CN" altLang="en-US" sz="1000" b="1" dirty="0"/>
+          </a:p>
+        </p:txBody>
+      </p:sp>
+      <p:sp>
+        <p:nvSpPr>
+          <p:cNvPr id="44" name="流程图: 接点 43">
+            <a:extLst>
+              <a:ext uri="{FF2B5EF4-FFF2-40B4-BE49-F238E27FC236}">
+                <a16:creationId xmlns:a16="http://schemas.microsoft.com/office/drawing/2014/main" id="{E72BF010-DFF9-406C-B035-2B0FD726AE9D}"/>
+              </a:ext>
+            </a:extLst>
+          </p:cNvPr>
+          <p:cNvSpPr/>
+          <p:nvPr/>
+        </p:nvSpPr>
+        <p:spPr>
+          <a:xfrm>
+            <a:off x="7062186" y="5544028"/>
+            <a:ext cx="79898" cy="72609"/>
+          </a:xfrm>
+          <a:prstGeom prst="flowChartConnector">
+            <a:avLst/>
+          </a:prstGeom>
+          <a:solidFill>
+            <a:srgbClr val="FF0000"/>
+          </a:solidFill>
+          <a:ln>
+            <a:solidFill>
+              <a:srgbClr val="FF0000"/>
+            </a:solidFill>
+          </a:ln>
+        </p:spPr>
+        <p:style>
+          <a:lnRef idx="2">
+            <a:schemeClr val="accent1">
+              <a:shade val="50000"/>
+            </a:schemeClr>
+          </a:lnRef>
+          <a:fillRef idx="1">
+            <a:schemeClr val="accent1"/>
+          </a:fillRef>
+          <a:effectRef idx="0">
+            <a:schemeClr val="accent1"/>
+          </a:effectRef>
+          <a:fontRef idx="minor">
+            <a:schemeClr val="lt1"/>
+          </a:fontRef>
+        </p:style>
+        <p:txBody>
+          <a:bodyPr rtlCol="0" anchor="ctr"/>
+          <a:lstStyle/>
+          <a:p>
+            <a:pPr algn="ctr"/>
+            <a:endParaRPr lang="zh-CN" altLang="en-US"/>
+          </a:p>
+        </p:txBody>
+      </p:sp>
+      <p:cxnSp>
+        <p:nvCxnSpPr>
+          <p:cNvPr id="45" name="连接符: 曲线 44">
+            <a:extLst>
+              <a:ext uri="{FF2B5EF4-FFF2-40B4-BE49-F238E27FC236}">
+                <a16:creationId xmlns:a16="http://schemas.microsoft.com/office/drawing/2014/main" id="{F12137DD-E008-4F54-A31E-E6A93DCE8CB9}"/>
+              </a:ext>
+            </a:extLst>
+          </p:cNvPr>
+          <p:cNvCxnSpPr>
+            <a:cxnSpLocks/>
+          </p:cNvCxnSpPr>
+          <p:nvPr/>
+        </p:nvCxnSpPr>
+        <p:spPr>
+          <a:xfrm rot="16200000" flipV="1">
+            <a:off x="7144399" y="4176413"/>
+            <a:ext cx="710602" cy="695579"/>
+          </a:xfrm>
+          <a:prstGeom prst="curvedConnector3">
+            <a:avLst/>
+          </a:prstGeom>
+          <a:ln>
+            <a:solidFill>
+              <a:srgbClr val="C00000"/>
+            </a:solidFill>
+            <a:prstDash val="sysDash"/>
+            <a:tailEnd type="triangle"/>
+          </a:ln>
+        </p:spPr>
+        <p:style>
+          <a:lnRef idx="1">
+            <a:schemeClr val="accent1"/>
+          </a:lnRef>
+          <a:fillRef idx="0">
+            <a:schemeClr val="accent1"/>
+          </a:fillRef>
+          <a:effectRef idx="0">
+            <a:schemeClr val="accent1"/>
+          </a:effectRef>
+          <a:fontRef idx="minor">
+            <a:schemeClr val="tx1"/>
+          </a:fontRef>
+        </p:style>
+      </p:cxnSp>
+      <p:cxnSp>
+        <p:nvCxnSpPr>
+          <p:cNvPr id="47" name="连接符: 曲线 46">
+            <a:extLst>
+              <a:ext uri="{FF2B5EF4-FFF2-40B4-BE49-F238E27FC236}">
+                <a16:creationId xmlns:a16="http://schemas.microsoft.com/office/drawing/2014/main" id="{35554B1E-61C1-4533-9922-5BC5655692E0}"/>
+              </a:ext>
+            </a:extLst>
+          </p:cNvPr>
+          <p:cNvCxnSpPr>
+            <a:cxnSpLocks/>
+          </p:cNvCxnSpPr>
+          <p:nvPr/>
+        </p:nvCxnSpPr>
+        <p:spPr>
+          <a:xfrm rot="16200000" flipV="1">
+            <a:off x="6573031" y="3684251"/>
+            <a:ext cx="839311" cy="29678"/>
+          </a:xfrm>
+          <a:prstGeom prst="curvedConnector3">
+            <a:avLst>
+              <a:gd name="adj1" fmla="val 77501"/>
+            </a:avLst>
+          </a:prstGeom>
+          <a:ln>
+            <a:solidFill>
+              <a:srgbClr val="C00000"/>
+            </a:solidFill>
+            <a:prstDash val="sysDash"/>
+            <a:tailEnd type="triangle"/>
+          </a:ln>
+        </p:spPr>
+        <p:style>
+          <a:lnRef idx="1">
+            <a:schemeClr val="accent1"/>
+          </a:lnRef>
+          <a:fillRef idx="0">
+            <a:schemeClr val="accent1"/>
+          </a:fillRef>
+          <a:effectRef idx="0">
+            <a:schemeClr val="accent1"/>
+          </a:effectRef>
+          <a:fontRef idx="minor">
+            <a:schemeClr val="tx1"/>
+          </a:fontRef>
+        </p:style>
+      </p:cxnSp>
+      <p:cxnSp>
+        <p:nvCxnSpPr>
+          <p:cNvPr id="49" name="连接符: 曲线 48">
+            <a:extLst>
+              <a:ext uri="{FF2B5EF4-FFF2-40B4-BE49-F238E27FC236}">
+                <a16:creationId xmlns:a16="http://schemas.microsoft.com/office/drawing/2014/main" id="{F3E21902-2F50-45D8-B11E-36F2CB60B038}"/>
+              </a:ext>
+            </a:extLst>
+          </p:cNvPr>
+          <p:cNvCxnSpPr>
+            <a:cxnSpLocks/>
+            <a:endCxn id="20" idx="0"/>
+          </p:cNvCxnSpPr>
+          <p:nvPr/>
+        </p:nvCxnSpPr>
+        <p:spPr>
+          <a:xfrm rot="5400000" flipH="1" flipV="1">
+            <a:off x="6937985" y="2458059"/>
+            <a:ext cx="736854" cy="736659"/>
+          </a:xfrm>
+          <a:prstGeom prst="curvedConnector3">
+            <a:avLst>
+              <a:gd name="adj1" fmla="val 92470"/>
+            </a:avLst>
+          </a:prstGeom>
+          <a:ln>
+            <a:solidFill>
+              <a:srgbClr val="C00000"/>
+            </a:solidFill>
+            <a:prstDash val="sysDash"/>
+            <a:tailEnd type="triangle"/>
+          </a:ln>
+        </p:spPr>
+        <p:style>
+          <a:lnRef idx="1">
+            <a:schemeClr val="accent1"/>
+          </a:lnRef>
+          <a:fillRef idx="0">
+            <a:schemeClr val="accent1"/>
+          </a:fillRef>
+          <a:effectRef idx="0">
+            <a:schemeClr val="accent1"/>
+          </a:effectRef>
+          <a:fontRef idx="minor">
+            <a:schemeClr val="tx1"/>
+          </a:fontRef>
+        </p:style>
+      </p:cxnSp>
+      <p:cxnSp>
+        <p:nvCxnSpPr>
+          <p:cNvPr id="54" name="连接符: 曲线 53">
+            <a:extLst>
+              <a:ext uri="{FF2B5EF4-FFF2-40B4-BE49-F238E27FC236}">
+                <a16:creationId xmlns:a16="http://schemas.microsoft.com/office/drawing/2014/main" id="{9CC55C9F-FAB3-4D6B-966F-7ADA321C3CFA}"/>
+              </a:ext>
+            </a:extLst>
+          </p:cNvPr>
+          <p:cNvCxnSpPr>
+            <a:cxnSpLocks/>
+          </p:cNvCxnSpPr>
+          <p:nvPr/>
+        </p:nvCxnSpPr>
+        <p:spPr>
+          <a:xfrm rot="16200000" flipV="1">
+            <a:off x="6582321" y="2142620"/>
+            <a:ext cx="894743" cy="129924"/>
+          </a:xfrm>
+          <a:prstGeom prst="curvedConnector3">
+            <a:avLst>
+              <a:gd name="adj1" fmla="val 50000"/>
+            </a:avLst>
+          </a:prstGeom>
+          <a:ln>
+            <a:solidFill>
+              <a:srgbClr val="C00000"/>
+            </a:solidFill>
+            <a:prstDash val="sysDash"/>
+            <a:tailEnd type="triangle"/>
+          </a:ln>
+        </p:spPr>
+        <p:style>
+          <a:lnRef idx="1">
+            <a:schemeClr val="accent1"/>
+          </a:lnRef>
+          <a:fillRef idx="0">
+            <a:schemeClr val="accent1"/>
+          </a:fillRef>
+          <a:effectRef idx="0">
+            <a:schemeClr val="accent1"/>
+          </a:effectRef>
+          <a:fontRef idx="minor">
+            <a:schemeClr val="tx1"/>
+          </a:fontRef>
+        </p:style>
+      </p:cxnSp>
+      <p:cxnSp>
+        <p:nvCxnSpPr>
+          <p:cNvPr id="56" name="连接符: 曲线 55">
+            <a:extLst>
+              <a:ext uri="{FF2B5EF4-FFF2-40B4-BE49-F238E27FC236}">
+                <a16:creationId xmlns:a16="http://schemas.microsoft.com/office/drawing/2014/main" id="{B8071BD6-BE1D-423D-9346-84EE4CE8EB24}"/>
+              </a:ext>
+            </a:extLst>
+          </p:cNvPr>
+          <p:cNvCxnSpPr>
+            <a:cxnSpLocks/>
+            <a:endCxn id="17" idx="2"/>
+          </p:cNvCxnSpPr>
+          <p:nvPr/>
+        </p:nvCxnSpPr>
+        <p:spPr>
+          <a:xfrm flipV="1">
+            <a:off x="6937712" y="3384394"/>
+            <a:ext cx="444450" cy="83042"/>
+          </a:xfrm>
+          <a:prstGeom prst="curvedConnector3">
+            <a:avLst>
+              <a:gd name="adj1" fmla="val 50000"/>
+            </a:avLst>
+          </a:prstGeom>
+          <a:ln>
+            <a:solidFill>
+              <a:srgbClr val="C00000"/>
+            </a:solidFill>
+            <a:prstDash val="sysDash"/>
+            <a:tailEnd type="triangle"/>
+          </a:ln>
+        </p:spPr>
+        <p:style>
+          <a:lnRef idx="1">
+            <a:schemeClr val="accent1"/>
+          </a:lnRef>
+          <a:fillRef idx="0">
+            <a:schemeClr val="accent1"/>
+          </a:fillRef>
+          <a:effectRef idx="0">
+            <a:schemeClr val="accent1"/>
+          </a:effectRef>
+          <a:fontRef idx="minor">
+            <a:schemeClr val="tx1"/>
+          </a:fontRef>
+        </p:style>
+      </p:cxnSp>
+      <p:sp>
+        <p:nvSpPr>
+          <p:cNvPr id="59" name="流程图: 接点 58">
+            <a:extLst>
+              <a:ext uri="{FF2B5EF4-FFF2-40B4-BE49-F238E27FC236}">
+                <a16:creationId xmlns:a16="http://schemas.microsoft.com/office/drawing/2014/main" id="{2491BC39-7052-40B2-B21A-078DA3EB1808}"/>
+              </a:ext>
+            </a:extLst>
+          </p:cNvPr>
+          <p:cNvSpPr/>
+          <p:nvPr/>
+        </p:nvSpPr>
+        <p:spPr>
+          <a:xfrm>
+            <a:off x="6573913" y="1290827"/>
+            <a:ext cx="79898" cy="72609"/>
+          </a:xfrm>
+          <a:prstGeom prst="flowChartConnector">
+            <a:avLst/>
+          </a:prstGeom>
+          <a:solidFill>
+            <a:srgbClr val="7030A0"/>
+          </a:solidFill>
+          <a:ln>
+            <a:solidFill>
+              <a:srgbClr val="7030A0"/>
+            </a:solidFill>
+          </a:ln>
+        </p:spPr>
+        <p:style>
+          <a:lnRef idx="2">
+            <a:schemeClr val="accent1">
+              <a:shade val="50000"/>
+            </a:schemeClr>
+          </a:lnRef>
+          <a:fillRef idx="1">
+            <a:schemeClr val="accent1"/>
+          </a:fillRef>
+          <a:effectRef idx="0">
+            <a:schemeClr val="accent1"/>
+          </a:effectRef>
+          <a:fontRef idx="minor">
+            <a:schemeClr val="lt1"/>
+          </a:fontRef>
+        </p:style>
+        <p:txBody>
+          <a:bodyPr rtlCol="0" anchor="ctr"/>
+          <a:lstStyle/>
+          <a:p>
+            <a:pPr algn="ctr"/>
+            <a:endParaRPr lang="zh-CN" altLang="en-US"/>
+          </a:p>
+        </p:txBody>
+      </p:sp>
+      <p:sp>
+        <p:nvSpPr>
+          <p:cNvPr id="60" name="流程图: 接点 59">
+            <a:extLst>
+              <a:ext uri="{FF2B5EF4-FFF2-40B4-BE49-F238E27FC236}">
+                <a16:creationId xmlns:a16="http://schemas.microsoft.com/office/drawing/2014/main" id="{DA2A7E85-F1D0-4579-A136-EDB3A51B2255}"/>
+              </a:ext>
+            </a:extLst>
+          </p:cNvPr>
+          <p:cNvSpPr/>
+          <p:nvPr/>
+        </p:nvSpPr>
+        <p:spPr>
+          <a:xfrm>
+            <a:off x="6927628" y="1690224"/>
+            <a:ext cx="79898" cy="72609"/>
+          </a:xfrm>
+          <a:prstGeom prst="flowChartConnector">
+            <a:avLst/>
+          </a:prstGeom>
+          <a:solidFill>
+            <a:srgbClr val="FF0000"/>
+          </a:solidFill>
+          <a:ln>
+            <a:solidFill>
+              <a:srgbClr val="FF0000"/>
+            </a:solidFill>
+          </a:ln>
+        </p:spPr>
+        <p:style>
+          <a:lnRef idx="2">
+            <a:schemeClr val="accent1">
+              <a:shade val="50000"/>
+            </a:schemeClr>
+          </a:lnRef>
+          <a:fillRef idx="1">
+            <a:schemeClr val="accent1"/>
+          </a:fillRef>
+          <a:effectRef idx="0">
+            <a:schemeClr val="accent1"/>
+          </a:effectRef>
+          <a:fontRef idx="minor">
+            <a:schemeClr val="lt1"/>
+          </a:fontRef>
+        </p:style>
+        <p:txBody>
+          <a:bodyPr rtlCol="0" anchor="ctr"/>
+          <a:lstStyle/>
+          <a:p>
+            <a:pPr algn="ctr"/>
+            <a:endParaRPr lang="zh-CN" altLang="en-US"/>
+          </a:p>
+        </p:txBody>
+      </p:sp>
+      <p:sp>
+        <p:nvSpPr>
+          <p:cNvPr id="61" name="文本框 60">
+            <a:extLst>
+              <a:ext uri="{FF2B5EF4-FFF2-40B4-BE49-F238E27FC236}">
+                <a16:creationId xmlns:a16="http://schemas.microsoft.com/office/drawing/2014/main" id="{D4E6B0A0-6CC5-4FE6-B33F-E05030AB2388}"/>
+              </a:ext>
+            </a:extLst>
+          </p:cNvPr>
+          <p:cNvSpPr txBox="1"/>
+          <p:nvPr/>
+        </p:nvSpPr>
+        <p:spPr>
+          <a:xfrm>
+            <a:off x="6662691" y="1124543"/>
+            <a:ext cx="798990" cy="246221"/>
+          </a:xfrm>
+          <a:prstGeom prst="rect">
+            <a:avLst/>
+          </a:prstGeom>
+          <a:noFill/>
+        </p:spPr>
+        <p:txBody>
+          <a:bodyPr wrap="square" rtlCol="0">
+            <a:spAutoFit/>
+          </a:bodyPr>
+          <a:lstStyle/>
+          <a:p>
+            <a:r>
+              <a:rPr lang="en-US" altLang="zh-CN" sz="1000" b="1" dirty="0"/>
+              <a:t>2.RunTime</a:t>
+            </a:r>
+            <a:endParaRPr lang="zh-CN" altLang="en-US" sz="1000" b="1" dirty="0"/>
+          </a:p>
+        </p:txBody>
+      </p:sp>
+      <p:cxnSp>
+        <p:nvCxnSpPr>
+          <p:cNvPr id="62" name="连接符: 曲线 61">
+            <a:extLst>
+              <a:ext uri="{FF2B5EF4-FFF2-40B4-BE49-F238E27FC236}">
+                <a16:creationId xmlns:a16="http://schemas.microsoft.com/office/drawing/2014/main" id="{6124D24F-8F96-4169-A580-1264EB000E7F}"/>
+              </a:ext>
+            </a:extLst>
+          </p:cNvPr>
+          <p:cNvCxnSpPr>
+            <a:cxnSpLocks/>
+          </p:cNvCxnSpPr>
+          <p:nvPr/>
+        </p:nvCxnSpPr>
+        <p:spPr>
+          <a:xfrm rot="5400000">
+            <a:off x="6016168" y="1846848"/>
+            <a:ext cx="1084672" cy="137555"/>
+          </a:xfrm>
+          <a:prstGeom prst="curvedConnector3">
+            <a:avLst/>
+          </a:prstGeom>
+          <a:ln>
+            <a:solidFill>
+              <a:srgbClr val="7030A0"/>
+            </a:solidFill>
+            <a:prstDash val="sysDash"/>
+            <a:tailEnd type="triangle"/>
+          </a:ln>
+        </p:spPr>
+        <p:style>
+          <a:lnRef idx="1">
+            <a:schemeClr val="accent1"/>
+          </a:lnRef>
+          <a:fillRef idx="0">
+            <a:schemeClr val="accent1"/>
+          </a:fillRef>
+          <a:effectRef idx="0">
+            <a:schemeClr val="accent1"/>
+          </a:effectRef>
+          <a:fontRef idx="minor">
+            <a:schemeClr val="tx1"/>
+          </a:fontRef>
+        </p:style>
+      </p:cxnSp>
+      <p:cxnSp>
+        <p:nvCxnSpPr>
+          <p:cNvPr id="73" name="连接符: 曲线 72">
+            <a:extLst>
+              <a:ext uri="{FF2B5EF4-FFF2-40B4-BE49-F238E27FC236}">
+                <a16:creationId xmlns:a16="http://schemas.microsoft.com/office/drawing/2014/main" id="{74935B05-BDCD-48F0-AC21-62701FAF6488}"/>
+              </a:ext>
+            </a:extLst>
+          </p:cNvPr>
+          <p:cNvCxnSpPr>
+            <a:cxnSpLocks/>
+            <a:endCxn id="31" idx="4"/>
+          </p:cNvCxnSpPr>
+          <p:nvPr/>
+        </p:nvCxnSpPr>
+        <p:spPr>
+          <a:xfrm rot="5400000">
+            <a:off x="5845366" y="2754321"/>
+            <a:ext cx="911625" cy="400190"/>
+          </a:xfrm>
+          <a:prstGeom prst="curvedConnector2">
+            <a:avLst/>
+          </a:prstGeom>
+          <a:ln>
+            <a:solidFill>
+              <a:srgbClr val="7030A0"/>
+            </a:solidFill>
+            <a:prstDash val="sysDash"/>
+            <a:tailEnd type="triangle"/>
+          </a:ln>
+        </p:spPr>
+        <p:style>
+          <a:lnRef idx="1">
+            <a:schemeClr val="accent1"/>
+          </a:lnRef>
+          <a:fillRef idx="0">
+            <a:schemeClr val="accent1"/>
+          </a:fillRef>
+          <a:effectRef idx="0">
+            <a:schemeClr val="accent1"/>
+          </a:effectRef>
+          <a:fontRef idx="minor">
+            <a:schemeClr val="tx1"/>
+          </a:fontRef>
+        </p:style>
+      </p:cxnSp>
+      <p:cxnSp>
+        <p:nvCxnSpPr>
+          <p:cNvPr id="75" name="连接符: 曲线 74">
+            <a:extLst>
+              <a:ext uri="{FF2B5EF4-FFF2-40B4-BE49-F238E27FC236}">
+                <a16:creationId xmlns:a16="http://schemas.microsoft.com/office/drawing/2014/main" id="{493132F5-F629-4892-BC22-3B8FB7E7467B}"/>
+              </a:ext>
+            </a:extLst>
+          </p:cNvPr>
+          <p:cNvCxnSpPr>
+            <a:cxnSpLocks/>
+            <a:endCxn id="5" idx="2"/>
+          </p:cNvCxnSpPr>
+          <p:nvPr/>
+        </p:nvCxnSpPr>
+        <p:spPr>
+          <a:xfrm rot="16200000" flipH="1">
+            <a:off x="4924278" y="4155138"/>
+            <a:ext cx="2023078" cy="503834"/>
+          </a:xfrm>
+          <a:prstGeom prst="curvedConnector2">
+            <a:avLst/>
+          </a:prstGeom>
+          <a:ln>
+            <a:solidFill>
+              <a:srgbClr val="7030A0"/>
+            </a:solidFill>
+            <a:prstDash val="sysDash"/>
+            <a:tailEnd type="triangle"/>
+          </a:ln>
+        </p:spPr>
+        <p:style>
+          <a:lnRef idx="1">
+            <a:schemeClr val="accent1"/>
+          </a:lnRef>
+          <a:fillRef idx="0">
+            <a:schemeClr val="accent1"/>
+          </a:fillRef>
+          <a:effectRef idx="0">
+            <a:schemeClr val="accent1"/>
+          </a:effectRef>
+          <a:fontRef idx="minor">
+            <a:schemeClr val="tx1"/>
+          </a:fontRef>
+        </p:style>
+      </p:cxnSp>
+      <p:sp>
+        <p:nvSpPr>
+          <p:cNvPr id="80" name="文本框 79">
+            <a:extLst>
+              <a:ext uri="{FF2B5EF4-FFF2-40B4-BE49-F238E27FC236}">
+                <a16:creationId xmlns:a16="http://schemas.microsoft.com/office/drawing/2014/main" id="{A0B91055-B219-4830-93C3-6818BC76ECDE}"/>
+              </a:ext>
+            </a:extLst>
+          </p:cNvPr>
+          <p:cNvSpPr txBox="1"/>
+          <p:nvPr/>
+        </p:nvSpPr>
+        <p:spPr>
+          <a:xfrm>
+            <a:off x="229116" y="1366220"/>
+            <a:ext cx="3669354" cy="4524315"/>
+          </a:xfrm>
+          <a:prstGeom prst="rect">
+            <a:avLst/>
+          </a:prstGeom>
+          <a:noFill/>
+        </p:spPr>
+        <p:txBody>
+          <a:bodyPr wrap="square" rtlCol="0">
+            <a:spAutoFit/>
+          </a:bodyPr>
+          <a:lstStyle/>
+          <a:p>
+            <a:r>
+              <a:rPr lang="en-US" altLang="zh-CN" sz="1200" b="1" u="sng" dirty="0"/>
+              <a:t>Exception handler</a:t>
+            </a:r>
+          </a:p>
+          <a:p>
+            <a:r>
+              <a:rPr lang="en-US" altLang="zh-CN" sz="1200" b="1" dirty="0"/>
+              <a:t>Init/</a:t>
+            </a:r>
+            <a:r>
+              <a:rPr lang="en-US" altLang="zh-CN" sz="1200" b="1" dirty="0" err="1"/>
+              <a:t>main.c</a:t>
+            </a:r>
+            <a:r>
+              <a:rPr lang="en-US" altLang="zh-CN" sz="1200" b="1" dirty="0"/>
+              <a:t>  </a:t>
+            </a:r>
+            <a:r>
+              <a:rPr lang="en-US" altLang="zh-CN" sz="1200" dirty="0"/>
+              <a:t>:  </a:t>
+            </a:r>
+            <a:r>
+              <a:rPr lang="en-US" altLang="zh-CN" sz="1200" dirty="0" err="1"/>
+              <a:t>trap_init</a:t>
+            </a:r>
+            <a:r>
+              <a:rPr lang="en-US" altLang="zh-CN" sz="1200" dirty="0"/>
+              <a:t>(); </a:t>
+            </a:r>
+            <a:r>
+              <a:rPr lang="en-US" altLang="zh-CN" sz="1200" dirty="0" err="1"/>
+              <a:t>init_IRQ</a:t>
+            </a:r>
+            <a:r>
+              <a:rPr lang="en-US" altLang="zh-CN" sz="1200" dirty="0"/>
+              <a:t>()</a:t>
+            </a:r>
+          </a:p>
+          <a:p>
+            <a:r>
+              <a:rPr lang="en-US" altLang="zh-CN" sz="1200" dirty="0"/>
+              <a:t> -arch/arm/kernel/</a:t>
+            </a:r>
+            <a:r>
+              <a:rPr lang="en-US" altLang="zh-CN" sz="1200" dirty="0" err="1"/>
+              <a:t>traps.c</a:t>
+            </a:r>
+            <a:endParaRPr lang="en-US" altLang="zh-CN" sz="1200" dirty="0"/>
+          </a:p>
+          <a:p>
+            <a:r>
+              <a:rPr lang="en-US" altLang="zh-CN" sz="1200" dirty="0"/>
+              <a:t> -arch/arm/kernel/</a:t>
+            </a:r>
+            <a:r>
+              <a:rPr lang="en-US" altLang="zh-CN" sz="1200" dirty="0" err="1"/>
+              <a:t>irq.c</a:t>
+            </a:r>
+            <a:endParaRPr lang="en-US" altLang="zh-CN" sz="1200" dirty="0"/>
+          </a:p>
+          <a:p>
+            <a:endParaRPr lang="en-US" altLang="zh-CN" sz="1200" dirty="0"/>
+          </a:p>
+          <a:p>
+            <a:r>
+              <a:rPr lang="en-US" altLang="zh-CN" sz="1200" b="1" u="sng" dirty="0"/>
+              <a:t>Exception Categories</a:t>
+            </a:r>
+          </a:p>
+          <a:p>
+            <a:r>
+              <a:rPr lang="en-US" altLang="zh-CN" sz="1200" dirty="0"/>
+              <a:t>-undefined instruction</a:t>
+            </a:r>
+          </a:p>
+          <a:p>
+            <a:r>
+              <a:rPr lang="en-US" altLang="zh-CN" sz="1200" dirty="0"/>
+              <a:t>-instruction prefetch abort</a:t>
+            </a:r>
+          </a:p>
+          <a:p>
+            <a:r>
+              <a:rPr lang="en-US" altLang="zh-CN" sz="1200" dirty="0"/>
+              <a:t>-data access abort</a:t>
+            </a:r>
+          </a:p>
+          <a:p>
+            <a:r>
+              <a:rPr lang="en-US" altLang="zh-CN" sz="1200" dirty="0"/>
+              <a:t>-interrupt</a:t>
+            </a:r>
+          </a:p>
+          <a:p>
+            <a:r>
+              <a:rPr lang="en-US" altLang="zh-CN" sz="1200" dirty="0"/>
+              <a:t>-</a:t>
+            </a:r>
+            <a:r>
+              <a:rPr lang="en-US" altLang="zh-CN" sz="1200" dirty="0" err="1"/>
+              <a:t>swi</a:t>
+            </a:r>
+            <a:r>
+              <a:rPr lang="en-US" altLang="zh-CN" sz="1200" dirty="0"/>
+              <a:t>(software wait instruction)</a:t>
+            </a:r>
+          </a:p>
+          <a:p>
+            <a:endParaRPr lang="en-US" altLang="zh-CN" sz="1200" dirty="0"/>
+          </a:p>
+          <a:p>
+            <a:r>
+              <a:rPr lang="en-US" altLang="zh-CN" sz="1200" b="1" u="sng" dirty="0"/>
+              <a:t>Interrupt handler architecture</a:t>
+            </a:r>
+          </a:p>
+          <a:p>
+            <a:r>
+              <a:rPr lang="en-US" altLang="zh-CN" sz="1200" dirty="0"/>
+              <a:t>-</a:t>
+            </a:r>
+            <a:r>
+              <a:rPr lang="en-US" altLang="zh-CN" sz="1200" dirty="0" err="1"/>
+              <a:t>irq_desc</a:t>
+            </a:r>
+            <a:r>
+              <a:rPr lang="en-US" altLang="zh-CN" sz="1200" dirty="0"/>
+              <a:t> structure (include/</a:t>
+            </a:r>
+            <a:r>
+              <a:rPr lang="en-US" altLang="zh-CN" sz="1200" dirty="0" err="1"/>
+              <a:t>linux</a:t>
+            </a:r>
+            <a:r>
+              <a:rPr lang="en-US" altLang="zh-CN" sz="1200" dirty="0"/>
+              <a:t>/</a:t>
+            </a:r>
+            <a:r>
+              <a:rPr lang="en-US" altLang="zh-CN" sz="1200" dirty="0" err="1"/>
+              <a:t>irq.h</a:t>
+            </a:r>
+            <a:r>
+              <a:rPr lang="en-US" altLang="zh-CN" sz="1200" dirty="0"/>
+              <a:t>)</a:t>
+            </a:r>
+          </a:p>
+          <a:p>
+            <a:r>
+              <a:rPr lang="en-US" altLang="zh-CN" sz="1200" dirty="0"/>
+              <a:t>-</a:t>
+            </a:r>
+            <a:r>
+              <a:rPr lang="en-US" altLang="zh-CN" sz="1200" dirty="0" err="1"/>
+              <a:t>irq_chip</a:t>
+            </a:r>
+            <a:r>
+              <a:rPr lang="en-US" altLang="zh-CN" sz="1200" dirty="0"/>
+              <a:t>(include/</a:t>
+            </a:r>
+            <a:r>
+              <a:rPr lang="en-US" altLang="zh-CN" sz="1200" dirty="0" err="1"/>
+              <a:t>linux</a:t>
+            </a:r>
+            <a:r>
+              <a:rPr lang="en-US" altLang="zh-CN" sz="1200" dirty="0"/>
+              <a:t>/</a:t>
+            </a:r>
+            <a:r>
+              <a:rPr lang="en-US" altLang="zh-CN" sz="1200" dirty="0" err="1"/>
+              <a:t>irq.h</a:t>
+            </a:r>
+            <a:r>
+              <a:rPr lang="en-US" altLang="zh-CN" sz="1200" dirty="0"/>
+              <a:t>)</a:t>
+            </a:r>
+          </a:p>
+          <a:p>
+            <a:r>
+              <a:rPr lang="en-US" altLang="zh-CN" sz="1200" dirty="0"/>
+              <a:t>-</a:t>
+            </a:r>
+            <a:r>
+              <a:rPr lang="en-US" altLang="zh-CN" sz="1200" dirty="0" err="1"/>
+              <a:t>irqaction</a:t>
+            </a:r>
+            <a:r>
+              <a:rPr lang="en-US" altLang="zh-CN" sz="1200" dirty="0"/>
+              <a:t> structure (include/</a:t>
+            </a:r>
+            <a:r>
+              <a:rPr lang="en-US" altLang="zh-CN" sz="1200" dirty="0" err="1"/>
+              <a:t>linux</a:t>
+            </a:r>
+            <a:r>
+              <a:rPr lang="en-US" altLang="zh-CN" sz="1200" dirty="0"/>
+              <a:t>/</a:t>
+            </a:r>
+            <a:r>
+              <a:rPr lang="en-US" altLang="zh-CN" sz="1200" dirty="0" err="1"/>
+              <a:t>interrupt.h</a:t>
+            </a:r>
+            <a:r>
+              <a:rPr lang="en-US" altLang="zh-CN" sz="1200" dirty="0"/>
+              <a:t>)</a:t>
+            </a:r>
+          </a:p>
+          <a:p>
+            <a:endParaRPr lang="en-US" altLang="zh-CN" sz="1200" dirty="0"/>
+          </a:p>
+          <a:p>
+            <a:r>
+              <a:rPr lang="en-US" altLang="zh-CN" sz="1200" b="1" u="sng" dirty="0"/>
+              <a:t>Interrupt work flow</a:t>
+            </a:r>
+          </a:p>
+          <a:p>
+            <a:r>
+              <a:rPr lang="en-US" altLang="zh-CN" sz="1200" dirty="0"/>
+              <a:t>  CPU ack to execute </a:t>
+            </a:r>
+            <a:r>
+              <a:rPr lang="en-US" altLang="zh-CN" sz="1200" dirty="0" err="1"/>
+              <a:t>vector_irq</a:t>
+            </a:r>
+            <a:r>
+              <a:rPr lang="en-US" altLang="zh-CN" sz="1200" dirty="0"/>
+              <a:t>-&gt;</a:t>
+            </a:r>
+          </a:p>
+          <a:p>
+            <a:r>
+              <a:rPr lang="en-US" altLang="zh-CN" sz="1200" dirty="0"/>
+              <a:t>  call </a:t>
+            </a:r>
+            <a:r>
+              <a:rPr lang="en-US" altLang="zh-CN" sz="1200" dirty="0" err="1"/>
+              <a:t>asm_do_IRQ</a:t>
+            </a:r>
+            <a:r>
+              <a:rPr lang="en-US" altLang="zh-CN" sz="1200" dirty="0"/>
+              <a:t> from </a:t>
+            </a:r>
+            <a:r>
+              <a:rPr lang="en-US" altLang="zh-CN" sz="1200" dirty="0" err="1"/>
+              <a:t>vector_irq</a:t>
+            </a:r>
+            <a:r>
+              <a:rPr lang="en-US" altLang="zh-CN" sz="1200" dirty="0"/>
+              <a:t>-&gt;</a:t>
+            </a:r>
+          </a:p>
+          <a:p>
+            <a:r>
+              <a:rPr lang="en-US" altLang="zh-CN" sz="1200" dirty="0"/>
+              <a:t>  </a:t>
+            </a:r>
+            <a:r>
+              <a:rPr lang="en-US" altLang="zh-CN" sz="1200" dirty="0" err="1"/>
+              <a:t>asm_do_IRQ</a:t>
+            </a:r>
+            <a:r>
+              <a:rPr lang="en-US" altLang="zh-CN" sz="1200" dirty="0"/>
+              <a:t> call </a:t>
+            </a:r>
+            <a:r>
+              <a:rPr lang="en-US" altLang="zh-CN" sz="1200" dirty="0" err="1"/>
+              <a:t>irq_desc.handle_irq</a:t>
+            </a:r>
+            <a:r>
+              <a:rPr lang="en-US" altLang="zh-CN" sz="1200" dirty="0"/>
+              <a:t>-&gt; </a:t>
+            </a:r>
+          </a:p>
+          <a:p>
+            <a:r>
+              <a:rPr lang="en-US" altLang="zh-CN" sz="1200" dirty="0"/>
+              <a:t> </a:t>
+            </a:r>
+            <a:r>
+              <a:rPr lang="en-US" altLang="zh-CN" sz="1200" dirty="0" err="1"/>
+              <a:t>handle.irq</a:t>
+            </a:r>
+            <a:r>
+              <a:rPr lang="en-US" altLang="zh-CN" sz="1200" dirty="0"/>
+              <a:t> call </a:t>
+            </a:r>
+            <a:r>
+              <a:rPr lang="en-US" altLang="zh-CN" sz="1200" dirty="0" err="1"/>
+              <a:t>chip.functions</a:t>
+            </a:r>
+            <a:r>
+              <a:rPr lang="en-US" altLang="zh-CN" sz="1200" dirty="0"/>
+              <a:t> to do with hardware-&gt;</a:t>
+            </a:r>
+            <a:r>
+              <a:rPr lang="en-US" altLang="zh-CN" sz="1200" dirty="0" err="1"/>
+              <a:t>handle.IRQ</a:t>
+            </a:r>
+            <a:r>
+              <a:rPr lang="en-US" altLang="zh-CN" sz="1200" dirty="0"/>
+              <a:t> screen action table for every handler function’s implementation</a:t>
+            </a:r>
+            <a:endParaRPr lang="zh-CN" altLang="en-US" sz="1200" dirty="0"/>
+          </a:p>
+        </p:txBody>
+      </p:sp>
+      <p:sp>
+        <p:nvSpPr>
+          <p:cNvPr id="42" name="文本框 41">
+            <a:extLst>
+              <a:ext uri="{FF2B5EF4-FFF2-40B4-BE49-F238E27FC236}">
+                <a16:creationId xmlns:a16="http://schemas.microsoft.com/office/drawing/2014/main" id="{5D7082CF-A10C-43C8-B6FF-0EEAE28522F3}"/>
+              </a:ext>
+            </a:extLst>
+          </p:cNvPr>
+          <p:cNvSpPr txBox="1"/>
+          <p:nvPr/>
+        </p:nvSpPr>
+        <p:spPr>
+          <a:xfrm>
+            <a:off x="6813610" y="2645437"/>
+            <a:ext cx="1822507" cy="400110"/>
+          </a:xfrm>
+          <a:prstGeom prst="rect">
+            <a:avLst/>
+          </a:prstGeom>
+          <a:noFill/>
+        </p:spPr>
+        <p:txBody>
+          <a:bodyPr wrap="square" rtlCol="0">
+            <a:spAutoFit/>
+          </a:bodyPr>
+          <a:lstStyle/>
+          <a:p>
+            <a:r>
+              <a:rPr lang="en-US" altLang="zh-CN" sz="1000" dirty="0"/>
+              <a:t>kernel last action: launch </a:t>
+            </a:r>
+            <a:r>
+              <a:rPr lang="en-US" altLang="zh-CN" sz="1000" dirty="0" err="1"/>
+              <a:t>init</a:t>
+            </a:r>
+            <a:r>
+              <a:rPr lang="en-US" altLang="zh-CN" sz="1000" dirty="0"/>
+              <a:t> (</a:t>
+            </a:r>
+            <a:r>
+              <a:rPr lang="en-US" altLang="zh-CN" sz="1000" dirty="0" err="1"/>
+              <a:t>init</a:t>
+            </a:r>
+            <a:r>
+              <a:rPr lang="en-US" altLang="zh-CN" sz="1000" dirty="0"/>
+              <a:t>/</a:t>
+            </a:r>
+            <a:r>
+              <a:rPr lang="en-US" altLang="zh-CN" sz="1000" dirty="0" err="1"/>
+              <a:t>main.c</a:t>
+            </a:r>
+            <a:r>
+              <a:rPr lang="en-US" altLang="zh-CN" sz="1000" dirty="0"/>
+              <a:t>)-&gt;/</a:t>
+            </a:r>
+            <a:r>
+              <a:rPr lang="en-US" altLang="zh-CN" sz="1000" dirty="0" err="1"/>
+              <a:t>sbin</a:t>
+            </a:r>
+            <a:r>
+              <a:rPr lang="en-US" altLang="zh-CN" sz="1000" dirty="0"/>
+              <a:t>/</a:t>
+            </a:r>
+            <a:r>
+              <a:rPr lang="en-US" altLang="zh-CN" sz="1000" dirty="0" err="1"/>
+              <a:t>init</a:t>
+            </a:r>
+            <a:endParaRPr lang="zh-CN" altLang="en-US" sz="1000" dirty="0"/>
+          </a:p>
+        </p:txBody>
+      </p:sp>
+    </p:spTree>
+    <p:extLst>
+      <p:ext uri="{BB962C8B-B14F-4D97-AF65-F5344CB8AC3E}">
+        <p14:creationId xmlns:p14="http://schemas.microsoft.com/office/powerpoint/2010/main" val="2334305620"/>
+      </p:ext>
+    </p:extLst>
+  </p:cSld>
+  <p:clrMapOvr>
+    <a:masterClrMapping/>
+  </p:clrMapOvr>
+</p:sld>
+</file>
+
+<file path=ppt/slides/slide3.xml><?xml version="1.0" encoding="utf-8"?>
+<p:sld xmlns:a="http://schemas.openxmlformats.org/drawingml/2006/main" xmlns:r="http://schemas.openxmlformats.org/officeDocument/2006/relationships" xmlns:p="http://schemas.openxmlformats.org/presentationml/2006/main">
+  <p:cSld>
+    <p:spTree>
+      <p:nvGrpSpPr>
+        <p:cNvPr id="1" name=""/>
+        <p:cNvGrpSpPr/>
+        <p:nvPr/>
+      </p:nvGrpSpPr>
+      <p:grpSpPr>
+        <a:xfrm>
+          <a:off x="0" y="0"/>
+          <a:ext cx="0" cy="0"/>
+          <a:chOff x="0" y="0"/>
+          <a:chExt cx="0" cy="0"/>
+        </a:xfrm>
+      </p:grpSpPr>
+      <p:sp>
+        <p:nvSpPr>
+          <p:cNvPr id="2" name="标题 1">
+            <a:extLst>
+              <a:ext uri="{FF2B5EF4-FFF2-40B4-BE49-F238E27FC236}">
+                <a16:creationId xmlns:a16="http://schemas.microsoft.com/office/drawing/2014/main" id="{4DBEFF03-2B27-4B5F-99CC-9195A6F11D10}"/>
+              </a:ext>
+            </a:extLst>
+          </p:cNvPr>
+          <p:cNvSpPr>
+            <a:spLocks noGrp="1"/>
+          </p:cNvSpPr>
+          <p:nvPr>
+            <p:ph type="title"/>
+          </p:nvPr>
+        </p:nvSpPr>
+        <p:spPr>
+          <a:xfrm>
+            <a:off x="79898" y="18255"/>
+            <a:ext cx="11273902" cy="778525"/>
+          </a:xfrm>
+        </p:spPr>
+        <p:txBody>
+          <a:bodyPr/>
+          <a:lstStyle/>
+          <a:p>
+            <a:r>
+              <a:rPr lang="en-US" altLang="zh-CN" dirty="0"/>
+              <a:t>Linux architecture-Bootloader</a:t>
+            </a:r>
+            <a:endParaRPr lang="zh-CN" altLang="en-US" dirty="0"/>
+          </a:p>
+        </p:txBody>
+      </p:sp>
+      <p:sp>
+        <p:nvSpPr>
+          <p:cNvPr id="4" name="立方体 3">
+            <a:extLst>
+              <a:ext uri="{FF2B5EF4-FFF2-40B4-BE49-F238E27FC236}">
+                <a16:creationId xmlns:a16="http://schemas.microsoft.com/office/drawing/2014/main" id="{22D34478-9AD0-472A-85FA-7CC839B29B65}"/>
+              </a:ext>
+            </a:extLst>
+          </p:cNvPr>
+          <p:cNvSpPr/>
+          <p:nvPr/>
+        </p:nvSpPr>
+        <p:spPr>
+          <a:xfrm>
+            <a:off x="9707129" y="1775160"/>
+            <a:ext cx="1127464" cy="497150"/>
+          </a:xfrm>
+          <a:prstGeom prst="cube">
+            <a:avLst/>
+          </a:prstGeom>
+        </p:spPr>
+        <p:style>
+          <a:lnRef idx="2">
+            <a:schemeClr val="accent1">
+              <a:shade val="50000"/>
+            </a:schemeClr>
+          </a:lnRef>
+          <a:fillRef idx="1">
+            <a:schemeClr val="accent1"/>
+          </a:fillRef>
+          <a:effectRef idx="0">
+            <a:schemeClr val="accent1"/>
+          </a:effectRef>
+          <a:fontRef idx="minor">
+            <a:schemeClr val="lt1"/>
+          </a:fontRef>
+        </p:style>
+        <p:txBody>
+          <a:bodyPr rtlCol="0" anchor="ctr"/>
+          <a:lstStyle/>
+          <a:p>
+            <a:pPr algn="ctr"/>
+            <a:r>
+              <a:rPr lang="en-US" altLang="zh-CN" sz="1200" dirty="0"/>
+              <a:t>Bootloader</a:t>
+            </a:r>
+            <a:endParaRPr lang="zh-CN" altLang="en-US" sz="1200" dirty="0"/>
+          </a:p>
+        </p:txBody>
+      </p:sp>
+      <p:sp>
+        <p:nvSpPr>
+          <p:cNvPr id="9" name="箭头: 上 8">
+            <a:extLst>
+              <a:ext uri="{FF2B5EF4-FFF2-40B4-BE49-F238E27FC236}">
+                <a16:creationId xmlns:a16="http://schemas.microsoft.com/office/drawing/2014/main" id="{096BF2E9-4B31-46C9-94E9-AD18CE6F61D7}"/>
+              </a:ext>
+            </a:extLst>
+          </p:cNvPr>
+          <p:cNvSpPr/>
+          <p:nvPr/>
+        </p:nvSpPr>
+        <p:spPr>
+          <a:xfrm>
+            <a:off x="10151014" y="1399699"/>
+            <a:ext cx="119847" cy="375461"/>
+          </a:xfrm>
+          <a:prstGeom prst="upArrow">
+            <a:avLst/>
+          </a:prstGeom>
+        </p:spPr>
+        <p:style>
+          <a:lnRef idx="2">
+            <a:schemeClr val="accent1">
+              <a:shade val="50000"/>
+            </a:schemeClr>
+          </a:lnRef>
+          <a:fillRef idx="1">
+            <a:schemeClr val="accent1"/>
+          </a:fillRef>
+          <a:effectRef idx="0">
+            <a:schemeClr val="accent1"/>
+          </a:effectRef>
+          <a:fontRef idx="minor">
+            <a:schemeClr val="lt1"/>
+          </a:fontRef>
+        </p:style>
+        <p:txBody>
+          <a:bodyPr rtlCol="0" anchor="ctr"/>
+          <a:lstStyle/>
+          <a:p>
+            <a:pPr algn="ctr"/>
+            <a:endParaRPr lang="zh-CN" altLang="en-US"/>
+          </a:p>
+        </p:txBody>
+      </p:sp>
+      <p:sp>
+        <p:nvSpPr>
+          <p:cNvPr id="11" name="文本框 10">
+            <a:extLst>
+              <a:ext uri="{FF2B5EF4-FFF2-40B4-BE49-F238E27FC236}">
+                <a16:creationId xmlns:a16="http://schemas.microsoft.com/office/drawing/2014/main" id="{F27CFE37-1626-44E5-825A-F659491630CB}"/>
+              </a:ext>
+            </a:extLst>
+          </p:cNvPr>
+          <p:cNvSpPr txBox="1"/>
+          <p:nvPr/>
+        </p:nvSpPr>
+        <p:spPr>
+          <a:xfrm>
+            <a:off x="10270861" y="1345279"/>
+            <a:ext cx="798990" cy="400110"/>
+          </a:xfrm>
+          <a:prstGeom prst="rect">
+            <a:avLst/>
+          </a:prstGeom>
+          <a:noFill/>
+        </p:spPr>
+        <p:txBody>
+          <a:bodyPr wrap="square" rtlCol="0">
+            <a:spAutoFit/>
+          </a:bodyPr>
+          <a:lstStyle/>
+          <a:p>
+            <a:r>
+              <a:rPr lang="en-US" altLang="zh-CN" sz="1000" dirty="0"/>
+              <a:t>Boot parameters</a:t>
+            </a:r>
+            <a:endParaRPr lang="zh-CN" altLang="en-US" sz="1000" dirty="0"/>
+          </a:p>
+        </p:txBody>
+      </p:sp>
+      <p:sp>
+        <p:nvSpPr>
+          <p:cNvPr id="12" name="立方体 11">
+            <a:extLst>
+              <a:ext uri="{FF2B5EF4-FFF2-40B4-BE49-F238E27FC236}">
+                <a16:creationId xmlns:a16="http://schemas.microsoft.com/office/drawing/2014/main" id="{E1092073-3B9B-4ABA-8033-C861B2A64F39}"/>
+              </a:ext>
+            </a:extLst>
+          </p:cNvPr>
+          <p:cNvSpPr/>
+          <p:nvPr/>
+        </p:nvSpPr>
+        <p:spPr>
+          <a:xfrm>
+            <a:off x="9604296" y="796780"/>
+            <a:ext cx="1209582" cy="497150"/>
+          </a:xfrm>
+          <a:prstGeom prst="cube">
+            <a:avLst/>
+          </a:prstGeom>
+        </p:spPr>
+        <p:style>
+          <a:lnRef idx="2">
+            <a:schemeClr val="accent1">
+              <a:shade val="50000"/>
+            </a:schemeClr>
+          </a:lnRef>
+          <a:fillRef idx="1">
+            <a:schemeClr val="accent1"/>
+          </a:fillRef>
+          <a:effectRef idx="0">
+            <a:schemeClr val="accent1"/>
+          </a:effectRef>
+          <a:fontRef idx="minor">
+            <a:schemeClr val="lt1"/>
+          </a:fontRef>
+        </p:style>
+        <p:txBody>
+          <a:bodyPr rtlCol="0" anchor="ctr"/>
+          <a:lstStyle/>
+          <a:p>
+            <a:pPr algn="ctr"/>
+            <a:r>
+              <a:rPr lang="en-US" altLang="zh-CN" sz="1200" dirty="0"/>
+              <a:t>kernel</a:t>
+            </a:r>
+            <a:endParaRPr lang="zh-CN" altLang="en-US" sz="1200" dirty="0"/>
+          </a:p>
+        </p:txBody>
+      </p:sp>
+      <p:sp>
+        <p:nvSpPr>
+          <p:cNvPr id="17" name="立方体 16">
+            <a:extLst>
+              <a:ext uri="{FF2B5EF4-FFF2-40B4-BE49-F238E27FC236}">
+                <a16:creationId xmlns:a16="http://schemas.microsoft.com/office/drawing/2014/main" id="{6F6A4280-5667-40DC-BFC6-5A16F0C13F12}"/>
+              </a:ext>
+            </a:extLst>
+          </p:cNvPr>
+          <p:cNvSpPr/>
+          <p:nvPr/>
+        </p:nvSpPr>
+        <p:spPr>
+          <a:xfrm>
+            <a:off x="10803388" y="755835"/>
+            <a:ext cx="1388612" cy="497150"/>
+          </a:xfrm>
+          <a:prstGeom prst="cube">
+            <a:avLst/>
+          </a:prstGeom>
+        </p:spPr>
+        <p:style>
+          <a:lnRef idx="2">
+            <a:schemeClr val="accent1">
+              <a:shade val="50000"/>
+            </a:schemeClr>
+          </a:lnRef>
+          <a:fillRef idx="1">
+            <a:schemeClr val="accent1"/>
+          </a:fillRef>
+          <a:effectRef idx="0">
+            <a:schemeClr val="accent1"/>
+          </a:effectRef>
+          <a:fontRef idx="minor">
+            <a:schemeClr val="lt1"/>
+          </a:fontRef>
+        </p:style>
+        <p:txBody>
+          <a:bodyPr rtlCol="0" anchor="ctr"/>
+          <a:lstStyle/>
+          <a:p>
+            <a:pPr algn="ctr"/>
+            <a:r>
+              <a:rPr lang="en-US" altLang="zh-CN" sz="1200" dirty="0"/>
+              <a:t>Driver(open/read/write/</a:t>
+            </a:r>
+            <a:r>
+              <a:rPr lang="en-US" altLang="zh-CN" sz="1200" dirty="0" err="1"/>
+              <a:t>ioctl</a:t>
+            </a:r>
+            <a:r>
+              <a:rPr lang="en-US" altLang="zh-CN" sz="1200" dirty="0"/>
+              <a:t>…) </a:t>
+            </a:r>
+            <a:endParaRPr lang="zh-CN" altLang="en-US" sz="1200" dirty="0"/>
+          </a:p>
+        </p:txBody>
+      </p:sp>
+      <p:sp>
+        <p:nvSpPr>
+          <p:cNvPr id="31" name="立方体 30">
+            <a:extLst>
+              <a:ext uri="{FF2B5EF4-FFF2-40B4-BE49-F238E27FC236}">
+                <a16:creationId xmlns:a16="http://schemas.microsoft.com/office/drawing/2014/main" id="{E15F0ED8-88AE-4EC6-90CE-75E77A4B3356}"/>
+              </a:ext>
+            </a:extLst>
+          </p:cNvPr>
+          <p:cNvSpPr/>
+          <p:nvPr/>
+        </p:nvSpPr>
+        <p:spPr>
+          <a:xfrm>
+            <a:off x="8394714" y="833244"/>
+            <a:ext cx="1209582" cy="497150"/>
+          </a:xfrm>
+          <a:prstGeom prst="cube">
+            <a:avLst/>
+          </a:prstGeom>
+        </p:spPr>
+        <p:style>
+          <a:lnRef idx="2">
+            <a:schemeClr val="accent1">
+              <a:shade val="50000"/>
+            </a:schemeClr>
+          </a:lnRef>
+          <a:fillRef idx="1">
+            <a:schemeClr val="accent1"/>
+          </a:fillRef>
+          <a:effectRef idx="0">
+            <a:schemeClr val="accent1"/>
+          </a:effectRef>
+          <a:fontRef idx="minor">
+            <a:schemeClr val="lt1"/>
+          </a:fontRef>
+        </p:style>
+        <p:txBody>
+          <a:bodyPr rtlCol="0" anchor="ctr"/>
+          <a:lstStyle/>
+          <a:p>
+            <a:pPr algn="ctr"/>
+            <a:r>
+              <a:rPr lang="en-US" altLang="zh-CN" sz="1200" dirty="0"/>
+              <a:t>Kernel-</a:t>
+            </a:r>
+            <a:r>
+              <a:rPr lang="en-US" altLang="zh-CN" sz="1200" dirty="0" err="1"/>
+              <a:t>syscall</a:t>
+            </a:r>
+            <a:endParaRPr lang="zh-CN" altLang="en-US" sz="1200" dirty="0"/>
+          </a:p>
+        </p:txBody>
+      </p:sp>
+      <p:sp>
+        <p:nvSpPr>
+          <p:cNvPr id="80" name="文本框 79">
+            <a:extLst>
+              <a:ext uri="{FF2B5EF4-FFF2-40B4-BE49-F238E27FC236}">
+                <a16:creationId xmlns:a16="http://schemas.microsoft.com/office/drawing/2014/main" id="{A0B91055-B219-4830-93C3-6818BC76ECDE}"/>
+              </a:ext>
+            </a:extLst>
+          </p:cNvPr>
+          <p:cNvSpPr txBox="1"/>
+          <p:nvPr/>
+        </p:nvSpPr>
+        <p:spPr>
+          <a:xfrm>
+            <a:off x="259952" y="940092"/>
+            <a:ext cx="4533989" cy="3970318"/>
+          </a:xfrm>
+          <a:prstGeom prst="rect">
+            <a:avLst/>
+          </a:prstGeom>
+          <a:noFill/>
+        </p:spPr>
+        <p:txBody>
+          <a:bodyPr wrap="square" rtlCol="0">
+            <a:spAutoFit/>
+          </a:bodyPr>
+          <a:lstStyle/>
+          <a:p>
+            <a:r>
+              <a:rPr lang="en-US" altLang="zh-CN" sz="1200" b="1" u="sng" dirty="0"/>
+              <a:t>Bootloader dispatch parameters to Kernel through Tagged list</a:t>
+            </a:r>
+          </a:p>
+          <a:p>
+            <a:pPr lvl="1"/>
+            <a:r>
+              <a:rPr lang="en-US" altLang="zh-CN" sz="1200" dirty="0"/>
+              <a:t>-include/</a:t>
+            </a:r>
+            <a:r>
+              <a:rPr lang="en-US" altLang="zh-CN" sz="1200" dirty="0" err="1"/>
+              <a:t>asm</a:t>
+            </a:r>
+            <a:r>
+              <a:rPr lang="en-US" altLang="zh-CN" sz="1200" dirty="0"/>
+              <a:t>/</a:t>
+            </a:r>
+            <a:r>
+              <a:rPr lang="en-US" altLang="zh-CN" sz="1200" dirty="0" err="1"/>
+              <a:t>setup.h</a:t>
+            </a:r>
+            <a:endParaRPr lang="en-US" altLang="zh-CN" sz="1200" dirty="0"/>
+          </a:p>
+          <a:p>
+            <a:r>
+              <a:rPr lang="en-US" altLang="zh-CN" sz="1200" dirty="0"/>
+              <a:t>Struct </a:t>
+            </a:r>
+            <a:r>
+              <a:rPr lang="en-US" altLang="zh-CN" sz="1200" dirty="0" err="1"/>
+              <a:t>tag_header</a:t>
+            </a:r>
+            <a:r>
+              <a:rPr lang="en-US" altLang="zh-CN" sz="1200" dirty="0"/>
+              <a:t> {</a:t>
+            </a:r>
+          </a:p>
+          <a:p>
+            <a:r>
+              <a:rPr lang="en-US" altLang="zh-CN" sz="1200" dirty="0"/>
+              <a:t>    u32 size;</a:t>
+            </a:r>
+          </a:p>
+          <a:p>
+            <a:r>
+              <a:rPr lang="en-US" altLang="zh-CN" sz="1200" dirty="0"/>
+              <a:t>    u32 tag;</a:t>
+            </a:r>
+          </a:p>
+          <a:p>
+            <a:r>
+              <a:rPr lang="en-US" altLang="zh-CN" sz="1200" dirty="0"/>
+              <a:t>};</a:t>
+            </a:r>
+          </a:p>
+          <a:p>
+            <a:r>
+              <a:rPr lang="en-US" altLang="zh-CN" sz="1200" dirty="0"/>
+              <a:t>Struct tag{</a:t>
+            </a:r>
+          </a:p>
+          <a:p>
+            <a:r>
+              <a:rPr lang="en-US" altLang="zh-CN" sz="1200" dirty="0"/>
+              <a:t>   struct </a:t>
+            </a:r>
+            <a:r>
+              <a:rPr lang="en-US" altLang="zh-CN" sz="1200" dirty="0" err="1"/>
+              <a:t>tag_header</a:t>
+            </a:r>
+            <a:r>
+              <a:rPr lang="en-US" altLang="zh-CN" sz="1200" dirty="0"/>
+              <a:t>         </a:t>
+            </a:r>
+            <a:r>
+              <a:rPr lang="en-US" altLang="zh-CN" sz="1200" b="1" dirty="0" err="1"/>
+              <a:t>hdr</a:t>
+            </a:r>
+            <a:r>
+              <a:rPr lang="en-US" altLang="zh-CN" sz="1200" b="1" dirty="0"/>
+              <a:t>;</a:t>
+            </a:r>
+          </a:p>
+          <a:p>
+            <a:r>
+              <a:rPr lang="en-US" altLang="zh-CN" sz="1200" dirty="0"/>
+              <a:t>   union {</a:t>
+            </a:r>
+          </a:p>
+          <a:p>
+            <a:r>
+              <a:rPr lang="en-US" altLang="zh-CN" sz="1200" dirty="0"/>
+              <a:t>       struct </a:t>
+            </a:r>
+            <a:r>
+              <a:rPr lang="en-US" altLang="zh-CN" sz="1200" dirty="0" err="1"/>
+              <a:t>tag_core</a:t>
+            </a:r>
+            <a:r>
+              <a:rPr lang="en-US" altLang="zh-CN" sz="1200" dirty="0"/>
+              <a:t>         core;</a:t>
+            </a:r>
+          </a:p>
+          <a:p>
+            <a:r>
+              <a:rPr lang="en-US" altLang="zh-CN" sz="1200" dirty="0"/>
+              <a:t>       struct tag_mem32     mem;</a:t>
+            </a:r>
+          </a:p>
+          <a:p>
+            <a:r>
+              <a:rPr lang="en-US" altLang="zh-CN" sz="1200" dirty="0"/>
+              <a:t>       struct </a:t>
+            </a:r>
+            <a:r>
+              <a:rPr lang="en-US" altLang="zh-CN" sz="1200" dirty="0" err="1"/>
+              <a:t>tag_videotext</a:t>
+            </a:r>
+            <a:r>
+              <a:rPr lang="en-US" altLang="zh-CN" sz="1200" dirty="0"/>
+              <a:t>  videotext;</a:t>
+            </a:r>
+          </a:p>
+          <a:p>
+            <a:r>
+              <a:rPr lang="en-US" altLang="zh-CN" sz="1200" dirty="0"/>
+              <a:t>       struct </a:t>
+            </a:r>
+            <a:r>
+              <a:rPr lang="en-US" altLang="zh-CN" sz="1200" dirty="0" err="1"/>
+              <a:t>tag_ramdisk</a:t>
+            </a:r>
+            <a:r>
+              <a:rPr lang="en-US" altLang="zh-CN" sz="1200" dirty="0"/>
+              <a:t>    </a:t>
+            </a:r>
+            <a:r>
+              <a:rPr lang="en-US" altLang="zh-CN" sz="1200" dirty="0" err="1"/>
+              <a:t>ramdisk</a:t>
+            </a:r>
+            <a:r>
+              <a:rPr lang="en-US" altLang="zh-CN" sz="1200" dirty="0"/>
+              <a:t>;</a:t>
+            </a:r>
+          </a:p>
+          <a:p>
+            <a:r>
+              <a:rPr lang="en-US" altLang="zh-CN" sz="1200" dirty="0"/>
+              <a:t>       struct </a:t>
+            </a:r>
+            <a:r>
+              <a:rPr lang="en-US" altLang="zh-CN" sz="1200" dirty="0" err="1"/>
+              <a:t>tag_initrd</a:t>
+            </a:r>
+            <a:r>
+              <a:rPr lang="en-US" altLang="zh-CN" sz="1200" dirty="0"/>
+              <a:t>        </a:t>
+            </a:r>
+            <a:r>
+              <a:rPr lang="en-US" altLang="zh-CN" sz="1200" dirty="0" err="1"/>
+              <a:t>initrd</a:t>
+            </a:r>
+            <a:r>
+              <a:rPr lang="en-US" altLang="zh-CN" sz="1200" dirty="0"/>
+              <a:t>;</a:t>
+            </a:r>
+          </a:p>
+          <a:p>
+            <a:r>
+              <a:rPr lang="en-US" altLang="zh-CN" sz="1200" dirty="0"/>
+              <a:t>       struct </a:t>
+            </a:r>
+            <a:r>
+              <a:rPr lang="en-US" altLang="zh-CN" sz="1200" dirty="0" err="1"/>
+              <a:t>tag_serialnr</a:t>
+            </a:r>
+            <a:r>
+              <a:rPr lang="en-US" altLang="zh-CN" sz="1200" dirty="0"/>
+              <a:t>     </a:t>
+            </a:r>
+            <a:r>
+              <a:rPr lang="en-US" altLang="zh-CN" sz="1200" dirty="0" err="1"/>
+              <a:t>serialnr</a:t>
+            </a:r>
+            <a:r>
+              <a:rPr lang="en-US" altLang="zh-CN" sz="1200" dirty="0"/>
+              <a:t>;</a:t>
+            </a:r>
+          </a:p>
+          <a:p>
+            <a:r>
+              <a:rPr lang="en-US" altLang="zh-CN" sz="1200" dirty="0"/>
+              <a:t>       struct </a:t>
+            </a:r>
+            <a:r>
+              <a:rPr lang="en-US" altLang="zh-CN" sz="1200" dirty="0" err="1"/>
+              <a:t>tag_revision</a:t>
+            </a:r>
+            <a:r>
+              <a:rPr lang="en-US" altLang="zh-CN" sz="1200" dirty="0"/>
+              <a:t>     revision;</a:t>
+            </a:r>
+          </a:p>
+          <a:p>
+            <a:r>
+              <a:rPr lang="en-US" altLang="zh-CN" sz="1200" dirty="0"/>
+              <a:t>       struct </a:t>
+            </a:r>
+            <a:r>
+              <a:rPr lang="en-US" altLang="zh-CN" sz="1200" dirty="0" err="1"/>
+              <a:t>tag_videolfb</a:t>
+            </a:r>
+            <a:r>
+              <a:rPr lang="en-US" altLang="zh-CN" sz="1200" dirty="0"/>
+              <a:t>    </a:t>
+            </a:r>
+            <a:r>
+              <a:rPr lang="en-US" altLang="zh-CN" sz="1200" dirty="0" err="1"/>
+              <a:t>videolfb</a:t>
+            </a:r>
+            <a:r>
+              <a:rPr lang="en-US" altLang="zh-CN" sz="1200" dirty="0"/>
+              <a:t>;</a:t>
+            </a:r>
+          </a:p>
+          <a:p>
+            <a:r>
+              <a:rPr lang="en-US" altLang="zh-CN" sz="1200" dirty="0"/>
+              <a:t>       struct </a:t>
+            </a:r>
+            <a:r>
+              <a:rPr lang="en-US" altLang="zh-CN" sz="1200" dirty="0" err="1"/>
+              <a:t>tag_cmdline</a:t>
+            </a:r>
+            <a:r>
+              <a:rPr lang="en-US" altLang="zh-CN" sz="1200" dirty="0"/>
+              <a:t>     </a:t>
+            </a:r>
+            <a:r>
+              <a:rPr lang="en-US" altLang="zh-CN" sz="1200" dirty="0" err="1"/>
+              <a:t>cmdline</a:t>
+            </a:r>
+            <a:r>
+              <a:rPr lang="en-US" altLang="zh-CN" sz="1200" dirty="0"/>
+              <a:t>;</a:t>
+            </a:r>
+          </a:p>
+          <a:p>
+            <a:r>
+              <a:rPr lang="en-US" altLang="zh-CN" sz="1200" dirty="0"/>
+              <a:t>        // any specific </a:t>
+            </a:r>
+          </a:p>
+          <a:p>
+            <a:r>
+              <a:rPr lang="en-US" altLang="zh-CN" sz="1200" dirty="0"/>
+              <a:t>          }</a:t>
+            </a:r>
+            <a:r>
+              <a:rPr lang="en-US" altLang="zh-CN" sz="1200" b="1" dirty="0"/>
+              <a:t>u;</a:t>
+            </a:r>
+          </a:p>
+          <a:p>
+            <a:r>
+              <a:rPr lang="en-US" altLang="zh-CN" sz="1200" dirty="0"/>
+              <a:t>  };</a:t>
+            </a:r>
+          </a:p>
+        </p:txBody>
+      </p:sp>
+      <p:sp>
+        <p:nvSpPr>
+          <p:cNvPr id="10" name="文本框 9">
+            <a:extLst>
+              <a:ext uri="{FF2B5EF4-FFF2-40B4-BE49-F238E27FC236}">
+                <a16:creationId xmlns:a16="http://schemas.microsoft.com/office/drawing/2014/main" id="{86981294-B180-4906-BB16-15753FAB764E}"/>
+              </a:ext>
+            </a:extLst>
+          </p:cNvPr>
+          <p:cNvSpPr txBox="1"/>
+          <p:nvPr/>
+        </p:nvSpPr>
+        <p:spPr>
+          <a:xfrm>
+            <a:off x="4818035" y="1659183"/>
+            <a:ext cx="5870680" cy="4893647"/>
+          </a:xfrm>
+          <a:prstGeom prst="rect">
+            <a:avLst/>
+          </a:prstGeom>
+          <a:noFill/>
+        </p:spPr>
+        <p:txBody>
+          <a:bodyPr wrap="square" rtlCol="0">
+            <a:spAutoFit/>
+          </a:bodyPr>
+          <a:lstStyle/>
+          <a:p>
+            <a:r>
+              <a:rPr lang="en-US" altLang="zh-CN" sz="1200" b="1" u="sng" dirty="0"/>
+              <a:t>Set ATAG_CORE</a:t>
+            </a:r>
+          </a:p>
+          <a:p>
+            <a:r>
+              <a:rPr lang="en-US" altLang="zh-CN" sz="1200" dirty="0"/>
+              <a:t>Params =(struct tag*) 0x30000000;   //address for example</a:t>
+            </a:r>
+          </a:p>
+          <a:p>
+            <a:r>
+              <a:rPr lang="en-US" altLang="zh-CN" sz="1200" dirty="0"/>
+              <a:t>Params-&gt;</a:t>
+            </a:r>
+            <a:r>
+              <a:rPr lang="en-US" altLang="zh-CN" sz="1200" dirty="0" err="1"/>
+              <a:t>hdr.tag</a:t>
+            </a:r>
+            <a:r>
+              <a:rPr lang="en-US" altLang="zh-CN" sz="1200" dirty="0"/>
+              <a:t>=ATAG_CORE;</a:t>
+            </a:r>
+          </a:p>
+          <a:p>
+            <a:r>
+              <a:rPr lang="en-US" altLang="zh-CN" sz="1200" dirty="0"/>
+              <a:t>Params-&gt;</a:t>
+            </a:r>
+            <a:r>
+              <a:rPr lang="en-US" altLang="zh-CN" sz="1200" dirty="0" err="1"/>
+              <a:t>hdr.size</a:t>
+            </a:r>
+            <a:r>
+              <a:rPr lang="en-US" altLang="zh-CN" sz="1200" dirty="0"/>
+              <a:t>=</a:t>
+            </a:r>
+            <a:r>
+              <a:rPr lang="en-US" altLang="zh-CN" sz="1200" dirty="0" err="1"/>
+              <a:t>tag_size</a:t>
+            </a:r>
+            <a:r>
+              <a:rPr lang="en-US" altLang="zh-CN" sz="1200" dirty="0"/>
+              <a:t>(</a:t>
+            </a:r>
+            <a:r>
+              <a:rPr lang="en-US" altLang="zh-CN" sz="1200" dirty="0" err="1"/>
+              <a:t>tag_core</a:t>
+            </a:r>
+            <a:r>
+              <a:rPr lang="en-US" altLang="zh-CN" sz="1200" dirty="0"/>
+              <a:t>); </a:t>
+            </a:r>
+          </a:p>
+          <a:p>
+            <a:r>
+              <a:rPr lang="en-US" altLang="zh-CN" sz="1200" dirty="0"/>
+              <a:t>Params-&gt;</a:t>
+            </a:r>
+            <a:r>
+              <a:rPr lang="en-US" altLang="zh-CN" sz="1200" dirty="0" err="1"/>
+              <a:t>u.core.flags</a:t>
+            </a:r>
+            <a:r>
+              <a:rPr lang="en-US" altLang="zh-CN" sz="1200" dirty="0"/>
+              <a:t>=0;</a:t>
+            </a:r>
+          </a:p>
+          <a:p>
+            <a:r>
+              <a:rPr lang="en-US" altLang="zh-CN" sz="1200" dirty="0"/>
+              <a:t>Params-&gt;</a:t>
+            </a:r>
+            <a:r>
+              <a:rPr lang="en-US" altLang="zh-CN" sz="1200" dirty="0" err="1"/>
+              <a:t>u.core.pagesize</a:t>
+            </a:r>
+            <a:r>
+              <a:rPr lang="en-US" altLang="zh-CN" sz="1200" dirty="0"/>
+              <a:t>=0;</a:t>
+            </a:r>
+          </a:p>
+          <a:p>
+            <a:r>
+              <a:rPr lang="en-US" altLang="zh-CN" sz="1200" dirty="0"/>
+              <a:t>Params-&gt;</a:t>
+            </a:r>
+            <a:r>
+              <a:rPr lang="en-US" altLang="zh-CN" sz="1200" dirty="0" err="1"/>
+              <a:t>u.core.rootdev</a:t>
+            </a:r>
+            <a:r>
+              <a:rPr lang="en-US" altLang="zh-CN" sz="1200" dirty="0"/>
+              <a:t>=0;</a:t>
+            </a:r>
+          </a:p>
+          <a:p>
+            <a:r>
+              <a:rPr lang="en-US" altLang="zh-CN" sz="1200" dirty="0"/>
+              <a:t>Params=</a:t>
+            </a:r>
+            <a:r>
+              <a:rPr lang="en-US" altLang="zh-CN" sz="1200" dirty="0" err="1"/>
+              <a:t>tag_next</a:t>
+            </a:r>
+            <a:r>
+              <a:rPr lang="en-US" altLang="zh-CN" sz="1200" dirty="0"/>
+              <a:t>(params);</a:t>
+            </a:r>
+          </a:p>
+          <a:p>
+            <a:endParaRPr lang="en-US" altLang="zh-CN" sz="1200" dirty="0"/>
+          </a:p>
+          <a:p>
+            <a:r>
+              <a:rPr lang="en-US" altLang="zh-CN" sz="1200" dirty="0"/>
+              <a:t>#define </a:t>
+            </a:r>
+            <a:r>
+              <a:rPr lang="en-US" altLang="zh-CN" sz="1200" dirty="0" err="1"/>
+              <a:t>tag_next</a:t>
+            </a:r>
+            <a:r>
+              <a:rPr lang="en-US" altLang="zh-CN" sz="1200" dirty="0"/>
+              <a:t>(t) ((struct tag*)((u32*)(t)+(t)-&gt;</a:t>
+            </a:r>
+            <a:r>
+              <a:rPr lang="en-US" altLang="zh-CN" sz="1200" dirty="0" err="1"/>
+              <a:t>hdr.size</a:t>
+            </a:r>
+            <a:r>
+              <a:rPr lang="en-US" altLang="zh-CN" sz="1200" dirty="0"/>
+              <a:t>))</a:t>
+            </a:r>
+          </a:p>
+          <a:p>
+            <a:r>
+              <a:rPr lang="en-US" altLang="zh-CN" sz="1200" b="1" u="sng" dirty="0"/>
+              <a:t>Set ATAG_MEM</a:t>
+            </a:r>
+          </a:p>
+          <a:p>
+            <a:r>
+              <a:rPr lang="en-US" altLang="zh-CN" sz="1200" dirty="0"/>
+              <a:t>Params-&gt;</a:t>
+            </a:r>
+            <a:r>
+              <a:rPr lang="en-US" altLang="zh-CN" sz="1200" dirty="0" err="1"/>
+              <a:t>hdr.tag</a:t>
+            </a:r>
+            <a:r>
+              <a:rPr lang="en-US" altLang="zh-CN" sz="1200" dirty="0"/>
+              <a:t>=ATAG_MEM;</a:t>
+            </a:r>
+          </a:p>
+          <a:p>
+            <a:r>
+              <a:rPr lang="en-US" altLang="zh-CN" sz="1200" dirty="0"/>
+              <a:t>Params-&gt;</a:t>
+            </a:r>
+            <a:r>
+              <a:rPr lang="en-US" altLang="zh-CN" sz="1200" dirty="0" err="1"/>
+              <a:t>hdr.size</a:t>
+            </a:r>
+            <a:r>
+              <a:rPr lang="en-US" altLang="zh-CN" sz="1200" dirty="0"/>
+              <a:t>=</a:t>
+            </a:r>
+            <a:r>
+              <a:rPr lang="en-US" altLang="zh-CN" sz="1200" dirty="0" err="1"/>
+              <a:t>tag_size</a:t>
+            </a:r>
+            <a:r>
+              <a:rPr lang="en-US" altLang="zh-CN" sz="1200" dirty="0"/>
+              <a:t>(tag_mem32);</a:t>
+            </a:r>
+          </a:p>
+          <a:p>
+            <a:r>
+              <a:rPr lang="en-US" altLang="zh-CN" sz="1200" dirty="0"/>
+              <a:t>Params-&gt;</a:t>
+            </a:r>
+            <a:r>
+              <a:rPr lang="en-US" altLang="zh-CN" sz="1200" dirty="0" err="1"/>
+              <a:t>u.mem.start</a:t>
+            </a:r>
+            <a:r>
+              <a:rPr lang="en-US" altLang="zh-CN" sz="1200" dirty="0"/>
+              <a:t>=0x30000000;</a:t>
+            </a:r>
+          </a:p>
+          <a:p>
+            <a:r>
+              <a:rPr lang="en-US" altLang="zh-CN" sz="1200" dirty="0"/>
+              <a:t>Params-&gt;</a:t>
+            </a:r>
+            <a:r>
+              <a:rPr lang="en-US" altLang="zh-CN" sz="1200" dirty="0" err="1"/>
+              <a:t>u.mem.size</a:t>
+            </a:r>
+            <a:r>
+              <a:rPr lang="en-US" altLang="zh-CN" sz="1200" dirty="0"/>
+              <a:t>=0x4000000;</a:t>
+            </a:r>
+          </a:p>
+          <a:p>
+            <a:r>
+              <a:rPr lang="en-US" altLang="zh-CN" sz="1200" dirty="0"/>
+              <a:t>Params=</a:t>
+            </a:r>
+            <a:r>
+              <a:rPr lang="en-US" altLang="zh-CN" sz="1200" dirty="0" err="1"/>
+              <a:t>tag_next</a:t>
+            </a:r>
+            <a:r>
+              <a:rPr lang="en-US" altLang="zh-CN" sz="1200" dirty="0"/>
+              <a:t>(params);</a:t>
+            </a:r>
+          </a:p>
+          <a:p>
+            <a:r>
+              <a:rPr lang="en-US" altLang="zh-CN" sz="1200" b="1" u="sng" dirty="0"/>
+              <a:t>Set ATAG_CMDLINE</a:t>
+            </a:r>
+          </a:p>
+          <a:p>
+            <a:r>
+              <a:rPr lang="en-US" altLang="zh-CN" sz="1200" dirty="0"/>
+              <a:t>Char *p=“root=/dev/</a:t>
+            </a:r>
+            <a:r>
+              <a:rPr lang="en-US" altLang="zh-CN" sz="1200" dirty="0" err="1"/>
+              <a:t>mtdblock</a:t>
+            </a:r>
+            <a:r>
+              <a:rPr lang="en-US" altLang="zh-CN" sz="1200" dirty="0"/>
+              <a:t> 2 </a:t>
+            </a:r>
+            <a:r>
+              <a:rPr lang="en-US" altLang="zh-CN" sz="1200" dirty="0" err="1"/>
+              <a:t>init</a:t>
+            </a:r>
+            <a:r>
+              <a:rPr lang="en-US" altLang="zh-CN" sz="1200" dirty="0"/>
+              <a:t>=/</a:t>
+            </a:r>
+            <a:r>
+              <a:rPr lang="en-US" altLang="zh-CN" sz="1200" dirty="0" err="1"/>
+              <a:t>linuxrc</a:t>
+            </a:r>
+            <a:r>
+              <a:rPr lang="en-US" altLang="zh-CN" sz="1200" dirty="0"/>
+              <a:t> console=ttySAC0”;   //for example</a:t>
+            </a:r>
+          </a:p>
+          <a:p>
+            <a:r>
+              <a:rPr lang="en-US" altLang="zh-CN" sz="1200" dirty="0"/>
+              <a:t>Params-&gt;</a:t>
+            </a:r>
+            <a:r>
+              <a:rPr lang="en-US" altLang="zh-CN" sz="1200" dirty="0" err="1"/>
+              <a:t>hdr.tag</a:t>
+            </a:r>
+            <a:r>
+              <a:rPr lang="en-US" altLang="zh-CN" sz="1200" dirty="0"/>
+              <a:t>=ATAG_CMDLINE;</a:t>
+            </a:r>
+          </a:p>
+          <a:p>
+            <a:r>
+              <a:rPr lang="en-US" altLang="zh-CN" sz="1200" dirty="0"/>
+              <a:t>Params-&gt;</a:t>
+            </a:r>
+            <a:r>
+              <a:rPr lang="en-US" altLang="zh-CN" sz="1200" dirty="0" err="1"/>
+              <a:t>hdr.size</a:t>
+            </a:r>
+            <a:r>
+              <a:rPr lang="en-US" altLang="zh-CN" sz="1200" dirty="0"/>
+              <a:t>=(</a:t>
+            </a:r>
+            <a:r>
+              <a:rPr lang="en-US" altLang="zh-CN" sz="1200" dirty="0" err="1"/>
+              <a:t>sizeof</a:t>
+            </a:r>
+            <a:r>
+              <a:rPr lang="en-US" altLang="zh-CN" sz="1200" dirty="0"/>
+              <a:t>(struct </a:t>
+            </a:r>
+            <a:r>
+              <a:rPr lang="en-US" altLang="zh-CN" sz="1200" dirty="0" err="1"/>
+              <a:t>tag_header</a:t>
+            </a:r>
+            <a:r>
+              <a:rPr lang="en-US" altLang="zh-CN" sz="1200" dirty="0"/>
+              <a:t>)+</a:t>
+            </a:r>
+            <a:r>
+              <a:rPr lang="en-US" altLang="zh-CN" sz="1200" dirty="0" err="1"/>
+              <a:t>strlen</a:t>
+            </a:r>
+            <a:r>
+              <a:rPr lang="en-US" altLang="zh-CN" sz="1200" dirty="0"/>
+              <a:t>(p)+1+4)&gt;&gt;2;</a:t>
+            </a:r>
+          </a:p>
+          <a:p>
+            <a:r>
+              <a:rPr lang="en-US" altLang="zh-CN" sz="1200" dirty="0" err="1"/>
+              <a:t>Strcpy</a:t>
+            </a:r>
+            <a:r>
+              <a:rPr lang="en-US" altLang="zh-CN" sz="1200" dirty="0"/>
+              <a:t>(params-&gt;</a:t>
+            </a:r>
+            <a:r>
+              <a:rPr lang="en-US" altLang="zh-CN" sz="1200" dirty="0" err="1"/>
+              <a:t>u.cmdline.cmdline,p</a:t>
+            </a:r>
+            <a:r>
+              <a:rPr lang="en-US" altLang="zh-CN" sz="1200" dirty="0"/>
+              <a:t>);</a:t>
+            </a:r>
+          </a:p>
+          <a:p>
+            <a:r>
+              <a:rPr lang="en-US" altLang="zh-CN" sz="1200" dirty="0"/>
+              <a:t>Params=</a:t>
+            </a:r>
+            <a:r>
+              <a:rPr lang="en-US" altLang="zh-CN" sz="1200" dirty="0" err="1"/>
+              <a:t>tag_next</a:t>
+            </a:r>
+            <a:r>
+              <a:rPr lang="en-US" altLang="zh-CN" sz="1200" dirty="0"/>
+              <a:t>(params);  </a:t>
+            </a:r>
+          </a:p>
+          <a:p>
+            <a:r>
+              <a:rPr lang="en-US" altLang="zh-CN" sz="1200" dirty="0"/>
+              <a:t>//dispatch to kernel for first root file system, first executed program, console target… </a:t>
+            </a:r>
+          </a:p>
+          <a:p>
+            <a:r>
+              <a:rPr lang="en-US" altLang="zh-CN" sz="1200" b="1" u="sng" dirty="0"/>
+              <a:t>Set ATAG_NONE as the end</a:t>
+            </a:r>
+          </a:p>
+          <a:p>
+            <a:r>
+              <a:rPr lang="en-US" altLang="zh-CN" sz="1200" dirty="0"/>
+              <a:t>Params-&gt;</a:t>
+            </a:r>
+            <a:r>
+              <a:rPr lang="en-US" altLang="zh-CN" sz="1200" dirty="0" err="1"/>
+              <a:t>hdr.tag</a:t>
+            </a:r>
+            <a:r>
+              <a:rPr lang="en-US" altLang="zh-CN" sz="1200" dirty="0"/>
+              <a:t>=ATAG_NONE;</a:t>
+            </a:r>
+          </a:p>
+          <a:p>
+            <a:r>
+              <a:rPr lang="en-US" altLang="zh-CN" sz="1200" dirty="0"/>
+              <a:t>Params-&gt;</a:t>
+            </a:r>
+            <a:r>
+              <a:rPr lang="en-US" altLang="zh-CN" sz="1200" dirty="0" err="1"/>
+              <a:t>hdr.size</a:t>
+            </a:r>
+            <a:r>
+              <a:rPr lang="en-US" altLang="zh-CN" sz="1200" dirty="0"/>
+              <a:t>=0;</a:t>
+            </a:r>
+          </a:p>
+        </p:txBody>
+      </p:sp>
+      <p:sp>
+        <p:nvSpPr>
+          <p:cNvPr id="3" name="矩形 2">
+            <a:extLst>
+              <a:ext uri="{FF2B5EF4-FFF2-40B4-BE49-F238E27FC236}">
+                <a16:creationId xmlns:a16="http://schemas.microsoft.com/office/drawing/2014/main" id="{D6755D11-951C-43CC-A67A-8B6E39111014}"/>
+              </a:ext>
+            </a:extLst>
+          </p:cNvPr>
+          <p:cNvSpPr/>
+          <p:nvPr/>
+        </p:nvSpPr>
+        <p:spPr>
+          <a:xfrm>
+            <a:off x="9604296" y="1399699"/>
+            <a:ext cx="1465555" cy="1023905"/>
+          </a:xfrm>
+          <a:prstGeom prst="rect">
+            <a:avLst/>
+          </a:prstGeom>
+          <a:noFill/>
+          <a:ln>
+            <a:solidFill>
+              <a:srgbClr val="7030A0"/>
+            </a:solidFill>
+            <a:prstDash val="lgDashDot"/>
+          </a:ln>
+        </p:spPr>
+        <p:style>
+          <a:lnRef idx="2">
+            <a:schemeClr val="accent1">
+              <a:shade val="50000"/>
+            </a:schemeClr>
+          </a:lnRef>
+          <a:fillRef idx="1">
+            <a:schemeClr val="accent1"/>
+          </a:fillRef>
+          <a:effectRef idx="0">
+            <a:schemeClr val="accent1"/>
+          </a:effectRef>
+          <a:fontRef idx="minor">
+            <a:schemeClr val="lt1"/>
+          </a:fontRef>
+        </p:style>
+        <p:txBody>
+          <a:bodyPr rtlCol="0" anchor="ctr"/>
+          <a:lstStyle/>
+          <a:p>
+            <a:pPr algn="ctr"/>
+            <a:endParaRPr lang="zh-CN" altLang="en-US"/>
+          </a:p>
+        </p:txBody>
+      </p:sp>
+    </p:spTree>
+    <p:extLst>
+      <p:ext uri="{BB962C8B-B14F-4D97-AF65-F5344CB8AC3E}">
+        <p14:creationId xmlns:p14="http://schemas.microsoft.com/office/powerpoint/2010/main" val="2486926668"/>
+      </p:ext>
+    </p:extLst>
+  </p:cSld>
+  <p:clrMapOvr>
+    <a:masterClrMapping/>
+  </p:clrMapOvr>
+</p:sld>
+</file>
+
+<file path=ppt/slides/slide4.xml><?xml version="1.0" encoding="utf-8"?>
+<p:sld xmlns:a="http://schemas.openxmlformats.org/drawingml/2006/main" xmlns:r="http://schemas.openxmlformats.org/officeDocument/2006/relationships" xmlns:p="http://schemas.openxmlformats.org/presentationml/2006/main">
+  <p:cSld>
+    <p:spTree>
+      <p:nvGrpSpPr>
+        <p:cNvPr id="1" name=""/>
+        <p:cNvGrpSpPr/>
+        <p:nvPr/>
+      </p:nvGrpSpPr>
+      <p:grpSpPr>
+        <a:xfrm>
+          <a:off x="0" y="0"/>
+          <a:ext cx="0" cy="0"/>
+          <a:chOff x="0" y="0"/>
+          <a:chExt cx="0" cy="0"/>
+        </a:xfrm>
+      </p:grpSpPr>
+      <p:sp>
+        <p:nvSpPr>
+          <p:cNvPr id="2" name="标题 1">
+            <a:extLst>
+              <a:ext uri="{FF2B5EF4-FFF2-40B4-BE49-F238E27FC236}">
+                <a16:creationId xmlns:a16="http://schemas.microsoft.com/office/drawing/2014/main" id="{4DBEFF03-2B27-4B5F-99CC-9195A6F11D10}"/>
+              </a:ext>
+            </a:extLst>
+          </p:cNvPr>
+          <p:cNvSpPr>
+            <a:spLocks noGrp="1"/>
+          </p:cNvSpPr>
+          <p:nvPr>
+            <p:ph type="title"/>
+          </p:nvPr>
+        </p:nvSpPr>
+        <p:spPr>
+          <a:xfrm>
+            <a:off x="79898" y="18255"/>
+            <a:ext cx="11273902" cy="778525"/>
+          </a:xfrm>
+        </p:spPr>
+        <p:txBody>
+          <a:bodyPr/>
+          <a:lstStyle/>
+          <a:p>
+            <a:r>
+              <a:rPr lang="en-US" altLang="zh-CN" dirty="0"/>
+              <a:t>Linux architecture-Bootloader: GRUB</a:t>
+            </a:r>
+            <a:endParaRPr lang="zh-CN" altLang="en-US" dirty="0"/>
+          </a:p>
+        </p:txBody>
+      </p:sp>
+      <p:sp>
+        <p:nvSpPr>
+          <p:cNvPr id="4" name="立方体 3">
+            <a:extLst>
+              <a:ext uri="{FF2B5EF4-FFF2-40B4-BE49-F238E27FC236}">
+                <a16:creationId xmlns:a16="http://schemas.microsoft.com/office/drawing/2014/main" id="{22D34478-9AD0-472A-85FA-7CC839B29B65}"/>
+              </a:ext>
+            </a:extLst>
+          </p:cNvPr>
+          <p:cNvSpPr/>
+          <p:nvPr/>
+        </p:nvSpPr>
+        <p:spPr>
+          <a:xfrm>
+            <a:off x="9707129" y="1775160"/>
+            <a:ext cx="1127464" cy="497150"/>
+          </a:xfrm>
+          <a:prstGeom prst="cube">
+            <a:avLst/>
+          </a:prstGeom>
+        </p:spPr>
+        <p:style>
+          <a:lnRef idx="2">
+            <a:schemeClr val="accent1">
+              <a:shade val="50000"/>
+            </a:schemeClr>
+          </a:lnRef>
+          <a:fillRef idx="1">
+            <a:schemeClr val="accent1"/>
+          </a:fillRef>
+          <a:effectRef idx="0">
+            <a:schemeClr val="accent1"/>
+          </a:effectRef>
+          <a:fontRef idx="minor">
+            <a:schemeClr val="lt1"/>
+          </a:fontRef>
+        </p:style>
+        <p:txBody>
+          <a:bodyPr rtlCol="0" anchor="ctr"/>
+          <a:lstStyle/>
+          <a:p>
+            <a:pPr algn="ctr"/>
+            <a:r>
+              <a:rPr lang="en-US" altLang="zh-CN" sz="1200" dirty="0"/>
+              <a:t>Bootloader</a:t>
+            </a:r>
+            <a:endParaRPr lang="zh-CN" altLang="en-US" sz="1200" dirty="0"/>
+          </a:p>
+        </p:txBody>
+      </p:sp>
+      <p:sp>
+        <p:nvSpPr>
+          <p:cNvPr id="9" name="箭头: 上 8">
+            <a:extLst>
+              <a:ext uri="{FF2B5EF4-FFF2-40B4-BE49-F238E27FC236}">
+                <a16:creationId xmlns:a16="http://schemas.microsoft.com/office/drawing/2014/main" id="{096BF2E9-4B31-46C9-94E9-AD18CE6F61D7}"/>
+              </a:ext>
+            </a:extLst>
+          </p:cNvPr>
+          <p:cNvSpPr/>
+          <p:nvPr/>
+        </p:nvSpPr>
+        <p:spPr>
+          <a:xfrm>
+            <a:off x="10151014" y="1399699"/>
+            <a:ext cx="119847" cy="375461"/>
+          </a:xfrm>
+          <a:prstGeom prst="upArrow">
+            <a:avLst/>
+          </a:prstGeom>
+        </p:spPr>
+        <p:style>
+          <a:lnRef idx="2">
+            <a:schemeClr val="accent1">
+              <a:shade val="50000"/>
+            </a:schemeClr>
+          </a:lnRef>
+          <a:fillRef idx="1">
+            <a:schemeClr val="accent1"/>
+          </a:fillRef>
+          <a:effectRef idx="0">
+            <a:schemeClr val="accent1"/>
+          </a:effectRef>
+          <a:fontRef idx="minor">
+            <a:schemeClr val="lt1"/>
+          </a:fontRef>
+        </p:style>
+        <p:txBody>
+          <a:bodyPr rtlCol="0" anchor="ctr"/>
+          <a:lstStyle/>
+          <a:p>
+            <a:pPr algn="ctr"/>
+            <a:endParaRPr lang="zh-CN" altLang="en-US"/>
+          </a:p>
+        </p:txBody>
+      </p:sp>
+      <p:sp>
+        <p:nvSpPr>
+          <p:cNvPr id="11" name="文本框 10">
+            <a:extLst>
+              <a:ext uri="{FF2B5EF4-FFF2-40B4-BE49-F238E27FC236}">
+                <a16:creationId xmlns:a16="http://schemas.microsoft.com/office/drawing/2014/main" id="{F27CFE37-1626-44E5-825A-F659491630CB}"/>
+              </a:ext>
+            </a:extLst>
+          </p:cNvPr>
+          <p:cNvSpPr txBox="1"/>
+          <p:nvPr/>
+        </p:nvSpPr>
+        <p:spPr>
+          <a:xfrm>
+            <a:off x="10270861" y="1345279"/>
+            <a:ext cx="798990" cy="400110"/>
+          </a:xfrm>
+          <a:prstGeom prst="rect">
+            <a:avLst/>
+          </a:prstGeom>
+          <a:noFill/>
+        </p:spPr>
+        <p:txBody>
+          <a:bodyPr wrap="square" rtlCol="0">
+            <a:spAutoFit/>
+          </a:bodyPr>
+          <a:lstStyle/>
+          <a:p>
+            <a:r>
+              <a:rPr lang="en-US" altLang="zh-CN" sz="1000" dirty="0"/>
+              <a:t>Boot parameters</a:t>
+            </a:r>
+            <a:endParaRPr lang="zh-CN" altLang="en-US" sz="1000" dirty="0"/>
+          </a:p>
+        </p:txBody>
+      </p:sp>
+      <p:sp>
+        <p:nvSpPr>
+          <p:cNvPr id="12" name="立方体 11">
+            <a:extLst>
+              <a:ext uri="{FF2B5EF4-FFF2-40B4-BE49-F238E27FC236}">
+                <a16:creationId xmlns:a16="http://schemas.microsoft.com/office/drawing/2014/main" id="{E1092073-3B9B-4ABA-8033-C861B2A64F39}"/>
+              </a:ext>
+            </a:extLst>
+          </p:cNvPr>
+          <p:cNvSpPr/>
+          <p:nvPr/>
+        </p:nvSpPr>
+        <p:spPr>
+          <a:xfrm>
+            <a:off x="9604296" y="796780"/>
+            <a:ext cx="1209582" cy="497150"/>
+          </a:xfrm>
+          <a:prstGeom prst="cube">
+            <a:avLst/>
+          </a:prstGeom>
+        </p:spPr>
+        <p:style>
+          <a:lnRef idx="2">
+            <a:schemeClr val="accent1">
+              <a:shade val="50000"/>
+            </a:schemeClr>
+          </a:lnRef>
+          <a:fillRef idx="1">
+            <a:schemeClr val="accent1"/>
+          </a:fillRef>
+          <a:effectRef idx="0">
+            <a:schemeClr val="accent1"/>
+          </a:effectRef>
+          <a:fontRef idx="minor">
+            <a:schemeClr val="lt1"/>
+          </a:fontRef>
+        </p:style>
+        <p:txBody>
+          <a:bodyPr rtlCol="0" anchor="ctr"/>
+          <a:lstStyle/>
+          <a:p>
+            <a:pPr algn="ctr"/>
+            <a:r>
+              <a:rPr lang="en-US" altLang="zh-CN" sz="1200" dirty="0"/>
+              <a:t>kernel</a:t>
+            </a:r>
+            <a:endParaRPr lang="zh-CN" altLang="en-US" sz="1200" dirty="0"/>
+          </a:p>
+        </p:txBody>
+      </p:sp>
+      <p:sp>
+        <p:nvSpPr>
+          <p:cNvPr id="17" name="立方体 16">
+            <a:extLst>
+              <a:ext uri="{FF2B5EF4-FFF2-40B4-BE49-F238E27FC236}">
+                <a16:creationId xmlns:a16="http://schemas.microsoft.com/office/drawing/2014/main" id="{6F6A4280-5667-40DC-BFC6-5A16F0C13F12}"/>
+              </a:ext>
+            </a:extLst>
+          </p:cNvPr>
+          <p:cNvSpPr/>
+          <p:nvPr/>
+        </p:nvSpPr>
+        <p:spPr>
+          <a:xfrm>
+            <a:off x="10803388" y="755835"/>
+            <a:ext cx="1388612" cy="497150"/>
+          </a:xfrm>
+          <a:prstGeom prst="cube">
+            <a:avLst/>
+          </a:prstGeom>
+        </p:spPr>
+        <p:style>
+          <a:lnRef idx="2">
+            <a:schemeClr val="accent1">
+              <a:shade val="50000"/>
+            </a:schemeClr>
+          </a:lnRef>
+          <a:fillRef idx="1">
+            <a:schemeClr val="accent1"/>
+          </a:fillRef>
+          <a:effectRef idx="0">
+            <a:schemeClr val="accent1"/>
+          </a:effectRef>
+          <a:fontRef idx="minor">
+            <a:schemeClr val="lt1"/>
+          </a:fontRef>
+        </p:style>
+        <p:txBody>
+          <a:bodyPr rtlCol="0" anchor="ctr"/>
+          <a:lstStyle/>
+          <a:p>
+            <a:pPr algn="ctr"/>
+            <a:r>
+              <a:rPr lang="en-US" altLang="zh-CN" sz="1200" dirty="0"/>
+              <a:t>Driver(open/read/write/</a:t>
+            </a:r>
+            <a:r>
+              <a:rPr lang="en-US" altLang="zh-CN" sz="1200" dirty="0" err="1"/>
+              <a:t>ioctl</a:t>
+            </a:r>
+            <a:r>
+              <a:rPr lang="en-US" altLang="zh-CN" sz="1200" dirty="0"/>
+              <a:t>…) </a:t>
+            </a:r>
+            <a:endParaRPr lang="zh-CN" altLang="en-US" sz="1200" dirty="0"/>
+          </a:p>
+        </p:txBody>
+      </p:sp>
+      <p:sp>
+        <p:nvSpPr>
+          <p:cNvPr id="31" name="立方体 30">
+            <a:extLst>
+              <a:ext uri="{FF2B5EF4-FFF2-40B4-BE49-F238E27FC236}">
+                <a16:creationId xmlns:a16="http://schemas.microsoft.com/office/drawing/2014/main" id="{E15F0ED8-88AE-4EC6-90CE-75E77A4B3356}"/>
+              </a:ext>
+            </a:extLst>
+          </p:cNvPr>
+          <p:cNvSpPr/>
+          <p:nvPr/>
+        </p:nvSpPr>
+        <p:spPr>
+          <a:xfrm>
+            <a:off x="8394714" y="833244"/>
+            <a:ext cx="1209582" cy="497150"/>
+          </a:xfrm>
+          <a:prstGeom prst="cube">
+            <a:avLst/>
+          </a:prstGeom>
+        </p:spPr>
+        <p:style>
+          <a:lnRef idx="2">
+            <a:schemeClr val="accent1">
+              <a:shade val="50000"/>
+            </a:schemeClr>
+          </a:lnRef>
+          <a:fillRef idx="1">
+            <a:schemeClr val="accent1"/>
+          </a:fillRef>
+          <a:effectRef idx="0">
+            <a:schemeClr val="accent1"/>
+          </a:effectRef>
+          <a:fontRef idx="minor">
+            <a:schemeClr val="lt1"/>
+          </a:fontRef>
+        </p:style>
+        <p:txBody>
+          <a:bodyPr rtlCol="0" anchor="ctr"/>
+          <a:lstStyle/>
+          <a:p>
+            <a:pPr algn="ctr"/>
+            <a:r>
+              <a:rPr lang="en-US" altLang="zh-CN" sz="1200" dirty="0"/>
+              <a:t>Kernel-</a:t>
+            </a:r>
+            <a:r>
+              <a:rPr lang="en-US" altLang="zh-CN" sz="1200" dirty="0" err="1"/>
+              <a:t>syscall</a:t>
+            </a:r>
+            <a:endParaRPr lang="zh-CN" altLang="en-US" sz="1200" dirty="0"/>
+          </a:p>
+        </p:txBody>
+      </p:sp>
+      <p:sp>
+        <p:nvSpPr>
+          <p:cNvPr id="80" name="文本框 79">
+            <a:extLst>
+              <a:ext uri="{FF2B5EF4-FFF2-40B4-BE49-F238E27FC236}">
+                <a16:creationId xmlns:a16="http://schemas.microsoft.com/office/drawing/2014/main" id="{A0B91055-B219-4830-93C3-6818BC76ECDE}"/>
+              </a:ext>
+            </a:extLst>
+          </p:cNvPr>
+          <p:cNvSpPr txBox="1"/>
+          <p:nvPr/>
+        </p:nvSpPr>
+        <p:spPr>
+          <a:xfrm>
+            <a:off x="259952" y="940092"/>
+            <a:ext cx="4533989" cy="461665"/>
+          </a:xfrm>
+          <a:prstGeom prst="rect">
+            <a:avLst/>
+          </a:prstGeom>
+          <a:noFill/>
+        </p:spPr>
+        <p:txBody>
+          <a:bodyPr wrap="square" rtlCol="0">
+            <a:spAutoFit/>
+          </a:bodyPr>
+          <a:lstStyle/>
+          <a:p>
+            <a:r>
+              <a:rPr lang="en-US" altLang="zh-CN" sz="1200" b="1" u="sng" dirty="0"/>
+              <a:t>Bootloader GRUB</a:t>
+            </a:r>
+          </a:p>
+          <a:p>
+            <a:r>
+              <a:rPr lang="en-US" altLang="zh-CN" sz="1200" dirty="0">
+                <a:hlinkClick r:id="rId2"/>
+              </a:rPr>
+              <a:t>https://www.linuxidc.com/Linux/2017-06/144738.htm</a:t>
+            </a:r>
+            <a:endParaRPr lang="en-US" altLang="zh-CN" sz="1200" b="1" u="sng" dirty="0"/>
+          </a:p>
+        </p:txBody>
+      </p:sp>
+      <p:sp>
+        <p:nvSpPr>
+          <p:cNvPr id="3" name="矩形 2">
+            <a:extLst>
+              <a:ext uri="{FF2B5EF4-FFF2-40B4-BE49-F238E27FC236}">
+                <a16:creationId xmlns:a16="http://schemas.microsoft.com/office/drawing/2014/main" id="{D6755D11-951C-43CC-A67A-8B6E39111014}"/>
+              </a:ext>
+            </a:extLst>
+          </p:cNvPr>
+          <p:cNvSpPr/>
+          <p:nvPr/>
+        </p:nvSpPr>
+        <p:spPr>
+          <a:xfrm>
+            <a:off x="9604296" y="1399699"/>
+            <a:ext cx="1465555" cy="1023905"/>
+          </a:xfrm>
+          <a:prstGeom prst="rect">
+            <a:avLst/>
+          </a:prstGeom>
+          <a:noFill/>
+          <a:ln>
+            <a:solidFill>
+              <a:srgbClr val="7030A0"/>
+            </a:solidFill>
+            <a:prstDash val="lgDashDot"/>
+          </a:ln>
+        </p:spPr>
+        <p:style>
+          <a:lnRef idx="2">
+            <a:schemeClr val="accent1">
+              <a:shade val="50000"/>
+            </a:schemeClr>
+          </a:lnRef>
+          <a:fillRef idx="1">
+            <a:schemeClr val="accent1"/>
+          </a:fillRef>
+          <a:effectRef idx="0">
+            <a:schemeClr val="accent1"/>
+          </a:effectRef>
+          <a:fontRef idx="minor">
+            <a:schemeClr val="lt1"/>
+          </a:fontRef>
+        </p:style>
+        <p:txBody>
+          <a:bodyPr rtlCol="0" anchor="ctr"/>
+          <a:lstStyle/>
+          <a:p>
+            <a:pPr algn="ctr"/>
+            <a:endParaRPr lang="zh-CN" altLang="en-US"/>
+          </a:p>
+        </p:txBody>
+      </p:sp>
+    </p:spTree>
+    <p:extLst>
+      <p:ext uri="{BB962C8B-B14F-4D97-AF65-F5344CB8AC3E}">
+        <p14:creationId xmlns:p14="http://schemas.microsoft.com/office/powerpoint/2010/main" val="2485932996"/>
+      </p:ext>
+    </p:extLst>
+  </p:cSld>
+  <p:clrMapOvr>
+    <a:masterClrMapping/>
+  </p:clrMapOvr>
+</p:sld>
+</file>
+
+<file path=ppt/slides/slide5.xml><?xml version="1.0" encoding="utf-8"?>
+<p:sld xmlns:a="http://schemas.openxmlformats.org/drawingml/2006/main" xmlns:r="http://schemas.openxmlformats.org/officeDocument/2006/relationships" xmlns:p="http://schemas.openxmlformats.org/presentationml/2006/main">
+  <p:cSld>
+    <p:spTree>
+      <p:nvGrpSpPr>
+        <p:cNvPr id="1" name=""/>
+        <p:cNvGrpSpPr/>
+        <p:nvPr/>
+      </p:nvGrpSpPr>
+      <p:grpSpPr>
+        <a:xfrm>
+          <a:off x="0" y="0"/>
+          <a:ext cx="0" cy="0"/>
+          <a:chOff x="0" y="0"/>
+          <a:chExt cx="0" cy="0"/>
+        </a:xfrm>
+      </p:grpSpPr>
+      <p:sp>
+        <p:nvSpPr>
+          <p:cNvPr id="2" name="标题 1">
+            <a:extLst>
+              <a:ext uri="{FF2B5EF4-FFF2-40B4-BE49-F238E27FC236}">
+                <a16:creationId xmlns:a16="http://schemas.microsoft.com/office/drawing/2014/main" id="{4DBEFF03-2B27-4B5F-99CC-9195A6F11D10}"/>
+              </a:ext>
+            </a:extLst>
+          </p:cNvPr>
+          <p:cNvSpPr>
+            <a:spLocks noGrp="1"/>
+          </p:cNvSpPr>
+          <p:nvPr>
+            <p:ph type="title"/>
+          </p:nvPr>
+        </p:nvSpPr>
+        <p:spPr>
+          <a:xfrm>
+            <a:off x="79898" y="18255"/>
+            <a:ext cx="11273902" cy="778525"/>
+          </a:xfrm>
+        </p:spPr>
+        <p:txBody>
+          <a:bodyPr>
+            <a:normAutofit/>
+          </a:bodyPr>
+          <a:lstStyle/>
+          <a:p>
+            <a:r>
+              <a:rPr lang="en-US" altLang="zh-CN" dirty="0"/>
+              <a:t>Linux architecture-kernel</a:t>
+            </a:r>
+            <a:endParaRPr lang="zh-CN" altLang="en-US" dirty="0"/>
+          </a:p>
+        </p:txBody>
+      </p:sp>
+      <p:sp>
+        <p:nvSpPr>
+          <p:cNvPr id="80" name="文本框 79">
+            <a:extLst>
+              <a:ext uri="{FF2B5EF4-FFF2-40B4-BE49-F238E27FC236}">
+                <a16:creationId xmlns:a16="http://schemas.microsoft.com/office/drawing/2014/main" id="{A0B91055-B219-4830-93C3-6818BC76ECDE}"/>
+              </a:ext>
+            </a:extLst>
+          </p:cNvPr>
+          <p:cNvSpPr txBox="1"/>
+          <p:nvPr/>
+        </p:nvSpPr>
+        <p:spPr>
+          <a:xfrm>
+            <a:off x="259952" y="940092"/>
+            <a:ext cx="5235326" cy="4339650"/>
+          </a:xfrm>
+          <a:prstGeom prst="rect">
+            <a:avLst/>
+          </a:prstGeom>
+          <a:noFill/>
+        </p:spPr>
+        <p:txBody>
+          <a:bodyPr wrap="square" rtlCol="0">
+            <a:spAutoFit/>
+          </a:bodyPr>
+          <a:lstStyle/>
+          <a:p>
+            <a:r>
+              <a:rPr lang="en-US" altLang="zh-CN" sz="1200" b="1" u="sng" dirty="0"/>
+              <a:t>Kernel Debug Skills</a:t>
+            </a:r>
+          </a:p>
+          <a:p>
+            <a:r>
+              <a:rPr lang="en-US" altLang="zh-CN" sz="1200" dirty="0"/>
+              <a:t>Kernel log/system log analysis (/var/log)</a:t>
+            </a:r>
+          </a:p>
+          <a:p>
+            <a:r>
+              <a:rPr lang="en-US" altLang="zh-CN" sz="1200" dirty="0"/>
+              <a:t>Compile kernel to add KGDB patch, enable remote host debug kernel</a:t>
+            </a:r>
+          </a:p>
+          <a:p>
+            <a:r>
+              <a:rPr lang="en-US" altLang="zh-CN" sz="1200" dirty="0"/>
+              <a:t>Oops call stack trace</a:t>
+            </a:r>
+          </a:p>
+          <a:p>
+            <a:endParaRPr lang="en-US" altLang="zh-CN" sz="1200" dirty="0"/>
+          </a:p>
+          <a:p>
+            <a:r>
+              <a:rPr lang="en-US" altLang="zh-CN" sz="1200" b="1" u="sng" dirty="0"/>
+              <a:t>Kernel </a:t>
+            </a:r>
+            <a:r>
+              <a:rPr lang="en-US" altLang="zh-CN" sz="1200" b="1" u="sng" dirty="0" err="1"/>
+              <a:t>Kconfig</a:t>
+            </a:r>
+            <a:r>
+              <a:rPr lang="en-US" altLang="zh-CN" sz="1200" b="1" u="sng" dirty="0"/>
+              <a:t> Analysis</a:t>
+            </a:r>
+          </a:p>
+          <a:p>
+            <a:r>
+              <a:rPr lang="en-US" altLang="zh-CN" sz="1200" dirty="0"/>
+              <a:t>  $make config</a:t>
+            </a:r>
+          </a:p>
+          <a:p>
+            <a:r>
+              <a:rPr lang="en-US" altLang="zh-CN" sz="1200" dirty="0"/>
+              <a:t>  $make </a:t>
+            </a:r>
+            <a:r>
+              <a:rPr lang="en-US" altLang="zh-CN" sz="1200" dirty="0" err="1"/>
+              <a:t>menuconfig</a:t>
+            </a:r>
+            <a:endParaRPr lang="en-US" altLang="zh-CN" sz="1200" dirty="0"/>
+          </a:p>
+          <a:p>
+            <a:r>
+              <a:rPr lang="en-US" altLang="zh-CN" sz="1200" dirty="0"/>
+              <a:t>  $make </a:t>
+            </a:r>
+            <a:r>
+              <a:rPr lang="en-US" altLang="zh-CN" sz="1200" dirty="0" err="1"/>
+              <a:t>xconfig</a:t>
+            </a:r>
+            <a:endParaRPr lang="en-US" altLang="zh-CN" sz="1200" dirty="0"/>
+          </a:p>
+          <a:p>
+            <a:r>
+              <a:rPr lang="en-US" altLang="zh-CN" sz="1200" dirty="0"/>
+              <a:t>Snapshots- TBC</a:t>
+            </a:r>
+          </a:p>
+          <a:p>
+            <a:endParaRPr lang="en-US" altLang="zh-CN" sz="1200" dirty="0"/>
+          </a:p>
+          <a:p>
+            <a:endParaRPr lang="en-US" altLang="zh-CN" sz="1200" dirty="0"/>
+          </a:p>
+          <a:p>
+            <a:r>
+              <a:rPr lang="en-US" altLang="zh-CN" sz="1200" b="1" u="sng" dirty="0"/>
+              <a:t>Kernel Bootup Procedure</a:t>
+            </a:r>
+          </a:p>
+          <a:p>
+            <a:r>
+              <a:rPr lang="en-US" altLang="zh-CN" sz="1200" dirty="0"/>
+              <a:t>Phase 1:  Assembly Language: /arch/x86/boot/</a:t>
+            </a:r>
+            <a:r>
+              <a:rPr lang="en-US" altLang="zh-CN" sz="1200" dirty="0" err="1"/>
+              <a:t>header.s</a:t>
+            </a:r>
+            <a:r>
+              <a:rPr lang="en-US" altLang="zh-CN" sz="1200" dirty="0"/>
+              <a:t>  </a:t>
+            </a:r>
+          </a:p>
+          <a:p>
+            <a:endParaRPr lang="en-US" altLang="zh-CN" sz="1200" dirty="0"/>
+          </a:p>
+          <a:p>
+            <a:endParaRPr lang="en-US" altLang="zh-CN" sz="1200" dirty="0"/>
+          </a:p>
+          <a:p>
+            <a:endParaRPr lang="en-US" altLang="zh-CN" sz="1200" dirty="0"/>
+          </a:p>
+          <a:p>
+            <a:endParaRPr lang="en-US" altLang="zh-CN" sz="1200" dirty="0"/>
+          </a:p>
+          <a:p>
+            <a:endParaRPr lang="en-US" altLang="zh-CN" sz="1200" dirty="0"/>
+          </a:p>
+          <a:p>
+            <a:endParaRPr lang="en-US" altLang="zh-CN" sz="1200" dirty="0"/>
+          </a:p>
+          <a:p>
+            <a:endParaRPr lang="en-US" altLang="zh-CN" sz="1200" dirty="0"/>
+          </a:p>
+          <a:p>
+            <a:endParaRPr lang="en-US" altLang="zh-CN" sz="1200" dirty="0"/>
+          </a:p>
+          <a:p>
+            <a:r>
+              <a:rPr lang="en-US" altLang="zh-CN" sz="1200" dirty="0"/>
+              <a:t>Phase 2:  invoke function “</a:t>
+            </a:r>
+            <a:r>
+              <a:rPr lang="en-US" altLang="zh-CN" sz="1200" dirty="0" err="1"/>
+              <a:t>start_kernel</a:t>
+            </a:r>
+            <a:r>
+              <a:rPr lang="en-US" altLang="zh-CN" sz="1200" dirty="0"/>
+              <a:t>()” in /</a:t>
+            </a:r>
+            <a:r>
+              <a:rPr lang="en-US" altLang="zh-CN" sz="1200" dirty="0" err="1"/>
+              <a:t>init</a:t>
+            </a:r>
+            <a:r>
+              <a:rPr lang="en-US" altLang="zh-CN" sz="1200" dirty="0"/>
+              <a:t>/</a:t>
+            </a:r>
+            <a:r>
+              <a:rPr lang="en-US" altLang="zh-CN" sz="1200" dirty="0" err="1"/>
+              <a:t>main.c</a:t>
+            </a:r>
+            <a:endParaRPr lang="en-US" altLang="zh-CN" sz="1200" dirty="0"/>
+          </a:p>
+        </p:txBody>
+      </p:sp>
+      <p:pic>
+        <p:nvPicPr>
+          <p:cNvPr id="6" name="图片 5">
+            <a:extLst>
+              <a:ext uri="{FF2B5EF4-FFF2-40B4-BE49-F238E27FC236}">
+                <a16:creationId xmlns:a16="http://schemas.microsoft.com/office/drawing/2014/main" id="{74A895EF-2BFB-4791-8027-F9C8036419B3}"/>
+              </a:ext>
+            </a:extLst>
+          </p:cNvPr>
+          <p:cNvPicPr>
+            <a:picLocks noChangeAspect="1"/>
+          </p:cNvPicPr>
+          <p:nvPr/>
+        </p:nvPicPr>
+        <p:blipFill>
+          <a:blip r:embed="rId2"/>
+          <a:stretch>
+            <a:fillRect/>
+          </a:stretch>
+        </p:blipFill>
+        <p:spPr>
+          <a:xfrm>
+            <a:off x="10466705" y="58113"/>
+            <a:ext cx="1656283" cy="6741774"/>
+          </a:xfrm>
+          <a:prstGeom prst="rect">
+            <a:avLst/>
+          </a:prstGeom>
+        </p:spPr>
+      </p:pic>
+      <p:sp>
+        <p:nvSpPr>
+          <p:cNvPr id="7" name="文本框 6">
+            <a:extLst>
+              <a:ext uri="{FF2B5EF4-FFF2-40B4-BE49-F238E27FC236}">
+                <a16:creationId xmlns:a16="http://schemas.microsoft.com/office/drawing/2014/main" id="{55C7EB8F-6FBA-46AA-814F-D9A4890114CD}"/>
+              </a:ext>
+            </a:extLst>
+          </p:cNvPr>
+          <p:cNvSpPr txBox="1"/>
+          <p:nvPr/>
+        </p:nvSpPr>
+        <p:spPr>
+          <a:xfrm>
+            <a:off x="5231379" y="1083404"/>
+            <a:ext cx="5235326" cy="2123658"/>
+          </a:xfrm>
+          <a:prstGeom prst="rect">
+            <a:avLst/>
+          </a:prstGeom>
+          <a:noFill/>
+        </p:spPr>
+        <p:txBody>
+          <a:bodyPr wrap="square" rtlCol="0">
+            <a:spAutoFit/>
+          </a:bodyPr>
+          <a:lstStyle/>
+          <a:p>
+            <a:r>
+              <a:rPr lang="en-US" altLang="zh-CN" sz="1200" b="1" u="sng" dirty="0"/>
+              <a:t>Kernel Bootup Procedure</a:t>
+            </a:r>
+          </a:p>
+          <a:p>
+            <a:r>
+              <a:rPr lang="en-US" altLang="zh-CN" sz="1200" dirty="0"/>
+              <a:t>Phase 3: last function invoke “</a:t>
+            </a:r>
+            <a:r>
+              <a:rPr lang="en-US" altLang="zh-CN" sz="1200" dirty="0" err="1"/>
+              <a:t>rest_init</a:t>
+            </a:r>
+            <a:r>
+              <a:rPr lang="en-US" altLang="zh-CN" sz="1200" dirty="0"/>
+              <a:t>()” in function “</a:t>
+            </a:r>
+            <a:r>
+              <a:rPr lang="en-US" altLang="zh-CN" sz="1200" dirty="0" err="1"/>
+              <a:t>start_kernel</a:t>
+            </a:r>
+            <a:r>
+              <a:rPr lang="en-US" altLang="zh-CN" sz="1200" dirty="0"/>
+              <a:t>()”</a:t>
+            </a:r>
+          </a:p>
+          <a:p>
+            <a:r>
+              <a:rPr lang="en-US" altLang="zh-CN" sz="1200" dirty="0"/>
+              <a:t>    - call root file system   </a:t>
+            </a:r>
+          </a:p>
+          <a:p>
+            <a:endParaRPr lang="en-US" altLang="zh-CN" sz="1200" dirty="0"/>
+          </a:p>
+          <a:p>
+            <a:endParaRPr lang="en-US" altLang="zh-CN" sz="1200" dirty="0"/>
+          </a:p>
+          <a:p>
+            <a:endParaRPr lang="en-US" altLang="zh-CN" sz="1200" dirty="0"/>
+          </a:p>
+          <a:p>
+            <a:endParaRPr lang="en-US" altLang="zh-CN" sz="1200" dirty="0"/>
+          </a:p>
+          <a:p>
+            <a:endParaRPr lang="en-US" altLang="zh-CN" sz="1200" dirty="0"/>
+          </a:p>
+          <a:p>
+            <a:endParaRPr lang="en-US" altLang="zh-CN" sz="1200" dirty="0"/>
+          </a:p>
+          <a:p>
+            <a:endParaRPr lang="en-US" altLang="zh-CN" sz="1200" dirty="0"/>
+          </a:p>
+          <a:p>
+            <a:endParaRPr lang="en-US" altLang="zh-CN" sz="1200" dirty="0"/>
+          </a:p>
+        </p:txBody>
+      </p:sp>
+      <p:pic>
+        <p:nvPicPr>
+          <p:cNvPr id="4" name="图片 3">
+            <a:extLst>
+              <a:ext uri="{FF2B5EF4-FFF2-40B4-BE49-F238E27FC236}">
+                <a16:creationId xmlns:a16="http://schemas.microsoft.com/office/drawing/2014/main" id="{F3F3E6E2-A048-4669-8BA4-D1AC9BBED265}"/>
+              </a:ext>
+            </a:extLst>
+          </p:cNvPr>
+          <p:cNvPicPr>
+            <a:picLocks noChangeAspect="1"/>
+          </p:cNvPicPr>
+          <p:nvPr/>
+        </p:nvPicPr>
+        <p:blipFill>
+          <a:blip r:embed="rId3"/>
+          <a:stretch>
+            <a:fillRect/>
+          </a:stretch>
+        </p:blipFill>
+        <p:spPr>
+          <a:xfrm>
+            <a:off x="5495278" y="1933252"/>
+            <a:ext cx="2407513" cy="921758"/>
+          </a:xfrm>
+          <a:prstGeom prst="rect">
+            <a:avLst/>
+          </a:prstGeom>
+        </p:spPr>
+      </p:pic>
+      <p:pic>
+        <p:nvPicPr>
+          <p:cNvPr id="5" name="图片 4">
+            <a:extLst>
+              <a:ext uri="{FF2B5EF4-FFF2-40B4-BE49-F238E27FC236}">
+                <a16:creationId xmlns:a16="http://schemas.microsoft.com/office/drawing/2014/main" id="{D857EB80-6E40-445F-9DA7-25B0EBB9E8D5}"/>
+              </a:ext>
+            </a:extLst>
+          </p:cNvPr>
+          <p:cNvPicPr>
+            <a:picLocks noChangeAspect="1"/>
+          </p:cNvPicPr>
+          <p:nvPr/>
+        </p:nvPicPr>
+        <p:blipFill>
+          <a:blip r:embed="rId4"/>
+          <a:stretch>
+            <a:fillRect/>
+          </a:stretch>
+        </p:blipFill>
+        <p:spPr>
+          <a:xfrm>
+            <a:off x="715150" y="5194444"/>
+            <a:ext cx="1656283" cy="1606470"/>
+          </a:xfrm>
+          <a:prstGeom prst="rect">
+            <a:avLst/>
+          </a:prstGeom>
+        </p:spPr>
+      </p:pic>
+      <p:pic>
+        <p:nvPicPr>
+          <p:cNvPr id="8" name="图片 7">
+            <a:extLst>
+              <a:ext uri="{FF2B5EF4-FFF2-40B4-BE49-F238E27FC236}">
+                <a16:creationId xmlns:a16="http://schemas.microsoft.com/office/drawing/2014/main" id="{2DEDB1FB-D468-43B4-8779-5F0402B76A69}"/>
+              </a:ext>
+            </a:extLst>
+          </p:cNvPr>
+          <p:cNvPicPr>
+            <a:picLocks noChangeAspect="1"/>
+          </p:cNvPicPr>
+          <p:nvPr/>
+        </p:nvPicPr>
+        <p:blipFill>
+          <a:blip r:embed="rId5"/>
+          <a:stretch>
+            <a:fillRect/>
+          </a:stretch>
+        </p:blipFill>
+        <p:spPr>
+          <a:xfrm>
+            <a:off x="5509427" y="3265198"/>
+            <a:ext cx="2625057" cy="1583423"/>
+          </a:xfrm>
+          <a:prstGeom prst="rect">
+            <a:avLst/>
+          </a:prstGeom>
+        </p:spPr>
+      </p:pic>
+      <p:pic>
+        <p:nvPicPr>
+          <p:cNvPr id="9" name="图片 8">
+            <a:extLst>
+              <a:ext uri="{FF2B5EF4-FFF2-40B4-BE49-F238E27FC236}">
+                <a16:creationId xmlns:a16="http://schemas.microsoft.com/office/drawing/2014/main" id="{3A6B54CE-8AE5-461E-9E1F-1D48EE051720}"/>
+              </a:ext>
+            </a:extLst>
+          </p:cNvPr>
+          <p:cNvPicPr>
+            <a:picLocks noChangeAspect="1"/>
+          </p:cNvPicPr>
+          <p:nvPr/>
+        </p:nvPicPr>
+        <p:blipFill>
+          <a:blip r:embed="rId6"/>
+          <a:stretch>
+            <a:fillRect/>
+          </a:stretch>
+        </p:blipFill>
+        <p:spPr>
+          <a:xfrm>
+            <a:off x="5530786" y="5365327"/>
+            <a:ext cx="3108618" cy="1264703"/>
+          </a:xfrm>
+          <a:prstGeom prst="rect">
+            <a:avLst/>
+          </a:prstGeom>
+        </p:spPr>
+      </p:pic>
+      <p:sp>
+        <p:nvSpPr>
+          <p:cNvPr id="10" name="箭头: 下 9">
+            <a:extLst>
+              <a:ext uri="{FF2B5EF4-FFF2-40B4-BE49-F238E27FC236}">
+                <a16:creationId xmlns:a16="http://schemas.microsoft.com/office/drawing/2014/main" id="{95CEC6AE-0FE9-418F-88BC-411D4E38D2CE}"/>
+              </a:ext>
+            </a:extLst>
+          </p:cNvPr>
+          <p:cNvSpPr/>
+          <p:nvPr/>
+        </p:nvSpPr>
+        <p:spPr>
+          <a:xfrm>
+            <a:off x="6821955" y="2929631"/>
+            <a:ext cx="84872" cy="277431"/>
+          </a:xfrm>
+          <a:prstGeom prst="downArrow">
+            <a:avLst/>
+          </a:prstGeom>
+        </p:spPr>
+        <p:style>
+          <a:lnRef idx="2">
+            <a:schemeClr val="accent1">
+              <a:shade val="50000"/>
+            </a:schemeClr>
+          </a:lnRef>
+          <a:fillRef idx="1">
+            <a:schemeClr val="accent1"/>
+          </a:fillRef>
+          <a:effectRef idx="0">
+            <a:schemeClr val="accent1"/>
+          </a:effectRef>
+          <a:fontRef idx="minor">
+            <a:schemeClr val="lt1"/>
+          </a:fontRef>
+        </p:style>
+        <p:txBody>
+          <a:bodyPr rtlCol="0" anchor="ctr"/>
+          <a:lstStyle/>
+          <a:p>
+            <a:pPr algn="ctr"/>
+            <a:endParaRPr lang="zh-CN" altLang="en-US"/>
+          </a:p>
+        </p:txBody>
+      </p:sp>
+      <p:sp>
+        <p:nvSpPr>
+          <p:cNvPr id="12" name="箭头: 下 11">
+            <a:extLst>
+              <a:ext uri="{FF2B5EF4-FFF2-40B4-BE49-F238E27FC236}">
+                <a16:creationId xmlns:a16="http://schemas.microsoft.com/office/drawing/2014/main" id="{FBE7C6C2-DD8B-4E68-A292-D80C1986F569}"/>
+              </a:ext>
+            </a:extLst>
+          </p:cNvPr>
+          <p:cNvSpPr/>
+          <p:nvPr/>
+        </p:nvSpPr>
+        <p:spPr>
+          <a:xfrm>
+            <a:off x="6899901" y="4917013"/>
+            <a:ext cx="84872" cy="277431"/>
+          </a:xfrm>
+          <a:prstGeom prst="downArrow">
+            <a:avLst/>
+          </a:prstGeom>
+        </p:spPr>
+        <p:style>
+          <a:lnRef idx="2">
+            <a:schemeClr val="accent1">
+              <a:shade val="50000"/>
+            </a:schemeClr>
+          </a:lnRef>
+          <a:fillRef idx="1">
+            <a:schemeClr val="accent1"/>
+          </a:fillRef>
+          <a:effectRef idx="0">
+            <a:schemeClr val="accent1"/>
+          </a:effectRef>
+          <a:fontRef idx="minor">
+            <a:schemeClr val="lt1"/>
+          </a:fontRef>
+        </p:style>
+        <p:txBody>
+          <a:bodyPr rtlCol="0" anchor="ctr"/>
+          <a:lstStyle/>
+          <a:p>
+            <a:pPr algn="ctr"/>
+            <a:endParaRPr lang="zh-CN" altLang="en-US"/>
+          </a:p>
+        </p:txBody>
+      </p:sp>
+      <p:sp>
+        <p:nvSpPr>
+          <p:cNvPr id="13" name="箭头: 下 12">
+            <a:extLst>
+              <a:ext uri="{FF2B5EF4-FFF2-40B4-BE49-F238E27FC236}">
+                <a16:creationId xmlns:a16="http://schemas.microsoft.com/office/drawing/2014/main" id="{21E0C26E-3FAA-4EE5-AA9F-0F7C1CE16A6C}"/>
+              </a:ext>
+            </a:extLst>
+          </p:cNvPr>
+          <p:cNvSpPr/>
+          <p:nvPr/>
+        </p:nvSpPr>
+        <p:spPr>
+          <a:xfrm>
+            <a:off x="1750786" y="4666994"/>
+            <a:ext cx="84872" cy="277431"/>
+          </a:xfrm>
+          <a:prstGeom prst="downArrow">
+            <a:avLst/>
+          </a:prstGeom>
+        </p:spPr>
+        <p:style>
+          <a:lnRef idx="2">
+            <a:schemeClr val="accent1">
+              <a:shade val="50000"/>
+            </a:schemeClr>
+          </a:lnRef>
+          <a:fillRef idx="1">
+            <a:schemeClr val="accent1"/>
+          </a:fillRef>
+          <a:effectRef idx="0">
+            <a:schemeClr val="accent1"/>
+          </a:effectRef>
+          <a:fontRef idx="minor">
+            <a:schemeClr val="lt1"/>
+          </a:fontRef>
+        </p:style>
+        <p:txBody>
+          <a:bodyPr rtlCol="0" anchor="ctr"/>
+          <a:lstStyle/>
+          <a:p>
+            <a:pPr algn="ctr"/>
+            <a:endParaRPr lang="zh-CN" altLang="en-US"/>
+          </a:p>
+        </p:txBody>
+      </p:sp>
+      <p:pic>
+        <p:nvPicPr>
+          <p:cNvPr id="11" name="图片 10">
+            <a:extLst>
+              <a:ext uri="{FF2B5EF4-FFF2-40B4-BE49-F238E27FC236}">
+                <a16:creationId xmlns:a16="http://schemas.microsoft.com/office/drawing/2014/main" id="{5A7AF03E-A2A7-4330-9FFC-1D3C672AAC5D}"/>
+              </a:ext>
+            </a:extLst>
+          </p:cNvPr>
+          <p:cNvPicPr>
+            <a:picLocks noChangeAspect="1"/>
+          </p:cNvPicPr>
+          <p:nvPr/>
+        </p:nvPicPr>
+        <p:blipFill>
+          <a:blip r:embed="rId7"/>
+          <a:stretch>
+            <a:fillRect/>
+          </a:stretch>
+        </p:blipFill>
+        <p:spPr>
+          <a:xfrm>
+            <a:off x="911900" y="3565800"/>
+            <a:ext cx="1262782" cy="1101194"/>
+          </a:xfrm>
+          <a:prstGeom prst="rect">
+            <a:avLst/>
+          </a:prstGeom>
+        </p:spPr>
+      </p:pic>
+    </p:spTree>
+    <p:extLst>
+      <p:ext uri="{BB962C8B-B14F-4D97-AF65-F5344CB8AC3E}">
+        <p14:creationId xmlns:p14="http://schemas.microsoft.com/office/powerpoint/2010/main" val="832347279"/>
+      </p:ext>
+    </p:extLst>
+  </p:cSld>
+  <p:clrMapOvr>
+    <a:masterClrMapping/>
+  </p:clrMapOvr>
+</p:sld>
+</file>
+
+<file path=ppt/slides/slide6.xml><?xml version="1.0" encoding="utf-8"?>
+<p:sld xmlns:a="http://schemas.openxmlformats.org/drawingml/2006/main" xmlns:r="http://schemas.openxmlformats.org/officeDocument/2006/relationships" xmlns:p="http://schemas.openxmlformats.org/presentationml/2006/main">
+  <p:cSld>
+    <p:spTree>
+      <p:nvGrpSpPr>
+        <p:cNvPr id="1" name=""/>
+        <p:cNvGrpSpPr/>
+        <p:nvPr/>
+      </p:nvGrpSpPr>
+      <p:grpSpPr>
+        <a:xfrm>
+          <a:off x="0" y="0"/>
+          <a:ext cx="0" cy="0"/>
+          <a:chOff x="0" y="0"/>
+          <a:chExt cx="0" cy="0"/>
+        </a:xfrm>
+      </p:grpSpPr>
+      <p:sp>
+        <p:nvSpPr>
+          <p:cNvPr id="2" name="标题 1">
+            <a:extLst>
+              <a:ext uri="{FF2B5EF4-FFF2-40B4-BE49-F238E27FC236}">
+                <a16:creationId xmlns:a16="http://schemas.microsoft.com/office/drawing/2014/main" id="{4DBEFF03-2B27-4B5F-99CC-9195A6F11D10}"/>
+              </a:ext>
+            </a:extLst>
+          </p:cNvPr>
+          <p:cNvSpPr>
+            <a:spLocks noGrp="1"/>
+          </p:cNvSpPr>
+          <p:nvPr>
+            <p:ph type="title"/>
+          </p:nvPr>
+        </p:nvSpPr>
+        <p:spPr>
+          <a:xfrm>
+            <a:off x="79898" y="18255"/>
+            <a:ext cx="11273902" cy="778525"/>
+          </a:xfrm>
+        </p:spPr>
+        <p:txBody>
+          <a:bodyPr>
+            <a:normAutofit/>
+          </a:bodyPr>
+          <a:lstStyle/>
+          <a:p>
+            <a:r>
+              <a:rPr lang="en-US" altLang="zh-CN" dirty="0"/>
+              <a:t>Linux architecture-File System</a:t>
+            </a:r>
+            <a:endParaRPr lang="zh-CN" altLang="en-US" dirty="0"/>
+          </a:p>
+        </p:txBody>
+      </p:sp>
+      <p:sp>
+        <p:nvSpPr>
+          <p:cNvPr id="12" name="立方体 11">
+            <a:extLst>
+              <a:ext uri="{FF2B5EF4-FFF2-40B4-BE49-F238E27FC236}">
+                <a16:creationId xmlns:a16="http://schemas.microsoft.com/office/drawing/2014/main" id="{E1092073-3B9B-4ABA-8033-C861B2A64F39}"/>
+              </a:ext>
+            </a:extLst>
+          </p:cNvPr>
+          <p:cNvSpPr/>
+          <p:nvPr/>
+        </p:nvSpPr>
+        <p:spPr>
+          <a:xfrm>
+            <a:off x="9604296" y="1320672"/>
+            <a:ext cx="1209582" cy="497150"/>
+          </a:xfrm>
+          <a:prstGeom prst="cube">
+            <a:avLst/>
+          </a:prstGeom>
+        </p:spPr>
+        <p:style>
+          <a:lnRef idx="2">
+            <a:schemeClr val="accent1">
+              <a:shade val="50000"/>
+            </a:schemeClr>
+          </a:lnRef>
+          <a:fillRef idx="1">
+            <a:schemeClr val="accent1"/>
+          </a:fillRef>
+          <a:effectRef idx="0">
+            <a:schemeClr val="accent1"/>
+          </a:effectRef>
+          <a:fontRef idx="minor">
+            <a:schemeClr val="lt1"/>
+          </a:fontRef>
+        </p:style>
+        <p:txBody>
+          <a:bodyPr rtlCol="0" anchor="ctr"/>
+          <a:lstStyle/>
+          <a:p>
+            <a:pPr algn="ctr"/>
+            <a:r>
+              <a:rPr lang="en-US" altLang="zh-CN" sz="1200" dirty="0"/>
+              <a:t>kernel</a:t>
+            </a:r>
+            <a:endParaRPr lang="zh-CN" altLang="en-US" sz="1200" dirty="0"/>
+          </a:p>
+        </p:txBody>
+      </p:sp>
+      <p:sp>
+        <p:nvSpPr>
+          <p:cNvPr id="17" name="立方体 16">
+            <a:extLst>
+              <a:ext uri="{FF2B5EF4-FFF2-40B4-BE49-F238E27FC236}">
+                <a16:creationId xmlns:a16="http://schemas.microsoft.com/office/drawing/2014/main" id="{6F6A4280-5667-40DC-BFC6-5A16F0C13F12}"/>
+              </a:ext>
+            </a:extLst>
+          </p:cNvPr>
+          <p:cNvSpPr/>
+          <p:nvPr/>
+        </p:nvSpPr>
+        <p:spPr>
+          <a:xfrm>
+            <a:off x="10741244" y="1320672"/>
+            <a:ext cx="1388612" cy="497150"/>
+          </a:xfrm>
+          <a:prstGeom prst="cube">
+            <a:avLst/>
+          </a:prstGeom>
+        </p:spPr>
+        <p:style>
+          <a:lnRef idx="2">
+            <a:schemeClr val="accent1">
+              <a:shade val="50000"/>
+            </a:schemeClr>
+          </a:lnRef>
+          <a:fillRef idx="1">
+            <a:schemeClr val="accent1"/>
+          </a:fillRef>
+          <a:effectRef idx="0">
+            <a:schemeClr val="accent1"/>
+          </a:effectRef>
+          <a:fontRef idx="minor">
+            <a:schemeClr val="lt1"/>
+          </a:fontRef>
+        </p:style>
+        <p:txBody>
+          <a:bodyPr rtlCol="0" anchor="ctr"/>
+          <a:lstStyle/>
+          <a:p>
+            <a:pPr algn="ctr"/>
+            <a:r>
+              <a:rPr lang="en-US" altLang="zh-CN" sz="1200" dirty="0"/>
+              <a:t>Driver(open/read/write/</a:t>
+            </a:r>
+            <a:r>
+              <a:rPr lang="en-US" altLang="zh-CN" sz="1200" dirty="0" err="1"/>
+              <a:t>ioctl</a:t>
+            </a:r>
+            <a:r>
+              <a:rPr lang="en-US" altLang="zh-CN" sz="1200" dirty="0"/>
+              <a:t>…) </a:t>
+            </a:r>
+            <a:endParaRPr lang="zh-CN" altLang="en-US" sz="1200" dirty="0"/>
+          </a:p>
+        </p:txBody>
+      </p:sp>
+      <p:sp>
+        <p:nvSpPr>
+          <p:cNvPr id="31" name="立方体 30">
+            <a:extLst>
+              <a:ext uri="{FF2B5EF4-FFF2-40B4-BE49-F238E27FC236}">
+                <a16:creationId xmlns:a16="http://schemas.microsoft.com/office/drawing/2014/main" id="{E15F0ED8-88AE-4EC6-90CE-75E77A4B3356}"/>
+              </a:ext>
+            </a:extLst>
+          </p:cNvPr>
+          <p:cNvSpPr/>
+          <p:nvPr/>
+        </p:nvSpPr>
+        <p:spPr>
+          <a:xfrm>
+            <a:off x="8394714" y="1293930"/>
+            <a:ext cx="1209582" cy="497150"/>
+          </a:xfrm>
+          <a:prstGeom prst="cube">
+            <a:avLst/>
+          </a:prstGeom>
+        </p:spPr>
+        <p:style>
+          <a:lnRef idx="2">
+            <a:schemeClr val="accent1">
+              <a:shade val="50000"/>
+            </a:schemeClr>
+          </a:lnRef>
+          <a:fillRef idx="1">
+            <a:schemeClr val="accent1"/>
+          </a:fillRef>
+          <a:effectRef idx="0">
+            <a:schemeClr val="accent1"/>
+          </a:effectRef>
+          <a:fontRef idx="minor">
+            <a:schemeClr val="lt1"/>
+          </a:fontRef>
+        </p:style>
+        <p:txBody>
+          <a:bodyPr rtlCol="0" anchor="ctr"/>
+          <a:lstStyle/>
+          <a:p>
+            <a:pPr algn="ctr"/>
+            <a:r>
+              <a:rPr lang="en-US" altLang="zh-CN" sz="1200" dirty="0"/>
+              <a:t>Kernel-</a:t>
+            </a:r>
+            <a:r>
+              <a:rPr lang="en-US" altLang="zh-CN" sz="1200" dirty="0" err="1"/>
+              <a:t>syscall</a:t>
+            </a:r>
+            <a:endParaRPr lang="zh-CN" altLang="en-US" sz="1200" dirty="0"/>
+          </a:p>
+        </p:txBody>
+      </p:sp>
+      <p:sp>
+        <p:nvSpPr>
+          <p:cNvPr id="80" name="文本框 79">
+            <a:extLst>
+              <a:ext uri="{FF2B5EF4-FFF2-40B4-BE49-F238E27FC236}">
+                <a16:creationId xmlns:a16="http://schemas.microsoft.com/office/drawing/2014/main" id="{A0B91055-B219-4830-93C3-6818BC76ECDE}"/>
+              </a:ext>
+            </a:extLst>
+          </p:cNvPr>
+          <p:cNvSpPr txBox="1"/>
+          <p:nvPr/>
+        </p:nvSpPr>
+        <p:spPr>
+          <a:xfrm>
+            <a:off x="259951" y="940092"/>
+            <a:ext cx="7943015" cy="5632311"/>
+          </a:xfrm>
+          <a:prstGeom prst="rect">
+            <a:avLst/>
+          </a:prstGeom>
+          <a:noFill/>
+        </p:spPr>
+        <p:txBody>
+          <a:bodyPr wrap="square" rtlCol="0">
+            <a:spAutoFit/>
+          </a:bodyPr>
+          <a:lstStyle/>
+          <a:p>
+            <a:r>
+              <a:rPr lang="en-US" altLang="zh-CN" sz="1200" b="1" u="sng" dirty="0"/>
+              <a:t>File Hierarchy Standard</a:t>
+            </a:r>
+          </a:p>
+          <a:p>
+            <a:r>
+              <a:rPr lang="en-US" altLang="zh-CN" sz="1200" dirty="0"/>
+              <a:t>/</a:t>
+            </a:r>
+          </a:p>
+          <a:p>
+            <a:r>
+              <a:rPr lang="en-US" altLang="zh-CN" sz="1200" dirty="0"/>
+              <a:t>|-   </a:t>
+            </a:r>
+            <a:r>
+              <a:rPr lang="en-US" altLang="zh-CN" sz="1200" b="1" dirty="0"/>
+              <a:t>/bin    (</a:t>
+            </a:r>
+            <a:r>
+              <a:rPr lang="en-US" altLang="zh-CN" sz="1200" dirty="0" err="1"/>
+              <a:t>cmd</a:t>
+            </a:r>
+            <a:r>
+              <a:rPr lang="en-US" altLang="zh-CN" sz="1200" dirty="0"/>
+              <a:t>: </a:t>
+            </a:r>
+            <a:r>
+              <a:rPr lang="en-US" altLang="zh-CN" sz="1200" dirty="0" err="1"/>
+              <a:t>cat,chgrp,chmod,cp,ls,sh,kill,mount,umount,mkdir,mknod</a:t>
+            </a:r>
+            <a:r>
+              <a:rPr lang="en-US" altLang="zh-CN" sz="1200" dirty="0"/>
+              <a:t>,[,test</a:t>
+            </a:r>
+            <a:r>
+              <a:rPr lang="en-US" altLang="zh-CN" sz="1200" b="1" dirty="0"/>
+              <a:t>)</a:t>
+            </a:r>
+          </a:p>
+          <a:p>
+            <a:r>
+              <a:rPr lang="en-US" altLang="zh-CN" sz="1200" dirty="0"/>
+              <a:t>|-   </a:t>
+            </a:r>
+            <a:r>
+              <a:rPr lang="en-US" altLang="zh-CN" sz="1200" b="1" dirty="0"/>
+              <a:t>/</a:t>
+            </a:r>
+            <a:r>
+              <a:rPr lang="en-US" altLang="zh-CN" sz="1200" b="1" dirty="0" err="1"/>
+              <a:t>sbin</a:t>
+            </a:r>
+            <a:r>
+              <a:rPr lang="en-US" altLang="zh-CN" sz="1200" b="1" dirty="0"/>
+              <a:t>  </a:t>
+            </a:r>
+            <a:r>
+              <a:rPr lang="en-US" altLang="zh-CN" sz="1200" dirty="0"/>
+              <a:t>(</a:t>
+            </a:r>
+            <a:r>
+              <a:rPr lang="en-US" altLang="zh-CN" sz="1200" dirty="0" err="1"/>
+              <a:t>cmd</a:t>
+            </a:r>
+            <a:r>
+              <a:rPr lang="en-US" altLang="zh-CN" sz="1200" dirty="0"/>
+              <a:t>: shutdown, reboot, </a:t>
+            </a:r>
+            <a:r>
+              <a:rPr lang="en-US" altLang="zh-CN" sz="1200" dirty="0" err="1"/>
+              <a:t>fdisk</a:t>
+            </a:r>
+            <a:r>
+              <a:rPr lang="en-US" altLang="zh-CN" sz="1200" dirty="0"/>
+              <a:t>, </a:t>
+            </a:r>
+            <a:r>
+              <a:rPr lang="en-US" altLang="zh-CN" sz="1200" dirty="0" err="1"/>
+              <a:t>fsck</a:t>
+            </a:r>
+            <a:r>
+              <a:rPr lang="en-US" altLang="zh-CN" sz="1200" dirty="0"/>
+              <a:t>)</a:t>
+            </a:r>
+          </a:p>
+          <a:p>
+            <a:r>
+              <a:rPr lang="en-US" altLang="zh-CN" sz="1200" dirty="0"/>
+              <a:t>|-   </a:t>
+            </a:r>
+            <a:r>
+              <a:rPr lang="en-US" altLang="zh-CN" sz="1200" b="1" dirty="0"/>
+              <a:t>/dev   </a:t>
+            </a:r>
+            <a:r>
+              <a:rPr lang="en-US" altLang="zh-CN" sz="1200" dirty="0"/>
+              <a:t>(</a:t>
+            </a:r>
+            <a:r>
+              <a:rPr lang="en-US" altLang="zh-CN" sz="1200" dirty="0" err="1"/>
+              <a:t>mknod</a:t>
+            </a:r>
+            <a:r>
+              <a:rPr lang="en-US" altLang="zh-CN" sz="1200" dirty="0"/>
+              <a:t> created device file)</a:t>
+            </a:r>
+          </a:p>
+          <a:p>
+            <a:r>
+              <a:rPr lang="en-US" altLang="zh-CN" sz="1200" dirty="0"/>
+              <a:t>|-   </a:t>
+            </a:r>
+            <a:r>
+              <a:rPr lang="en-US" altLang="zh-CN" sz="1200" b="1" dirty="0"/>
+              <a:t>/</a:t>
+            </a:r>
+            <a:r>
+              <a:rPr lang="en-US" altLang="zh-CN" sz="1200" b="1" dirty="0" err="1"/>
+              <a:t>etc</a:t>
+            </a:r>
+            <a:r>
+              <a:rPr lang="en-US" altLang="zh-CN" sz="1200" b="1" dirty="0"/>
+              <a:t>    </a:t>
+            </a:r>
+            <a:r>
+              <a:rPr lang="en-US" altLang="zh-CN" sz="1200" dirty="0"/>
+              <a:t>(</a:t>
+            </a:r>
+            <a:r>
+              <a:rPr lang="en-US" altLang="zh-CN" sz="1200" b="1" dirty="0"/>
+              <a:t>configure file- </a:t>
+            </a:r>
+            <a:r>
+              <a:rPr lang="en-US" altLang="zh-CN" sz="1200" dirty="0"/>
+              <a:t>folder: opt/X11/</a:t>
+            </a:r>
+            <a:r>
+              <a:rPr lang="en-US" altLang="zh-CN" sz="1200" dirty="0" err="1"/>
+              <a:t>sgml</a:t>
+            </a:r>
+            <a:r>
+              <a:rPr lang="en-US" altLang="zh-CN" sz="1200" dirty="0"/>
+              <a:t>/xml; files: </a:t>
+            </a:r>
+            <a:r>
+              <a:rPr lang="en-US" altLang="zh-CN" sz="1200" dirty="0" err="1"/>
+              <a:t>export;</a:t>
+            </a:r>
+            <a:r>
+              <a:rPr lang="en-US" altLang="zh-CN" sz="1200" b="1" dirty="0" err="1"/>
+              <a:t>fstab</a:t>
+            </a:r>
+            <a:r>
+              <a:rPr lang="en-US" altLang="zh-CN" sz="1200" b="1" dirty="0"/>
+              <a:t>(</a:t>
+            </a:r>
+            <a:r>
+              <a:rPr lang="en-US" altLang="zh-CN" sz="1200" dirty="0"/>
+              <a:t>FS mounted by “mount –a”</a:t>
+            </a:r>
+            <a:r>
+              <a:rPr lang="en-US" altLang="zh-CN" sz="1200" b="1" dirty="0"/>
+              <a:t>)</a:t>
+            </a:r>
+            <a:r>
+              <a:rPr lang="en-US" altLang="zh-CN" sz="1200" dirty="0"/>
+              <a:t>;</a:t>
+            </a:r>
+            <a:r>
+              <a:rPr lang="en-US" altLang="zh-CN" sz="1200" b="1" dirty="0" err="1"/>
+              <a:t>mtab</a:t>
+            </a:r>
+            <a:r>
+              <a:rPr lang="en-US" altLang="zh-CN" sz="1200" b="1" dirty="0"/>
+              <a:t>(</a:t>
+            </a:r>
+            <a:r>
+              <a:rPr lang="en-US" altLang="zh-CN" sz="1200" dirty="0"/>
+              <a:t>already mounted FS</a:t>
+            </a:r>
+            <a:r>
+              <a:rPr lang="en-US" altLang="zh-CN" sz="1200" b="1" dirty="0"/>
+              <a:t>) </a:t>
+            </a:r>
+            <a:r>
+              <a:rPr lang="en-US" altLang="zh-CN" sz="1200" dirty="0"/>
+              <a:t>;</a:t>
+            </a:r>
+            <a:r>
+              <a:rPr lang="en-US" altLang="zh-CN" sz="1200" dirty="0" err="1"/>
+              <a:t>ftpusers</a:t>
+            </a:r>
+            <a:r>
+              <a:rPr lang="en-US" altLang="zh-CN" sz="1200" dirty="0"/>
+              <a:t>; group; </a:t>
+            </a:r>
+            <a:r>
+              <a:rPr lang="en-US" altLang="zh-CN" sz="1200" b="1" dirty="0" err="1"/>
+              <a:t>inittab</a:t>
+            </a:r>
+            <a:r>
+              <a:rPr lang="en-US" altLang="zh-CN" sz="1200" b="1" dirty="0"/>
+              <a:t>(</a:t>
+            </a:r>
+            <a:r>
+              <a:rPr lang="en-US" altLang="zh-CN" sz="1200" dirty="0" err="1"/>
+              <a:t>init’s</a:t>
+            </a:r>
+            <a:r>
+              <a:rPr lang="en-US" altLang="zh-CN" sz="1200" dirty="0"/>
+              <a:t> configure file</a:t>
+            </a:r>
+            <a:r>
+              <a:rPr lang="en-US" altLang="zh-CN" sz="1200" b="1" dirty="0"/>
+              <a:t>)</a:t>
+            </a:r>
+            <a:r>
+              <a:rPr lang="en-US" altLang="zh-CN" sz="1200" dirty="0"/>
+              <a:t>;</a:t>
+            </a:r>
+            <a:r>
+              <a:rPr lang="en-US" altLang="zh-CN" sz="1200" dirty="0" err="1"/>
+              <a:t>ld.so.conf;passwd</a:t>
+            </a:r>
+            <a:r>
+              <a:rPr lang="en-US" altLang="zh-CN" sz="1200" dirty="0"/>
+              <a:t>)</a:t>
+            </a:r>
+          </a:p>
+          <a:p>
+            <a:r>
+              <a:rPr lang="en-US" altLang="zh-CN" sz="1200" dirty="0"/>
+              <a:t>|-   </a:t>
+            </a:r>
+            <a:r>
+              <a:rPr lang="en-US" altLang="zh-CN" sz="1200" b="1" dirty="0"/>
+              <a:t>/lib       </a:t>
+            </a:r>
+            <a:r>
+              <a:rPr lang="en-US" altLang="zh-CN" sz="1200" dirty="0"/>
+              <a:t>(shared lib &amp; driver)</a:t>
+            </a:r>
+          </a:p>
+          <a:p>
+            <a:r>
+              <a:rPr lang="en-US" altLang="zh-CN" sz="1200" dirty="0"/>
+              <a:t>|-   /home  (user folder)</a:t>
+            </a:r>
+          </a:p>
+          <a:p>
+            <a:r>
+              <a:rPr lang="en-US" altLang="zh-CN" sz="1200" dirty="0"/>
+              <a:t>|-   /root    (root folder)</a:t>
+            </a:r>
+          </a:p>
+          <a:p>
+            <a:r>
+              <a:rPr lang="en-US" altLang="zh-CN" sz="1200" dirty="0"/>
+              <a:t>|-   /</a:t>
+            </a:r>
+            <a:r>
+              <a:rPr lang="en-US" altLang="zh-CN" sz="1200" dirty="0" err="1"/>
+              <a:t>usr</a:t>
+            </a:r>
+            <a:r>
+              <a:rPr lang="en-US" altLang="zh-CN" sz="1200" dirty="0"/>
+              <a:t>      (shared-read-only data, folder:  bin/include/lib/local/</a:t>
+            </a:r>
+            <a:r>
+              <a:rPr lang="en-US" altLang="zh-CN" sz="1200" dirty="0" err="1"/>
+              <a:t>sbin</a:t>
+            </a:r>
+            <a:r>
+              <a:rPr lang="en-US" altLang="zh-CN" sz="1200" dirty="0"/>
+              <a:t>/share/X11R6/games/</a:t>
+            </a:r>
+            <a:r>
+              <a:rPr lang="en-US" altLang="zh-CN" sz="1200" dirty="0" err="1"/>
+              <a:t>src</a:t>
+            </a:r>
+            <a:r>
+              <a:rPr lang="en-US" altLang="zh-CN" sz="1200" dirty="0"/>
+              <a:t>)</a:t>
+            </a:r>
+          </a:p>
+          <a:p>
+            <a:r>
+              <a:rPr lang="en-US" altLang="zh-CN" sz="1200" dirty="0"/>
+              <a:t>|-   /var      (variable data)</a:t>
+            </a:r>
+          </a:p>
+          <a:p>
+            <a:r>
+              <a:rPr lang="en-US" altLang="zh-CN" sz="1200" dirty="0"/>
+              <a:t>|-   /proc    (virtual FS,  dynamic created by kernel)</a:t>
+            </a:r>
+          </a:p>
+          <a:p>
+            <a:r>
+              <a:rPr lang="en-US" altLang="zh-CN" sz="1200" dirty="0"/>
+              <a:t>|-   /</a:t>
+            </a:r>
+            <a:r>
+              <a:rPr lang="en-US" altLang="zh-CN" sz="1200" dirty="0" err="1"/>
+              <a:t>mnt</a:t>
+            </a:r>
+            <a:r>
+              <a:rPr lang="en-US" altLang="zh-CN" sz="1200" dirty="0"/>
+              <a:t>     (mount pointer)</a:t>
+            </a:r>
+          </a:p>
+          <a:p>
+            <a:r>
+              <a:rPr lang="en-US" altLang="zh-CN" sz="1200" dirty="0"/>
+              <a:t>|_   /</a:t>
+            </a:r>
+            <a:r>
+              <a:rPr lang="en-US" altLang="zh-CN" sz="1200" dirty="0" err="1"/>
+              <a:t>tmp</a:t>
+            </a:r>
+            <a:endParaRPr lang="en-US" altLang="zh-CN" sz="1200" dirty="0"/>
+          </a:p>
+          <a:p>
+            <a:r>
+              <a:rPr lang="en-US" altLang="zh-CN" sz="1200" b="1" u="sng" dirty="0"/>
+              <a:t>Linux File attribution </a:t>
+            </a:r>
+          </a:p>
+          <a:p>
+            <a:r>
+              <a:rPr lang="en-US" altLang="zh-CN" sz="1200" dirty="0"/>
+              <a:t>File type:  </a:t>
+            </a:r>
+          </a:p>
+          <a:p>
+            <a:r>
+              <a:rPr lang="en-US" altLang="zh-CN" sz="1200" dirty="0"/>
+              <a:t>   normal file(“-”)</a:t>
+            </a:r>
+          </a:p>
+          <a:p>
+            <a:r>
+              <a:rPr lang="en-US" altLang="zh-CN" sz="1200" dirty="0"/>
+              <a:t>   folder file (“d”)</a:t>
+            </a:r>
+          </a:p>
+          <a:p>
+            <a:r>
+              <a:rPr lang="en-US" altLang="zh-CN" sz="1200" dirty="0"/>
+              <a:t>   character device file(“c”)</a:t>
+            </a:r>
+          </a:p>
+          <a:p>
+            <a:r>
+              <a:rPr lang="en-US" altLang="zh-CN" sz="1200" dirty="0"/>
+              <a:t>   block device file(“b”)</a:t>
+            </a:r>
+          </a:p>
+          <a:p>
+            <a:r>
+              <a:rPr lang="en-US" altLang="zh-CN" sz="1200" dirty="0"/>
+              <a:t>   FIFO(“p”) : pipe between process</a:t>
+            </a:r>
+          </a:p>
+          <a:p>
+            <a:r>
+              <a:rPr lang="en-US" altLang="zh-CN" sz="1200" dirty="0"/>
+              <a:t>   socket(“s”)</a:t>
+            </a:r>
+          </a:p>
+          <a:p>
+            <a:r>
+              <a:rPr lang="en-US" altLang="zh-CN" sz="1200" dirty="0"/>
+              <a:t>   linker(“l”)</a:t>
+            </a:r>
+          </a:p>
+          <a:p>
+            <a:endParaRPr lang="en-US" altLang="zh-CN" sz="1200" dirty="0"/>
+          </a:p>
+          <a:p>
+            <a:r>
+              <a:rPr lang="en-US" altLang="zh-CN" sz="1200" u="sng" dirty="0" err="1"/>
+              <a:t>Cmd</a:t>
+            </a:r>
+            <a:r>
+              <a:rPr lang="en-US" altLang="zh-CN" sz="1200" u="sng" dirty="0"/>
+              <a:t> </a:t>
+            </a:r>
+            <a:r>
+              <a:rPr lang="zh-CN" altLang="en-US" sz="1200" u="sng" dirty="0"/>
+              <a:t>“</a:t>
+            </a:r>
+            <a:r>
+              <a:rPr lang="en-US" altLang="zh-CN" sz="1200" u="sng" dirty="0"/>
+              <a:t>ls –</a:t>
+            </a:r>
+            <a:r>
+              <a:rPr lang="en-US" altLang="zh-CN" sz="1200" u="sng" dirty="0" err="1"/>
+              <a:t>lih</a:t>
+            </a:r>
+            <a:r>
+              <a:rPr lang="en-US" altLang="zh-CN" sz="1200" u="sng" dirty="0"/>
+              <a:t>”  list file attributions as below</a:t>
+            </a:r>
+          </a:p>
+          <a:p>
+            <a:r>
+              <a:rPr lang="en-US" altLang="zh-CN" sz="1200" dirty="0"/>
+              <a:t>   228883  -                </a:t>
+            </a:r>
+            <a:r>
+              <a:rPr lang="en-US" altLang="zh-CN" sz="1200" dirty="0" err="1"/>
+              <a:t>rwx</a:t>
+            </a:r>
+            <a:r>
+              <a:rPr lang="en-US" altLang="zh-CN" sz="1200" dirty="0"/>
+              <a:t>        r--      r--       2               root     </a:t>
+            </a:r>
+            <a:r>
+              <a:rPr lang="en-US" altLang="zh-CN" sz="1200" dirty="0" err="1"/>
+              <a:t>root</a:t>
+            </a:r>
+            <a:r>
+              <a:rPr lang="en-US" altLang="zh-CN" sz="1200" dirty="0"/>
+              <a:t>  6     Jul 20 2019   readme.txt</a:t>
+            </a:r>
+          </a:p>
+          <a:p>
+            <a:r>
+              <a:rPr lang="en-US" altLang="zh-CN" sz="1200" dirty="0"/>
+              <a:t>    </a:t>
+            </a:r>
+            <a:r>
+              <a:rPr lang="en-US" altLang="zh-CN" sz="1200" dirty="0" err="1"/>
+              <a:t>inode</a:t>
+            </a:r>
+            <a:r>
+              <a:rPr lang="en-US" altLang="zh-CN" sz="1200" dirty="0"/>
+              <a:t>    type    auth: owner group others  </a:t>
+            </a:r>
+            <a:r>
+              <a:rPr lang="en-US" altLang="zh-CN" sz="1200" dirty="0" err="1"/>
+              <a:t>hardlink</a:t>
+            </a:r>
+            <a:r>
+              <a:rPr lang="en-US" altLang="zh-CN" sz="1200" dirty="0"/>
+              <a:t>#   owner  grp  size  time              name</a:t>
+            </a:r>
+          </a:p>
+          <a:p>
+            <a:r>
+              <a:rPr lang="en-US" altLang="zh-CN" sz="1200" dirty="0"/>
+              <a:t>                            </a:t>
+            </a:r>
+          </a:p>
+        </p:txBody>
+      </p:sp>
+      <p:sp>
+        <p:nvSpPr>
+          <p:cNvPr id="3" name="矩形 2">
+            <a:extLst>
+              <a:ext uri="{FF2B5EF4-FFF2-40B4-BE49-F238E27FC236}">
+                <a16:creationId xmlns:a16="http://schemas.microsoft.com/office/drawing/2014/main" id="{D6755D11-951C-43CC-A67A-8B6E39111014}"/>
+              </a:ext>
+            </a:extLst>
+          </p:cNvPr>
+          <p:cNvSpPr/>
+          <p:nvPr/>
+        </p:nvSpPr>
+        <p:spPr>
+          <a:xfrm>
+            <a:off x="9604295" y="305849"/>
+            <a:ext cx="2514195" cy="700486"/>
+          </a:xfrm>
+          <a:prstGeom prst="rect">
+            <a:avLst/>
+          </a:prstGeom>
+          <a:noFill/>
+          <a:ln>
+            <a:solidFill>
+              <a:srgbClr val="7030A0"/>
+            </a:solidFill>
+            <a:prstDash val="lgDashDot"/>
+          </a:ln>
+        </p:spPr>
+        <p:style>
+          <a:lnRef idx="2">
+            <a:schemeClr val="accent1">
+              <a:shade val="50000"/>
+            </a:schemeClr>
+          </a:lnRef>
+          <a:fillRef idx="1">
+            <a:schemeClr val="accent1"/>
+          </a:fillRef>
+          <a:effectRef idx="0">
+            <a:schemeClr val="accent1"/>
+          </a:effectRef>
+          <a:fontRef idx="minor">
+            <a:schemeClr val="lt1"/>
+          </a:fontRef>
+        </p:style>
+        <p:txBody>
+          <a:bodyPr rtlCol="0" anchor="ctr"/>
+          <a:lstStyle/>
+          <a:p>
+            <a:pPr algn="ctr"/>
+            <a:endParaRPr lang="zh-CN" altLang="en-US"/>
+          </a:p>
+        </p:txBody>
+      </p:sp>
+      <p:sp>
+        <p:nvSpPr>
+          <p:cNvPr id="13" name="立方体 12">
+            <a:extLst>
+              <a:ext uri="{FF2B5EF4-FFF2-40B4-BE49-F238E27FC236}">
+                <a16:creationId xmlns:a16="http://schemas.microsoft.com/office/drawing/2014/main" id="{6CE40A46-E514-40CE-94CE-29009FFDA65D}"/>
+              </a:ext>
+            </a:extLst>
+          </p:cNvPr>
+          <p:cNvSpPr/>
+          <p:nvPr/>
+        </p:nvSpPr>
+        <p:spPr>
+          <a:xfrm>
+            <a:off x="9686414" y="423045"/>
+            <a:ext cx="1127464" cy="497150"/>
+          </a:xfrm>
+          <a:prstGeom prst="cube">
+            <a:avLst/>
+          </a:prstGeom>
+        </p:spPr>
+        <p:style>
+          <a:lnRef idx="2">
+            <a:schemeClr val="accent1">
+              <a:shade val="50000"/>
+            </a:schemeClr>
+          </a:lnRef>
+          <a:fillRef idx="1">
+            <a:schemeClr val="accent1"/>
+          </a:fillRef>
+          <a:effectRef idx="0">
+            <a:schemeClr val="accent1"/>
+          </a:effectRef>
+          <a:fontRef idx="minor">
+            <a:schemeClr val="lt1"/>
+          </a:fontRef>
+        </p:style>
+        <p:txBody>
+          <a:bodyPr rtlCol="0" anchor="ctr"/>
+          <a:lstStyle/>
+          <a:p>
+            <a:pPr algn="ctr"/>
+            <a:r>
+              <a:rPr lang="en-US" altLang="zh-CN" sz="1200" dirty="0" err="1"/>
+              <a:t>FileSystem</a:t>
+            </a:r>
+            <a:endParaRPr lang="zh-CN" altLang="en-US" sz="1200" dirty="0"/>
+          </a:p>
+        </p:txBody>
+      </p:sp>
+      <p:sp>
+        <p:nvSpPr>
+          <p:cNvPr id="14" name="箭头: 上下 13">
+            <a:extLst>
+              <a:ext uri="{FF2B5EF4-FFF2-40B4-BE49-F238E27FC236}">
+                <a16:creationId xmlns:a16="http://schemas.microsoft.com/office/drawing/2014/main" id="{80FFCCF3-52C2-4FFE-BEDB-7CD262E76752}"/>
+              </a:ext>
+            </a:extLst>
+          </p:cNvPr>
+          <p:cNvSpPr/>
+          <p:nvPr/>
+        </p:nvSpPr>
+        <p:spPr>
+          <a:xfrm>
+            <a:off x="10209085" y="959923"/>
+            <a:ext cx="79898" cy="308289"/>
+          </a:xfrm>
+          <a:prstGeom prst="upDownArrow">
+            <a:avLst/>
+          </a:prstGeom>
+        </p:spPr>
+        <p:style>
+          <a:lnRef idx="2">
+            <a:schemeClr val="accent1">
+              <a:shade val="50000"/>
+            </a:schemeClr>
+          </a:lnRef>
+          <a:fillRef idx="1">
+            <a:schemeClr val="accent1"/>
+          </a:fillRef>
+          <a:effectRef idx="0">
+            <a:schemeClr val="accent1"/>
+          </a:effectRef>
+          <a:fontRef idx="minor">
+            <a:schemeClr val="lt1"/>
+          </a:fontRef>
+        </p:style>
+        <p:txBody>
+          <a:bodyPr rtlCol="0" anchor="ctr"/>
+          <a:lstStyle/>
+          <a:p>
+            <a:pPr algn="ctr"/>
+            <a:endParaRPr lang="zh-CN" altLang="en-US"/>
+          </a:p>
+        </p:txBody>
+      </p:sp>
+      <p:sp>
+        <p:nvSpPr>
+          <p:cNvPr id="15" name="立方体 14">
+            <a:extLst>
+              <a:ext uri="{FF2B5EF4-FFF2-40B4-BE49-F238E27FC236}">
+                <a16:creationId xmlns:a16="http://schemas.microsoft.com/office/drawing/2014/main" id="{F24CD838-BE92-4822-AA83-BF212C3E4446}"/>
+              </a:ext>
+            </a:extLst>
+          </p:cNvPr>
+          <p:cNvSpPr/>
+          <p:nvPr/>
+        </p:nvSpPr>
+        <p:spPr>
+          <a:xfrm>
+            <a:off x="10871829" y="407517"/>
+            <a:ext cx="1240273" cy="497150"/>
+          </a:xfrm>
+          <a:prstGeom prst="cube">
+            <a:avLst/>
+          </a:prstGeom>
+        </p:spPr>
+        <p:style>
+          <a:lnRef idx="2">
+            <a:schemeClr val="accent1">
+              <a:shade val="50000"/>
+            </a:schemeClr>
+          </a:lnRef>
+          <a:fillRef idx="1">
+            <a:schemeClr val="accent1"/>
+          </a:fillRef>
+          <a:effectRef idx="0">
+            <a:schemeClr val="accent1"/>
+          </a:effectRef>
+          <a:fontRef idx="minor">
+            <a:schemeClr val="lt1"/>
+          </a:fontRef>
+        </p:style>
+        <p:txBody>
+          <a:bodyPr rtlCol="0" anchor="ctr"/>
+          <a:lstStyle/>
+          <a:p>
+            <a:pPr algn="ctr"/>
+            <a:r>
+              <a:rPr lang="en-US" altLang="zh-CN" sz="1200" dirty="0"/>
+              <a:t>Library(</a:t>
+            </a:r>
+            <a:r>
+              <a:rPr lang="en-US" altLang="zh-CN" sz="1200" dirty="0" err="1"/>
+              <a:t>glibc</a:t>
+            </a:r>
+            <a:r>
+              <a:rPr lang="en-US" altLang="zh-CN" sz="1200" dirty="0"/>
+              <a:t>…)</a:t>
+            </a:r>
+            <a:endParaRPr lang="zh-CN" altLang="en-US" sz="1200" dirty="0"/>
+          </a:p>
+        </p:txBody>
+      </p:sp>
+    </p:spTree>
+    <p:extLst>
+      <p:ext uri="{BB962C8B-B14F-4D97-AF65-F5344CB8AC3E}">
+        <p14:creationId xmlns:p14="http://schemas.microsoft.com/office/powerpoint/2010/main" val="4275577222"/>
+      </p:ext>
+    </p:extLst>
+  </p:cSld>
+  <p:clrMapOvr>
+    <a:masterClrMapping/>
+  </p:clrMapOvr>
+</p:sld>
+</file>
+
+<file path=ppt/slides/slide7.xml><?xml version="1.0" encoding="utf-8"?>
+<p:sld xmlns:a="http://schemas.openxmlformats.org/drawingml/2006/main" xmlns:r="http://schemas.openxmlformats.org/officeDocument/2006/relationships" xmlns:p="http://schemas.openxmlformats.org/presentationml/2006/main">
+  <p:cSld>
+    <p:spTree>
+      <p:nvGrpSpPr>
+        <p:cNvPr id="1" name=""/>
+        <p:cNvGrpSpPr/>
+        <p:nvPr/>
+      </p:nvGrpSpPr>
+      <p:grpSpPr>
+        <a:xfrm>
+          <a:off x="0" y="0"/>
+          <a:ext cx="0" cy="0"/>
+          <a:chOff x="0" y="0"/>
+          <a:chExt cx="0" cy="0"/>
+        </a:xfrm>
+      </p:grpSpPr>
+      <p:sp>
+        <p:nvSpPr>
+          <p:cNvPr id="2" name="标题 1">
+            <a:extLst>
+              <a:ext uri="{FF2B5EF4-FFF2-40B4-BE49-F238E27FC236}">
+                <a16:creationId xmlns:a16="http://schemas.microsoft.com/office/drawing/2014/main" id="{4DBEFF03-2B27-4B5F-99CC-9195A6F11D10}"/>
+              </a:ext>
+            </a:extLst>
+          </p:cNvPr>
+          <p:cNvSpPr>
+            <a:spLocks noGrp="1"/>
+          </p:cNvSpPr>
+          <p:nvPr>
+            <p:ph type="title"/>
+          </p:nvPr>
+        </p:nvSpPr>
+        <p:spPr>
+          <a:xfrm>
+            <a:off x="79898" y="18255"/>
+            <a:ext cx="11273902" cy="778525"/>
+          </a:xfrm>
+        </p:spPr>
+        <p:txBody>
+          <a:bodyPr>
+            <a:normAutofit/>
+          </a:bodyPr>
+          <a:lstStyle/>
+          <a:p>
+            <a:r>
+              <a:rPr lang="en-US" altLang="zh-CN" dirty="0"/>
+              <a:t>Linux architecture-File System</a:t>
+            </a:r>
+            <a:endParaRPr lang="zh-CN" altLang="en-US" dirty="0"/>
+          </a:p>
+        </p:txBody>
+      </p:sp>
+      <p:sp>
+        <p:nvSpPr>
+          <p:cNvPr id="12" name="立方体 11">
+            <a:extLst>
+              <a:ext uri="{FF2B5EF4-FFF2-40B4-BE49-F238E27FC236}">
+                <a16:creationId xmlns:a16="http://schemas.microsoft.com/office/drawing/2014/main" id="{E1092073-3B9B-4ABA-8033-C861B2A64F39}"/>
+              </a:ext>
+            </a:extLst>
+          </p:cNvPr>
+          <p:cNvSpPr/>
+          <p:nvPr/>
+        </p:nvSpPr>
+        <p:spPr>
+          <a:xfrm>
+            <a:off x="9604296" y="1320672"/>
+            <a:ext cx="1209582" cy="497150"/>
+          </a:xfrm>
+          <a:prstGeom prst="cube">
+            <a:avLst/>
+          </a:prstGeom>
+        </p:spPr>
+        <p:style>
+          <a:lnRef idx="2">
+            <a:schemeClr val="accent1">
+              <a:shade val="50000"/>
+            </a:schemeClr>
+          </a:lnRef>
+          <a:fillRef idx="1">
+            <a:schemeClr val="accent1"/>
+          </a:fillRef>
+          <a:effectRef idx="0">
+            <a:schemeClr val="accent1"/>
+          </a:effectRef>
+          <a:fontRef idx="minor">
+            <a:schemeClr val="lt1"/>
+          </a:fontRef>
+        </p:style>
+        <p:txBody>
+          <a:bodyPr rtlCol="0" anchor="ctr"/>
+          <a:lstStyle/>
+          <a:p>
+            <a:pPr algn="ctr"/>
+            <a:r>
+              <a:rPr lang="en-US" altLang="zh-CN" sz="1200" dirty="0"/>
+              <a:t>kernel</a:t>
+            </a:r>
+            <a:endParaRPr lang="zh-CN" altLang="en-US" sz="1200" dirty="0"/>
+          </a:p>
+        </p:txBody>
+      </p:sp>
+      <p:sp>
+        <p:nvSpPr>
+          <p:cNvPr id="17" name="立方体 16">
+            <a:extLst>
+              <a:ext uri="{FF2B5EF4-FFF2-40B4-BE49-F238E27FC236}">
+                <a16:creationId xmlns:a16="http://schemas.microsoft.com/office/drawing/2014/main" id="{6F6A4280-5667-40DC-BFC6-5A16F0C13F12}"/>
+              </a:ext>
+            </a:extLst>
+          </p:cNvPr>
+          <p:cNvSpPr/>
+          <p:nvPr/>
+        </p:nvSpPr>
+        <p:spPr>
+          <a:xfrm>
+            <a:off x="10741244" y="1320672"/>
+            <a:ext cx="1388612" cy="497150"/>
+          </a:xfrm>
+          <a:prstGeom prst="cube">
+            <a:avLst/>
+          </a:prstGeom>
+        </p:spPr>
+        <p:style>
+          <a:lnRef idx="2">
+            <a:schemeClr val="accent1">
+              <a:shade val="50000"/>
+            </a:schemeClr>
+          </a:lnRef>
+          <a:fillRef idx="1">
+            <a:schemeClr val="accent1"/>
+          </a:fillRef>
+          <a:effectRef idx="0">
+            <a:schemeClr val="accent1"/>
+          </a:effectRef>
+          <a:fontRef idx="minor">
+            <a:schemeClr val="lt1"/>
+          </a:fontRef>
+        </p:style>
+        <p:txBody>
+          <a:bodyPr rtlCol="0" anchor="ctr"/>
+          <a:lstStyle/>
+          <a:p>
+            <a:pPr algn="ctr"/>
+            <a:r>
+              <a:rPr lang="en-US" altLang="zh-CN" sz="1200" dirty="0"/>
+              <a:t>Driver(open/read/write/</a:t>
+            </a:r>
+            <a:r>
+              <a:rPr lang="en-US" altLang="zh-CN" sz="1200" dirty="0" err="1"/>
+              <a:t>ioctl</a:t>
+            </a:r>
+            <a:r>
+              <a:rPr lang="en-US" altLang="zh-CN" sz="1200" dirty="0"/>
+              <a:t>…) </a:t>
+            </a:r>
+            <a:endParaRPr lang="zh-CN" altLang="en-US" sz="1200" dirty="0"/>
+          </a:p>
+        </p:txBody>
+      </p:sp>
+      <p:sp>
+        <p:nvSpPr>
+          <p:cNvPr id="31" name="立方体 30">
+            <a:extLst>
+              <a:ext uri="{FF2B5EF4-FFF2-40B4-BE49-F238E27FC236}">
+                <a16:creationId xmlns:a16="http://schemas.microsoft.com/office/drawing/2014/main" id="{E15F0ED8-88AE-4EC6-90CE-75E77A4B3356}"/>
+              </a:ext>
+            </a:extLst>
+          </p:cNvPr>
+          <p:cNvSpPr/>
+          <p:nvPr/>
+        </p:nvSpPr>
+        <p:spPr>
+          <a:xfrm>
+            <a:off x="8394714" y="1293930"/>
+            <a:ext cx="1209582" cy="497150"/>
+          </a:xfrm>
+          <a:prstGeom prst="cube">
+            <a:avLst/>
+          </a:prstGeom>
+        </p:spPr>
+        <p:style>
+          <a:lnRef idx="2">
+            <a:schemeClr val="accent1">
+              <a:shade val="50000"/>
+            </a:schemeClr>
+          </a:lnRef>
+          <a:fillRef idx="1">
+            <a:schemeClr val="accent1"/>
+          </a:fillRef>
+          <a:effectRef idx="0">
+            <a:schemeClr val="accent1"/>
+          </a:effectRef>
+          <a:fontRef idx="minor">
+            <a:schemeClr val="lt1"/>
+          </a:fontRef>
+        </p:style>
+        <p:txBody>
+          <a:bodyPr rtlCol="0" anchor="ctr"/>
+          <a:lstStyle/>
+          <a:p>
+            <a:pPr algn="ctr"/>
+            <a:r>
+              <a:rPr lang="en-US" altLang="zh-CN" sz="1200" dirty="0"/>
+              <a:t>Kernel-</a:t>
+            </a:r>
+            <a:r>
+              <a:rPr lang="en-US" altLang="zh-CN" sz="1200" dirty="0" err="1"/>
+              <a:t>syscall</a:t>
+            </a:r>
+            <a:endParaRPr lang="zh-CN" altLang="en-US" sz="1200" dirty="0"/>
+          </a:p>
+        </p:txBody>
+      </p:sp>
+      <p:sp>
+        <p:nvSpPr>
+          <p:cNvPr id="80" name="文本框 79">
+            <a:extLst>
+              <a:ext uri="{FF2B5EF4-FFF2-40B4-BE49-F238E27FC236}">
+                <a16:creationId xmlns:a16="http://schemas.microsoft.com/office/drawing/2014/main" id="{A0B91055-B219-4830-93C3-6818BC76ECDE}"/>
+              </a:ext>
+            </a:extLst>
+          </p:cNvPr>
+          <p:cNvSpPr txBox="1"/>
+          <p:nvPr/>
+        </p:nvSpPr>
+        <p:spPr>
+          <a:xfrm>
+            <a:off x="263061" y="796780"/>
+            <a:ext cx="6611366" cy="6186309"/>
+          </a:xfrm>
+          <a:prstGeom prst="rect">
+            <a:avLst/>
+          </a:prstGeom>
+          <a:noFill/>
+        </p:spPr>
+        <p:txBody>
+          <a:bodyPr wrap="square" rtlCol="0">
+            <a:spAutoFit/>
+          </a:bodyPr>
+          <a:lstStyle/>
+          <a:p>
+            <a:r>
+              <a:rPr lang="en-US" altLang="zh-CN" sz="1200" b="1" u="sng" dirty="0"/>
+              <a:t>Create File System</a:t>
+            </a:r>
+          </a:p>
+          <a:p>
+            <a:pPr marL="228600" indent="-228600">
+              <a:buAutoNum type="arabicPeriod"/>
+            </a:pPr>
+            <a:r>
+              <a:rPr lang="en-US" altLang="zh-CN" sz="1200" dirty="0"/>
+              <a:t>Create “executable commands”  in folder  “/bin &amp; /</a:t>
+            </a:r>
+            <a:r>
+              <a:rPr lang="en-US" altLang="zh-CN" sz="1200" dirty="0" err="1"/>
+              <a:t>sbin</a:t>
+            </a:r>
+            <a:r>
+              <a:rPr lang="en-US" altLang="zh-CN" sz="1200" dirty="0"/>
+              <a:t>”</a:t>
+            </a:r>
+          </a:p>
+          <a:p>
+            <a:pPr lvl="1"/>
+            <a:r>
+              <a:rPr lang="en-US" altLang="zh-CN" sz="1200" dirty="0"/>
+              <a:t>-Install </a:t>
+            </a:r>
+            <a:r>
+              <a:rPr lang="en-US" altLang="zh-CN" sz="1200" dirty="0" err="1"/>
+              <a:t>busybox</a:t>
+            </a:r>
+            <a:r>
+              <a:rPr lang="en-US" altLang="zh-CN" sz="1200" dirty="0"/>
+              <a:t> &amp; </a:t>
+            </a:r>
+            <a:r>
+              <a:rPr lang="en-US" altLang="zh-CN" sz="1200" dirty="0" err="1"/>
+              <a:t>glibc</a:t>
+            </a:r>
+            <a:r>
+              <a:rPr lang="en-US" altLang="zh-CN" sz="1200" dirty="0"/>
+              <a:t> to create executable </a:t>
+            </a:r>
+            <a:r>
+              <a:rPr lang="en-US" altLang="zh-CN" sz="1200" dirty="0" err="1"/>
+              <a:t>cmds</a:t>
+            </a:r>
+            <a:r>
+              <a:rPr lang="en-US" altLang="zh-CN" sz="1200" dirty="0"/>
+              <a:t> (</a:t>
+            </a:r>
+            <a:r>
+              <a:rPr lang="en-US" altLang="zh-CN" sz="1200" dirty="0">
+                <a:hlinkClick r:id="rId2"/>
+              </a:rPr>
+              <a:t>http://www.busybox.net</a:t>
+            </a:r>
+            <a:r>
+              <a:rPr lang="en-US" altLang="zh-CN" sz="1200" dirty="0"/>
+              <a:t>)</a:t>
+            </a:r>
+          </a:p>
+          <a:p>
+            <a:r>
+              <a:rPr lang="en-US" altLang="zh-CN" sz="1200" dirty="0"/>
+              <a:t>2. Store library files in folder “/lib”</a:t>
+            </a:r>
+          </a:p>
+          <a:p>
+            <a:pPr lvl="1"/>
+            <a:r>
+              <a:rPr lang="en-US" altLang="zh-CN" sz="1200" dirty="0"/>
+              <a:t>-</a:t>
+            </a:r>
+            <a:r>
+              <a:rPr lang="en-US" altLang="zh-CN" sz="1200" dirty="0" err="1"/>
+              <a:t>gcc</a:t>
+            </a:r>
+            <a:r>
+              <a:rPr lang="en-US" altLang="zh-CN" sz="1200" dirty="0"/>
+              <a:t> library (xxx.so   </a:t>
+            </a:r>
+            <a:r>
+              <a:rPr lang="en-US" altLang="zh-CN" sz="1200" dirty="0" err="1"/>
+              <a:t>xxx.o</a:t>
+            </a:r>
+            <a:r>
+              <a:rPr lang="en-US" altLang="zh-CN" sz="1200" dirty="0"/>
+              <a:t>   </a:t>
+            </a:r>
+            <a:r>
+              <a:rPr lang="en-US" altLang="zh-CN" sz="1200" dirty="0" err="1"/>
+              <a:t>xxx.a</a:t>
+            </a:r>
+            <a:r>
+              <a:rPr lang="en-US" altLang="zh-CN" sz="1200" dirty="0"/>
+              <a:t>   xxx.la  </a:t>
+            </a:r>
+            <a:r>
+              <a:rPr lang="en-US" altLang="zh-CN" sz="1200" dirty="0" err="1"/>
+              <a:t>gconv</a:t>
+            </a:r>
+            <a:r>
+              <a:rPr lang="en-US" altLang="zh-CN" sz="1200" dirty="0"/>
+              <a:t> folder  </a:t>
+            </a:r>
+            <a:r>
+              <a:rPr lang="en-US" altLang="zh-CN" sz="1200" dirty="0" err="1"/>
+              <a:t>ldscripts</a:t>
+            </a:r>
+            <a:r>
+              <a:rPr lang="en-US" altLang="zh-CN" sz="1200" dirty="0"/>
+              <a:t> folder  other folders/files)</a:t>
+            </a:r>
+          </a:p>
+          <a:p>
+            <a:r>
+              <a:rPr lang="en-US" altLang="zh-CN" sz="1200" dirty="0"/>
+              <a:t>3.Create device node in folder “/dev”</a:t>
+            </a:r>
+          </a:p>
+          <a:p>
+            <a:pPr lvl="1"/>
+            <a:r>
+              <a:rPr lang="en-US" altLang="zh-CN" sz="1200" dirty="0"/>
+              <a:t>-create necessary device node</a:t>
+            </a:r>
+          </a:p>
+          <a:p>
+            <a:pPr lvl="1"/>
+            <a:r>
+              <a:rPr lang="en-US" altLang="zh-CN" sz="1200" dirty="0"/>
+              <a:t>   $</a:t>
+            </a:r>
+            <a:r>
+              <a:rPr lang="en-US" altLang="zh-CN" sz="1200" dirty="0" err="1"/>
+              <a:t>mkdir</a:t>
+            </a:r>
+            <a:r>
+              <a:rPr lang="en-US" altLang="zh-CN" sz="1200" dirty="0"/>
+              <a:t> –p /dev</a:t>
+            </a:r>
+          </a:p>
+          <a:p>
+            <a:pPr lvl="1"/>
+            <a:r>
+              <a:rPr lang="en-US" altLang="zh-CN" sz="1200" dirty="0"/>
+              <a:t>   $cd /dev</a:t>
+            </a:r>
+          </a:p>
+          <a:p>
+            <a:pPr lvl="1"/>
+            <a:r>
+              <a:rPr lang="en-US" altLang="zh-CN" sz="1200" dirty="0"/>
+              <a:t>   $</a:t>
+            </a:r>
+            <a:r>
+              <a:rPr lang="en-US" altLang="zh-CN" sz="1200" dirty="0" err="1"/>
+              <a:t>sudo</a:t>
+            </a:r>
+            <a:r>
+              <a:rPr lang="en-US" altLang="zh-CN" sz="1200" dirty="0"/>
+              <a:t> </a:t>
+            </a:r>
+            <a:r>
+              <a:rPr lang="en-US" altLang="zh-CN" sz="1200" dirty="0" err="1"/>
+              <a:t>mknod</a:t>
+            </a:r>
+            <a:r>
+              <a:rPr lang="en-US" altLang="zh-CN" sz="1200" dirty="0"/>
+              <a:t> console c 5 1</a:t>
+            </a:r>
+          </a:p>
+          <a:p>
+            <a:pPr lvl="1"/>
+            <a:r>
+              <a:rPr lang="en-US" altLang="zh-CN" sz="1200" dirty="0"/>
+              <a:t>   $</a:t>
+            </a:r>
+            <a:r>
+              <a:rPr lang="en-US" altLang="zh-CN" sz="1200" dirty="0" err="1"/>
+              <a:t>sudo</a:t>
+            </a:r>
+            <a:r>
+              <a:rPr lang="en-US" altLang="zh-CN" sz="1200" dirty="0"/>
+              <a:t> </a:t>
+            </a:r>
+            <a:r>
+              <a:rPr lang="en-US" altLang="zh-CN" sz="1200" dirty="0" err="1"/>
+              <a:t>mknod</a:t>
+            </a:r>
+            <a:r>
+              <a:rPr lang="en-US" altLang="zh-CN" sz="1200" dirty="0"/>
+              <a:t> null c 1 3</a:t>
+            </a:r>
+          </a:p>
+          <a:p>
+            <a:pPr lvl="1"/>
+            <a:r>
+              <a:rPr lang="en-US" altLang="zh-CN" sz="1200" dirty="0"/>
+              <a:t>   $</a:t>
+            </a:r>
+            <a:r>
+              <a:rPr lang="en-US" altLang="zh-CN" sz="1200" dirty="0" err="1"/>
+              <a:t>sudo</a:t>
+            </a:r>
+            <a:r>
+              <a:rPr lang="en-US" altLang="zh-CN" sz="1200" dirty="0"/>
+              <a:t> </a:t>
+            </a:r>
+            <a:r>
+              <a:rPr lang="en-US" altLang="zh-CN" sz="1200" dirty="0" err="1"/>
+              <a:t>mknod</a:t>
+            </a:r>
+            <a:r>
+              <a:rPr lang="en-US" altLang="zh-CN" sz="1200" dirty="0"/>
+              <a:t> ttySAC0 c 204 64</a:t>
+            </a:r>
+          </a:p>
+          <a:p>
+            <a:pPr lvl="1"/>
+            <a:r>
+              <a:rPr lang="en-US" altLang="zh-CN" sz="1200" dirty="0"/>
+              <a:t>   $</a:t>
+            </a:r>
+            <a:r>
+              <a:rPr lang="en-US" altLang="zh-CN" sz="1200" dirty="0" err="1"/>
+              <a:t>sudo</a:t>
+            </a:r>
+            <a:r>
+              <a:rPr lang="en-US" altLang="zh-CN" sz="1200" dirty="0"/>
+              <a:t> </a:t>
+            </a:r>
+            <a:r>
+              <a:rPr lang="en-US" altLang="zh-CN" sz="1200" dirty="0" err="1"/>
+              <a:t>mknod</a:t>
+            </a:r>
+            <a:r>
+              <a:rPr lang="en-US" altLang="zh-CN" sz="1200" dirty="0"/>
+              <a:t> mtdblock0 b 31 0</a:t>
+            </a:r>
+          </a:p>
+          <a:p>
+            <a:pPr lvl="1"/>
+            <a:r>
+              <a:rPr lang="en-US" altLang="zh-CN" sz="1200" dirty="0"/>
+              <a:t>   $</a:t>
+            </a:r>
+            <a:r>
+              <a:rPr lang="en-US" altLang="zh-CN" sz="1200" dirty="0" err="1"/>
+              <a:t>sudo</a:t>
+            </a:r>
+            <a:r>
+              <a:rPr lang="en-US" altLang="zh-CN" sz="1200" dirty="0"/>
+              <a:t> </a:t>
+            </a:r>
+            <a:r>
+              <a:rPr lang="en-US" altLang="zh-CN" sz="1200" dirty="0" err="1"/>
+              <a:t>mknod</a:t>
+            </a:r>
+            <a:r>
+              <a:rPr lang="en-US" altLang="zh-CN" sz="1200" dirty="0"/>
+              <a:t> mtdblock1 b 31 1</a:t>
+            </a:r>
+          </a:p>
+          <a:p>
+            <a:pPr lvl="1"/>
+            <a:r>
+              <a:rPr lang="en-US" altLang="zh-CN" sz="1200" dirty="0"/>
+              <a:t>   $</a:t>
+            </a:r>
+            <a:r>
+              <a:rPr lang="en-US" altLang="zh-CN" sz="1200" dirty="0" err="1"/>
+              <a:t>sudo</a:t>
+            </a:r>
+            <a:r>
+              <a:rPr lang="en-US" altLang="zh-CN" sz="1200" dirty="0"/>
+              <a:t> </a:t>
+            </a:r>
+            <a:r>
+              <a:rPr lang="en-US" altLang="zh-CN" sz="1200" dirty="0" err="1"/>
+              <a:t>mknod</a:t>
+            </a:r>
+            <a:r>
+              <a:rPr lang="en-US" altLang="zh-CN" sz="1200" dirty="0"/>
+              <a:t> mtdblock2 b 31 2</a:t>
+            </a:r>
+          </a:p>
+          <a:p>
+            <a:pPr lvl="1"/>
+            <a:r>
+              <a:rPr lang="en-US" altLang="zh-CN" sz="1200" dirty="0"/>
+              <a:t>-review registered device to create other corresponding device files</a:t>
+            </a:r>
+          </a:p>
+          <a:p>
+            <a:pPr lvl="1"/>
+            <a:r>
+              <a:rPr lang="en-US" altLang="zh-CN" sz="1200" dirty="0"/>
+              <a:t>   $cat /proc/devices</a:t>
+            </a:r>
+          </a:p>
+          <a:p>
+            <a:pPr lvl="1"/>
+            <a:r>
+              <a:rPr lang="en-US" altLang="zh-CN" sz="1200" dirty="0"/>
+              <a:t>   $</a:t>
+            </a:r>
+            <a:r>
+              <a:rPr lang="en-US" altLang="zh-CN" sz="1200" dirty="0" err="1"/>
+              <a:t>sudo</a:t>
+            </a:r>
+            <a:r>
+              <a:rPr lang="en-US" altLang="zh-CN" sz="1200" dirty="0"/>
+              <a:t> </a:t>
+            </a:r>
+            <a:r>
+              <a:rPr lang="en-US" altLang="zh-CN" sz="1200" dirty="0" err="1"/>
+              <a:t>mknod</a:t>
+            </a:r>
+            <a:r>
+              <a:rPr lang="en-US" altLang="zh-CN" sz="1200" dirty="0"/>
+              <a:t> xxx</a:t>
+            </a:r>
+          </a:p>
+          <a:p>
+            <a:r>
+              <a:rPr lang="en-US" altLang="zh-CN" sz="1200" dirty="0"/>
+              <a:t>4.Store configure files in folder “ /</a:t>
+            </a:r>
+            <a:r>
+              <a:rPr lang="en-US" altLang="zh-CN" sz="1200" dirty="0" err="1"/>
+              <a:t>etc</a:t>
+            </a:r>
+            <a:r>
+              <a:rPr lang="en-US" altLang="zh-CN" sz="1200" dirty="0"/>
+              <a:t>” </a:t>
+            </a:r>
+          </a:p>
+          <a:p>
+            <a:pPr lvl="1"/>
+            <a:r>
+              <a:rPr lang="en-US" altLang="zh-CN" sz="1200" u="sng" dirty="0"/>
+              <a:t>-create /</a:t>
+            </a:r>
+            <a:r>
+              <a:rPr lang="en-US" altLang="zh-CN" sz="1200" u="sng" dirty="0" err="1"/>
+              <a:t>etc</a:t>
+            </a:r>
+            <a:r>
+              <a:rPr lang="en-US" altLang="zh-CN" sz="1200" u="sng" dirty="0"/>
+              <a:t>/</a:t>
+            </a:r>
+            <a:r>
+              <a:rPr lang="en-US" altLang="zh-CN" sz="1200" u="sng" dirty="0" err="1"/>
+              <a:t>inittab</a:t>
+            </a:r>
+            <a:endParaRPr lang="en-US" altLang="zh-CN" sz="1200" u="sng" dirty="0"/>
+          </a:p>
+          <a:p>
+            <a:pPr lvl="1"/>
+            <a:r>
+              <a:rPr lang="en-US" altLang="zh-CN" sz="1200" dirty="0"/>
+              <a:t>$ vim </a:t>
+            </a:r>
+            <a:r>
+              <a:rPr lang="en-US" altLang="zh-CN" sz="1200" dirty="0" err="1"/>
+              <a:t>inittab</a:t>
+            </a:r>
+            <a:endParaRPr lang="en-US" altLang="zh-CN" sz="1200" dirty="0"/>
+          </a:p>
+          <a:p>
+            <a:pPr lvl="1"/>
+            <a:r>
+              <a:rPr lang="en-US" altLang="zh-CN" sz="1200" dirty="0"/>
+              <a:t>#/</a:t>
+            </a:r>
+            <a:r>
+              <a:rPr lang="en-US" altLang="zh-CN" sz="1200" dirty="0" err="1"/>
+              <a:t>etc</a:t>
+            </a:r>
+            <a:r>
+              <a:rPr lang="en-US" altLang="zh-CN" sz="1200" dirty="0"/>
+              <a:t>/</a:t>
+            </a:r>
+            <a:r>
+              <a:rPr lang="en-US" altLang="zh-CN" sz="1200" dirty="0" err="1"/>
+              <a:t>inittab</a:t>
+            </a:r>
+            <a:endParaRPr lang="en-US" altLang="zh-CN" sz="1200" dirty="0"/>
+          </a:p>
+          <a:p>
+            <a:pPr lvl="1"/>
+            <a:r>
+              <a:rPr lang="en-US" altLang="zh-CN" sz="1200" dirty="0"/>
+              <a:t>::</a:t>
+            </a:r>
+            <a:r>
+              <a:rPr lang="en-US" altLang="zh-CN" sz="1200" dirty="0" err="1"/>
+              <a:t>sysinit</a:t>
+            </a:r>
+            <a:r>
+              <a:rPr lang="en-US" altLang="zh-CN" sz="1200" dirty="0"/>
+              <a:t>:/</a:t>
+            </a:r>
+            <a:r>
+              <a:rPr lang="en-US" altLang="zh-CN" sz="1200" dirty="0" err="1"/>
+              <a:t>etc</a:t>
+            </a:r>
+            <a:r>
+              <a:rPr lang="en-US" altLang="zh-CN" sz="1200" dirty="0"/>
+              <a:t>/</a:t>
+            </a:r>
+            <a:r>
+              <a:rPr lang="en-US" altLang="zh-CN" sz="1200" dirty="0" err="1"/>
+              <a:t>init.d</a:t>
+            </a:r>
+            <a:r>
+              <a:rPr lang="en-US" altLang="zh-CN" sz="1200" dirty="0"/>
+              <a:t>/</a:t>
+            </a:r>
+            <a:r>
+              <a:rPr lang="en-US" altLang="zh-CN" sz="1200" dirty="0" err="1"/>
+              <a:t>rcS</a:t>
+            </a:r>
+            <a:endParaRPr lang="en-US" altLang="zh-CN" sz="1200" dirty="0"/>
+          </a:p>
+          <a:p>
+            <a:pPr lvl="1"/>
+            <a:r>
+              <a:rPr lang="en-US" altLang="zh-CN" sz="1200" dirty="0"/>
+              <a:t>ttySAC0::</a:t>
+            </a:r>
+            <a:r>
+              <a:rPr lang="en-US" altLang="zh-CN" sz="1200" dirty="0" err="1"/>
+              <a:t>askfirst</a:t>
+            </a:r>
+            <a:r>
+              <a:rPr lang="en-US" altLang="zh-CN" sz="1200" dirty="0"/>
+              <a:t>:-/bin/</a:t>
+            </a:r>
+            <a:r>
+              <a:rPr lang="en-US" altLang="zh-CN" sz="1200" dirty="0" err="1"/>
+              <a:t>sh</a:t>
+            </a:r>
+            <a:endParaRPr lang="en-US" altLang="zh-CN" sz="1200" dirty="0"/>
+          </a:p>
+          <a:p>
+            <a:pPr lvl="1"/>
+            <a:r>
+              <a:rPr lang="en-US" altLang="zh-CN" sz="1200" dirty="0"/>
+              <a:t>::</a:t>
+            </a:r>
+            <a:r>
+              <a:rPr lang="en-US" altLang="zh-CN" sz="1200" dirty="0" err="1"/>
+              <a:t>ctrlaltdel</a:t>
+            </a:r>
+            <a:r>
+              <a:rPr lang="en-US" altLang="zh-CN" sz="1200" dirty="0"/>
+              <a:t>:/</a:t>
+            </a:r>
+            <a:r>
+              <a:rPr lang="en-US" altLang="zh-CN" sz="1200" dirty="0" err="1"/>
+              <a:t>sbin</a:t>
+            </a:r>
+            <a:r>
+              <a:rPr lang="en-US" altLang="zh-CN" sz="1200" dirty="0"/>
+              <a:t>/reboot</a:t>
+            </a:r>
+          </a:p>
+          <a:p>
+            <a:pPr lvl="1"/>
+            <a:r>
+              <a:rPr lang="en-US" altLang="zh-CN" sz="1200" dirty="0"/>
+              <a:t>::shutdown:/bin/</a:t>
+            </a:r>
+            <a:r>
+              <a:rPr lang="en-US" altLang="zh-CN" sz="1200" dirty="0" err="1"/>
+              <a:t>umount</a:t>
+            </a:r>
+            <a:r>
+              <a:rPr lang="en-US" altLang="zh-CN" sz="1200" dirty="0"/>
+              <a:t> –a –r</a:t>
+            </a:r>
+          </a:p>
+          <a:p>
+            <a:pPr lvl="1"/>
+            <a:r>
+              <a:rPr lang="en-US" altLang="zh-CN" sz="1200" u="sng" dirty="0"/>
+              <a:t>-create /</a:t>
+            </a:r>
+            <a:r>
+              <a:rPr lang="en-US" altLang="zh-CN" sz="1200" u="sng" dirty="0" err="1"/>
+              <a:t>etc</a:t>
+            </a:r>
+            <a:r>
+              <a:rPr lang="en-US" altLang="zh-CN" sz="1200" u="sng" dirty="0"/>
+              <a:t>/</a:t>
+            </a:r>
+            <a:r>
+              <a:rPr lang="en-US" altLang="zh-CN" sz="1200" u="sng" dirty="0" err="1"/>
+              <a:t>init.d</a:t>
+            </a:r>
+            <a:r>
+              <a:rPr lang="en-US" altLang="zh-CN" sz="1200" u="sng" dirty="0"/>
+              <a:t>/</a:t>
+            </a:r>
+            <a:r>
+              <a:rPr lang="en-US" altLang="zh-CN" sz="1200" u="sng" dirty="0" err="1"/>
+              <a:t>rcS</a:t>
+            </a:r>
+            <a:endParaRPr lang="en-US" altLang="zh-CN" sz="1200" u="sng" dirty="0"/>
+          </a:p>
+          <a:p>
+            <a:pPr lvl="1"/>
+            <a:r>
+              <a:rPr lang="en-US" altLang="zh-CN" sz="1200" dirty="0"/>
+              <a:t>$vim </a:t>
+            </a:r>
+            <a:r>
+              <a:rPr lang="en-US" altLang="zh-CN" sz="1200" dirty="0" err="1"/>
+              <a:t>rcS</a:t>
+            </a:r>
+            <a:endParaRPr lang="en-US" altLang="zh-CN" sz="1200" dirty="0"/>
+          </a:p>
+          <a:p>
+            <a:pPr lvl="1"/>
+            <a:r>
+              <a:rPr lang="en-US" altLang="zh-CN" sz="1200" dirty="0"/>
+              <a:t>#!/bin/</a:t>
+            </a:r>
+            <a:r>
+              <a:rPr lang="en-US" altLang="zh-CN" sz="1200" dirty="0" err="1"/>
+              <a:t>sh</a:t>
+            </a:r>
+            <a:endParaRPr lang="en-US" altLang="zh-CN" sz="1200" dirty="0"/>
+          </a:p>
+          <a:p>
+            <a:pPr lvl="1"/>
+            <a:r>
+              <a:rPr lang="en-US" altLang="zh-CN" sz="1200" dirty="0"/>
+              <a:t>Ifconfig eth0 192.168.1.17</a:t>
+            </a:r>
+          </a:p>
+          <a:p>
+            <a:pPr lvl="1"/>
+            <a:r>
+              <a:rPr lang="en-US" altLang="zh-CN" sz="1200" dirty="0"/>
+              <a:t>mount –a</a:t>
+            </a:r>
+          </a:p>
+          <a:p>
+            <a:pPr lvl="1"/>
+            <a:r>
+              <a:rPr lang="en-US" altLang="zh-CN" sz="1200" dirty="0"/>
+              <a:t>$ </a:t>
+            </a:r>
+            <a:r>
+              <a:rPr lang="en-US" altLang="zh-CN" sz="1200" dirty="0" err="1"/>
+              <a:t>chmod</a:t>
+            </a:r>
+            <a:r>
+              <a:rPr lang="en-US" altLang="zh-CN" sz="1200" dirty="0"/>
+              <a:t> +x /</a:t>
+            </a:r>
+            <a:r>
+              <a:rPr lang="en-US" altLang="zh-CN" sz="1200" dirty="0" err="1"/>
+              <a:t>etc</a:t>
+            </a:r>
+            <a:r>
+              <a:rPr lang="en-US" altLang="zh-CN" sz="1200" dirty="0"/>
+              <a:t>/</a:t>
+            </a:r>
+            <a:r>
+              <a:rPr lang="en-US" altLang="zh-CN" sz="1200" dirty="0" err="1"/>
+              <a:t>init.d</a:t>
+            </a:r>
+            <a:r>
+              <a:rPr lang="en-US" altLang="zh-CN" sz="1200" dirty="0"/>
+              <a:t>/</a:t>
+            </a:r>
+            <a:r>
+              <a:rPr lang="en-US" altLang="zh-CN" sz="1200" dirty="0" err="1"/>
+              <a:t>rcS</a:t>
+            </a:r>
+            <a:r>
+              <a:rPr lang="en-US" altLang="zh-CN" sz="1200" dirty="0"/>
+              <a:t>                        s</a:t>
+            </a:r>
+          </a:p>
+        </p:txBody>
+      </p:sp>
+      <p:sp>
+        <p:nvSpPr>
+          <p:cNvPr id="3" name="矩形 2">
+            <a:extLst>
+              <a:ext uri="{FF2B5EF4-FFF2-40B4-BE49-F238E27FC236}">
+                <a16:creationId xmlns:a16="http://schemas.microsoft.com/office/drawing/2014/main" id="{D6755D11-951C-43CC-A67A-8B6E39111014}"/>
+              </a:ext>
+            </a:extLst>
+          </p:cNvPr>
+          <p:cNvSpPr/>
+          <p:nvPr/>
+        </p:nvSpPr>
+        <p:spPr>
+          <a:xfrm>
+            <a:off x="9604295" y="305849"/>
+            <a:ext cx="2514195" cy="700486"/>
+          </a:xfrm>
+          <a:prstGeom prst="rect">
+            <a:avLst/>
+          </a:prstGeom>
+          <a:noFill/>
+          <a:ln>
+            <a:solidFill>
+              <a:srgbClr val="7030A0"/>
+            </a:solidFill>
+            <a:prstDash val="lgDashDot"/>
+          </a:ln>
+        </p:spPr>
+        <p:style>
+          <a:lnRef idx="2">
+            <a:schemeClr val="accent1">
+              <a:shade val="50000"/>
+            </a:schemeClr>
+          </a:lnRef>
+          <a:fillRef idx="1">
+            <a:schemeClr val="accent1"/>
+          </a:fillRef>
+          <a:effectRef idx="0">
+            <a:schemeClr val="accent1"/>
+          </a:effectRef>
+          <a:fontRef idx="minor">
+            <a:schemeClr val="lt1"/>
+          </a:fontRef>
+        </p:style>
+        <p:txBody>
+          <a:bodyPr rtlCol="0" anchor="ctr"/>
+          <a:lstStyle/>
+          <a:p>
+            <a:pPr algn="ctr"/>
+            <a:endParaRPr lang="zh-CN" altLang="en-US"/>
+          </a:p>
+        </p:txBody>
+      </p:sp>
+      <p:sp>
+        <p:nvSpPr>
+          <p:cNvPr id="13" name="立方体 12">
+            <a:extLst>
+              <a:ext uri="{FF2B5EF4-FFF2-40B4-BE49-F238E27FC236}">
+                <a16:creationId xmlns:a16="http://schemas.microsoft.com/office/drawing/2014/main" id="{6CE40A46-E514-40CE-94CE-29009FFDA65D}"/>
+              </a:ext>
+            </a:extLst>
+          </p:cNvPr>
+          <p:cNvSpPr/>
+          <p:nvPr/>
+        </p:nvSpPr>
+        <p:spPr>
+          <a:xfrm>
+            <a:off x="9686414" y="423045"/>
+            <a:ext cx="1127464" cy="497150"/>
+          </a:xfrm>
+          <a:prstGeom prst="cube">
+            <a:avLst/>
+          </a:prstGeom>
+        </p:spPr>
+        <p:style>
+          <a:lnRef idx="2">
+            <a:schemeClr val="accent1">
+              <a:shade val="50000"/>
+            </a:schemeClr>
+          </a:lnRef>
+          <a:fillRef idx="1">
+            <a:schemeClr val="accent1"/>
+          </a:fillRef>
+          <a:effectRef idx="0">
+            <a:schemeClr val="accent1"/>
+          </a:effectRef>
+          <a:fontRef idx="minor">
+            <a:schemeClr val="lt1"/>
+          </a:fontRef>
+        </p:style>
+        <p:txBody>
+          <a:bodyPr rtlCol="0" anchor="ctr"/>
+          <a:lstStyle/>
+          <a:p>
+            <a:pPr algn="ctr"/>
+            <a:r>
+              <a:rPr lang="en-US" altLang="zh-CN" sz="1200" dirty="0" err="1"/>
+              <a:t>FileSystem</a:t>
+            </a:r>
+            <a:endParaRPr lang="zh-CN" altLang="en-US" sz="1200" dirty="0"/>
+          </a:p>
+        </p:txBody>
+      </p:sp>
+      <p:sp>
+        <p:nvSpPr>
+          <p:cNvPr id="14" name="箭头: 上下 13">
+            <a:extLst>
+              <a:ext uri="{FF2B5EF4-FFF2-40B4-BE49-F238E27FC236}">
+                <a16:creationId xmlns:a16="http://schemas.microsoft.com/office/drawing/2014/main" id="{80FFCCF3-52C2-4FFE-BEDB-7CD262E76752}"/>
+              </a:ext>
+            </a:extLst>
+          </p:cNvPr>
+          <p:cNvSpPr/>
+          <p:nvPr/>
+        </p:nvSpPr>
+        <p:spPr>
+          <a:xfrm>
+            <a:off x="10209085" y="959923"/>
+            <a:ext cx="79898" cy="308289"/>
+          </a:xfrm>
+          <a:prstGeom prst="upDownArrow">
+            <a:avLst/>
+          </a:prstGeom>
+        </p:spPr>
+        <p:style>
+          <a:lnRef idx="2">
+            <a:schemeClr val="accent1">
+              <a:shade val="50000"/>
+            </a:schemeClr>
+          </a:lnRef>
+          <a:fillRef idx="1">
+            <a:schemeClr val="accent1"/>
+          </a:fillRef>
+          <a:effectRef idx="0">
+            <a:schemeClr val="accent1"/>
+          </a:effectRef>
+          <a:fontRef idx="minor">
+            <a:schemeClr val="lt1"/>
+          </a:fontRef>
+        </p:style>
+        <p:txBody>
+          <a:bodyPr rtlCol="0" anchor="ctr"/>
+          <a:lstStyle/>
+          <a:p>
+            <a:pPr algn="ctr"/>
+            <a:endParaRPr lang="zh-CN" altLang="en-US"/>
+          </a:p>
+        </p:txBody>
+      </p:sp>
+      <p:sp>
+        <p:nvSpPr>
+          <p:cNvPr id="15" name="立方体 14">
+            <a:extLst>
+              <a:ext uri="{FF2B5EF4-FFF2-40B4-BE49-F238E27FC236}">
+                <a16:creationId xmlns:a16="http://schemas.microsoft.com/office/drawing/2014/main" id="{F24CD838-BE92-4822-AA83-BF212C3E4446}"/>
+              </a:ext>
+            </a:extLst>
+          </p:cNvPr>
+          <p:cNvSpPr/>
+          <p:nvPr/>
+        </p:nvSpPr>
+        <p:spPr>
+          <a:xfrm>
+            <a:off x="10871829" y="407517"/>
+            <a:ext cx="1240273" cy="497150"/>
+          </a:xfrm>
+          <a:prstGeom prst="cube">
+            <a:avLst/>
+          </a:prstGeom>
+        </p:spPr>
+        <p:style>
+          <a:lnRef idx="2">
+            <a:schemeClr val="accent1">
+              <a:shade val="50000"/>
+            </a:schemeClr>
+          </a:lnRef>
+          <a:fillRef idx="1">
+            <a:schemeClr val="accent1"/>
+          </a:fillRef>
+          <a:effectRef idx="0">
+            <a:schemeClr val="accent1"/>
+          </a:effectRef>
+          <a:fontRef idx="minor">
+            <a:schemeClr val="lt1"/>
+          </a:fontRef>
+        </p:style>
+        <p:txBody>
+          <a:bodyPr rtlCol="0" anchor="ctr"/>
+          <a:lstStyle/>
+          <a:p>
+            <a:pPr algn="ctr"/>
+            <a:r>
+              <a:rPr lang="en-US" altLang="zh-CN" sz="1200" dirty="0"/>
+              <a:t>Library(</a:t>
+            </a:r>
+            <a:r>
+              <a:rPr lang="en-US" altLang="zh-CN" sz="1200" dirty="0" err="1"/>
+              <a:t>glibc</a:t>
+            </a:r>
+            <a:r>
+              <a:rPr lang="en-US" altLang="zh-CN" sz="1200" dirty="0"/>
+              <a:t>…)</a:t>
+            </a:r>
+            <a:endParaRPr lang="zh-CN" altLang="en-US" sz="1200" dirty="0"/>
+          </a:p>
+        </p:txBody>
+      </p:sp>
+      <p:sp>
+        <p:nvSpPr>
+          <p:cNvPr id="11" name="文本框 10">
+            <a:extLst>
+              <a:ext uri="{FF2B5EF4-FFF2-40B4-BE49-F238E27FC236}">
+                <a16:creationId xmlns:a16="http://schemas.microsoft.com/office/drawing/2014/main" id="{D280E103-1292-4B8A-A00C-DF02DA6F2C46}"/>
+              </a:ext>
+            </a:extLst>
+          </p:cNvPr>
+          <p:cNvSpPr txBox="1"/>
+          <p:nvPr/>
+        </p:nvSpPr>
+        <p:spPr>
+          <a:xfrm>
+            <a:off x="6196304" y="2667260"/>
+            <a:ext cx="5995696" cy="3970318"/>
+          </a:xfrm>
+          <a:prstGeom prst="rect">
+            <a:avLst/>
+          </a:prstGeom>
+          <a:noFill/>
+        </p:spPr>
+        <p:txBody>
+          <a:bodyPr wrap="square" rtlCol="0">
+            <a:spAutoFit/>
+          </a:bodyPr>
+          <a:lstStyle/>
+          <a:p>
+            <a:r>
+              <a:rPr lang="en-US" altLang="zh-CN" sz="1200" dirty="0"/>
+              <a:t>4.Store configure files in folder “ /</a:t>
+            </a:r>
+            <a:r>
+              <a:rPr lang="en-US" altLang="zh-CN" sz="1200" dirty="0" err="1"/>
+              <a:t>etc</a:t>
+            </a:r>
+            <a:r>
+              <a:rPr lang="en-US" altLang="zh-CN" sz="1200" dirty="0"/>
+              <a:t>” </a:t>
+            </a:r>
+          </a:p>
+          <a:p>
+            <a:pPr lvl="1"/>
+            <a:r>
+              <a:rPr lang="en-US" altLang="zh-CN" sz="1200" u="sng" dirty="0"/>
+              <a:t>-create /</a:t>
+            </a:r>
+            <a:r>
+              <a:rPr lang="en-US" altLang="zh-CN" sz="1200" u="sng" dirty="0" err="1"/>
+              <a:t>etc</a:t>
+            </a:r>
+            <a:r>
+              <a:rPr lang="en-US" altLang="zh-CN" sz="1200" u="sng" dirty="0"/>
+              <a:t>/</a:t>
+            </a:r>
+            <a:r>
+              <a:rPr lang="en-US" altLang="zh-CN" sz="1200" u="sng" dirty="0" err="1"/>
+              <a:t>fstab</a:t>
+            </a:r>
+            <a:endParaRPr lang="en-US" altLang="zh-CN" sz="1200" u="sng" dirty="0"/>
+          </a:p>
+          <a:p>
+            <a:pPr lvl="1"/>
+            <a:r>
+              <a:rPr lang="en-US" altLang="zh-CN" sz="1200" dirty="0"/>
+              <a:t>$ vim </a:t>
+            </a:r>
+            <a:r>
+              <a:rPr lang="en-US" altLang="zh-CN" sz="1200" dirty="0" err="1"/>
+              <a:t>fstab</a:t>
+            </a:r>
+            <a:endParaRPr lang="en-US" altLang="zh-CN" sz="1200" dirty="0"/>
+          </a:p>
+          <a:p>
+            <a:pPr lvl="1"/>
+            <a:r>
+              <a:rPr lang="en-US" altLang="zh-CN" sz="1200" dirty="0"/>
+              <a:t>#device         mount-point    type       options           dump           </a:t>
+            </a:r>
+            <a:r>
+              <a:rPr lang="en-US" altLang="zh-CN" sz="1200" dirty="0" err="1"/>
+              <a:t>fsck</a:t>
+            </a:r>
+            <a:r>
+              <a:rPr lang="en-US" altLang="zh-CN" sz="1200" dirty="0"/>
+              <a:t> order</a:t>
+            </a:r>
+          </a:p>
+          <a:p>
+            <a:pPr lvl="1"/>
+            <a:r>
+              <a:rPr lang="en-US" altLang="zh-CN" sz="1200" dirty="0"/>
+              <a:t>proc                /proc                </a:t>
+            </a:r>
+            <a:r>
+              <a:rPr lang="en-US" altLang="zh-CN" sz="1200" dirty="0" err="1"/>
+              <a:t>proc</a:t>
+            </a:r>
+            <a:r>
+              <a:rPr lang="en-US" altLang="zh-CN" sz="1200" dirty="0"/>
+              <a:t>        defaults          0                  0</a:t>
+            </a:r>
+          </a:p>
+          <a:p>
+            <a:pPr lvl="1"/>
+            <a:r>
+              <a:rPr lang="en-US" altLang="zh-CN" sz="1200" dirty="0" err="1"/>
+              <a:t>tmpfs</a:t>
+            </a:r>
+            <a:r>
+              <a:rPr lang="en-US" altLang="zh-CN" sz="1200" dirty="0"/>
+              <a:t>              /</a:t>
+            </a:r>
+            <a:r>
+              <a:rPr lang="en-US" altLang="zh-CN" sz="1200" dirty="0" err="1"/>
+              <a:t>tmp</a:t>
+            </a:r>
+            <a:r>
+              <a:rPr lang="en-US" altLang="zh-CN" sz="1200" dirty="0"/>
+              <a:t>                </a:t>
+            </a:r>
+            <a:r>
+              <a:rPr lang="en-US" altLang="zh-CN" sz="1200" dirty="0" err="1"/>
+              <a:t>tmpfs</a:t>
+            </a:r>
+            <a:r>
+              <a:rPr lang="en-US" altLang="zh-CN" sz="1200" dirty="0"/>
+              <a:t>       defaults          0                  0</a:t>
+            </a:r>
+          </a:p>
+          <a:p>
+            <a:endParaRPr lang="en-US" altLang="zh-CN" sz="1200" dirty="0"/>
+          </a:p>
+          <a:p>
+            <a:r>
+              <a:rPr lang="en-US" altLang="zh-CN" sz="1200" b="1" dirty="0"/>
+              <a:t>device</a:t>
+            </a:r>
+            <a:r>
+              <a:rPr lang="en-US" altLang="zh-CN" sz="1200" dirty="0"/>
+              <a:t>:  to be mounted device, such as /dev/hda2,   /dev/mtdblock1…….</a:t>
+            </a:r>
+          </a:p>
+          <a:p>
+            <a:r>
+              <a:rPr lang="en-US" altLang="zh-CN" sz="1200" b="1" dirty="0"/>
+              <a:t>type</a:t>
+            </a:r>
+            <a:r>
+              <a:rPr lang="en-US" altLang="zh-CN" sz="1200" dirty="0"/>
+              <a:t>:  file system type.  such as proc, jffs2, </a:t>
+            </a:r>
+            <a:r>
+              <a:rPr lang="en-US" altLang="zh-CN" sz="1200" dirty="0" err="1"/>
+              <a:t>yaffs</a:t>
+            </a:r>
+            <a:r>
+              <a:rPr lang="en-US" altLang="zh-CN" sz="1200" dirty="0"/>
+              <a:t>, ext2,  </a:t>
+            </a:r>
+            <a:r>
+              <a:rPr lang="en-US" altLang="zh-CN" sz="1200" dirty="0" err="1"/>
+              <a:t>nfs</a:t>
+            </a:r>
+            <a:r>
+              <a:rPr lang="en-US" altLang="zh-CN" sz="1200" dirty="0"/>
+              <a:t>.   auto:  detect file system type</a:t>
+            </a:r>
+          </a:p>
+          <a:p>
+            <a:r>
+              <a:rPr lang="en-US" altLang="zh-CN" sz="1200" b="1" dirty="0"/>
+              <a:t>options</a:t>
+            </a:r>
+          </a:p>
+          <a:p>
+            <a:r>
+              <a:rPr lang="en-US" altLang="zh-CN" sz="1200" dirty="0"/>
+              <a:t>  -auto/</a:t>
+            </a:r>
+            <a:r>
+              <a:rPr lang="en-US" altLang="zh-CN" sz="1200" dirty="0" err="1"/>
+              <a:t>noauto</a:t>
+            </a:r>
+            <a:r>
+              <a:rPr lang="en-US" altLang="zh-CN" sz="1200" dirty="0"/>
+              <a:t>:    run “mount –a” to mount it automatically</a:t>
+            </a:r>
+          </a:p>
+          <a:p>
+            <a:r>
+              <a:rPr lang="en-US" altLang="zh-CN" sz="1200" dirty="0"/>
+              <a:t>  -user:      other users can mount it</a:t>
+            </a:r>
+          </a:p>
+          <a:p>
+            <a:r>
+              <a:rPr lang="en-US" altLang="zh-CN" sz="1200" dirty="0"/>
+              <a:t>  /</a:t>
+            </a:r>
+            <a:r>
+              <a:rPr lang="en-US" altLang="zh-CN" sz="1200" dirty="0" err="1"/>
+              <a:t>nouser</a:t>
+            </a:r>
+            <a:r>
+              <a:rPr lang="en-US" altLang="zh-CN" sz="1200" dirty="0"/>
+              <a:t>:    only root can mount it</a:t>
+            </a:r>
+          </a:p>
+          <a:p>
+            <a:r>
+              <a:rPr lang="en-US" altLang="zh-CN" sz="1200" dirty="0"/>
+              <a:t>  -exec/</a:t>
+            </a:r>
+            <a:r>
+              <a:rPr lang="en-US" altLang="zh-CN" sz="1200" dirty="0" err="1"/>
+              <a:t>noexec</a:t>
+            </a:r>
+            <a:r>
+              <a:rPr lang="en-US" altLang="zh-CN" sz="1200" dirty="0"/>
+              <a:t>:    allowed to run executable program on it</a:t>
+            </a:r>
+          </a:p>
+          <a:p>
+            <a:r>
+              <a:rPr lang="en-US" altLang="zh-CN" sz="1200" dirty="0"/>
+              <a:t>  -Ro:    read-only</a:t>
+            </a:r>
+          </a:p>
+          <a:p>
+            <a:r>
+              <a:rPr lang="en-US" altLang="zh-CN" sz="1200" dirty="0"/>
+              <a:t>  -</a:t>
+            </a:r>
+            <a:r>
+              <a:rPr lang="en-US" altLang="zh-CN" sz="1200" dirty="0" err="1"/>
+              <a:t>rw</a:t>
+            </a:r>
+            <a:r>
+              <a:rPr lang="en-US" altLang="zh-CN" sz="1200" dirty="0"/>
+              <a:t>:    read/write </a:t>
+            </a:r>
+          </a:p>
+          <a:p>
+            <a:r>
+              <a:rPr lang="en-US" altLang="zh-CN" sz="1200" dirty="0"/>
+              <a:t>  -sync/async:  sync data to physical device when modify file</a:t>
+            </a:r>
+          </a:p>
+          <a:p>
+            <a:r>
+              <a:rPr lang="en-US" altLang="zh-CN" sz="1200" dirty="0"/>
+              <a:t>  -defaults:  combinations- </a:t>
+            </a:r>
+            <a:r>
+              <a:rPr lang="en-US" altLang="zh-CN" sz="1200" dirty="0" err="1"/>
+              <a:t>rw.suid,dev,exec,auto,nouser,async</a:t>
+            </a:r>
+            <a:r>
+              <a:rPr lang="en-US" altLang="zh-CN" sz="1200" dirty="0"/>
+              <a:t> … </a:t>
+            </a:r>
+          </a:p>
+          <a:p>
+            <a:r>
+              <a:rPr lang="en-US" altLang="zh-CN" sz="1200" b="1" dirty="0"/>
+              <a:t>dump/</a:t>
+            </a:r>
+            <a:r>
+              <a:rPr lang="en-US" altLang="zh-CN" sz="1200" b="1" dirty="0" err="1"/>
+              <a:t>fsck</a:t>
+            </a:r>
+            <a:endParaRPr lang="en-US" altLang="zh-CN" sz="1200" b="1" dirty="0"/>
+          </a:p>
+          <a:p>
+            <a:r>
+              <a:rPr lang="en-US" altLang="zh-CN" sz="1200" dirty="0"/>
+              <a:t>    dump program- backup purpose</a:t>
+            </a:r>
+          </a:p>
+          <a:p>
+            <a:r>
+              <a:rPr lang="en-US" altLang="zh-CN" sz="1200" dirty="0"/>
+              <a:t>    </a:t>
+            </a:r>
+            <a:r>
+              <a:rPr lang="en-US" altLang="zh-CN" sz="1200" dirty="0" err="1"/>
+              <a:t>fsck</a:t>
+            </a:r>
+            <a:r>
+              <a:rPr lang="en-US" altLang="zh-CN" sz="1200" dirty="0"/>
+              <a:t> order- disk check order </a:t>
+            </a:r>
+          </a:p>
+        </p:txBody>
+      </p:sp>
+    </p:spTree>
+    <p:extLst>
+      <p:ext uri="{BB962C8B-B14F-4D97-AF65-F5344CB8AC3E}">
+        <p14:creationId xmlns:p14="http://schemas.microsoft.com/office/powerpoint/2010/main" val="977696712"/>
+      </p:ext>
+    </p:extLst>
+  </p:cSld>
+  <p:clrMapOvr>
+    <a:masterClrMapping/>
+  </p:clrMapOvr>
+</p:sld>
+</file>
+
 <file path=ppt/theme/theme1.xml><?xml version="1.0" encoding="utf-8"?>
 <a:theme xmlns:a="http://schemas.openxmlformats.org/drawingml/2006/main" name="Office 主题​​">
   <a:themeElements>

--- a/Knowledge-Tree.pptx
+++ b/Knowledge-Tree.pptx
@@ -8,10 +8,9 @@
     <p:sldId id="256" r:id="rId2"/>
     <p:sldId id="257" r:id="rId3"/>
     <p:sldId id="261" r:id="rId4"/>
-    <p:sldId id="262" r:id="rId5"/>
-    <p:sldId id="263" r:id="rId6"/>
-    <p:sldId id="264" r:id="rId7"/>
-    <p:sldId id="265" r:id="rId8"/>
+    <p:sldId id="263" r:id="rId5"/>
+    <p:sldId id="264" r:id="rId6"/>
+    <p:sldId id="265" r:id="rId7"/>
   </p:sldIdLst>
   <p:sldSz cx="12192000" cy="6858000"/>
   <p:notesSz cx="6858000" cy="9144000"/>
@@ -265,7 +264,7 @@
           <a:p>
             <a:fld id="{F0BE7671-7E54-437F-9FD7-4EB903191A88}" type="datetimeFigureOut">
               <a:rPr lang="zh-CN" altLang="en-US" smtClean="0"/>
-              <a:t>2019/7/21</a:t>
+              <a:t>2019/7/25</a:t>
             </a:fld>
             <a:endParaRPr lang="zh-CN" altLang="en-US"/>
           </a:p>
@@ -463,7 +462,7 @@
           <a:p>
             <a:fld id="{F0BE7671-7E54-437F-9FD7-4EB903191A88}" type="datetimeFigureOut">
               <a:rPr lang="zh-CN" altLang="en-US" smtClean="0"/>
-              <a:t>2019/7/21</a:t>
+              <a:t>2019/7/25</a:t>
             </a:fld>
             <a:endParaRPr lang="zh-CN" altLang="en-US"/>
           </a:p>
@@ -671,7 +670,7 @@
           <a:p>
             <a:fld id="{F0BE7671-7E54-437F-9FD7-4EB903191A88}" type="datetimeFigureOut">
               <a:rPr lang="zh-CN" altLang="en-US" smtClean="0"/>
-              <a:t>2019/7/21</a:t>
+              <a:t>2019/7/25</a:t>
             </a:fld>
             <a:endParaRPr lang="zh-CN" altLang="en-US"/>
           </a:p>
@@ -869,7 +868,7 @@
           <a:p>
             <a:fld id="{F0BE7671-7E54-437F-9FD7-4EB903191A88}" type="datetimeFigureOut">
               <a:rPr lang="zh-CN" altLang="en-US" smtClean="0"/>
-              <a:t>2019/7/21</a:t>
+              <a:t>2019/7/25</a:t>
             </a:fld>
             <a:endParaRPr lang="zh-CN" altLang="en-US"/>
           </a:p>
@@ -1144,7 +1143,7 @@
           <a:p>
             <a:fld id="{F0BE7671-7E54-437F-9FD7-4EB903191A88}" type="datetimeFigureOut">
               <a:rPr lang="zh-CN" altLang="en-US" smtClean="0"/>
-              <a:t>2019/7/21</a:t>
+              <a:t>2019/7/25</a:t>
             </a:fld>
             <a:endParaRPr lang="zh-CN" altLang="en-US"/>
           </a:p>
@@ -1409,7 +1408,7 @@
           <a:p>
             <a:fld id="{F0BE7671-7E54-437F-9FD7-4EB903191A88}" type="datetimeFigureOut">
               <a:rPr lang="zh-CN" altLang="en-US" smtClean="0"/>
-              <a:t>2019/7/21</a:t>
+              <a:t>2019/7/25</a:t>
             </a:fld>
             <a:endParaRPr lang="zh-CN" altLang="en-US"/>
           </a:p>
@@ -1821,7 +1820,7 @@
           <a:p>
             <a:fld id="{F0BE7671-7E54-437F-9FD7-4EB903191A88}" type="datetimeFigureOut">
               <a:rPr lang="zh-CN" altLang="en-US" smtClean="0"/>
-              <a:t>2019/7/21</a:t>
+              <a:t>2019/7/25</a:t>
             </a:fld>
             <a:endParaRPr lang="zh-CN" altLang="en-US"/>
           </a:p>
@@ -1962,7 +1961,7 @@
           <a:p>
             <a:fld id="{F0BE7671-7E54-437F-9FD7-4EB903191A88}" type="datetimeFigureOut">
               <a:rPr lang="zh-CN" altLang="en-US" smtClean="0"/>
-              <a:t>2019/7/21</a:t>
+              <a:t>2019/7/25</a:t>
             </a:fld>
             <a:endParaRPr lang="zh-CN" altLang="en-US"/>
           </a:p>
@@ -2075,7 +2074,7 @@
           <a:p>
             <a:fld id="{F0BE7671-7E54-437F-9FD7-4EB903191A88}" type="datetimeFigureOut">
               <a:rPr lang="zh-CN" altLang="en-US" smtClean="0"/>
-              <a:t>2019/7/21</a:t>
+              <a:t>2019/7/25</a:t>
             </a:fld>
             <a:endParaRPr lang="zh-CN" altLang="en-US"/>
           </a:p>
@@ -2386,7 +2385,7 @@
           <a:p>
             <a:fld id="{F0BE7671-7E54-437F-9FD7-4EB903191A88}" type="datetimeFigureOut">
               <a:rPr lang="zh-CN" altLang="en-US" smtClean="0"/>
-              <a:t>2019/7/21</a:t>
+              <a:t>2019/7/25</a:t>
             </a:fld>
             <a:endParaRPr lang="zh-CN" altLang="en-US"/>
           </a:p>
@@ -2674,7 +2673,7 @@
           <a:p>
             <a:fld id="{F0BE7671-7E54-437F-9FD7-4EB903191A88}" type="datetimeFigureOut">
               <a:rPr lang="zh-CN" altLang="en-US" smtClean="0"/>
-              <a:t>2019/7/21</a:t>
+              <a:t>2019/7/25</a:t>
             </a:fld>
             <a:endParaRPr lang="zh-CN" altLang="en-US"/>
           </a:p>
@@ -2915,7 +2914,7 @@
           <a:p>
             <a:fld id="{F0BE7671-7E54-437F-9FD7-4EB903191A88}" type="datetimeFigureOut">
               <a:rPr lang="zh-CN" altLang="en-US" smtClean="0"/>
-              <a:t>2019/7/21</a:t>
+              <a:t>2019/7/25</a:t>
             </a:fld>
             <a:endParaRPr lang="zh-CN" altLang="en-US"/>
           </a:p>
@@ -6816,12 +6815,14 @@
           </a:xfrm>
         </p:spPr>
         <p:txBody>
-          <a:bodyPr/>
+          <a:bodyPr>
+            <a:normAutofit/>
+          </a:bodyPr>
           <a:lstStyle/>
           <a:p>
             <a:r>
               <a:rPr lang="en-US" altLang="zh-CN" dirty="0"/>
-              <a:t>Linux architecture-Bootloader: GRUB</a:t>
+              <a:t>Linux architecture-kernel</a:t>
             </a:r>
             <a:endParaRPr lang="zh-CN" altLang="en-US" dirty="0"/>
           </a:p>
@@ -6829,10 +6830,428 @@
       </p:sp>
       <p:sp>
         <p:nvSpPr>
-          <p:cNvPr id="4" name="立方体 3">
-            <a:extLst>
-              <a:ext uri="{FF2B5EF4-FFF2-40B4-BE49-F238E27FC236}">
-                <a16:creationId xmlns:a16="http://schemas.microsoft.com/office/drawing/2014/main" id="{22D34478-9AD0-472A-85FA-7CC839B29B65}"/>
+          <p:cNvPr id="80" name="文本框 79">
+            <a:extLst>
+              <a:ext uri="{FF2B5EF4-FFF2-40B4-BE49-F238E27FC236}">
+                <a16:creationId xmlns:a16="http://schemas.microsoft.com/office/drawing/2014/main" id="{A0B91055-B219-4830-93C3-6818BC76ECDE}"/>
+              </a:ext>
+            </a:extLst>
+          </p:cNvPr>
+          <p:cNvSpPr txBox="1"/>
+          <p:nvPr/>
+        </p:nvSpPr>
+        <p:spPr>
+          <a:xfrm>
+            <a:off x="259952" y="940092"/>
+            <a:ext cx="5235326" cy="4339650"/>
+          </a:xfrm>
+          <a:prstGeom prst="rect">
+            <a:avLst/>
+          </a:prstGeom>
+          <a:noFill/>
+        </p:spPr>
+        <p:txBody>
+          <a:bodyPr wrap="square" rtlCol="0">
+            <a:spAutoFit/>
+          </a:bodyPr>
+          <a:lstStyle/>
+          <a:p>
+            <a:r>
+              <a:rPr lang="en-US" altLang="zh-CN" sz="1200" b="1" u="sng" dirty="0"/>
+              <a:t>Kernel Debug Skills</a:t>
+            </a:r>
+          </a:p>
+          <a:p>
+            <a:r>
+              <a:rPr lang="en-US" altLang="zh-CN" sz="1200" dirty="0"/>
+              <a:t>Kernel log/system log analysis (/var/log)</a:t>
+            </a:r>
+          </a:p>
+          <a:p>
+            <a:r>
+              <a:rPr lang="en-US" altLang="zh-CN" sz="1200" dirty="0"/>
+              <a:t>Compile kernel to add KGDB patch, enable remote host debug kernel</a:t>
+            </a:r>
+          </a:p>
+          <a:p>
+            <a:r>
+              <a:rPr lang="en-US" altLang="zh-CN" sz="1200" dirty="0"/>
+              <a:t>Oops call stack trace</a:t>
+            </a:r>
+          </a:p>
+          <a:p>
+            <a:endParaRPr lang="en-US" altLang="zh-CN" sz="1200" dirty="0"/>
+          </a:p>
+          <a:p>
+            <a:r>
+              <a:rPr lang="en-US" altLang="zh-CN" sz="1200" b="1" u="sng" dirty="0"/>
+              <a:t>Kernel </a:t>
+            </a:r>
+            <a:r>
+              <a:rPr lang="en-US" altLang="zh-CN" sz="1200" b="1" u="sng" dirty="0" err="1"/>
+              <a:t>Kconfig</a:t>
+            </a:r>
+            <a:r>
+              <a:rPr lang="en-US" altLang="zh-CN" sz="1200" b="1" u="sng" dirty="0"/>
+              <a:t> Analysis</a:t>
+            </a:r>
+          </a:p>
+          <a:p>
+            <a:r>
+              <a:rPr lang="en-US" altLang="zh-CN" sz="1200" dirty="0"/>
+              <a:t>  $make config</a:t>
+            </a:r>
+          </a:p>
+          <a:p>
+            <a:r>
+              <a:rPr lang="en-US" altLang="zh-CN" sz="1200" dirty="0"/>
+              <a:t>  $make </a:t>
+            </a:r>
+            <a:r>
+              <a:rPr lang="en-US" altLang="zh-CN" sz="1200" dirty="0" err="1"/>
+              <a:t>menuconfig</a:t>
+            </a:r>
+            <a:endParaRPr lang="en-US" altLang="zh-CN" sz="1200" dirty="0"/>
+          </a:p>
+          <a:p>
+            <a:r>
+              <a:rPr lang="en-US" altLang="zh-CN" sz="1200" dirty="0"/>
+              <a:t>  $make </a:t>
+            </a:r>
+            <a:r>
+              <a:rPr lang="en-US" altLang="zh-CN" sz="1200" dirty="0" err="1"/>
+              <a:t>xconfig</a:t>
+            </a:r>
+            <a:endParaRPr lang="en-US" altLang="zh-CN" sz="1200" dirty="0"/>
+          </a:p>
+          <a:p>
+            <a:r>
+              <a:rPr lang="en-US" altLang="zh-CN" sz="1200" dirty="0"/>
+              <a:t>Snapshots- TBC</a:t>
+            </a:r>
+          </a:p>
+          <a:p>
+            <a:endParaRPr lang="en-US" altLang="zh-CN" sz="1200" dirty="0"/>
+          </a:p>
+          <a:p>
+            <a:endParaRPr lang="en-US" altLang="zh-CN" sz="1200" dirty="0"/>
+          </a:p>
+          <a:p>
+            <a:r>
+              <a:rPr lang="en-US" altLang="zh-CN" sz="1200" b="1" u="sng" dirty="0"/>
+              <a:t>Kernel Bootup Procedure</a:t>
+            </a:r>
+          </a:p>
+          <a:p>
+            <a:r>
+              <a:rPr lang="en-US" altLang="zh-CN" sz="1200" dirty="0"/>
+              <a:t>Phase 1:  Assembly Language: /arch/x86/boot/</a:t>
+            </a:r>
+            <a:r>
+              <a:rPr lang="en-US" altLang="zh-CN" sz="1200" dirty="0" err="1"/>
+              <a:t>header.s</a:t>
+            </a:r>
+            <a:r>
+              <a:rPr lang="en-US" altLang="zh-CN" sz="1200" dirty="0"/>
+              <a:t>  </a:t>
+            </a:r>
+          </a:p>
+          <a:p>
+            <a:endParaRPr lang="en-US" altLang="zh-CN" sz="1200" dirty="0"/>
+          </a:p>
+          <a:p>
+            <a:endParaRPr lang="en-US" altLang="zh-CN" sz="1200" dirty="0"/>
+          </a:p>
+          <a:p>
+            <a:endParaRPr lang="en-US" altLang="zh-CN" sz="1200" dirty="0"/>
+          </a:p>
+          <a:p>
+            <a:endParaRPr lang="en-US" altLang="zh-CN" sz="1200" dirty="0"/>
+          </a:p>
+          <a:p>
+            <a:endParaRPr lang="en-US" altLang="zh-CN" sz="1200" dirty="0"/>
+          </a:p>
+          <a:p>
+            <a:endParaRPr lang="en-US" altLang="zh-CN" sz="1200" dirty="0"/>
+          </a:p>
+          <a:p>
+            <a:endParaRPr lang="en-US" altLang="zh-CN" sz="1200" dirty="0"/>
+          </a:p>
+          <a:p>
+            <a:endParaRPr lang="en-US" altLang="zh-CN" sz="1200" dirty="0"/>
+          </a:p>
+          <a:p>
+            <a:r>
+              <a:rPr lang="en-US" altLang="zh-CN" sz="1200" dirty="0"/>
+              <a:t>Phase 2:  invoke function “</a:t>
+            </a:r>
+            <a:r>
+              <a:rPr lang="en-US" altLang="zh-CN" sz="1200" dirty="0" err="1"/>
+              <a:t>start_kernel</a:t>
+            </a:r>
+            <a:r>
+              <a:rPr lang="en-US" altLang="zh-CN" sz="1200" dirty="0"/>
+              <a:t>()” in /</a:t>
+            </a:r>
+            <a:r>
+              <a:rPr lang="en-US" altLang="zh-CN" sz="1200" dirty="0" err="1"/>
+              <a:t>init</a:t>
+            </a:r>
+            <a:r>
+              <a:rPr lang="en-US" altLang="zh-CN" sz="1200" dirty="0"/>
+              <a:t>/</a:t>
+            </a:r>
+            <a:r>
+              <a:rPr lang="en-US" altLang="zh-CN" sz="1200" dirty="0" err="1"/>
+              <a:t>main.c</a:t>
+            </a:r>
+            <a:endParaRPr lang="en-US" altLang="zh-CN" sz="1200" dirty="0"/>
+          </a:p>
+        </p:txBody>
+      </p:sp>
+      <p:pic>
+        <p:nvPicPr>
+          <p:cNvPr id="6" name="图片 5">
+            <a:extLst>
+              <a:ext uri="{FF2B5EF4-FFF2-40B4-BE49-F238E27FC236}">
+                <a16:creationId xmlns:a16="http://schemas.microsoft.com/office/drawing/2014/main" id="{74A895EF-2BFB-4791-8027-F9C8036419B3}"/>
+              </a:ext>
+            </a:extLst>
+          </p:cNvPr>
+          <p:cNvPicPr>
+            <a:picLocks noChangeAspect="1"/>
+          </p:cNvPicPr>
+          <p:nvPr/>
+        </p:nvPicPr>
+        <p:blipFill>
+          <a:blip r:embed="rId2"/>
+          <a:stretch>
+            <a:fillRect/>
+          </a:stretch>
+        </p:blipFill>
+        <p:spPr>
+          <a:xfrm>
+            <a:off x="10466705" y="58113"/>
+            <a:ext cx="1656283" cy="6741774"/>
+          </a:xfrm>
+          <a:prstGeom prst="rect">
+            <a:avLst/>
+          </a:prstGeom>
+        </p:spPr>
+      </p:pic>
+      <p:sp>
+        <p:nvSpPr>
+          <p:cNvPr id="7" name="文本框 6">
+            <a:extLst>
+              <a:ext uri="{FF2B5EF4-FFF2-40B4-BE49-F238E27FC236}">
+                <a16:creationId xmlns:a16="http://schemas.microsoft.com/office/drawing/2014/main" id="{55C7EB8F-6FBA-46AA-814F-D9A4890114CD}"/>
+              </a:ext>
+            </a:extLst>
+          </p:cNvPr>
+          <p:cNvSpPr txBox="1"/>
+          <p:nvPr/>
+        </p:nvSpPr>
+        <p:spPr>
+          <a:xfrm>
+            <a:off x="5231379" y="1083404"/>
+            <a:ext cx="5235326" cy="2123658"/>
+          </a:xfrm>
+          <a:prstGeom prst="rect">
+            <a:avLst/>
+          </a:prstGeom>
+          <a:noFill/>
+        </p:spPr>
+        <p:txBody>
+          <a:bodyPr wrap="square" rtlCol="0">
+            <a:spAutoFit/>
+          </a:bodyPr>
+          <a:lstStyle/>
+          <a:p>
+            <a:r>
+              <a:rPr lang="en-US" altLang="zh-CN" sz="1200" b="1" u="sng" dirty="0"/>
+              <a:t>Kernel Bootup Procedure</a:t>
+            </a:r>
+          </a:p>
+          <a:p>
+            <a:r>
+              <a:rPr lang="en-US" altLang="zh-CN" sz="1200" dirty="0"/>
+              <a:t>Phase 3: last function invoke “</a:t>
+            </a:r>
+            <a:r>
+              <a:rPr lang="en-US" altLang="zh-CN" sz="1200" dirty="0" err="1"/>
+              <a:t>rest_init</a:t>
+            </a:r>
+            <a:r>
+              <a:rPr lang="en-US" altLang="zh-CN" sz="1200" dirty="0"/>
+              <a:t>()” in function “</a:t>
+            </a:r>
+            <a:r>
+              <a:rPr lang="en-US" altLang="zh-CN" sz="1200" dirty="0" err="1"/>
+              <a:t>start_kernel</a:t>
+            </a:r>
+            <a:r>
+              <a:rPr lang="en-US" altLang="zh-CN" sz="1200" dirty="0"/>
+              <a:t>()”</a:t>
+            </a:r>
+          </a:p>
+          <a:p>
+            <a:r>
+              <a:rPr lang="en-US" altLang="zh-CN" sz="1200" dirty="0"/>
+              <a:t>    - call root file system   </a:t>
+            </a:r>
+          </a:p>
+          <a:p>
+            <a:endParaRPr lang="en-US" altLang="zh-CN" sz="1200" dirty="0"/>
+          </a:p>
+          <a:p>
+            <a:endParaRPr lang="en-US" altLang="zh-CN" sz="1200" dirty="0"/>
+          </a:p>
+          <a:p>
+            <a:endParaRPr lang="en-US" altLang="zh-CN" sz="1200" dirty="0"/>
+          </a:p>
+          <a:p>
+            <a:endParaRPr lang="en-US" altLang="zh-CN" sz="1200" dirty="0"/>
+          </a:p>
+          <a:p>
+            <a:endParaRPr lang="en-US" altLang="zh-CN" sz="1200" dirty="0"/>
+          </a:p>
+          <a:p>
+            <a:endParaRPr lang="en-US" altLang="zh-CN" sz="1200" dirty="0"/>
+          </a:p>
+          <a:p>
+            <a:endParaRPr lang="en-US" altLang="zh-CN" sz="1200" dirty="0"/>
+          </a:p>
+          <a:p>
+            <a:endParaRPr lang="en-US" altLang="zh-CN" sz="1200" dirty="0"/>
+          </a:p>
+        </p:txBody>
+      </p:sp>
+      <p:pic>
+        <p:nvPicPr>
+          <p:cNvPr id="4" name="图片 3">
+            <a:extLst>
+              <a:ext uri="{FF2B5EF4-FFF2-40B4-BE49-F238E27FC236}">
+                <a16:creationId xmlns:a16="http://schemas.microsoft.com/office/drawing/2014/main" id="{F3F3E6E2-A048-4669-8BA4-D1AC9BBED265}"/>
+              </a:ext>
+            </a:extLst>
+          </p:cNvPr>
+          <p:cNvPicPr>
+            <a:picLocks noChangeAspect="1"/>
+          </p:cNvPicPr>
+          <p:nvPr/>
+        </p:nvPicPr>
+        <p:blipFill>
+          <a:blip r:embed="rId3"/>
+          <a:stretch>
+            <a:fillRect/>
+          </a:stretch>
+        </p:blipFill>
+        <p:spPr>
+          <a:xfrm>
+            <a:off x="5495278" y="1933252"/>
+            <a:ext cx="2407513" cy="921758"/>
+          </a:xfrm>
+          <a:prstGeom prst="rect">
+            <a:avLst/>
+          </a:prstGeom>
+        </p:spPr>
+      </p:pic>
+      <p:pic>
+        <p:nvPicPr>
+          <p:cNvPr id="5" name="图片 4">
+            <a:extLst>
+              <a:ext uri="{FF2B5EF4-FFF2-40B4-BE49-F238E27FC236}">
+                <a16:creationId xmlns:a16="http://schemas.microsoft.com/office/drawing/2014/main" id="{D857EB80-6E40-445F-9DA7-25B0EBB9E8D5}"/>
+              </a:ext>
+            </a:extLst>
+          </p:cNvPr>
+          <p:cNvPicPr>
+            <a:picLocks noChangeAspect="1"/>
+          </p:cNvPicPr>
+          <p:nvPr/>
+        </p:nvPicPr>
+        <p:blipFill>
+          <a:blip r:embed="rId4"/>
+          <a:stretch>
+            <a:fillRect/>
+          </a:stretch>
+        </p:blipFill>
+        <p:spPr>
+          <a:xfrm>
+            <a:off x="715150" y="5194444"/>
+            <a:ext cx="1656283" cy="1606470"/>
+          </a:xfrm>
+          <a:prstGeom prst="rect">
+            <a:avLst/>
+          </a:prstGeom>
+        </p:spPr>
+      </p:pic>
+      <p:pic>
+        <p:nvPicPr>
+          <p:cNvPr id="8" name="图片 7">
+            <a:extLst>
+              <a:ext uri="{FF2B5EF4-FFF2-40B4-BE49-F238E27FC236}">
+                <a16:creationId xmlns:a16="http://schemas.microsoft.com/office/drawing/2014/main" id="{2DEDB1FB-D468-43B4-8779-5F0402B76A69}"/>
+              </a:ext>
+            </a:extLst>
+          </p:cNvPr>
+          <p:cNvPicPr>
+            <a:picLocks noChangeAspect="1"/>
+          </p:cNvPicPr>
+          <p:nvPr/>
+        </p:nvPicPr>
+        <p:blipFill>
+          <a:blip r:embed="rId5"/>
+          <a:stretch>
+            <a:fillRect/>
+          </a:stretch>
+        </p:blipFill>
+        <p:spPr>
+          <a:xfrm>
+            <a:off x="5509427" y="3265198"/>
+            <a:ext cx="2625057" cy="1583423"/>
+          </a:xfrm>
+          <a:prstGeom prst="rect">
+            <a:avLst/>
+          </a:prstGeom>
+        </p:spPr>
+      </p:pic>
+      <p:pic>
+        <p:nvPicPr>
+          <p:cNvPr id="9" name="图片 8">
+            <a:extLst>
+              <a:ext uri="{FF2B5EF4-FFF2-40B4-BE49-F238E27FC236}">
+                <a16:creationId xmlns:a16="http://schemas.microsoft.com/office/drawing/2014/main" id="{3A6B54CE-8AE5-461E-9E1F-1D48EE051720}"/>
+              </a:ext>
+            </a:extLst>
+          </p:cNvPr>
+          <p:cNvPicPr>
+            <a:picLocks noChangeAspect="1"/>
+          </p:cNvPicPr>
+          <p:nvPr/>
+        </p:nvPicPr>
+        <p:blipFill>
+          <a:blip r:embed="rId6"/>
+          <a:stretch>
+            <a:fillRect/>
+          </a:stretch>
+        </p:blipFill>
+        <p:spPr>
+          <a:xfrm>
+            <a:off x="5530786" y="5365327"/>
+            <a:ext cx="3108618" cy="1264703"/>
+          </a:xfrm>
+          <a:prstGeom prst="rect">
+            <a:avLst/>
+          </a:prstGeom>
+        </p:spPr>
+      </p:pic>
+      <p:sp>
+        <p:nvSpPr>
+          <p:cNvPr id="10" name="箭头: 下 9">
+            <a:extLst>
+              <a:ext uri="{FF2B5EF4-FFF2-40B4-BE49-F238E27FC236}">
+                <a16:creationId xmlns:a16="http://schemas.microsoft.com/office/drawing/2014/main" id="{95CEC6AE-0FE9-418F-88BC-411D4E38D2CE}"/>
               </a:ext>
             </a:extLst>
           </p:cNvPr>
@@ -6841,10 +7260,10 @@
         </p:nvSpPr>
         <p:spPr>
           <a:xfrm>
-            <a:off x="9707129" y="1775160"/>
-            <a:ext cx="1127464" cy="497150"/>
-          </a:xfrm>
-          <a:prstGeom prst="cube">
+            <a:off x="6821955" y="2929631"/>
+            <a:ext cx="84872" cy="277431"/>
+          </a:xfrm>
+          <a:prstGeom prst="downArrow">
             <a:avLst/>
           </a:prstGeom>
         </p:spPr>
@@ -6869,20 +7288,16 @@
           <a:lstStyle/>
           <a:p>
             <a:pPr algn="ctr"/>
-            <a:r>
-              <a:rPr lang="en-US" altLang="zh-CN" sz="1200" dirty="0"/>
-              <a:t>Bootloader</a:t>
-            </a:r>
-            <a:endParaRPr lang="zh-CN" altLang="en-US" sz="1200" dirty="0"/>
-          </a:p>
-        </p:txBody>
-      </p:sp>
-      <p:sp>
-        <p:nvSpPr>
-          <p:cNvPr id="9" name="箭头: 上 8">
-            <a:extLst>
-              <a:ext uri="{FF2B5EF4-FFF2-40B4-BE49-F238E27FC236}">
-                <a16:creationId xmlns:a16="http://schemas.microsoft.com/office/drawing/2014/main" id="{096BF2E9-4B31-46C9-94E9-AD18CE6F61D7}"/>
+            <a:endParaRPr lang="zh-CN" altLang="en-US"/>
+          </a:p>
+        </p:txBody>
+      </p:sp>
+      <p:sp>
+        <p:nvSpPr>
+          <p:cNvPr id="12" name="箭头: 下 11">
+            <a:extLst>
+              <a:ext uri="{FF2B5EF4-FFF2-40B4-BE49-F238E27FC236}">
+                <a16:creationId xmlns:a16="http://schemas.microsoft.com/office/drawing/2014/main" id="{FBE7C6C2-DD8B-4E68-A292-D80C1986F569}"/>
               </a:ext>
             </a:extLst>
           </p:cNvPr>
@@ -6891,10 +7306,10 @@
         </p:nvSpPr>
         <p:spPr>
           <a:xfrm>
-            <a:off x="10151014" y="1399699"/>
-            <a:ext cx="119847" cy="375461"/>
-          </a:xfrm>
-          <a:prstGeom prst="upArrow">
+            <a:off x="6899901" y="4917013"/>
+            <a:ext cx="84872" cy="277431"/>
+          </a:xfrm>
+          <a:prstGeom prst="downArrow">
             <a:avLst/>
           </a:prstGeom>
         </p:spPr>
@@ -6925,46 +7340,10 @@
       </p:sp>
       <p:sp>
         <p:nvSpPr>
-          <p:cNvPr id="11" name="文本框 10">
-            <a:extLst>
-              <a:ext uri="{FF2B5EF4-FFF2-40B4-BE49-F238E27FC236}">
-                <a16:creationId xmlns:a16="http://schemas.microsoft.com/office/drawing/2014/main" id="{F27CFE37-1626-44E5-825A-F659491630CB}"/>
-              </a:ext>
-            </a:extLst>
-          </p:cNvPr>
-          <p:cNvSpPr txBox="1"/>
-          <p:nvPr/>
-        </p:nvSpPr>
-        <p:spPr>
-          <a:xfrm>
-            <a:off x="10270861" y="1345279"/>
-            <a:ext cx="798990" cy="400110"/>
-          </a:xfrm>
-          <a:prstGeom prst="rect">
-            <a:avLst/>
-          </a:prstGeom>
-          <a:noFill/>
-        </p:spPr>
-        <p:txBody>
-          <a:bodyPr wrap="square" rtlCol="0">
-            <a:spAutoFit/>
-          </a:bodyPr>
-          <a:lstStyle/>
-          <a:p>
-            <a:r>
-              <a:rPr lang="en-US" altLang="zh-CN" sz="1000" dirty="0"/>
-              <a:t>Boot parameters</a:t>
-            </a:r>
-            <a:endParaRPr lang="zh-CN" altLang="en-US" sz="1000" dirty="0"/>
-          </a:p>
-        </p:txBody>
-      </p:sp>
-      <p:sp>
-        <p:nvSpPr>
-          <p:cNvPr id="12" name="立方体 11">
-            <a:extLst>
-              <a:ext uri="{FF2B5EF4-FFF2-40B4-BE49-F238E27FC236}">
-                <a16:creationId xmlns:a16="http://schemas.microsoft.com/office/drawing/2014/main" id="{E1092073-3B9B-4ABA-8033-C861B2A64F39}"/>
+          <p:cNvPr id="13" name="箭头: 下 12">
+            <a:extLst>
+              <a:ext uri="{FF2B5EF4-FFF2-40B4-BE49-F238E27FC236}">
+                <a16:creationId xmlns:a16="http://schemas.microsoft.com/office/drawing/2014/main" id="{21E0C26E-3FAA-4EE5-AA9F-0F7C1CE16A6C}"/>
               </a:ext>
             </a:extLst>
           </p:cNvPr>
@@ -6973,10 +7352,10 @@
         </p:nvSpPr>
         <p:spPr>
           <a:xfrm>
-            <a:off x="9604296" y="796780"/>
-            <a:ext cx="1209582" cy="497150"/>
-          </a:xfrm>
-          <a:prstGeom prst="cube">
+            <a:off x="1750786" y="4666994"/>
+            <a:ext cx="84872" cy="277431"/>
+          </a:xfrm>
+          <a:prstGeom prst="downArrow">
             <a:avLst/>
           </a:prstGeom>
         </p:spPr>
@@ -7001,227 +7380,44 @@
           <a:lstStyle/>
           <a:p>
             <a:pPr algn="ctr"/>
-            <a:r>
-              <a:rPr lang="en-US" altLang="zh-CN" sz="1200" dirty="0"/>
-              <a:t>kernel</a:t>
-            </a:r>
-            <a:endParaRPr lang="zh-CN" altLang="en-US" sz="1200" dirty="0"/>
-          </a:p>
-        </p:txBody>
-      </p:sp>
-      <p:sp>
-        <p:nvSpPr>
-          <p:cNvPr id="17" name="立方体 16">
-            <a:extLst>
-              <a:ext uri="{FF2B5EF4-FFF2-40B4-BE49-F238E27FC236}">
-                <a16:creationId xmlns:a16="http://schemas.microsoft.com/office/drawing/2014/main" id="{6F6A4280-5667-40DC-BFC6-5A16F0C13F12}"/>
-              </a:ext>
-            </a:extLst>
-          </p:cNvPr>
-          <p:cNvSpPr/>
+            <a:endParaRPr lang="zh-CN" altLang="en-US"/>
+          </a:p>
+        </p:txBody>
+      </p:sp>
+      <p:pic>
+        <p:nvPicPr>
+          <p:cNvPr id="11" name="图片 10">
+            <a:extLst>
+              <a:ext uri="{FF2B5EF4-FFF2-40B4-BE49-F238E27FC236}">
+                <a16:creationId xmlns:a16="http://schemas.microsoft.com/office/drawing/2014/main" id="{5A7AF03E-A2A7-4330-9FFC-1D3C672AAC5D}"/>
+              </a:ext>
+            </a:extLst>
+          </p:cNvPr>
+          <p:cNvPicPr>
+            <a:picLocks noChangeAspect="1"/>
+          </p:cNvPicPr>
           <p:nvPr/>
-        </p:nvSpPr>
+        </p:nvPicPr>
+        <p:blipFill>
+          <a:blip r:embed="rId7"/>
+          <a:stretch>
+            <a:fillRect/>
+          </a:stretch>
+        </p:blipFill>
         <p:spPr>
           <a:xfrm>
-            <a:off x="10803388" y="755835"/>
-            <a:ext cx="1388612" cy="497150"/>
-          </a:xfrm>
-          <a:prstGeom prst="cube">
-            <a:avLst/>
-          </a:prstGeom>
-        </p:spPr>
-        <p:style>
-          <a:lnRef idx="2">
-            <a:schemeClr val="accent1">
-              <a:shade val="50000"/>
-            </a:schemeClr>
-          </a:lnRef>
-          <a:fillRef idx="1">
-            <a:schemeClr val="accent1"/>
-          </a:fillRef>
-          <a:effectRef idx="0">
-            <a:schemeClr val="accent1"/>
-          </a:effectRef>
-          <a:fontRef idx="minor">
-            <a:schemeClr val="lt1"/>
-          </a:fontRef>
-        </p:style>
-        <p:txBody>
-          <a:bodyPr rtlCol="0" anchor="ctr"/>
-          <a:lstStyle/>
-          <a:p>
-            <a:pPr algn="ctr"/>
-            <a:r>
-              <a:rPr lang="en-US" altLang="zh-CN" sz="1200" dirty="0"/>
-              <a:t>Driver(open/read/write/</a:t>
-            </a:r>
-            <a:r>
-              <a:rPr lang="en-US" altLang="zh-CN" sz="1200" dirty="0" err="1"/>
-              <a:t>ioctl</a:t>
-            </a:r>
-            <a:r>
-              <a:rPr lang="en-US" altLang="zh-CN" sz="1200" dirty="0"/>
-              <a:t>…) </a:t>
-            </a:r>
-            <a:endParaRPr lang="zh-CN" altLang="en-US" sz="1200" dirty="0"/>
-          </a:p>
-        </p:txBody>
-      </p:sp>
-      <p:sp>
-        <p:nvSpPr>
-          <p:cNvPr id="31" name="立方体 30">
-            <a:extLst>
-              <a:ext uri="{FF2B5EF4-FFF2-40B4-BE49-F238E27FC236}">
-                <a16:creationId xmlns:a16="http://schemas.microsoft.com/office/drawing/2014/main" id="{E15F0ED8-88AE-4EC6-90CE-75E77A4B3356}"/>
-              </a:ext>
-            </a:extLst>
-          </p:cNvPr>
-          <p:cNvSpPr/>
-          <p:nvPr/>
-        </p:nvSpPr>
-        <p:spPr>
-          <a:xfrm>
-            <a:off x="8394714" y="833244"/>
-            <a:ext cx="1209582" cy="497150"/>
-          </a:xfrm>
-          <a:prstGeom prst="cube">
-            <a:avLst/>
-          </a:prstGeom>
-        </p:spPr>
-        <p:style>
-          <a:lnRef idx="2">
-            <a:schemeClr val="accent1">
-              <a:shade val="50000"/>
-            </a:schemeClr>
-          </a:lnRef>
-          <a:fillRef idx="1">
-            <a:schemeClr val="accent1"/>
-          </a:fillRef>
-          <a:effectRef idx="0">
-            <a:schemeClr val="accent1"/>
-          </a:effectRef>
-          <a:fontRef idx="minor">
-            <a:schemeClr val="lt1"/>
-          </a:fontRef>
-        </p:style>
-        <p:txBody>
-          <a:bodyPr rtlCol="0" anchor="ctr"/>
-          <a:lstStyle/>
-          <a:p>
-            <a:pPr algn="ctr"/>
-            <a:r>
-              <a:rPr lang="en-US" altLang="zh-CN" sz="1200" dirty="0"/>
-              <a:t>Kernel-</a:t>
-            </a:r>
-            <a:r>
-              <a:rPr lang="en-US" altLang="zh-CN" sz="1200" dirty="0" err="1"/>
-              <a:t>syscall</a:t>
-            </a:r>
-            <a:endParaRPr lang="zh-CN" altLang="en-US" sz="1200" dirty="0"/>
-          </a:p>
-        </p:txBody>
-      </p:sp>
-      <p:sp>
-        <p:nvSpPr>
-          <p:cNvPr id="80" name="文本框 79">
-            <a:extLst>
-              <a:ext uri="{FF2B5EF4-FFF2-40B4-BE49-F238E27FC236}">
-                <a16:creationId xmlns:a16="http://schemas.microsoft.com/office/drawing/2014/main" id="{A0B91055-B219-4830-93C3-6818BC76ECDE}"/>
-              </a:ext>
-            </a:extLst>
-          </p:cNvPr>
-          <p:cNvSpPr txBox="1"/>
-          <p:nvPr/>
-        </p:nvSpPr>
-        <p:spPr>
-          <a:xfrm>
-            <a:off x="259952" y="940092"/>
-            <a:ext cx="4533989" cy="461665"/>
+            <a:off x="911900" y="3565800"/>
+            <a:ext cx="1262782" cy="1101194"/>
           </a:xfrm>
           <a:prstGeom prst="rect">
             <a:avLst/>
           </a:prstGeom>
-          <a:noFill/>
-        </p:spPr>
-        <p:txBody>
-          <a:bodyPr wrap="square" rtlCol="0">
-            <a:spAutoFit/>
-          </a:bodyPr>
-          <a:lstStyle/>
-          <a:p>
-            <a:r>
-              <a:rPr lang="en-US" altLang="zh-CN" sz="1200" b="1" u="sng" dirty="0"/>
-              <a:t>Bootloader GRUB</a:t>
-            </a:r>
-          </a:p>
-          <a:p>
-            <a:r>
-              <a:rPr lang="en-US" altLang="zh-CN" sz="1200" dirty="0">
-                <a:hlinkClick r:id="rId2"/>
-              </a:rPr>
-              <a:t>https://www.linuxidc.com/Linux/2017-06/144738.htm</a:t>
-            </a:r>
-            <a:endParaRPr lang="en-US" altLang="zh-CN" sz="1200" b="1" u="sng" dirty="0"/>
-          </a:p>
-        </p:txBody>
-      </p:sp>
-      <p:sp>
-        <p:nvSpPr>
-          <p:cNvPr id="3" name="矩形 2">
-            <a:extLst>
-              <a:ext uri="{FF2B5EF4-FFF2-40B4-BE49-F238E27FC236}">
-                <a16:creationId xmlns:a16="http://schemas.microsoft.com/office/drawing/2014/main" id="{D6755D11-951C-43CC-A67A-8B6E39111014}"/>
-              </a:ext>
-            </a:extLst>
-          </p:cNvPr>
-          <p:cNvSpPr/>
-          <p:nvPr/>
-        </p:nvSpPr>
-        <p:spPr>
-          <a:xfrm>
-            <a:off x="9604296" y="1399699"/>
-            <a:ext cx="1465555" cy="1023905"/>
-          </a:xfrm>
-          <a:prstGeom prst="rect">
-            <a:avLst/>
-          </a:prstGeom>
-          <a:noFill/>
-          <a:ln>
-            <a:solidFill>
-              <a:srgbClr val="7030A0"/>
-            </a:solidFill>
-            <a:prstDash val="lgDashDot"/>
-          </a:ln>
-        </p:spPr>
-        <p:style>
-          <a:lnRef idx="2">
-            <a:schemeClr val="accent1">
-              <a:shade val="50000"/>
-            </a:schemeClr>
-          </a:lnRef>
-          <a:fillRef idx="1">
-            <a:schemeClr val="accent1"/>
-          </a:fillRef>
-          <a:effectRef idx="0">
-            <a:schemeClr val="accent1"/>
-          </a:effectRef>
-          <a:fontRef idx="minor">
-            <a:schemeClr val="lt1"/>
-          </a:fontRef>
-        </p:style>
-        <p:txBody>
-          <a:bodyPr rtlCol="0" anchor="ctr"/>
-          <a:lstStyle/>
-          <a:p>
-            <a:pPr algn="ctr"/>
-            <a:endParaRPr lang="zh-CN" altLang="en-US"/>
-          </a:p>
-        </p:txBody>
-      </p:sp>
+        </p:spPr>
+      </p:pic>
     </p:spTree>
     <p:extLst>
       <p:ext uri="{BB962C8B-B14F-4D97-AF65-F5344CB8AC3E}">
-        <p14:creationId xmlns:p14="http://schemas.microsoft.com/office/powerpoint/2010/main" val="2485932996"/>
+        <p14:creationId xmlns:p14="http://schemas.microsoft.com/office/powerpoint/2010/main" val="832347279"/>
       </p:ext>
     </p:extLst>
   </p:cSld>
@@ -7278,658 +7474,6 @@
           <a:p>
             <a:r>
               <a:rPr lang="en-US" altLang="zh-CN" dirty="0"/>
-              <a:t>Linux architecture-kernel</a:t>
-            </a:r>
-            <a:endParaRPr lang="zh-CN" altLang="en-US" dirty="0"/>
-          </a:p>
-        </p:txBody>
-      </p:sp>
-      <p:sp>
-        <p:nvSpPr>
-          <p:cNvPr id="80" name="文本框 79">
-            <a:extLst>
-              <a:ext uri="{FF2B5EF4-FFF2-40B4-BE49-F238E27FC236}">
-                <a16:creationId xmlns:a16="http://schemas.microsoft.com/office/drawing/2014/main" id="{A0B91055-B219-4830-93C3-6818BC76ECDE}"/>
-              </a:ext>
-            </a:extLst>
-          </p:cNvPr>
-          <p:cNvSpPr txBox="1"/>
-          <p:nvPr/>
-        </p:nvSpPr>
-        <p:spPr>
-          <a:xfrm>
-            <a:off x="259952" y="940092"/>
-            <a:ext cx="5235326" cy="4339650"/>
-          </a:xfrm>
-          <a:prstGeom prst="rect">
-            <a:avLst/>
-          </a:prstGeom>
-          <a:noFill/>
-        </p:spPr>
-        <p:txBody>
-          <a:bodyPr wrap="square" rtlCol="0">
-            <a:spAutoFit/>
-          </a:bodyPr>
-          <a:lstStyle/>
-          <a:p>
-            <a:r>
-              <a:rPr lang="en-US" altLang="zh-CN" sz="1200" b="1" u="sng" dirty="0"/>
-              <a:t>Kernel Debug Skills</a:t>
-            </a:r>
-          </a:p>
-          <a:p>
-            <a:r>
-              <a:rPr lang="en-US" altLang="zh-CN" sz="1200" dirty="0"/>
-              <a:t>Kernel log/system log analysis (/var/log)</a:t>
-            </a:r>
-          </a:p>
-          <a:p>
-            <a:r>
-              <a:rPr lang="en-US" altLang="zh-CN" sz="1200" dirty="0"/>
-              <a:t>Compile kernel to add KGDB patch, enable remote host debug kernel</a:t>
-            </a:r>
-          </a:p>
-          <a:p>
-            <a:r>
-              <a:rPr lang="en-US" altLang="zh-CN" sz="1200" dirty="0"/>
-              <a:t>Oops call stack trace</a:t>
-            </a:r>
-          </a:p>
-          <a:p>
-            <a:endParaRPr lang="en-US" altLang="zh-CN" sz="1200" dirty="0"/>
-          </a:p>
-          <a:p>
-            <a:r>
-              <a:rPr lang="en-US" altLang="zh-CN" sz="1200" b="1" u="sng" dirty="0"/>
-              <a:t>Kernel </a:t>
-            </a:r>
-            <a:r>
-              <a:rPr lang="en-US" altLang="zh-CN" sz="1200" b="1" u="sng" dirty="0" err="1"/>
-              <a:t>Kconfig</a:t>
-            </a:r>
-            <a:r>
-              <a:rPr lang="en-US" altLang="zh-CN" sz="1200" b="1" u="sng" dirty="0"/>
-              <a:t> Analysis</a:t>
-            </a:r>
-          </a:p>
-          <a:p>
-            <a:r>
-              <a:rPr lang="en-US" altLang="zh-CN" sz="1200" dirty="0"/>
-              <a:t>  $make config</a:t>
-            </a:r>
-          </a:p>
-          <a:p>
-            <a:r>
-              <a:rPr lang="en-US" altLang="zh-CN" sz="1200" dirty="0"/>
-              <a:t>  $make </a:t>
-            </a:r>
-            <a:r>
-              <a:rPr lang="en-US" altLang="zh-CN" sz="1200" dirty="0" err="1"/>
-              <a:t>menuconfig</a:t>
-            </a:r>
-            <a:endParaRPr lang="en-US" altLang="zh-CN" sz="1200" dirty="0"/>
-          </a:p>
-          <a:p>
-            <a:r>
-              <a:rPr lang="en-US" altLang="zh-CN" sz="1200" dirty="0"/>
-              <a:t>  $make </a:t>
-            </a:r>
-            <a:r>
-              <a:rPr lang="en-US" altLang="zh-CN" sz="1200" dirty="0" err="1"/>
-              <a:t>xconfig</a:t>
-            </a:r>
-            <a:endParaRPr lang="en-US" altLang="zh-CN" sz="1200" dirty="0"/>
-          </a:p>
-          <a:p>
-            <a:r>
-              <a:rPr lang="en-US" altLang="zh-CN" sz="1200" dirty="0"/>
-              <a:t>Snapshots- TBC</a:t>
-            </a:r>
-          </a:p>
-          <a:p>
-            <a:endParaRPr lang="en-US" altLang="zh-CN" sz="1200" dirty="0"/>
-          </a:p>
-          <a:p>
-            <a:endParaRPr lang="en-US" altLang="zh-CN" sz="1200" dirty="0"/>
-          </a:p>
-          <a:p>
-            <a:r>
-              <a:rPr lang="en-US" altLang="zh-CN" sz="1200" b="1" u="sng" dirty="0"/>
-              <a:t>Kernel Bootup Procedure</a:t>
-            </a:r>
-          </a:p>
-          <a:p>
-            <a:r>
-              <a:rPr lang="en-US" altLang="zh-CN" sz="1200" dirty="0"/>
-              <a:t>Phase 1:  Assembly Language: /arch/x86/boot/</a:t>
-            </a:r>
-            <a:r>
-              <a:rPr lang="en-US" altLang="zh-CN" sz="1200" dirty="0" err="1"/>
-              <a:t>header.s</a:t>
-            </a:r>
-            <a:r>
-              <a:rPr lang="en-US" altLang="zh-CN" sz="1200" dirty="0"/>
-              <a:t>  </a:t>
-            </a:r>
-          </a:p>
-          <a:p>
-            <a:endParaRPr lang="en-US" altLang="zh-CN" sz="1200" dirty="0"/>
-          </a:p>
-          <a:p>
-            <a:endParaRPr lang="en-US" altLang="zh-CN" sz="1200" dirty="0"/>
-          </a:p>
-          <a:p>
-            <a:endParaRPr lang="en-US" altLang="zh-CN" sz="1200" dirty="0"/>
-          </a:p>
-          <a:p>
-            <a:endParaRPr lang="en-US" altLang="zh-CN" sz="1200" dirty="0"/>
-          </a:p>
-          <a:p>
-            <a:endParaRPr lang="en-US" altLang="zh-CN" sz="1200" dirty="0"/>
-          </a:p>
-          <a:p>
-            <a:endParaRPr lang="en-US" altLang="zh-CN" sz="1200" dirty="0"/>
-          </a:p>
-          <a:p>
-            <a:endParaRPr lang="en-US" altLang="zh-CN" sz="1200" dirty="0"/>
-          </a:p>
-          <a:p>
-            <a:endParaRPr lang="en-US" altLang="zh-CN" sz="1200" dirty="0"/>
-          </a:p>
-          <a:p>
-            <a:r>
-              <a:rPr lang="en-US" altLang="zh-CN" sz="1200" dirty="0"/>
-              <a:t>Phase 2:  invoke function “</a:t>
-            </a:r>
-            <a:r>
-              <a:rPr lang="en-US" altLang="zh-CN" sz="1200" dirty="0" err="1"/>
-              <a:t>start_kernel</a:t>
-            </a:r>
-            <a:r>
-              <a:rPr lang="en-US" altLang="zh-CN" sz="1200" dirty="0"/>
-              <a:t>()” in /</a:t>
-            </a:r>
-            <a:r>
-              <a:rPr lang="en-US" altLang="zh-CN" sz="1200" dirty="0" err="1"/>
-              <a:t>init</a:t>
-            </a:r>
-            <a:r>
-              <a:rPr lang="en-US" altLang="zh-CN" sz="1200" dirty="0"/>
-              <a:t>/</a:t>
-            </a:r>
-            <a:r>
-              <a:rPr lang="en-US" altLang="zh-CN" sz="1200" dirty="0" err="1"/>
-              <a:t>main.c</a:t>
-            </a:r>
-            <a:endParaRPr lang="en-US" altLang="zh-CN" sz="1200" dirty="0"/>
-          </a:p>
-        </p:txBody>
-      </p:sp>
-      <p:pic>
-        <p:nvPicPr>
-          <p:cNvPr id="6" name="图片 5">
-            <a:extLst>
-              <a:ext uri="{FF2B5EF4-FFF2-40B4-BE49-F238E27FC236}">
-                <a16:creationId xmlns:a16="http://schemas.microsoft.com/office/drawing/2014/main" id="{74A895EF-2BFB-4791-8027-F9C8036419B3}"/>
-              </a:ext>
-            </a:extLst>
-          </p:cNvPr>
-          <p:cNvPicPr>
-            <a:picLocks noChangeAspect="1"/>
-          </p:cNvPicPr>
-          <p:nvPr/>
-        </p:nvPicPr>
-        <p:blipFill>
-          <a:blip r:embed="rId2"/>
-          <a:stretch>
-            <a:fillRect/>
-          </a:stretch>
-        </p:blipFill>
-        <p:spPr>
-          <a:xfrm>
-            <a:off x="10466705" y="58113"/>
-            <a:ext cx="1656283" cy="6741774"/>
-          </a:xfrm>
-          <a:prstGeom prst="rect">
-            <a:avLst/>
-          </a:prstGeom>
-        </p:spPr>
-      </p:pic>
-      <p:sp>
-        <p:nvSpPr>
-          <p:cNvPr id="7" name="文本框 6">
-            <a:extLst>
-              <a:ext uri="{FF2B5EF4-FFF2-40B4-BE49-F238E27FC236}">
-                <a16:creationId xmlns:a16="http://schemas.microsoft.com/office/drawing/2014/main" id="{55C7EB8F-6FBA-46AA-814F-D9A4890114CD}"/>
-              </a:ext>
-            </a:extLst>
-          </p:cNvPr>
-          <p:cNvSpPr txBox="1"/>
-          <p:nvPr/>
-        </p:nvSpPr>
-        <p:spPr>
-          <a:xfrm>
-            <a:off x="5231379" y="1083404"/>
-            <a:ext cx="5235326" cy="2123658"/>
-          </a:xfrm>
-          <a:prstGeom prst="rect">
-            <a:avLst/>
-          </a:prstGeom>
-          <a:noFill/>
-        </p:spPr>
-        <p:txBody>
-          <a:bodyPr wrap="square" rtlCol="0">
-            <a:spAutoFit/>
-          </a:bodyPr>
-          <a:lstStyle/>
-          <a:p>
-            <a:r>
-              <a:rPr lang="en-US" altLang="zh-CN" sz="1200" b="1" u="sng" dirty="0"/>
-              <a:t>Kernel Bootup Procedure</a:t>
-            </a:r>
-          </a:p>
-          <a:p>
-            <a:r>
-              <a:rPr lang="en-US" altLang="zh-CN" sz="1200" dirty="0"/>
-              <a:t>Phase 3: last function invoke “</a:t>
-            </a:r>
-            <a:r>
-              <a:rPr lang="en-US" altLang="zh-CN" sz="1200" dirty="0" err="1"/>
-              <a:t>rest_init</a:t>
-            </a:r>
-            <a:r>
-              <a:rPr lang="en-US" altLang="zh-CN" sz="1200" dirty="0"/>
-              <a:t>()” in function “</a:t>
-            </a:r>
-            <a:r>
-              <a:rPr lang="en-US" altLang="zh-CN" sz="1200" dirty="0" err="1"/>
-              <a:t>start_kernel</a:t>
-            </a:r>
-            <a:r>
-              <a:rPr lang="en-US" altLang="zh-CN" sz="1200" dirty="0"/>
-              <a:t>()”</a:t>
-            </a:r>
-          </a:p>
-          <a:p>
-            <a:r>
-              <a:rPr lang="en-US" altLang="zh-CN" sz="1200" dirty="0"/>
-              <a:t>    - call root file system   </a:t>
-            </a:r>
-          </a:p>
-          <a:p>
-            <a:endParaRPr lang="en-US" altLang="zh-CN" sz="1200" dirty="0"/>
-          </a:p>
-          <a:p>
-            <a:endParaRPr lang="en-US" altLang="zh-CN" sz="1200" dirty="0"/>
-          </a:p>
-          <a:p>
-            <a:endParaRPr lang="en-US" altLang="zh-CN" sz="1200" dirty="0"/>
-          </a:p>
-          <a:p>
-            <a:endParaRPr lang="en-US" altLang="zh-CN" sz="1200" dirty="0"/>
-          </a:p>
-          <a:p>
-            <a:endParaRPr lang="en-US" altLang="zh-CN" sz="1200" dirty="0"/>
-          </a:p>
-          <a:p>
-            <a:endParaRPr lang="en-US" altLang="zh-CN" sz="1200" dirty="0"/>
-          </a:p>
-          <a:p>
-            <a:endParaRPr lang="en-US" altLang="zh-CN" sz="1200" dirty="0"/>
-          </a:p>
-          <a:p>
-            <a:endParaRPr lang="en-US" altLang="zh-CN" sz="1200" dirty="0"/>
-          </a:p>
-        </p:txBody>
-      </p:sp>
-      <p:pic>
-        <p:nvPicPr>
-          <p:cNvPr id="4" name="图片 3">
-            <a:extLst>
-              <a:ext uri="{FF2B5EF4-FFF2-40B4-BE49-F238E27FC236}">
-                <a16:creationId xmlns:a16="http://schemas.microsoft.com/office/drawing/2014/main" id="{F3F3E6E2-A048-4669-8BA4-D1AC9BBED265}"/>
-              </a:ext>
-            </a:extLst>
-          </p:cNvPr>
-          <p:cNvPicPr>
-            <a:picLocks noChangeAspect="1"/>
-          </p:cNvPicPr>
-          <p:nvPr/>
-        </p:nvPicPr>
-        <p:blipFill>
-          <a:blip r:embed="rId3"/>
-          <a:stretch>
-            <a:fillRect/>
-          </a:stretch>
-        </p:blipFill>
-        <p:spPr>
-          <a:xfrm>
-            <a:off x="5495278" y="1933252"/>
-            <a:ext cx="2407513" cy="921758"/>
-          </a:xfrm>
-          <a:prstGeom prst="rect">
-            <a:avLst/>
-          </a:prstGeom>
-        </p:spPr>
-      </p:pic>
-      <p:pic>
-        <p:nvPicPr>
-          <p:cNvPr id="5" name="图片 4">
-            <a:extLst>
-              <a:ext uri="{FF2B5EF4-FFF2-40B4-BE49-F238E27FC236}">
-                <a16:creationId xmlns:a16="http://schemas.microsoft.com/office/drawing/2014/main" id="{D857EB80-6E40-445F-9DA7-25B0EBB9E8D5}"/>
-              </a:ext>
-            </a:extLst>
-          </p:cNvPr>
-          <p:cNvPicPr>
-            <a:picLocks noChangeAspect="1"/>
-          </p:cNvPicPr>
-          <p:nvPr/>
-        </p:nvPicPr>
-        <p:blipFill>
-          <a:blip r:embed="rId4"/>
-          <a:stretch>
-            <a:fillRect/>
-          </a:stretch>
-        </p:blipFill>
-        <p:spPr>
-          <a:xfrm>
-            <a:off x="715150" y="5194444"/>
-            <a:ext cx="1656283" cy="1606470"/>
-          </a:xfrm>
-          <a:prstGeom prst="rect">
-            <a:avLst/>
-          </a:prstGeom>
-        </p:spPr>
-      </p:pic>
-      <p:pic>
-        <p:nvPicPr>
-          <p:cNvPr id="8" name="图片 7">
-            <a:extLst>
-              <a:ext uri="{FF2B5EF4-FFF2-40B4-BE49-F238E27FC236}">
-                <a16:creationId xmlns:a16="http://schemas.microsoft.com/office/drawing/2014/main" id="{2DEDB1FB-D468-43B4-8779-5F0402B76A69}"/>
-              </a:ext>
-            </a:extLst>
-          </p:cNvPr>
-          <p:cNvPicPr>
-            <a:picLocks noChangeAspect="1"/>
-          </p:cNvPicPr>
-          <p:nvPr/>
-        </p:nvPicPr>
-        <p:blipFill>
-          <a:blip r:embed="rId5"/>
-          <a:stretch>
-            <a:fillRect/>
-          </a:stretch>
-        </p:blipFill>
-        <p:spPr>
-          <a:xfrm>
-            <a:off x="5509427" y="3265198"/>
-            <a:ext cx="2625057" cy="1583423"/>
-          </a:xfrm>
-          <a:prstGeom prst="rect">
-            <a:avLst/>
-          </a:prstGeom>
-        </p:spPr>
-      </p:pic>
-      <p:pic>
-        <p:nvPicPr>
-          <p:cNvPr id="9" name="图片 8">
-            <a:extLst>
-              <a:ext uri="{FF2B5EF4-FFF2-40B4-BE49-F238E27FC236}">
-                <a16:creationId xmlns:a16="http://schemas.microsoft.com/office/drawing/2014/main" id="{3A6B54CE-8AE5-461E-9E1F-1D48EE051720}"/>
-              </a:ext>
-            </a:extLst>
-          </p:cNvPr>
-          <p:cNvPicPr>
-            <a:picLocks noChangeAspect="1"/>
-          </p:cNvPicPr>
-          <p:nvPr/>
-        </p:nvPicPr>
-        <p:blipFill>
-          <a:blip r:embed="rId6"/>
-          <a:stretch>
-            <a:fillRect/>
-          </a:stretch>
-        </p:blipFill>
-        <p:spPr>
-          <a:xfrm>
-            <a:off x="5530786" y="5365327"/>
-            <a:ext cx="3108618" cy="1264703"/>
-          </a:xfrm>
-          <a:prstGeom prst="rect">
-            <a:avLst/>
-          </a:prstGeom>
-        </p:spPr>
-      </p:pic>
-      <p:sp>
-        <p:nvSpPr>
-          <p:cNvPr id="10" name="箭头: 下 9">
-            <a:extLst>
-              <a:ext uri="{FF2B5EF4-FFF2-40B4-BE49-F238E27FC236}">
-                <a16:creationId xmlns:a16="http://schemas.microsoft.com/office/drawing/2014/main" id="{95CEC6AE-0FE9-418F-88BC-411D4E38D2CE}"/>
-              </a:ext>
-            </a:extLst>
-          </p:cNvPr>
-          <p:cNvSpPr/>
-          <p:nvPr/>
-        </p:nvSpPr>
-        <p:spPr>
-          <a:xfrm>
-            <a:off x="6821955" y="2929631"/>
-            <a:ext cx="84872" cy="277431"/>
-          </a:xfrm>
-          <a:prstGeom prst="downArrow">
-            <a:avLst/>
-          </a:prstGeom>
-        </p:spPr>
-        <p:style>
-          <a:lnRef idx="2">
-            <a:schemeClr val="accent1">
-              <a:shade val="50000"/>
-            </a:schemeClr>
-          </a:lnRef>
-          <a:fillRef idx="1">
-            <a:schemeClr val="accent1"/>
-          </a:fillRef>
-          <a:effectRef idx="0">
-            <a:schemeClr val="accent1"/>
-          </a:effectRef>
-          <a:fontRef idx="minor">
-            <a:schemeClr val="lt1"/>
-          </a:fontRef>
-        </p:style>
-        <p:txBody>
-          <a:bodyPr rtlCol="0" anchor="ctr"/>
-          <a:lstStyle/>
-          <a:p>
-            <a:pPr algn="ctr"/>
-            <a:endParaRPr lang="zh-CN" altLang="en-US"/>
-          </a:p>
-        </p:txBody>
-      </p:sp>
-      <p:sp>
-        <p:nvSpPr>
-          <p:cNvPr id="12" name="箭头: 下 11">
-            <a:extLst>
-              <a:ext uri="{FF2B5EF4-FFF2-40B4-BE49-F238E27FC236}">
-                <a16:creationId xmlns:a16="http://schemas.microsoft.com/office/drawing/2014/main" id="{FBE7C6C2-DD8B-4E68-A292-D80C1986F569}"/>
-              </a:ext>
-            </a:extLst>
-          </p:cNvPr>
-          <p:cNvSpPr/>
-          <p:nvPr/>
-        </p:nvSpPr>
-        <p:spPr>
-          <a:xfrm>
-            <a:off x="6899901" y="4917013"/>
-            <a:ext cx="84872" cy="277431"/>
-          </a:xfrm>
-          <a:prstGeom prst="downArrow">
-            <a:avLst/>
-          </a:prstGeom>
-        </p:spPr>
-        <p:style>
-          <a:lnRef idx="2">
-            <a:schemeClr val="accent1">
-              <a:shade val="50000"/>
-            </a:schemeClr>
-          </a:lnRef>
-          <a:fillRef idx="1">
-            <a:schemeClr val="accent1"/>
-          </a:fillRef>
-          <a:effectRef idx="0">
-            <a:schemeClr val="accent1"/>
-          </a:effectRef>
-          <a:fontRef idx="minor">
-            <a:schemeClr val="lt1"/>
-          </a:fontRef>
-        </p:style>
-        <p:txBody>
-          <a:bodyPr rtlCol="0" anchor="ctr"/>
-          <a:lstStyle/>
-          <a:p>
-            <a:pPr algn="ctr"/>
-            <a:endParaRPr lang="zh-CN" altLang="en-US"/>
-          </a:p>
-        </p:txBody>
-      </p:sp>
-      <p:sp>
-        <p:nvSpPr>
-          <p:cNvPr id="13" name="箭头: 下 12">
-            <a:extLst>
-              <a:ext uri="{FF2B5EF4-FFF2-40B4-BE49-F238E27FC236}">
-                <a16:creationId xmlns:a16="http://schemas.microsoft.com/office/drawing/2014/main" id="{21E0C26E-3FAA-4EE5-AA9F-0F7C1CE16A6C}"/>
-              </a:ext>
-            </a:extLst>
-          </p:cNvPr>
-          <p:cNvSpPr/>
-          <p:nvPr/>
-        </p:nvSpPr>
-        <p:spPr>
-          <a:xfrm>
-            <a:off x="1750786" y="4666994"/>
-            <a:ext cx="84872" cy="277431"/>
-          </a:xfrm>
-          <a:prstGeom prst="downArrow">
-            <a:avLst/>
-          </a:prstGeom>
-        </p:spPr>
-        <p:style>
-          <a:lnRef idx="2">
-            <a:schemeClr val="accent1">
-              <a:shade val="50000"/>
-            </a:schemeClr>
-          </a:lnRef>
-          <a:fillRef idx="1">
-            <a:schemeClr val="accent1"/>
-          </a:fillRef>
-          <a:effectRef idx="0">
-            <a:schemeClr val="accent1"/>
-          </a:effectRef>
-          <a:fontRef idx="minor">
-            <a:schemeClr val="lt1"/>
-          </a:fontRef>
-        </p:style>
-        <p:txBody>
-          <a:bodyPr rtlCol="0" anchor="ctr"/>
-          <a:lstStyle/>
-          <a:p>
-            <a:pPr algn="ctr"/>
-            <a:endParaRPr lang="zh-CN" altLang="en-US"/>
-          </a:p>
-        </p:txBody>
-      </p:sp>
-      <p:pic>
-        <p:nvPicPr>
-          <p:cNvPr id="11" name="图片 10">
-            <a:extLst>
-              <a:ext uri="{FF2B5EF4-FFF2-40B4-BE49-F238E27FC236}">
-                <a16:creationId xmlns:a16="http://schemas.microsoft.com/office/drawing/2014/main" id="{5A7AF03E-A2A7-4330-9FFC-1D3C672AAC5D}"/>
-              </a:ext>
-            </a:extLst>
-          </p:cNvPr>
-          <p:cNvPicPr>
-            <a:picLocks noChangeAspect="1"/>
-          </p:cNvPicPr>
-          <p:nvPr/>
-        </p:nvPicPr>
-        <p:blipFill>
-          <a:blip r:embed="rId7"/>
-          <a:stretch>
-            <a:fillRect/>
-          </a:stretch>
-        </p:blipFill>
-        <p:spPr>
-          <a:xfrm>
-            <a:off x="911900" y="3565800"/>
-            <a:ext cx="1262782" cy="1101194"/>
-          </a:xfrm>
-          <a:prstGeom prst="rect">
-            <a:avLst/>
-          </a:prstGeom>
-        </p:spPr>
-      </p:pic>
-    </p:spTree>
-    <p:extLst>
-      <p:ext uri="{BB962C8B-B14F-4D97-AF65-F5344CB8AC3E}">
-        <p14:creationId xmlns:p14="http://schemas.microsoft.com/office/powerpoint/2010/main" val="832347279"/>
-      </p:ext>
-    </p:extLst>
-  </p:cSld>
-  <p:clrMapOvr>
-    <a:masterClrMapping/>
-  </p:clrMapOvr>
-</p:sld>
-</file>
-
-<file path=ppt/slides/slide6.xml><?xml version="1.0" encoding="utf-8"?>
-<p:sld xmlns:a="http://schemas.openxmlformats.org/drawingml/2006/main" xmlns:r="http://schemas.openxmlformats.org/officeDocument/2006/relationships" xmlns:p="http://schemas.openxmlformats.org/presentationml/2006/main">
-  <p:cSld>
-    <p:spTree>
-      <p:nvGrpSpPr>
-        <p:cNvPr id="1" name=""/>
-        <p:cNvGrpSpPr/>
-        <p:nvPr/>
-      </p:nvGrpSpPr>
-      <p:grpSpPr>
-        <a:xfrm>
-          <a:off x="0" y="0"/>
-          <a:ext cx="0" cy="0"/>
-          <a:chOff x="0" y="0"/>
-          <a:chExt cx="0" cy="0"/>
-        </a:xfrm>
-      </p:grpSpPr>
-      <p:sp>
-        <p:nvSpPr>
-          <p:cNvPr id="2" name="标题 1">
-            <a:extLst>
-              <a:ext uri="{FF2B5EF4-FFF2-40B4-BE49-F238E27FC236}">
-                <a16:creationId xmlns:a16="http://schemas.microsoft.com/office/drawing/2014/main" id="{4DBEFF03-2B27-4B5F-99CC-9195A6F11D10}"/>
-              </a:ext>
-            </a:extLst>
-          </p:cNvPr>
-          <p:cNvSpPr>
-            <a:spLocks noGrp="1"/>
-          </p:cNvSpPr>
-          <p:nvPr>
-            <p:ph type="title"/>
-          </p:nvPr>
-        </p:nvSpPr>
-        <p:spPr>
-          <a:xfrm>
-            <a:off x="79898" y="18255"/>
-            <a:ext cx="11273902" cy="778525"/>
-          </a:xfrm>
-        </p:spPr>
-        <p:txBody>
-          <a:bodyPr>
-            <a:normAutofit/>
-          </a:bodyPr>
-          <a:lstStyle/>
-          <a:p>
-            <a:r>
-              <a:rPr lang="en-US" altLang="zh-CN" dirty="0"/>
               <a:t>Linux architecture-File System</a:t>
             </a:r>
             <a:endParaRPr lang="zh-CN" altLang="en-US" dirty="0"/>
@@ -8805,7 +8349,7 @@
 </p:sld>
 </file>
 
-<file path=ppt/slides/slide7.xml><?xml version="1.0" encoding="utf-8"?>
+<file path=ppt/slides/slide6.xml><?xml version="1.0" encoding="utf-8"?>
 <p:sld xmlns:a="http://schemas.openxmlformats.org/drawingml/2006/main" xmlns:r="http://schemas.openxmlformats.org/officeDocument/2006/relationships" xmlns:p="http://schemas.openxmlformats.org/presentationml/2006/main">
   <p:cSld>
     <p:spTree>

--- a/Knowledge-Tree.pptx
+++ b/Knowledge-Tree.pptx
@@ -6,11 +6,12 @@
   </p:sldMasterIdLst>
   <p:sldIdLst>
     <p:sldId id="256" r:id="rId2"/>
-    <p:sldId id="257" r:id="rId3"/>
-    <p:sldId id="261" r:id="rId4"/>
-    <p:sldId id="263" r:id="rId5"/>
-    <p:sldId id="264" r:id="rId6"/>
-    <p:sldId id="265" r:id="rId7"/>
+    <p:sldId id="266" r:id="rId3"/>
+    <p:sldId id="257" r:id="rId4"/>
+    <p:sldId id="261" r:id="rId5"/>
+    <p:sldId id="263" r:id="rId6"/>
+    <p:sldId id="264" r:id="rId7"/>
+    <p:sldId id="265" r:id="rId8"/>
   </p:sldIdLst>
   <p:sldSz cx="12192000" cy="6858000"/>
   <p:notesSz cx="6858000" cy="9144000"/>
@@ -264,7 +265,7 @@
           <a:p>
             <a:fld id="{F0BE7671-7E54-437F-9FD7-4EB903191A88}" type="datetimeFigureOut">
               <a:rPr lang="zh-CN" altLang="en-US" smtClean="0"/>
-              <a:t>2019/7/25</a:t>
+              <a:t>2019/7/27</a:t>
             </a:fld>
             <a:endParaRPr lang="zh-CN" altLang="en-US"/>
           </a:p>
@@ -462,7 +463,7 @@
           <a:p>
             <a:fld id="{F0BE7671-7E54-437F-9FD7-4EB903191A88}" type="datetimeFigureOut">
               <a:rPr lang="zh-CN" altLang="en-US" smtClean="0"/>
-              <a:t>2019/7/25</a:t>
+              <a:t>2019/7/27</a:t>
             </a:fld>
             <a:endParaRPr lang="zh-CN" altLang="en-US"/>
           </a:p>
@@ -670,7 +671,7 @@
           <a:p>
             <a:fld id="{F0BE7671-7E54-437F-9FD7-4EB903191A88}" type="datetimeFigureOut">
               <a:rPr lang="zh-CN" altLang="en-US" smtClean="0"/>
-              <a:t>2019/7/25</a:t>
+              <a:t>2019/7/27</a:t>
             </a:fld>
             <a:endParaRPr lang="zh-CN" altLang="en-US"/>
           </a:p>
@@ -868,7 +869,7 @@
           <a:p>
             <a:fld id="{F0BE7671-7E54-437F-9FD7-4EB903191A88}" type="datetimeFigureOut">
               <a:rPr lang="zh-CN" altLang="en-US" smtClean="0"/>
-              <a:t>2019/7/25</a:t>
+              <a:t>2019/7/27</a:t>
             </a:fld>
             <a:endParaRPr lang="zh-CN" altLang="en-US"/>
           </a:p>
@@ -1143,7 +1144,7 @@
           <a:p>
             <a:fld id="{F0BE7671-7E54-437F-9FD7-4EB903191A88}" type="datetimeFigureOut">
               <a:rPr lang="zh-CN" altLang="en-US" smtClean="0"/>
-              <a:t>2019/7/25</a:t>
+              <a:t>2019/7/27</a:t>
             </a:fld>
             <a:endParaRPr lang="zh-CN" altLang="en-US"/>
           </a:p>
@@ -1408,7 +1409,7 @@
           <a:p>
             <a:fld id="{F0BE7671-7E54-437F-9FD7-4EB903191A88}" type="datetimeFigureOut">
               <a:rPr lang="zh-CN" altLang="en-US" smtClean="0"/>
-              <a:t>2019/7/25</a:t>
+              <a:t>2019/7/27</a:t>
             </a:fld>
             <a:endParaRPr lang="zh-CN" altLang="en-US"/>
           </a:p>
@@ -1820,7 +1821,7 @@
           <a:p>
             <a:fld id="{F0BE7671-7E54-437F-9FD7-4EB903191A88}" type="datetimeFigureOut">
               <a:rPr lang="zh-CN" altLang="en-US" smtClean="0"/>
-              <a:t>2019/7/25</a:t>
+              <a:t>2019/7/27</a:t>
             </a:fld>
             <a:endParaRPr lang="zh-CN" altLang="en-US"/>
           </a:p>
@@ -1961,7 +1962,7 @@
           <a:p>
             <a:fld id="{F0BE7671-7E54-437F-9FD7-4EB903191A88}" type="datetimeFigureOut">
               <a:rPr lang="zh-CN" altLang="en-US" smtClean="0"/>
-              <a:t>2019/7/25</a:t>
+              <a:t>2019/7/27</a:t>
             </a:fld>
             <a:endParaRPr lang="zh-CN" altLang="en-US"/>
           </a:p>
@@ -2074,7 +2075,7 @@
           <a:p>
             <a:fld id="{F0BE7671-7E54-437F-9FD7-4EB903191A88}" type="datetimeFigureOut">
               <a:rPr lang="zh-CN" altLang="en-US" smtClean="0"/>
-              <a:t>2019/7/25</a:t>
+              <a:t>2019/7/27</a:t>
             </a:fld>
             <a:endParaRPr lang="zh-CN" altLang="en-US"/>
           </a:p>
@@ -2385,7 +2386,7 @@
           <a:p>
             <a:fld id="{F0BE7671-7E54-437F-9FD7-4EB903191A88}" type="datetimeFigureOut">
               <a:rPr lang="zh-CN" altLang="en-US" smtClean="0"/>
-              <a:t>2019/7/25</a:t>
+              <a:t>2019/7/27</a:t>
             </a:fld>
             <a:endParaRPr lang="zh-CN" altLang="en-US"/>
           </a:p>
@@ -2673,7 +2674,7 @@
           <a:p>
             <a:fld id="{F0BE7671-7E54-437F-9FD7-4EB903191A88}" type="datetimeFigureOut">
               <a:rPr lang="zh-CN" altLang="en-US" smtClean="0"/>
-              <a:t>2019/7/25</a:t>
+              <a:t>2019/7/27</a:t>
             </a:fld>
             <a:endParaRPr lang="zh-CN" altLang="en-US"/>
           </a:p>
@@ -2914,7 +2915,7 @@
           <a:p>
             <a:fld id="{F0BE7671-7E54-437F-9FD7-4EB903191A88}" type="datetimeFigureOut">
               <a:rPr lang="zh-CN" altLang="en-US" smtClean="0"/>
-              <a:t>2019/7/25</a:t>
+              <a:t>2019/7/27</a:t>
             </a:fld>
             <a:endParaRPr lang="zh-CN" altLang="en-US"/>
           </a:p>
@@ -3398,7 +3399,7 @@
               <a:rPr lang="en-US" altLang="zh-CN" dirty="0">
                 <a:hlinkClick r:id="rId2"/>
               </a:rPr>
-              <a:t>https://app.mindmup.com/map/_free/2019/07/0ed1d6c0a20511e983baef8c2c492558</a:t>
+              <a:t>https://app.mindmup.com/map/_free/2019/07/6fb37590b01311e9965265413d5f1884</a:t>
             </a:r>
             <a:endParaRPr lang="zh-CN" altLang="en-US" dirty="0"/>
           </a:p>
@@ -3406,19 +3407,17 @@
       </p:sp>
       <p:pic>
         <p:nvPicPr>
-          <p:cNvPr id="11" name="内容占位符 10">
-            <a:extLst>
-              <a:ext uri="{FF2B5EF4-FFF2-40B4-BE49-F238E27FC236}">
-                <a16:creationId xmlns:a16="http://schemas.microsoft.com/office/drawing/2014/main" id="{42F96537-4BE2-40EE-925D-4F9C639BBDA9}"/>
+          <p:cNvPr id="5" name="图片 4">
+            <a:extLst>
+              <a:ext uri="{FF2B5EF4-FFF2-40B4-BE49-F238E27FC236}">
+                <a16:creationId xmlns:a16="http://schemas.microsoft.com/office/drawing/2014/main" id="{70CBF513-6539-469B-8175-D461D9CD97FE}"/>
               </a:ext>
             </a:extLst>
           </p:cNvPr>
           <p:cNvPicPr>
-            <a:picLocks noGrp="1" noChangeAspect="1"/>
+            <a:picLocks noChangeAspect="1"/>
           </p:cNvPicPr>
-          <p:nvPr>
-            <p:ph idx="1"/>
-          </p:nvPr>
+          <p:nvPr/>
         </p:nvPicPr>
         <p:blipFill>
           <a:blip r:embed="rId3"/>
@@ -3428,8 +3427,8 @@
         </p:blipFill>
         <p:spPr>
           <a:xfrm>
-            <a:off x="831128" y="662782"/>
-            <a:ext cx="10754232" cy="5856199"/>
+            <a:off x="1277853" y="595982"/>
+            <a:ext cx="9268818" cy="5871618"/>
           </a:xfrm>
           <a:prstGeom prst="rect">
             <a:avLst/>
@@ -3471,7 +3470,7 @@
           <p:cNvPr id="2" name="标题 1">
             <a:extLst>
               <a:ext uri="{FF2B5EF4-FFF2-40B4-BE49-F238E27FC236}">
-                <a16:creationId xmlns:a16="http://schemas.microsoft.com/office/drawing/2014/main" id="{4DBEFF03-2B27-4B5F-99CC-9195A6F11D10}"/>
+                <a16:creationId xmlns:a16="http://schemas.microsoft.com/office/drawing/2014/main" id="{67011589-BCAD-4658-99BD-61D2FCDB746C}"/>
               </a:ext>
             </a:extLst>
           </p:cNvPr>
@@ -3484,8 +3483,8 @@
         </p:nvSpPr>
         <p:spPr>
           <a:xfrm>
-            <a:off x="79898" y="18255"/>
-            <a:ext cx="11273902" cy="778525"/>
+            <a:off x="838200" y="107673"/>
+            <a:ext cx="10515600" cy="1325563"/>
           </a:xfrm>
         </p:spPr>
         <p:txBody>
@@ -3494,7 +3493,7 @@
           <a:p>
             <a:r>
               <a:rPr lang="en-US" altLang="zh-CN" dirty="0"/>
-              <a:t>Linux architecture-outline</a:t>
+              <a:t>EDC controller flow diagram</a:t>
             </a:r>
             <a:endParaRPr lang="zh-CN" altLang="en-US" dirty="0"/>
           </a:p>
@@ -3502,10 +3501,10 @@
       </p:sp>
       <p:sp>
         <p:nvSpPr>
-          <p:cNvPr id="4" name="立方体 3">
-            <a:extLst>
-              <a:ext uri="{FF2B5EF4-FFF2-40B4-BE49-F238E27FC236}">
-                <a16:creationId xmlns:a16="http://schemas.microsoft.com/office/drawing/2014/main" id="{22D34478-9AD0-472A-85FA-7CC839B29B65}"/>
+          <p:cNvPr id="4" name="流程图: 过程 3">
+            <a:extLst>
+              <a:ext uri="{FF2B5EF4-FFF2-40B4-BE49-F238E27FC236}">
+                <a16:creationId xmlns:a16="http://schemas.microsoft.com/office/drawing/2014/main" id="{C7A28E8A-234F-471D-875A-AE0DE6BA6EBC}"/>
               </a:ext>
             </a:extLst>
           </p:cNvPr>
@@ -3514,10 +3513,10 @@
         </p:nvSpPr>
         <p:spPr>
           <a:xfrm>
-            <a:off x="6329776" y="3951175"/>
-            <a:ext cx="1127464" cy="497150"/>
-          </a:xfrm>
-          <a:prstGeom prst="cube">
+            <a:off x="5069150" y="1307865"/>
+            <a:ext cx="887767" cy="390617"/>
+          </a:xfrm>
+          <a:prstGeom prst="flowChartProcess">
             <a:avLst/>
           </a:prstGeom>
         </p:spPr>
@@ -3543,19 +3542,19 @@
           <a:p>
             <a:pPr algn="ctr"/>
             <a:r>
-              <a:rPr lang="en-US" altLang="zh-CN" sz="1200" dirty="0"/>
-              <a:t>Bootloader</a:t>
-            </a:r>
-            <a:endParaRPr lang="zh-CN" altLang="en-US" sz="1200" dirty="0"/>
-          </a:p>
-        </p:txBody>
-      </p:sp>
-      <p:sp>
-        <p:nvSpPr>
-          <p:cNvPr id="5" name="立方体 4">
-            <a:extLst>
-              <a:ext uri="{FF2B5EF4-FFF2-40B4-BE49-F238E27FC236}">
-                <a16:creationId xmlns:a16="http://schemas.microsoft.com/office/drawing/2014/main" id="{ADA16702-8B29-4AD5-B356-80ED1E1EC458}"/>
+              <a:rPr lang="en-US" altLang="zh-CN" dirty="0"/>
+              <a:t>start</a:t>
+            </a:r>
+            <a:endParaRPr lang="zh-CN" altLang="en-US" dirty="0"/>
+          </a:p>
+        </p:txBody>
+      </p:sp>
+      <p:sp>
+        <p:nvSpPr>
+          <p:cNvPr id="5" name="流程图: 过程 4">
+            <a:extLst>
+              <a:ext uri="{FF2B5EF4-FFF2-40B4-BE49-F238E27FC236}">
+                <a16:creationId xmlns:a16="http://schemas.microsoft.com/office/drawing/2014/main" id="{264A346E-5652-42EF-916D-AC832A878E5E}"/>
               </a:ext>
             </a:extLst>
           </p:cNvPr>
@@ -3564,10 +3563,10 @@
         </p:nvSpPr>
         <p:spPr>
           <a:xfrm>
-            <a:off x="6187734" y="5107875"/>
-            <a:ext cx="1127464" cy="497150"/>
-          </a:xfrm>
-          <a:prstGeom prst="cube">
+            <a:off x="4722920" y="1999009"/>
+            <a:ext cx="1731145" cy="577049"/>
+          </a:xfrm>
+          <a:prstGeom prst="flowChartProcess">
             <a:avLst/>
           </a:prstGeom>
         </p:spPr>
@@ -3593,19 +3592,23 @@
           <a:p>
             <a:pPr algn="ctr"/>
             <a:r>
-              <a:rPr lang="en-US" altLang="zh-CN" sz="1200" dirty="0"/>
-              <a:t>ASIC/SOC</a:t>
-            </a:r>
-            <a:endParaRPr lang="zh-CN" altLang="en-US" sz="1200" dirty="0"/>
-          </a:p>
-        </p:txBody>
-      </p:sp>
-      <p:sp>
-        <p:nvSpPr>
-          <p:cNvPr id="6" name="缺角矩形 5">
-            <a:extLst>
-              <a:ext uri="{FF2B5EF4-FFF2-40B4-BE49-F238E27FC236}">
-                <a16:creationId xmlns:a16="http://schemas.microsoft.com/office/drawing/2014/main" id="{1222E876-8F49-4FE4-A2E3-30A9673D5F1E}"/>
+              <a:rPr lang="en-US" altLang="zh-CN" dirty="0"/>
+              <a:t>Reset EDC Freq limit to </a:t>
+            </a:r>
+            <a:r>
+              <a:rPr lang="en-US" altLang="zh-CN" dirty="0" err="1"/>
+              <a:t>Fmax</a:t>
+            </a:r>
+            <a:endParaRPr lang="zh-CN" altLang="en-US" dirty="0"/>
+          </a:p>
+        </p:txBody>
+      </p:sp>
+      <p:sp>
+        <p:nvSpPr>
+          <p:cNvPr id="6" name="流程图: 过程 5">
+            <a:extLst>
+              <a:ext uri="{FF2B5EF4-FFF2-40B4-BE49-F238E27FC236}">
+                <a16:creationId xmlns:a16="http://schemas.microsoft.com/office/drawing/2014/main" id="{DD0A9E60-9D7E-4293-A6A3-36B7C7210BF4}"/>
               </a:ext>
             </a:extLst>
           </p:cNvPr>
@@ -3614,24 +3617,12 @@
         </p:nvSpPr>
         <p:spPr>
           <a:xfrm>
-            <a:off x="7608161" y="4614402"/>
-            <a:ext cx="870012" cy="493473"/>
-          </a:xfrm>
-          <a:prstGeom prst="plaque">
+            <a:off x="4717002" y="2876585"/>
+            <a:ext cx="1731145" cy="577049"/>
+          </a:xfrm>
+          <a:prstGeom prst="flowChartProcess">
             <a:avLst/>
           </a:prstGeom>
-          <a:solidFill>
-            <a:schemeClr val="accent6">
-              <a:lumMod val="20000"/>
-              <a:lumOff val="80000"/>
-            </a:schemeClr>
-          </a:solidFill>
-          <a:ln>
-            <a:solidFill>
-              <a:srgbClr val="7030A0"/>
-            </a:solidFill>
-            <a:prstDash val="dash"/>
-          </a:ln>
         </p:spPr>
         <p:style>
           <a:lnRef idx="2">
@@ -3655,27 +3646,19 @@
           <a:p>
             <a:pPr algn="ctr"/>
             <a:r>
-              <a:rPr lang="en-US" altLang="zh-CN" sz="1000" dirty="0">
-                <a:solidFill>
-                  <a:schemeClr val="tx1"/>
-                </a:solidFill>
-              </a:rPr>
-              <a:t>Firmware (optional)</a:t>
-            </a:r>
-            <a:endParaRPr lang="zh-CN" altLang="en-US" sz="1000" dirty="0">
-              <a:solidFill>
-                <a:schemeClr val="tx1"/>
-              </a:solidFill>
-            </a:endParaRPr>
-          </a:p>
-        </p:txBody>
-      </p:sp>
-      <p:sp>
-        <p:nvSpPr>
-          <p:cNvPr id="7" name="箭头: 直角双向 6">
-            <a:extLst>
-              <a:ext uri="{FF2B5EF4-FFF2-40B4-BE49-F238E27FC236}">
-                <a16:creationId xmlns:a16="http://schemas.microsoft.com/office/drawing/2014/main" id="{0A2D04D3-E868-421A-B8A8-7C2190EF8039}"/>
+              <a:rPr lang="en-US" altLang="zh-CN" dirty="0"/>
+              <a:t>Run CLK Freq arbiter</a:t>
+            </a:r>
+            <a:endParaRPr lang="zh-CN" altLang="en-US" dirty="0"/>
+          </a:p>
+        </p:txBody>
+      </p:sp>
+      <p:sp>
+        <p:nvSpPr>
+          <p:cNvPr id="7" name="流程图: 过程 6">
+            <a:extLst>
+              <a:ext uri="{FF2B5EF4-FFF2-40B4-BE49-F238E27FC236}">
+                <a16:creationId xmlns:a16="http://schemas.microsoft.com/office/drawing/2014/main" id="{F412BD17-B5E0-4538-8E36-247792F6B588}"/>
               </a:ext>
             </a:extLst>
           </p:cNvPr>
@@ -3684,10 +3667,10 @@
         </p:nvSpPr>
         <p:spPr>
           <a:xfrm>
-            <a:off x="7377342" y="5107875"/>
-            <a:ext cx="577049" cy="278884"/>
-          </a:xfrm>
-          <a:prstGeom prst="leftUpArrow">
+            <a:off x="4717001" y="3808629"/>
+            <a:ext cx="1731145" cy="577049"/>
+          </a:xfrm>
+          <a:prstGeom prst="flowChartProcess">
             <a:avLst/>
           </a:prstGeom>
         </p:spPr>
@@ -3712,16 +3695,24 @@
           <a:lstStyle/>
           <a:p>
             <a:pPr algn="ctr"/>
-            <a:endParaRPr lang="zh-CN" altLang="en-US"/>
-          </a:p>
-        </p:txBody>
-      </p:sp>
-      <p:sp>
-        <p:nvSpPr>
-          <p:cNvPr id="8" name="箭头: 直角双向 7">
-            <a:extLst>
-              <a:ext uri="{FF2B5EF4-FFF2-40B4-BE49-F238E27FC236}">
-                <a16:creationId xmlns:a16="http://schemas.microsoft.com/office/drawing/2014/main" id="{7C259396-DFB8-4999-986D-99B74DEA7D4A}"/>
+            <a:r>
+              <a:rPr lang="en-US" altLang="zh-CN" dirty="0"/>
+              <a:t>Calculate </a:t>
+            </a:r>
+            <a:r>
+              <a:rPr lang="en-US" altLang="zh-CN" dirty="0" err="1"/>
+              <a:t>IddMax</a:t>
+            </a:r>
+            <a:endParaRPr lang="zh-CN" altLang="en-US" dirty="0"/>
+          </a:p>
+        </p:txBody>
+      </p:sp>
+      <p:sp>
+        <p:nvSpPr>
+          <p:cNvPr id="8" name="流程图: 决策 7">
+            <a:extLst>
+              <a:ext uri="{FF2B5EF4-FFF2-40B4-BE49-F238E27FC236}">
+                <a16:creationId xmlns:a16="http://schemas.microsoft.com/office/drawing/2014/main" id="{3158712A-D61B-4533-809B-3CC98DAEE705}"/>
               </a:ext>
             </a:extLst>
           </p:cNvPr>
@@ -3729,11 +3720,11 @@
           <p:nvPr/>
         </p:nvSpPr>
         <p:spPr>
-          <a:xfrm rot="16200000">
-            <a:off x="7526425" y="4156664"/>
-            <a:ext cx="577049" cy="278884"/>
-          </a:xfrm>
-          <a:prstGeom prst="leftUpArrow">
+          <a:xfrm>
+            <a:off x="4693329" y="4668717"/>
+            <a:ext cx="1778490" cy="783723"/>
+          </a:xfrm>
+          <a:prstGeom prst="flowChartDecision">
             <a:avLst/>
           </a:prstGeom>
         </p:spPr>
@@ -3758,16 +3749,24 @@
           <a:lstStyle/>
           <a:p>
             <a:pPr algn="ctr"/>
-            <a:endParaRPr lang="zh-CN" altLang="en-US"/>
-          </a:p>
-        </p:txBody>
-      </p:sp>
-      <p:sp>
-        <p:nvSpPr>
-          <p:cNvPr id="9" name="箭头: 上 8">
-            <a:extLst>
-              <a:ext uri="{FF2B5EF4-FFF2-40B4-BE49-F238E27FC236}">
-                <a16:creationId xmlns:a16="http://schemas.microsoft.com/office/drawing/2014/main" id="{096BF2E9-4B31-46C9-94E9-AD18CE6F61D7}"/>
+            <a:r>
+              <a:rPr lang="en-US" altLang="zh-CN" sz="1200" dirty="0" err="1"/>
+              <a:t>IddMax</a:t>
+            </a:r>
+            <a:r>
+              <a:rPr lang="en-US" altLang="zh-CN" sz="1200" dirty="0"/>
+              <a:t>&gt;EDC limit</a:t>
+            </a:r>
+            <a:endParaRPr lang="zh-CN" altLang="en-US" sz="1200" dirty="0"/>
+          </a:p>
+        </p:txBody>
+      </p:sp>
+      <p:sp>
+        <p:nvSpPr>
+          <p:cNvPr id="9" name="流程图: 过程 8">
+            <a:extLst>
+              <a:ext uri="{FF2B5EF4-FFF2-40B4-BE49-F238E27FC236}">
+                <a16:creationId xmlns:a16="http://schemas.microsoft.com/office/drawing/2014/main" id="{9C496BBF-6828-41B3-A440-D38E3D2F6B4E}"/>
               </a:ext>
             </a:extLst>
           </p:cNvPr>
@@ -3776,10 +3775,10 @@
         </p:nvSpPr>
         <p:spPr>
           <a:xfrm>
-            <a:off x="6773661" y="3575714"/>
-            <a:ext cx="119847" cy="375461"/>
-          </a:xfrm>
-          <a:prstGeom prst="upArrow">
+            <a:off x="4717000" y="5618249"/>
+            <a:ext cx="1731145" cy="577049"/>
+          </a:xfrm>
+          <a:prstGeom prst="flowChartProcess">
             <a:avLst/>
           </a:prstGeom>
         </p:spPr>
@@ -3804,52 +3803,20 @@
           <a:lstStyle/>
           <a:p>
             <a:pPr algn="ctr"/>
-            <a:endParaRPr lang="zh-CN" altLang="en-US"/>
-          </a:p>
-        </p:txBody>
-      </p:sp>
-      <p:sp>
-        <p:nvSpPr>
-          <p:cNvPr id="11" name="文本框 10">
-            <a:extLst>
-              <a:ext uri="{FF2B5EF4-FFF2-40B4-BE49-F238E27FC236}">
-                <a16:creationId xmlns:a16="http://schemas.microsoft.com/office/drawing/2014/main" id="{F27CFE37-1626-44E5-825A-F659491630CB}"/>
-              </a:ext>
-            </a:extLst>
-          </p:cNvPr>
-          <p:cNvSpPr txBox="1"/>
-          <p:nvPr/>
-        </p:nvSpPr>
-        <p:spPr>
-          <a:xfrm>
-            <a:off x="6893508" y="3521294"/>
-            <a:ext cx="798990" cy="400110"/>
-          </a:xfrm>
-          <a:prstGeom prst="rect">
-            <a:avLst/>
-          </a:prstGeom>
-          <a:noFill/>
-        </p:spPr>
-        <p:txBody>
-          <a:bodyPr wrap="square" rtlCol="0">
-            <a:spAutoFit/>
-          </a:bodyPr>
-          <a:lstStyle/>
-          <a:p>
-            <a:r>
-              <a:rPr lang="en-US" altLang="zh-CN" sz="1000" dirty="0"/>
-              <a:t>Boot parameters</a:t>
-            </a:r>
-            <a:endParaRPr lang="zh-CN" altLang="en-US" sz="1000" dirty="0"/>
-          </a:p>
-        </p:txBody>
-      </p:sp>
-      <p:sp>
-        <p:nvSpPr>
-          <p:cNvPr id="12" name="立方体 11">
-            <a:extLst>
-              <a:ext uri="{FF2B5EF4-FFF2-40B4-BE49-F238E27FC236}">
-                <a16:creationId xmlns:a16="http://schemas.microsoft.com/office/drawing/2014/main" id="{E1092073-3B9B-4ABA-8033-C861B2A64F39}"/>
+            <a:r>
+              <a:rPr lang="en-US" altLang="zh-CN" dirty="0"/>
+              <a:t>Change CLK F/V</a:t>
+            </a:r>
+            <a:endParaRPr lang="zh-CN" altLang="en-US" dirty="0"/>
+          </a:p>
+        </p:txBody>
+      </p:sp>
+      <p:sp>
+        <p:nvSpPr>
+          <p:cNvPr id="10" name="流程图: 过程 9">
+            <a:extLst>
+              <a:ext uri="{FF2B5EF4-FFF2-40B4-BE49-F238E27FC236}">
+                <a16:creationId xmlns:a16="http://schemas.microsoft.com/office/drawing/2014/main" id="{90F3720C-E5E2-47AF-895C-57C744F92866}"/>
               </a:ext>
             </a:extLst>
           </p:cNvPr>
@@ -3858,10 +3825,10 @@
         </p:nvSpPr>
         <p:spPr>
           <a:xfrm>
-            <a:off x="6217696" y="3062084"/>
-            <a:ext cx="1209582" cy="497150"/>
-          </a:xfrm>
-          <a:prstGeom prst="cube">
+            <a:off x="4746596" y="6389892"/>
+            <a:ext cx="1731145" cy="386572"/>
+          </a:xfrm>
+          <a:prstGeom prst="flowChartProcess">
             <a:avLst/>
           </a:prstGeom>
         </p:spPr>
@@ -3887,19 +3854,19 @@
           <a:p>
             <a:pPr algn="ctr"/>
             <a:r>
-              <a:rPr lang="en-US" altLang="zh-CN" sz="1200" dirty="0"/>
-              <a:t>kernel</a:t>
-            </a:r>
-            <a:endParaRPr lang="zh-CN" altLang="en-US" sz="1200" dirty="0"/>
-          </a:p>
-        </p:txBody>
-      </p:sp>
-      <p:sp>
-        <p:nvSpPr>
-          <p:cNvPr id="13" name="立方体 12">
-            <a:extLst>
-              <a:ext uri="{FF2B5EF4-FFF2-40B4-BE49-F238E27FC236}">
-                <a16:creationId xmlns:a16="http://schemas.microsoft.com/office/drawing/2014/main" id="{D2DA8301-4910-4D9D-830B-8DEB4A38EAC3}"/>
+              <a:rPr lang="en-US" altLang="zh-CN" dirty="0"/>
+              <a:t>END</a:t>
+            </a:r>
+            <a:endParaRPr lang="zh-CN" altLang="en-US" dirty="0"/>
+          </a:p>
+        </p:txBody>
+      </p:sp>
+      <p:sp>
+        <p:nvSpPr>
+          <p:cNvPr id="11" name="流程图: 过程 10">
+            <a:extLst>
+              <a:ext uri="{FF2B5EF4-FFF2-40B4-BE49-F238E27FC236}">
+                <a16:creationId xmlns:a16="http://schemas.microsoft.com/office/drawing/2014/main" id="{982C3AE0-FCDA-42CD-A7A8-EBCF65D68890}"/>
               </a:ext>
             </a:extLst>
           </p:cNvPr>
@@ -3908,10 +3875,10 @@
         </p:nvSpPr>
         <p:spPr>
           <a:xfrm>
-            <a:off x="6249878" y="2218705"/>
-            <a:ext cx="1127464" cy="497150"/>
-          </a:xfrm>
-          <a:prstGeom prst="cube">
+            <a:off x="8543277" y="3520104"/>
+            <a:ext cx="1731145" cy="577049"/>
+          </a:xfrm>
+          <a:prstGeom prst="flowChartProcess">
             <a:avLst/>
           </a:prstGeom>
         </p:spPr>
@@ -3937,336 +3904,31 @@
           <a:p>
             <a:pPr algn="ctr"/>
             <a:r>
-              <a:rPr lang="en-US" altLang="zh-CN" sz="1200" dirty="0" err="1"/>
-              <a:t>FileSystem</a:t>
-            </a:r>
-            <a:endParaRPr lang="zh-CN" altLang="en-US" sz="1200" dirty="0"/>
-          </a:p>
-        </p:txBody>
-      </p:sp>
-      <p:sp>
-        <p:nvSpPr>
-          <p:cNvPr id="14" name="箭头: 上下 13">
-            <a:extLst>
-              <a:ext uri="{FF2B5EF4-FFF2-40B4-BE49-F238E27FC236}">
-                <a16:creationId xmlns:a16="http://schemas.microsoft.com/office/drawing/2014/main" id="{BF5D8777-7EC9-4EF5-8067-40A0828C9D34}"/>
-              </a:ext>
-            </a:extLst>
-          </p:cNvPr>
-          <p:cNvSpPr/>
-          <p:nvPr/>
-        </p:nvSpPr>
-        <p:spPr>
-          <a:xfrm>
-            <a:off x="6813610" y="2715855"/>
-            <a:ext cx="79898" cy="308289"/>
-          </a:xfrm>
-          <a:prstGeom prst="upDownArrow">
-            <a:avLst/>
-          </a:prstGeom>
-        </p:spPr>
-        <p:style>
-          <a:lnRef idx="2">
-            <a:schemeClr val="accent1">
-              <a:shade val="50000"/>
-            </a:schemeClr>
-          </a:lnRef>
-          <a:fillRef idx="1">
-            <a:schemeClr val="accent1"/>
-          </a:fillRef>
-          <a:effectRef idx="0">
-            <a:schemeClr val="accent1"/>
-          </a:effectRef>
-          <a:fontRef idx="minor">
-            <a:schemeClr val="lt1"/>
-          </a:fontRef>
-        </p:style>
-        <p:txBody>
-          <a:bodyPr rtlCol="0" anchor="ctr"/>
-          <a:lstStyle/>
-          <a:p>
-            <a:pPr algn="ctr"/>
-            <a:endParaRPr lang="zh-CN" altLang="en-US"/>
-          </a:p>
-        </p:txBody>
-      </p:sp>
-      <p:sp>
-        <p:nvSpPr>
-          <p:cNvPr id="15" name="立方体 14">
-            <a:extLst>
-              <a:ext uri="{FF2B5EF4-FFF2-40B4-BE49-F238E27FC236}">
-                <a16:creationId xmlns:a16="http://schemas.microsoft.com/office/drawing/2014/main" id="{E78C9CD9-CDD3-4ABD-9107-ECA51AE9BB18}"/>
-              </a:ext>
-            </a:extLst>
-          </p:cNvPr>
-          <p:cNvSpPr/>
-          <p:nvPr/>
-        </p:nvSpPr>
-        <p:spPr>
-          <a:xfrm>
-            <a:off x="6289827" y="1438328"/>
-            <a:ext cx="1127464" cy="497150"/>
-          </a:xfrm>
-          <a:prstGeom prst="cube">
-            <a:avLst/>
-          </a:prstGeom>
-        </p:spPr>
-        <p:style>
-          <a:lnRef idx="2">
-            <a:schemeClr val="accent1">
-              <a:shade val="50000"/>
-            </a:schemeClr>
-          </a:lnRef>
-          <a:fillRef idx="1">
-            <a:schemeClr val="accent1"/>
-          </a:fillRef>
-          <a:effectRef idx="0">
-            <a:schemeClr val="accent1"/>
-          </a:effectRef>
-          <a:fontRef idx="minor">
-            <a:schemeClr val="lt1"/>
-          </a:fontRef>
-        </p:style>
-        <p:txBody>
-          <a:bodyPr rtlCol="0" anchor="ctr"/>
-          <a:lstStyle/>
-          <a:p>
-            <a:pPr algn="ctr"/>
-            <a:r>
-              <a:rPr lang="en-US" altLang="zh-CN" sz="1200" dirty="0"/>
-              <a:t>Applications</a:t>
-            </a:r>
-            <a:endParaRPr lang="zh-CN" altLang="en-US" sz="1200" dirty="0"/>
-          </a:p>
-        </p:txBody>
-      </p:sp>
-      <p:sp>
-        <p:nvSpPr>
-          <p:cNvPr id="16" name="箭头: 上下 15">
-            <a:extLst>
-              <a:ext uri="{FF2B5EF4-FFF2-40B4-BE49-F238E27FC236}">
-                <a16:creationId xmlns:a16="http://schemas.microsoft.com/office/drawing/2014/main" id="{CCE7C80B-1631-43AD-9E58-CBCCD79B03A9}"/>
-              </a:ext>
-            </a:extLst>
-          </p:cNvPr>
-          <p:cNvSpPr/>
-          <p:nvPr/>
-        </p:nvSpPr>
-        <p:spPr>
-          <a:xfrm>
-            <a:off x="6782538" y="1951992"/>
-            <a:ext cx="79898" cy="308289"/>
-          </a:xfrm>
-          <a:prstGeom prst="upDownArrow">
-            <a:avLst/>
-          </a:prstGeom>
-        </p:spPr>
-        <p:style>
-          <a:lnRef idx="2">
-            <a:schemeClr val="accent1">
-              <a:shade val="50000"/>
-            </a:schemeClr>
-          </a:lnRef>
-          <a:fillRef idx="1">
-            <a:schemeClr val="accent1"/>
-          </a:fillRef>
-          <a:effectRef idx="0">
-            <a:schemeClr val="accent1"/>
-          </a:effectRef>
-          <a:fontRef idx="minor">
-            <a:schemeClr val="lt1"/>
-          </a:fontRef>
-        </p:style>
-        <p:txBody>
-          <a:bodyPr rtlCol="0" anchor="ctr"/>
-          <a:lstStyle/>
-          <a:p>
-            <a:pPr algn="ctr"/>
-            <a:endParaRPr lang="zh-CN" altLang="en-US"/>
-          </a:p>
-        </p:txBody>
-      </p:sp>
-      <p:sp>
-        <p:nvSpPr>
-          <p:cNvPr id="17" name="立方体 16">
-            <a:extLst>
-              <a:ext uri="{FF2B5EF4-FFF2-40B4-BE49-F238E27FC236}">
-                <a16:creationId xmlns:a16="http://schemas.microsoft.com/office/drawing/2014/main" id="{6F6A4280-5667-40DC-BFC6-5A16F0C13F12}"/>
-              </a:ext>
-            </a:extLst>
-          </p:cNvPr>
-          <p:cNvSpPr/>
-          <p:nvPr/>
-        </p:nvSpPr>
-        <p:spPr>
-          <a:xfrm>
-            <a:off x="7382162" y="3073675"/>
-            <a:ext cx="1388612" cy="497150"/>
-          </a:xfrm>
-          <a:prstGeom prst="cube">
-            <a:avLst/>
-          </a:prstGeom>
-        </p:spPr>
-        <p:style>
-          <a:lnRef idx="2">
-            <a:schemeClr val="accent1">
-              <a:shade val="50000"/>
-            </a:schemeClr>
-          </a:lnRef>
-          <a:fillRef idx="1">
-            <a:schemeClr val="accent1"/>
-          </a:fillRef>
-          <a:effectRef idx="0">
-            <a:schemeClr val="accent1"/>
-          </a:effectRef>
-          <a:fontRef idx="minor">
-            <a:schemeClr val="lt1"/>
-          </a:fontRef>
-        </p:style>
-        <p:txBody>
-          <a:bodyPr rtlCol="0" anchor="ctr"/>
-          <a:lstStyle/>
-          <a:p>
-            <a:pPr algn="ctr"/>
-            <a:r>
-              <a:rPr lang="en-US" altLang="zh-CN" sz="1200" dirty="0"/>
-              <a:t>Driver(open/read/write/</a:t>
-            </a:r>
-            <a:r>
-              <a:rPr lang="en-US" altLang="zh-CN" sz="1200" dirty="0" err="1"/>
-              <a:t>ioctl</a:t>
-            </a:r>
-            <a:r>
-              <a:rPr lang="en-US" altLang="zh-CN" sz="1200" dirty="0"/>
-              <a:t>…) </a:t>
-            </a:r>
-            <a:endParaRPr lang="zh-CN" altLang="en-US" sz="1200" dirty="0"/>
-          </a:p>
-        </p:txBody>
-      </p:sp>
-      <p:sp>
-        <p:nvSpPr>
-          <p:cNvPr id="19" name="立方体 18">
-            <a:extLst>
-              <a:ext uri="{FF2B5EF4-FFF2-40B4-BE49-F238E27FC236}">
-                <a16:creationId xmlns:a16="http://schemas.microsoft.com/office/drawing/2014/main" id="{6DC5E313-26F0-4557-9B29-9CC568E11C1B}"/>
-              </a:ext>
-            </a:extLst>
-          </p:cNvPr>
-          <p:cNvSpPr/>
-          <p:nvPr/>
-        </p:nvSpPr>
-        <p:spPr>
-          <a:xfrm>
-            <a:off x="7728008" y="2183552"/>
-            <a:ext cx="1240273" cy="497150"/>
-          </a:xfrm>
-          <a:prstGeom prst="cube">
-            <a:avLst/>
-          </a:prstGeom>
-        </p:spPr>
-        <p:style>
-          <a:lnRef idx="2">
-            <a:schemeClr val="accent1">
-              <a:shade val="50000"/>
-            </a:schemeClr>
-          </a:lnRef>
-          <a:fillRef idx="1">
-            <a:schemeClr val="accent1"/>
-          </a:fillRef>
-          <a:effectRef idx="0">
-            <a:schemeClr val="accent1"/>
-          </a:effectRef>
-          <a:fontRef idx="minor">
-            <a:schemeClr val="lt1"/>
-          </a:fontRef>
-        </p:style>
-        <p:txBody>
-          <a:bodyPr rtlCol="0" anchor="ctr"/>
-          <a:lstStyle/>
-          <a:p>
-            <a:pPr algn="ctr"/>
-            <a:r>
-              <a:rPr lang="en-US" altLang="zh-CN" sz="1200" dirty="0"/>
-              <a:t>Library(</a:t>
-            </a:r>
-            <a:r>
-              <a:rPr lang="en-US" altLang="zh-CN" sz="1200" dirty="0" err="1"/>
-              <a:t>glibc</a:t>
-            </a:r>
-            <a:r>
-              <a:rPr lang="en-US" altLang="zh-CN" sz="1200" dirty="0"/>
-              <a:t>…)</a:t>
-            </a:r>
-            <a:endParaRPr lang="zh-CN" altLang="en-US" sz="1200" dirty="0"/>
-          </a:p>
-        </p:txBody>
-      </p:sp>
-      <p:sp>
-        <p:nvSpPr>
-          <p:cNvPr id="20" name="箭头: 左右 19">
-            <a:extLst>
-              <a:ext uri="{FF2B5EF4-FFF2-40B4-BE49-F238E27FC236}">
-                <a16:creationId xmlns:a16="http://schemas.microsoft.com/office/drawing/2014/main" id="{E3E45EC7-1AA3-475C-8F4D-76290CFE6A00}"/>
-              </a:ext>
-            </a:extLst>
-          </p:cNvPr>
-          <p:cNvSpPr/>
-          <p:nvPr/>
-        </p:nvSpPr>
-        <p:spPr>
-          <a:xfrm>
-            <a:off x="7365863" y="2457961"/>
-            <a:ext cx="362145" cy="106532"/>
-          </a:xfrm>
-          <a:prstGeom prst="leftRightArrow">
-            <a:avLst/>
-          </a:prstGeom>
-        </p:spPr>
-        <p:style>
-          <a:lnRef idx="2">
-            <a:schemeClr val="accent1">
-              <a:shade val="50000"/>
-            </a:schemeClr>
-          </a:lnRef>
-          <a:fillRef idx="1">
-            <a:schemeClr val="accent1"/>
-          </a:fillRef>
-          <a:effectRef idx="0">
-            <a:schemeClr val="accent1"/>
-          </a:effectRef>
-          <a:fontRef idx="minor">
-            <a:schemeClr val="lt1"/>
-          </a:fontRef>
-        </p:style>
-        <p:txBody>
-          <a:bodyPr rtlCol="0" anchor="ctr"/>
-          <a:lstStyle/>
-          <a:p>
-            <a:pPr algn="ctr"/>
-            <a:endParaRPr lang="zh-CN" altLang="en-US"/>
+              <a:rPr lang="en-US" altLang="zh-CN" dirty="0"/>
+              <a:t>Reduce EDC  Freq Limit</a:t>
+            </a:r>
+            <a:endParaRPr lang="zh-CN" altLang="en-US" dirty="0"/>
           </a:p>
         </p:txBody>
       </p:sp>
       <p:cxnSp>
         <p:nvCxnSpPr>
-          <p:cNvPr id="22" name="直接箭头连接符 21">
-            <a:extLst>
-              <a:ext uri="{FF2B5EF4-FFF2-40B4-BE49-F238E27FC236}">
-                <a16:creationId xmlns:a16="http://schemas.microsoft.com/office/drawing/2014/main" id="{09085910-CB1B-4F70-BF4B-506FEBDC17F8}"/>
+          <p:cNvPr id="13" name="直接箭头连接符 12">
+            <a:extLst>
+              <a:ext uri="{FF2B5EF4-FFF2-40B4-BE49-F238E27FC236}">
+                <a16:creationId xmlns:a16="http://schemas.microsoft.com/office/drawing/2014/main" id="{065636B9-E519-4A92-B802-ED2599FA5617}"/>
               </a:ext>
             </a:extLst>
           </p:cNvPr>
           <p:cNvCxnSpPr>
-            <a:cxnSpLocks/>
-            <a:stCxn id="17" idx="5"/>
+            <a:stCxn id="4" idx="2"/>
           </p:cNvCxnSpPr>
           <p:nvPr/>
         </p:nvCxnSpPr>
         <p:spPr>
-          <a:xfrm flipV="1">
-            <a:off x="8770774" y="3089099"/>
-            <a:ext cx="368427" cy="171007"/>
+          <a:xfrm flipH="1">
+            <a:off x="5513033" y="1698482"/>
+            <a:ext cx="1" cy="300527"/>
           </a:xfrm>
           <a:prstGeom prst="straightConnector1">
             <a:avLst/>
@@ -4292,23 +3954,20 @@
       </p:cxnSp>
       <p:cxnSp>
         <p:nvCxnSpPr>
-          <p:cNvPr id="23" name="直接箭头连接符 22">
-            <a:extLst>
-              <a:ext uri="{FF2B5EF4-FFF2-40B4-BE49-F238E27FC236}">
-                <a16:creationId xmlns:a16="http://schemas.microsoft.com/office/drawing/2014/main" id="{6A466E73-EDEB-4B50-B2E3-C8C207AB653D}"/>
-              </a:ext>
-            </a:extLst>
-          </p:cNvPr>
-          <p:cNvCxnSpPr>
-            <a:cxnSpLocks/>
-            <a:stCxn id="17" idx="5"/>
-          </p:cNvCxnSpPr>
+          <p:cNvPr id="14" name="直接箭头连接符 13">
+            <a:extLst>
+              <a:ext uri="{FF2B5EF4-FFF2-40B4-BE49-F238E27FC236}">
+                <a16:creationId xmlns:a16="http://schemas.microsoft.com/office/drawing/2014/main" id="{E1C5DA98-5679-49EB-9829-B0B1A6EB5027}"/>
+              </a:ext>
+            </a:extLst>
+          </p:cNvPr>
+          <p:cNvCxnSpPr/>
           <p:nvPr/>
         </p:nvCxnSpPr>
         <p:spPr>
-          <a:xfrm>
-            <a:off x="8770774" y="3260106"/>
-            <a:ext cx="368427" cy="168676"/>
+          <a:xfrm flipH="1">
+            <a:off x="5513033" y="2584802"/>
+            <a:ext cx="1" cy="300527"/>
           </a:xfrm>
           <a:prstGeom prst="straightConnector1">
             <a:avLst/>
@@ -4334,416 +3993,25 @@
       </p:cxnSp>
       <p:cxnSp>
         <p:nvCxnSpPr>
-          <p:cNvPr id="26" name="直接箭头连接符 25">
-            <a:extLst>
-              <a:ext uri="{FF2B5EF4-FFF2-40B4-BE49-F238E27FC236}">
-                <a16:creationId xmlns:a16="http://schemas.microsoft.com/office/drawing/2014/main" id="{FEA867EA-C031-4ED7-BA92-1792AE0F13CA}"/>
-              </a:ext>
-            </a:extLst>
-          </p:cNvPr>
-          <p:cNvCxnSpPr>
-            <a:cxnSpLocks/>
-            <a:stCxn id="17" idx="5"/>
-          </p:cNvCxnSpPr>
+          <p:cNvPr id="15" name="直接箭头连接符 14">
+            <a:extLst>
+              <a:ext uri="{FF2B5EF4-FFF2-40B4-BE49-F238E27FC236}">
+                <a16:creationId xmlns:a16="http://schemas.microsoft.com/office/drawing/2014/main" id="{77606C55-0E35-4EF6-A52F-268CB2BF3F98}"/>
+              </a:ext>
+            </a:extLst>
+          </p:cNvPr>
+          <p:cNvCxnSpPr/>
           <p:nvPr/>
         </p:nvCxnSpPr>
         <p:spPr>
-          <a:xfrm>
-            <a:off x="8770774" y="3260106"/>
-            <a:ext cx="294446" cy="395448"/>
+          <a:xfrm flipH="1">
+            <a:off x="5513033" y="3508102"/>
+            <a:ext cx="1" cy="300527"/>
           </a:xfrm>
           <a:prstGeom prst="straightConnector1">
             <a:avLst/>
           </a:prstGeom>
           <a:ln>
-            <a:tailEnd type="triangle"/>
-          </a:ln>
-        </p:spPr>
-        <p:style>
-          <a:lnRef idx="1">
-            <a:schemeClr val="accent1"/>
-          </a:lnRef>
-          <a:fillRef idx="0">
-            <a:schemeClr val="accent1"/>
-          </a:fillRef>
-          <a:effectRef idx="0">
-            <a:schemeClr val="accent1"/>
-          </a:effectRef>
-          <a:fontRef idx="minor">
-            <a:schemeClr val="tx1"/>
-          </a:fontRef>
-        </p:style>
-      </p:cxnSp>
-      <p:sp>
-        <p:nvSpPr>
-          <p:cNvPr id="28" name="文本框 27">
-            <a:extLst>
-              <a:ext uri="{FF2B5EF4-FFF2-40B4-BE49-F238E27FC236}">
-                <a16:creationId xmlns:a16="http://schemas.microsoft.com/office/drawing/2014/main" id="{AD1022A9-C111-4A2C-9B87-9BBE9DCF9345}"/>
-              </a:ext>
-            </a:extLst>
-          </p:cNvPr>
-          <p:cNvSpPr txBox="1"/>
-          <p:nvPr/>
-        </p:nvSpPr>
-        <p:spPr>
-          <a:xfrm>
-            <a:off x="9214854" y="3013885"/>
-            <a:ext cx="1127464" cy="246221"/>
-          </a:xfrm>
-          <a:prstGeom prst="rect">
-            <a:avLst/>
-          </a:prstGeom>
-          <a:noFill/>
-        </p:spPr>
-        <p:txBody>
-          <a:bodyPr wrap="square" rtlCol="0">
-            <a:spAutoFit/>
-          </a:bodyPr>
-          <a:lstStyle/>
-          <a:p>
-            <a:r>
-              <a:rPr lang="en-US" altLang="zh-CN" sz="1000" dirty="0"/>
-              <a:t>Character device</a:t>
-            </a:r>
-            <a:endParaRPr lang="zh-CN" altLang="en-US" sz="1000" dirty="0"/>
-          </a:p>
-        </p:txBody>
-      </p:sp>
-      <p:sp>
-        <p:nvSpPr>
-          <p:cNvPr id="29" name="文本框 28">
-            <a:extLst>
-              <a:ext uri="{FF2B5EF4-FFF2-40B4-BE49-F238E27FC236}">
-                <a16:creationId xmlns:a16="http://schemas.microsoft.com/office/drawing/2014/main" id="{A2E99E23-79D9-4216-BB56-9E656FC6E87B}"/>
-              </a:ext>
-            </a:extLst>
-          </p:cNvPr>
-          <p:cNvSpPr txBox="1"/>
-          <p:nvPr/>
-        </p:nvSpPr>
-        <p:spPr>
-          <a:xfrm>
-            <a:off x="9218367" y="3324604"/>
-            <a:ext cx="1058665" cy="246221"/>
-          </a:xfrm>
-          <a:prstGeom prst="rect">
-            <a:avLst/>
-          </a:prstGeom>
-          <a:noFill/>
-        </p:spPr>
-        <p:txBody>
-          <a:bodyPr wrap="square" rtlCol="0">
-            <a:spAutoFit/>
-          </a:bodyPr>
-          <a:lstStyle/>
-          <a:p>
-            <a:r>
-              <a:rPr lang="en-US" altLang="zh-CN" sz="1000" dirty="0"/>
-              <a:t>Block device</a:t>
-            </a:r>
-            <a:endParaRPr lang="zh-CN" altLang="en-US" sz="1000" dirty="0"/>
-          </a:p>
-        </p:txBody>
-      </p:sp>
-      <p:sp>
-        <p:nvSpPr>
-          <p:cNvPr id="30" name="文本框 29">
-            <a:extLst>
-              <a:ext uri="{FF2B5EF4-FFF2-40B4-BE49-F238E27FC236}">
-                <a16:creationId xmlns:a16="http://schemas.microsoft.com/office/drawing/2014/main" id="{A8B5CB1E-954A-4684-B82B-91613213E745}"/>
-              </a:ext>
-            </a:extLst>
-          </p:cNvPr>
-          <p:cNvSpPr txBox="1"/>
-          <p:nvPr/>
-        </p:nvSpPr>
-        <p:spPr>
-          <a:xfrm>
-            <a:off x="9198756" y="3556820"/>
-            <a:ext cx="1127463" cy="246221"/>
-          </a:xfrm>
-          <a:prstGeom prst="rect">
-            <a:avLst/>
-          </a:prstGeom>
-          <a:noFill/>
-        </p:spPr>
-        <p:txBody>
-          <a:bodyPr wrap="square" rtlCol="0">
-            <a:spAutoFit/>
-          </a:bodyPr>
-          <a:lstStyle/>
-          <a:p>
-            <a:r>
-              <a:rPr lang="en-US" altLang="zh-CN" sz="1000" dirty="0"/>
-              <a:t>Network device</a:t>
-            </a:r>
-            <a:endParaRPr lang="zh-CN" altLang="en-US" sz="1000" dirty="0"/>
-          </a:p>
-        </p:txBody>
-      </p:sp>
-      <p:sp>
-        <p:nvSpPr>
-          <p:cNvPr id="31" name="立方体 30">
-            <a:extLst>
-              <a:ext uri="{FF2B5EF4-FFF2-40B4-BE49-F238E27FC236}">
-                <a16:creationId xmlns:a16="http://schemas.microsoft.com/office/drawing/2014/main" id="{E15F0ED8-88AE-4EC6-90CE-75E77A4B3356}"/>
-              </a:ext>
-            </a:extLst>
-          </p:cNvPr>
-          <p:cNvSpPr/>
-          <p:nvPr/>
-        </p:nvSpPr>
-        <p:spPr>
-          <a:xfrm>
-            <a:off x="5015788" y="3099510"/>
-            <a:ext cx="1209582" cy="497150"/>
-          </a:xfrm>
-          <a:prstGeom prst="cube">
-            <a:avLst/>
-          </a:prstGeom>
-        </p:spPr>
-        <p:style>
-          <a:lnRef idx="2">
-            <a:schemeClr val="accent1">
-              <a:shade val="50000"/>
-            </a:schemeClr>
-          </a:lnRef>
-          <a:fillRef idx="1">
-            <a:schemeClr val="accent1"/>
-          </a:fillRef>
-          <a:effectRef idx="0">
-            <a:schemeClr val="accent1"/>
-          </a:effectRef>
-          <a:fontRef idx="minor">
-            <a:schemeClr val="lt1"/>
-          </a:fontRef>
-        </p:style>
-        <p:txBody>
-          <a:bodyPr rtlCol="0" anchor="ctr"/>
-          <a:lstStyle/>
-          <a:p>
-            <a:pPr algn="ctr"/>
-            <a:r>
-              <a:rPr lang="en-US" altLang="zh-CN" sz="1200" dirty="0"/>
-              <a:t>Kernel-</a:t>
-            </a:r>
-            <a:r>
-              <a:rPr lang="en-US" altLang="zh-CN" sz="1200" dirty="0" err="1"/>
-              <a:t>syscall</a:t>
-            </a:r>
-            <a:endParaRPr lang="zh-CN" altLang="en-US" sz="1200" dirty="0"/>
-          </a:p>
-        </p:txBody>
-      </p:sp>
-      <p:sp>
-        <p:nvSpPr>
-          <p:cNvPr id="32" name="箭头: 直角双向 31">
-            <a:extLst>
-              <a:ext uri="{FF2B5EF4-FFF2-40B4-BE49-F238E27FC236}">
-                <a16:creationId xmlns:a16="http://schemas.microsoft.com/office/drawing/2014/main" id="{E1137A9F-8F0A-440A-9731-0084B227F869}"/>
-              </a:ext>
-            </a:extLst>
-          </p:cNvPr>
-          <p:cNvSpPr/>
-          <p:nvPr/>
-        </p:nvSpPr>
-        <p:spPr>
-          <a:xfrm rot="5400000">
-            <a:off x="4568859" y="4395600"/>
-            <a:ext cx="1961966" cy="322195"/>
-          </a:xfrm>
-          <a:prstGeom prst="leftUpArrow">
-            <a:avLst/>
-          </a:prstGeom>
-        </p:spPr>
-        <p:style>
-          <a:lnRef idx="2">
-            <a:schemeClr val="accent1">
-              <a:shade val="50000"/>
-            </a:schemeClr>
-          </a:lnRef>
-          <a:fillRef idx="1">
-            <a:schemeClr val="accent1"/>
-          </a:fillRef>
-          <a:effectRef idx="0">
-            <a:schemeClr val="accent1"/>
-          </a:effectRef>
-          <a:fontRef idx="minor">
-            <a:schemeClr val="lt1"/>
-          </a:fontRef>
-        </p:style>
-        <p:txBody>
-          <a:bodyPr rtlCol="0" anchor="ctr"/>
-          <a:lstStyle/>
-          <a:p>
-            <a:pPr algn="ctr"/>
-            <a:endParaRPr lang="zh-CN" altLang="en-US"/>
-          </a:p>
-        </p:txBody>
-      </p:sp>
-      <p:cxnSp>
-        <p:nvCxnSpPr>
-          <p:cNvPr id="41" name="连接符: 曲线 40">
-            <a:extLst>
-              <a:ext uri="{FF2B5EF4-FFF2-40B4-BE49-F238E27FC236}">
-                <a16:creationId xmlns:a16="http://schemas.microsoft.com/office/drawing/2014/main" id="{CDC14709-BE9A-4E24-9B37-162A73CA3F8A}"/>
-              </a:ext>
-            </a:extLst>
-          </p:cNvPr>
-          <p:cNvCxnSpPr>
-            <a:cxnSpLocks/>
-          </p:cNvCxnSpPr>
-          <p:nvPr/>
-        </p:nvCxnSpPr>
-        <p:spPr>
-          <a:xfrm flipV="1">
-            <a:off x="7102135" y="4861140"/>
-            <a:ext cx="807866" cy="710602"/>
-          </a:xfrm>
-          <a:prstGeom prst="curvedConnector3">
-            <a:avLst/>
-          </a:prstGeom>
-          <a:ln>
-            <a:solidFill>
-              <a:srgbClr val="C00000"/>
-            </a:solidFill>
-            <a:prstDash val="sysDash"/>
-            <a:tailEnd type="triangle"/>
-          </a:ln>
-        </p:spPr>
-        <p:style>
-          <a:lnRef idx="1">
-            <a:schemeClr val="accent1"/>
-          </a:lnRef>
-          <a:fillRef idx="0">
-            <a:schemeClr val="accent1"/>
-          </a:fillRef>
-          <a:effectRef idx="0">
-            <a:schemeClr val="accent1"/>
-          </a:effectRef>
-          <a:fontRef idx="minor">
-            <a:schemeClr val="tx1"/>
-          </a:fontRef>
-        </p:style>
-      </p:cxnSp>
-      <p:sp>
-        <p:nvSpPr>
-          <p:cNvPr id="43" name="文本框 42">
-            <a:extLst>
-              <a:ext uri="{FF2B5EF4-FFF2-40B4-BE49-F238E27FC236}">
-                <a16:creationId xmlns:a16="http://schemas.microsoft.com/office/drawing/2014/main" id="{44C71754-F657-4316-B3DE-9EE68CD6A441}"/>
-              </a:ext>
-            </a:extLst>
-          </p:cNvPr>
-          <p:cNvSpPr txBox="1"/>
-          <p:nvPr/>
-        </p:nvSpPr>
-        <p:spPr>
-          <a:xfrm>
-            <a:off x="6977847" y="5767425"/>
-            <a:ext cx="798990" cy="246221"/>
-          </a:xfrm>
-          <a:prstGeom prst="rect">
-            <a:avLst/>
-          </a:prstGeom>
-          <a:noFill/>
-        </p:spPr>
-        <p:txBody>
-          <a:bodyPr wrap="square" rtlCol="0">
-            <a:spAutoFit/>
-          </a:bodyPr>
-          <a:lstStyle/>
-          <a:p>
-            <a:r>
-              <a:rPr lang="en-US" altLang="zh-CN" sz="1000" b="1" dirty="0"/>
-              <a:t>1.Boot</a:t>
-            </a:r>
-            <a:endParaRPr lang="zh-CN" altLang="en-US" sz="1000" b="1" dirty="0"/>
-          </a:p>
-        </p:txBody>
-      </p:sp>
-      <p:sp>
-        <p:nvSpPr>
-          <p:cNvPr id="44" name="流程图: 接点 43">
-            <a:extLst>
-              <a:ext uri="{FF2B5EF4-FFF2-40B4-BE49-F238E27FC236}">
-                <a16:creationId xmlns:a16="http://schemas.microsoft.com/office/drawing/2014/main" id="{E72BF010-DFF9-406C-B035-2B0FD726AE9D}"/>
-              </a:ext>
-            </a:extLst>
-          </p:cNvPr>
-          <p:cNvSpPr/>
-          <p:nvPr/>
-        </p:nvSpPr>
-        <p:spPr>
-          <a:xfrm>
-            <a:off x="7062186" y="5544028"/>
-            <a:ext cx="79898" cy="72609"/>
-          </a:xfrm>
-          <a:prstGeom prst="flowChartConnector">
-            <a:avLst/>
-          </a:prstGeom>
-          <a:solidFill>
-            <a:srgbClr val="FF0000"/>
-          </a:solidFill>
-          <a:ln>
-            <a:solidFill>
-              <a:srgbClr val="FF0000"/>
-            </a:solidFill>
-          </a:ln>
-        </p:spPr>
-        <p:style>
-          <a:lnRef idx="2">
-            <a:schemeClr val="accent1">
-              <a:shade val="50000"/>
-            </a:schemeClr>
-          </a:lnRef>
-          <a:fillRef idx="1">
-            <a:schemeClr val="accent1"/>
-          </a:fillRef>
-          <a:effectRef idx="0">
-            <a:schemeClr val="accent1"/>
-          </a:effectRef>
-          <a:fontRef idx="minor">
-            <a:schemeClr val="lt1"/>
-          </a:fontRef>
-        </p:style>
-        <p:txBody>
-          <a:bodyPr rtlCol="0" anchor="ctr"/>
-          <a:lstStyle/>
-          <a:p>
-            <a:pPr algn="ctr"/>
-            <a:endParaRPr lang="zh-CN" altLang="en-US"/>
-          </a:p>
-        </p:txBody>
-      </p:sp>
-      <p:cxnSp>
-        <p:nvCxnSpPr>
-          <p:cNvPr id="45" name="连接符: 曲线 44">
-            <a:extLst>
-              <a:ext uri="{FF2B5EF4-FFF2-40B4-BE49-F238E27FC236}">
-                <a16:creationId xmlns:a16="http://schemas.microsoft.com/office/drawing/2014/main" id="{F12137DD-E008-4F54-A31E-E6A93DCE8CB9}"/>
-              </a:ext>
-            </a:extLst>
-          </p:cNvPr>
-          <p:cNvCxnSpPr>
-            <a:cxnSpLocks/>
-          </p:cNvCxnSpPr>
-          <p:nvPr/>
-        </p:nvCxnSpPr>
-        <p:spPr>
-          <a:xfrm rot="16200000" flipV="1">
-            <a:off x="7144399" y="4176413"/>
-            <a:ext cx="710602" cy="695579"/>
-          </a:xfrm>
-          <a:prstGeom prst="curvedConnector3">
-            <a:avLst/>
-          </a:prstGeom>
-          <a:ln>
-            <a:solidFill>
-              <a:srgbClr val="C00000"/>
-            </a:solidFill>
-            <a:prstDash val="sysDash"/>
             <a:tailEnd type="triangle"/>
           </a:ln>
         </p:spPr>
@@ -4764,33 +4032,25 @@
       </p:cxnSp>
       <p:cxnSp>
         <p:nvCxnSpPr>
-          <p:cNvPr id="47" name="连接符: 曲线 46">
-            <a:extLst>
-              <a:ext uri="{FF2B5EF4-FFF2-40B4-BE49-F238E27FC236}">
-                <a16:creationId xmlns:a16="http://schemas.microsoft.com/office/drawing/2014/main" id="{35554B1E-61C1-4533-9922-5BC5655692E0}"/>
-              </a:ext>
-            </a:extLst>
-          </p:cNvPr>
-          <p:cNvCxnSpPr>
-            <a:cxnSpLocks/>
-          </p:cNvCxnSpPr>
+          <p:cNvPr id="16" name="直接箭头连接符 15">
+            <a:extLst>
+              <a:ext uri="{FF2B5EF4-FFF2-40B4-BE49-F238E27FC236}">
+                <a16:creationId xmlns:a16="http://schemas.microsoft.com/office/drawing/2014/main" id="{AE968554-744B-447C-B0E2-0E2FA095F02E}"/>
+              </a:ext>
+            </a:extLst>
+          </p:cNvPr>
+          <p:cNvCxnSpPr/>
           <p:nvPr/>
         </p:nvCxnSpPr>
         <p:spPr>
-          <a:xfrm rot="16200000" flipV="1">
-            <a:off x="6573031" y="3684251"/>
-            <a:ext cx="839311" cy="29678"/>
-          </a:xfrm>
-          <a:prstGeom prst="curvedConnector3">
-            <a:avLst>
-              <a:gd name="adj1" fmla="val 77501"/>
-            </a:avLst>
+          <a:xfrm flipH="1">
+            <a:off x="5594412" y="4392089"/>
+            <a:ext cx="1" cy="300527"/>
+          </a:xfrm>
+          <a:prstGeom prst="straightConnector1">
+            <a:avLst/>
           </a:prstGeom>
           <a:ln>
-            <a:solidFill>
-              <a:srgbClr val="C00000"/>
-            </a:solidFill>
-            <a:prstDash val="sysDash"/>
             <a:tailEnd type="triangle"/>
           </a:ln>
         </p:spPr>
@@ -4811,34 +4071,25 @@
       </p:cxnSp>
       <p:cxnSp>
         <p:nvCxnSpPr>
-          <p:cNvPr id="49" name="连接符: 曲线 48">
-            <a:extLst>
-              <a:ext uri="{FF2B5EF4-FFF2-40B4-BE49-F238E27FC236}">
-                <a16:creationId xmlns:a16="http://schemas.microsoft.com/office/drawing/2014/main" id="{F3E21902-2F50-45D8-B11E-36F2CB60B038}"/>
-              </a:ext>
-            </a:extLst>
-          </p:cNvPr>
-          <p:cNvCxnSpPr>
-            <a:cxnSpLocks/>
-            <a:endCxn id="20" idx="0"/>
-          </p:cNvCxnSpPr>
+          <p:cNvPr id="17" name="直接箭头连接符 16">
+            <a:extLst>
+              <a:ext uri="{FF2B5EF4-FFF2-40B4-BE49-F238E27FC236}">
+                <a16:creationId xmlns:a16="http://schemas.microsoft.com/office/drawing/2014/main" id="{A834A527-6459-4BB0-A1EB-FFD80326D802}"/>
+              </a:ext>
+            </a:extLst>
+          </p:cNvPr>
+          <p:cNvCxnSpPr/>
           <p:nvPr/>
         </p:nvCxnSpPr>
         <p:spPr>
-          <a:xfrm rot="5400000" flipH="1" flipV="1">
-            <a:off x="6937985" y="2458059"/>
-            <a:ext cx="736854" cy="736659"/>
-          </a:xfrm>
-          <a:prstGeom prst="curvedConnector3">
-            <a:avLst>
-              <a:gd name="adj1" fmla="val 92470"/>
-            </a:avLst>
+          <a:xfrm flipH="1">
+            <a:off x="5582571" y="5343492"/>
+            <a:ext cx="1" cy="300527"/>
+          </a:xfrm>
+          <a:prstGeom prst="straightConnector1">
+            <a:avLst/>
           </a:prstGeom>
           <a:ln>
-            <a:solidFill>
-              <a:srgbClr val="C00000"/>
-            </a:solidFill>
-            <a:prstDash val="sysDash"/>
             <a:tailEnd type="triangle"/>
           </a:ln>
         </p:spPr>
@@ -4859,33 +4110,25 @@
       </p:cxnSp>
       <p:cxnSp>
         <p:nvCxnSpPr>
-          <p:cNvPr id="54" name="连接符: 曲线 53">
-            <a:extLst>
-              <a:ext uri="{FF2B5EF4-FFF2-40B4-BE49-F238E27FC236}">
-                <a16:creationId xmlns:a16="http://schemas.microsoft.com/office/drawing/2014/main" id="{9CC55C9F-FAB3-4D6B-966F-7ADA321C3CFA}"/>
-              </a:ext>
-            </a:extLst>
-          </p:cNvPr>
-          <p:cNvCxnSpPr>
-            <a:cxnSpLocks/>
-          </p:cNvCxnSpPr>
+          <p:cNvPr id="18" name="直接箭头连接符 17">
+            <a:extLst>
+              <a:ext uri="{FF2B5EF4-FFF2-40B4-BE49-F238E27FC236}">
+                <a16:creationId xmlns:a16="http://schemas.microsoft.com/office/drawing/2014/main" id="{CD7E95A9-7AAD-450F-92A6-39E258F31288}"/>
+              </a:ext>
+            </a:extLst>
+          </p:cNvPr>
+          <p:cNvCxnSpPr/>
           <p:nvPr/>
         </p:nvCxnSpPr>
         <p:spPr>
-          <a:xfrm rot="16200000" flipV="1">
-            <a:off x="6582321" y="2142620"/>
-            <a:ext cx="894743" cy="129924"/>
-          </a:xfrm>
-          <a:prstGeom prst="curvedConnector3">
-            <a:avLst>
-              <a:gd name="adj1" fmla="val 50000"/>
-            </a:avLst>
+          <a:xfrm flipH="1">
+            <a:off x="5582570" y="6089365"/>
+            <a:ext cx="1" cy="300527"/>
+          </a:xfrm>
+          <a:prstGeom prst="straightConnector1">
+            <a:avLst/>
           </a:prstGeom>
           <a:ln>
-            <a:solidFill>
-              <a:srgbClr val="C00000"/>
-            </a:solidFill>
-            <a:prstDash val="sysDash"/>
             <a:tailEnd type="triangle"/>
           </a:ln>
         </p:spPr>
@@ -4906,225 +4149,26 @@
       </p:cxnSp>
       <p:cxnSp>
         <p:nvCxnSpPr>
-          <p:cNvPr id="56" name="连接符: 曲线 55">
-            <a:extLst>
-              <a:ext uri="{FF2B5EF4-FFF2-40B4-BE49-F238E27FC236}">
-                <a16:creationId xmlns:a16="http://schemas.microsoft.com/office/drawing/2014/main" id="{B8071BD6-BE1D-423D-9346-84EE4CE8EB24}"/>
+          <p:cNvPr id="20" name="直接连接符 19">
+            <a:extLst>
+              <a:ext uri="{FF2B5EF4-FFF2-40B4-BE49-F238E27FC236}">
+                <a16:creationId xmlns:a16="http://schemas.microsoft.com/office/drawing/2014/main" id="{1DE29EBC-06EC-40BB-A093-4EF21D7294CA}"/>
               </a:ext>
             </a:extLst>
           </p:cNvPr>
           <p:cNvCxnSpPr>
-            <a:cxnSpLocks/>
-            <a:endCxn id="17" idx="2"/>
+            <a:stCxn id="8" idx="3"/>
           </p:cNvCxnSpPr>
           <p:nvPr/>
         </p:nvCxnSpPr>
         <p:spPr>
           <a:xfrm flipV="1">
-            <a:off x="6937712" y="3384394"/>
-            <a:ext cx="444450" cy="83042"/>
-          </a:xfrm>
-          <a:prstGeom prst="curvedConnector3">
-            <a:avLst>
-              <a:gd name="adj1" fmla="val 50000"/>
-            </a:avLst>
-          </a:prstGeom>
-          <a:ln>
-            <a:solidFill>
-              <a:srgbClr val="C00000"/>
-            </a:solidFill>
-            <a:prstDash val="sysDash"/>
-            <a:tailEnd type="triangle"/>
-          </a:ln>
-        </p:spPr>
-        <p:style>
-          <a:lnRef idx="1">
-            <a:schemeClr val="accent1"/>
-          </a:lnRef>
-          <a:fillRef idx="0">
-            <a:schemeClr val="accent1"/>
-          </a:fillRef>
-          <a:effectRef idx="0">
-            <a:schemeClr val="accent1"/>
-          </a:effectRef>
-          <a:fontRef idx="minor">
-            <a:schemeClr val="tx1"/>
-          </a:fontRef>
-        </p:style>
-      </p:cxnSp>
-      <p:sp>
-        <p:nvSpPr>
-          <p:cNvPr id="59" name="流程图: 接点 58">
-            <a:extLst>
-              <a:ext uri="{FF2B5EF4-FFF2-40B4-BE49-F238E27FC236}">
-                <a16:creationId xmlns:a16="http://schemas.microsoft.com/office/drawing/2014/main" id="{2491BC39-7052-40B2-B21A-078DA3EB1808}"/>
-              </a:ext>
-            </a:extLst>
-          </p:cNvPr>
-          <p:cNvSpPr/>
-          <p:nvPr/>
-        </p:nvSpPr>
-        <p:spPr>
-          <a:xfrm>
-            <a:off x="6573913" y="1290827"/>
-            <a:ext cx="79898" cy="72609"/>
-          </a:xfrm>
-          <a:prstGeom prst="flowChartConnector">
+            <a:off x="6471819" y="5060578"/>
+            <a:ext cx="2937031" cy="1"/>
+          </a:xfrm>
+          <a:prstGeom prst="line">
             <a:avLst/>
           </a:prstGeom>
-          <a:solidFill>
-            <a:srgbClr val="7030A0"/>
-          </a:solidFill>
-          <a:ln>
-            <a:solidFill>
-              <a:srgbClr val="7030A0"/>
-            </a:solidFill>
-          </a:ln>
-        </p:spPr>
-        <p:style>
-          <a:lnRef idx="2">
-            <a:schemeClr val="accent1">
-              <a:shade val="50000"/>
-            </a:schemeClr>
-          </a:lnRef>
-          <a:fillRef idx="1">
-            <a:schemeClr val="accent1"/>
-          </a:fillRef>
-          <a:effectRef idx="0">
-            <a:schemeClr val="accent1"/>
-          </a:effectRef>
-          <a:fontRef idx="minor">
-            <a:schemeClr val="lt1"/>
-          </a:fontRef>
-        </p:style>
-        <p:txBody>
-          <a:bodyPr rtlCol="0" anchor="ctr"/>
-          <a:lstStyle/>
-          <a:p>
-            <a:pPr algn="ctr"/>
-            <a:endParaRPr lang="zh-CN" altLang="en-US"/>
-          </a:p>
-        </p:txBody>
-      </p:sp>
-      <p:sp>
-        <p:nvSpPr>
-          <p:cNvPr id="60" name="流程图: 接点 59">
-            <a:extLst>
-              <a:ext uri="{FF2B5EF4-FFF2-40B4-BE49-F238E27FC236}">
-                <a16:creationId xmlns:a16="http://schemas.microsoft.com/office/drawing/2014/main" id="{DA2A7E85-F1D0-4579-A136-EDB3A51B2255}"/>
-              </a:ext>
-            </a:extLst>
-          </p:cNvPr>
-          <p:cNvSpPr/>
-          <p:nvPr/>
-        </p:nvSpPr>
-        <p:spPr>
-          <a:xfrm>
-            <a:off x="6927628" y="1690224"/>
-            <a:ext cx="79898" cy="72609"/>
-          </a:xfrm>
-          <a:prstGeom prst="flowChartConnector">
-            <a:avLst/>
-          </a:prstGeom>
-          <a:solidFill>
-            <a:srgbClr val="FF0000"/>
-          </a:solidFill>
-          <a:ln>
-            <a:solidFill>
-              <a:srgbClr val="FF0000"/>
-            </a:solidFill>
-          </a:ln>
-        </p:spPr>
-        <p:style>
-          <a:lnRef idx="2">
-            <a:schemeClr val="accent1">
-              <a:shade val="50000"/>
-            </a:schemeClr>
-          </a:lnRef>
-          <a:fillRef idx="1">
-            <a:schemeClr val="accent1"/>
-          </a:fillRef>
-          <a:effectRef idx="0">
-            <a:schemeClr val="accent1"/>
-          </a:effectRef>
-          <a:fontRef idx="minor">
-            <a:schemeClr val="lt1"/>
-          </a:fontRef>
-        </p:style>
-        <p:txBody>
-          <a:bodyPr rtlCol="0" anchor="ctr"/>
-          <a:lstStyle/>
-          <a:p>
-            <a:pPr algn="ctr"/>
-            <a:endParaRPr lang="zh-CN" altLang="en-US"/>
-          </a:p>
-        </p:txBody>
-      </p:sp>
-      <p:sp>
-        <p:nvSpPr>
-          <p:cNvPr id="61" name="文本框 60">
-            <a:extLst>
-              <a:ext uri="{FF2B5EF4-FFF2-40B4-BE49-F238E27FC236}">
-                <a16:creationId xmlns:a16="http://schemas.microsoft.com/office/drawing/2014/main" id="{D4E6B0A0-6CC5-4FE6-B33F-E05030AB2388}"/>
-              </a:ext>
-            </a:extLst>
-          </p:cNvPr>
-          <p:cNvSpPr txBox="1"/>
-          <p:nvPr/>
-        </p:nvSpPr>
-        <p:spPr>
-          <a:xfrm>
-            <a:off x="6662691" y="1124543"/>
-            <a:ext cx="798990" cy="246221"/>
-          </a:xfrm>
-          <a:prstGeom prst="rect">
-            <a:avLst/>
-          </a:prstGeom>
-          <a:noFill/>
-        </p:spPr>
-        <p:txBody>
-          <a:bodyPr wrap="square" rtlCol="0">
-            <a:spAutoFit/>
-          </a:bodyPr>
-          <a:lstStyle/>
-          <a:p>
-            <a:r>
-              <a:rPr lang="en-US" altLang="zh-CN" sz="1000" b="1" dirty="0"/>
-              <a:t>2.RunTime</a:t>
-            </a:r>
-            <a:endParaRPr lang="zh-CN" altLang="en-US" sz="1000" b="1" dirty="0"/>
-          </a:p>
-        </p:txBody>
-      </p:sp>
-      <p:cxnSp>
-        <p:nvCxnSpPr>
-          <p:cNvPr id="62" name="连接符: 曲线 61">
-            <a:extLst>
-              <a:ext uri="{FF2B5EF4-FFF2-40B4-BE49-F238E27FC236}">
-                <a16:creationId xmlns:a16="http://schemas.microsoft.com/office/drawing/2014/main" id="{6124D24F-8F96-4169-A580-1264EB000E7F}"/>
-              </a:ext>
-            </a:extLst>
-          </p:cNvPr>
-          <p:cNvCxnSpPr>
-            <a:cxnSpLocks/>
-          </p:cNvCxnSpPr>
-          <p:nvPr/>
-        </p:nvCxnSpPr>
-        <p:spPr>
-          <a:xfrm rot="5400000">
-            <a:off x="6016168" y="1846848"/>
-            <a:ext cx="1084672" cy="137555"/>
-          </a:xfrm>
-          <a:prstGeom prst="curvedConnector3">
-            <a:avLst/>
-          </a:prstGeom>
-          <a:ln>
-            <a:solidFill>
-              <a:srgbClr val="7030A0"/>
-            </a:solidFill>
-            <a:prstDash val="sysDash"/>
-            <a:tailEnd type="triangle"/>
-          </a:ln>
         </p:spPr>
         <p:style>
           <a:lnRef idx="1">
@@ -5143,32 +4187,28 @@
       </p:cxnSp>
       <p:cxnSp>
         <p:nvCxnSpPr>
-          <p:cNvPr id="73" name="连接符: 曲线 72">
-            <a:extLst>
-              <a:ext uri="{FF2B5EF4-FFF2-40B4-BE49-F238E27FC236}">
-                <a16:creationId xmlns:a16="http://schemas.microsoft.com/office/drawing/2014/main" id="{74935B05-BDCD-48F0-AC21-62701FAF6488}"/>
+          <p:cNvPr id="22" name="直接箭头连接符 21">
+            <a:extLst>
+              <a:ext uri="{FF2B5EF4-FFF2-40B4-BE49-F238E27FC236}">
+                <a16:creationId xmlns:a16="http://schemas.microsoft.com/office/drawing/2014/main" id="{B24081A7-5E56-4F79-9537-E3AB817BE68D}"/>
               </a:ext>
             </a:extLst>
           </p:cNvPr>
           <p:cNvCxnSpPr>
             <a:cxnSpLocks/>
-            <a:endCxn id="31" idx="4"/>
+            <a:endCxn id="11" idx="2"/>
           </p:cNvCxnSpPr>
           <p:nvPr/>
         </p:nvCxnSpPr>
         <p:spPr>
-          <a:xfrm rot="5400000">
-            <a:off x="5845366" y="2754321"/>
-            <a:ext cx="911625" cy="400190"/>
-          </a:xfrm>
-          <a:prstGeom prst="curvedConnector2">
+          <a:xfrm flipV="1">
+            <a:off x="9408850" y="4097153"/>
+            <a:ext cx="0" cy="963425"/>
+          </a:xfrm>
+          <a:prstGeom prst="straightConnector1">
             <a:avLst/>
           </a:prstGeom>
           <a:ln>
-            <a:solidFill>
-              <a:srgbClr val="7030A0"/>
-            </a:solidFill>
-            <a:prstDash val="sysDash"/>
             <a:tailEnd type="triangle"/>
           </a:ln>
         </p:spPr>
@@ -5189,34 +4229,27 @@
       </p:cxnSp>
       <p:cxnSp>
         <p:nvCxnSpPr>
-          <p:cNvPr id="75" name="连接符: 曲线 74">
-            <a:extLst>
-              <a:ext uri="{FF2B5EF4-FFF2-40B4-BE49-F238E27FC236}">
-                <a16:creationId xmlns:a16="http://schemas.microsoft.com/office/drawing/2014/main" id="{493132F5-F629-4892-BC22-3B8FB7E7467B}"/>
+          <p:cNvPr id="23" name="直接连接符 22">
+            <a:extLst>
+              <a:ext uri="{FF2B5EF4-FFF2-40B4-BE49-F238E27FC236}">
+                <a16:creationId xmlns:a16="http://schemas.microsoft.com/office/drawing/2014/main" id="{B161B4F9-9A69-4CAE-BDEE-06495EBAB42C}"/>
               </a:ext>
             </a:extLst>
           </p:cNvPr>
           <p:cNvCxnSpPr>
             <a:cxnSpLocks/>
-            <a:endCxn id="5" idx="2"/>
+            <a:stCxn id="11" idx="0"/>
           </p:cNvCxnSpPr>
           <p:nvPr/>
         </p:nvCxnSpPr>
         <p:spPr>
-          <a:xfrm rot="16200000" flipH="1">
-            <a:off x="4924278" y="4155138"/>
-            <a:ext cx="2023078" cy="503834"/>
-          </a:xfrm>
-          <a:prstGeom prst="curvedConnector2">
+          <a:xfrm flipV="1">
+            <a:off x="9408850" y="2680961"/>
+            <a:ext cx="0" cy="839143"/>
+          </a:xfrm>
+          <a:prstGeom prst="line">
             <a:avLst/>
           </a:prstGeom>
-          <a:ln>
-            <a:solidFill>
-              <a:srgbClr val="7030A0"/>
-            </a:solidFill>
-            <a:prstDash val="sysDash"/>
-            <a:tailEnd type="triangle"/>
-          </a:ln>
         </p:spPr>
         <p:style>
           <a:lnRef idx="1">
@@ -5233,12 +4266,51 @@
           </a:fontRef>
         </p:style>
       </p:cxnSp>
-      <p:sp>
-        <p:nvSpPr>
-          <p:cNvPr id="80" name="文本框 79">
-            <a:extLst>
-              <a:ext uri="{FF2B5EF4-FFF2-40B4-BE49-F238E27FC236}">
-                <a16:creationId xmlns:a16="http://schemas.microsoft.com/office/drawing/2014/main" id="{A0B91055-B219-4830-93C3-6818BC76ECDE}"/>
+      <p:cxnSp>
+        <p:nvCxnSpPr>
+          <p:cNvPr id="27" name="直接箭头连接符 26">
+            <a:extLst>
+              <a:ext uri="{FF2B5EF4-FFF2-40B4-BE49-F238E27FC236}">
+                <a16:creationId xmlns:a16="http://schemas.microsoft.com/office/drawing/2014/main" id="{85961DA1-7184-4F4C-A2C4-3846BF5ECC42}"/>
+              </a:ext>
+            </a:extLst>
+          </p:cNvPr>
+          <p:cNvCxnSpPr/>
+          <p:nvPr/>
+        </p:nvCxnSpPr>
+        <p:spPr>
+          <a:xfrm flipH="1">
+            <a:off x="5513033" y="2680961"/>
+            <a:ext cx="3895817" cy="0"/>
+          </a:xfrm>
+          <a:prstGeom prst="straightConnector1">
+            <a:avLst/>
+          </a:prstGeom>
+          <a:ln>
+            <a:tailEnd type="triangle"/>
+          </a:ln>
+        </p:spPr>
+        <p:style>
+          <a:lnRef idx="1">
+            <a:schemeClr val="accent1"/>
+          </a:lnRef>
+          <a:fillRef idx="0">
+            <a:schemeClr val="accent1"/>
+          </a:fillRef>
+          <a:effectRef idx="0">
+            <a:schemeClr val="accent1"/>
+          </a:effectRef>
+          <a:fontRef idx="minor">
+            <a:schemeClr val="tx1"/>
+          </a:fontRef>
+        </p:style>
+      </p:cxnSp>
+      <p:sp>
+        <p:nvSpPr>
+          <p:cNvPr id="30" name="文本框 29">
+            <a:extLst>
+              <a:ext uri="{FF2B5EF4-FFF2-40B4-BE49-F238E27FC236}">
+                <a16:creationId xmlns:a16="http://schemas.microsoft.com/office/drawing/2014/main" id="{98288417-F190-405B-BFA6-00849B3A5D7B}"/>
               </a:ext>
             </a:extLst>
           </p:cNvPr>
@@ -5247,8 +4319,8 @@
         </p:nvSpPr>
         <p:spPr>
           <a:xfrm>
-            <a:off x="229116" y="1366220"/>
-            <a:ext cx="3669354" cy="4524315"/>
+            <a:off x="7610240" y="4758737"/>
+            <a:ext cx="311304" cy="369332"/>
           </a:xfrm>
           <a:prstGeom prst="rect">
             <a:avLst/>
@@ -5262,318 +4334,19 @@
           <a:lstStyle/>
           <a:p>
             <a:r>
-              <a:rPr lang="en-US" altLang="zh-CN" sz="1200" b="1" u="sng" dirty="0"/>
-              <a:t>Exception handler</a:t>
-            </a:r>
-          </a:p>
-          <a:p>
-            <a:r>
-              <a:rPr lang="en-US" altLang="zh-CN" sz="1200" b="1" dirty="0"/>
-              <a:t>Init/</a:t>
-            </a:r>
-            <a:r>
-              <a:rPr lang="en-US" altLang="zh-CN" sz="1200" b="1" dirty="0" err="1"/>
-              <a:t>main.c</a:t>
-            </a:r>
-            <a:r>
-              <a:rPr lang="en-US" altLang="zh-CN" sz="1200" b="1" dirty="0"/>
-              <a:t>  </a:t>
-            </a:r>
-            <a:r>
-              <a:rPr lang="en-US" altLang="zh-CN" sz="1200" dirty="0"/>
-              <a:t>:  </a:t>
-            </a:r>
-            <a:r>
-              <a:rPr lang="en-US" altLang="zh-CN" sz="1200" dirty="0" err="1"/>
-              <a:t>trap_init</a:t>
-            </a:r>
-            <a:r>
-              <a:rPr lang="en-US" altLang="zh-CN" sz="1200" dirty="0"/>
-              <a:t>(); </a:t>
-            </a:r>
-            <a:r>
-              <a:rPr lang="en-US" altLang="zh-CN" sz="1200" dirty="0" err="1"/>
-              <a:t>init_IRQ</a:t>
-            </a:r>
-            <a:r>
-              <a:rPr lang="en-US" altLang="zh-CN" sz="1200" dirty="0"/>
-              <a:t>()</a:t>
-            </a:r>
-          </a:p>
-          <a:p>
-            <a:r>
-              <a:rPr lang="en-US" altLang="zh-CN" sz="1200" dirty="0"/>
-              <a:t> -arch/arm/kernel/</a:t>
-            </a:r>
-            <a:r>
-              <a:rPr lang="en-US" altLang="zh-CN" sz="1200" dirty="0" err="1"/>
-              <a:t>traps.c</a:t>
-            </a:r>
-            <a:endParaRPr lang="en-US" altLang="zh-CN" sz="1200" dirty="0"/>
-          </a:p>
-          <a:p>
-            <a:r>
-              <a:rPr lang="en-US" altLang="zh-CN" sz="1200" dirty="0"/>
-              <a:t> -arch/arm/kernel/</a:t>
-            </a:r>
-            <a:r>
-              <a:rPr lang="en-US" altLang="zh-CN" sz="1200" dirty="0" err="1"/>
-              <a:t>irq.c</a:t>
-            </a:r>
-            <a:endParaRPr lang="en-US" altLang="zh-CN" sz="1200" dirty="0"/>
-          </a:p>
-          <a:p>
-            <a:endParaRPr lang="en-US" altLang="zh-CN" sz="1200" dirty="0"/>
-          </a:p>
-          <a:p>
-            <a:r>
-              <a:rPr lang="en-US" altLang="zh-CN" sz="1200" b="1" u="sng" dirty="0"/>
-              <a:t>Exception Categories</a:t>
-            </a:r>
-          </a:p>
-          <a:p>
-            <a:r>
-              <a:rPr lang="en-US" altLang="zh-CN" sz="1200" dirty="0"/>
-              <a:t>-undefined instruction</a:t>
-            </a:r>
-          </a:p>
-          <a:p>
-            <a:r>
-              <a:rPr lang="en-US" altLang="zh-CN" sz="1200" dirty="0"/>
-              <a:t>-instruction prefetch abort</a:t>
-            </a:r>
-          </a:p>
-          <a:p>
-            <a:r>
-              <a:rPr lang="en-US" altLang="zh-CN" sz="1200" dirty="0"/>
-              <a:t>-data access abort</a:t>
-            </a:r>
-          </a:p>
-          <a:p>
-            <a:r>
-              <a:rPr lang="en-US" altLang="zh-CN" sz="1200" dirty="0"/>
-              <a:t>-interrupt</a:t>
-            </a:r>
-          </a:p>
-          <a:p>
-            <a:r>
-              <a:rPr lang="en-US" altLang="zh-CN" sz="1200" dirty="0"/>
-              <a:t>-</a:t>
-            </a:r>
-            <a:r>
-              <a:rPr lang="en-US" altLang="zh-CN" sz="1200" dirty="0" err="1"/>
-              <a:t>swi</a:t>
-            </a:r>
-            <a:r>
-              <a:rPr lang="en-US" altLang="zh-CN" sz="1200" dirty="0"/>
-              <a:t>(software wait instruction)</a:t>
-            </a:r>
-          </a:p>
-          <a:p>
-            <a:endParaRPr lang="en-US" altLang="zh-CN" sz="1200" dirty="0"/>
-          </a:p>
-          <a:p>
-            <a:r>
-              <a:rPr lang="en-US" altLang="zh-CN" sz="1200" b="1" u="sng" dirty="0"/>
-              <a:t>Interrupt handler architecture</a:t>
-            </a:r>
-          </a:p>
-          <a:p>
-            <a:r>
-              <a:rPr lang="en-US" altLang="zh-CN" sz="1200" dirty="0"/>
-              <a:t>-</a:t>
-            </a:r>
-            <a:r>
-              <a:rPr lang="en-US" altLang="zh-CN" sz="1200" dirty="0" err="1"/>
-              <a:t>irq_desc</a:t>
-            </a:r>
-            <a:r>
-              <a:rPr lang="en-US" altLang="zh-CN" sz="1200" dirty="0"/>
-              <a:t> structure (include/</a:t>
-            </a:r>
-            <a:r>
-              <a:rPr lang="en-US" altLang="zh-CN" sz="1200" dirty="0" err="1"/>
-              <a:t>linux</a:t>
-            </a:r>
-            <a:r>
-              <a:rPr lang="en-US" altLang="zh-CN" sz="1200" dirty="0"/>
-              <a:t>/</a:t>
-            </a:r>
-            <a:r>
-              <a:rPr lang="en-US" altLang="zh-CN" sz="1200" dirty="0" err="1"/>
-              <a:t>irq.h</a:t>
-            </a:r>
-            <a:r>
-              <a:rPr lang="en-US" altLang="zh-CN" sz="1200" dirty="0"/>
-              <a:t>)</a:t>
-            </a:r>
-          </a:p>
-          <a:p>
-            <a:r>
-              <a:rPr lang="en-US" altLang="zh-CN" sz="1200" dirty="0"/>
-              <a:t>-</a:t>
-            </a:r>
-            <a:r>
-              <a:rPr lang="en-US" altLang="zh-CN" sz="1200" dirty="0" err="1"/>
-              <a:t>irq_chip</a:t>
-            </a:r>
-            <a:r>
-              <a:rPr lang="en-US" altLang="zh-CN" sz="1200" dirty="0"/>
-              <a:t>(include/</a:t>
-            </a:r>
-            <a:r>
-              <a:rPr lang="en-US" altLang="zh-CN" sz="1200" dirty="0" err="1"/>
-              <a:t>linux</a:t>
-            </a:r>
-            <a:r>
-              <a:rPr lang="en-US" altLang="zh-CN" sz="1200" dirty="0"/>
-              <a:t>/</a:t>
-            </a:r>
-            <a:r>
-              <a:rPr lang="en-US" altLang="zh-CN" sz="1200" dirty="0" err="1"/>
-              <a:t>irq.h</a:t>
-            </a:r>
-            <a:r>
-              <a:rPr lang="en-US" altLang="zh-CN" sz="1200" dirty="0"/>
-              <a:t>)</a:t>
-            </a:r>
-          </a:p>
-          <a:p>
-            <a:r>
-              <a:rPr lang="en-US" altLang="zh-CN" sz="1200" dirty="0"/>
-              <a:t>-</a:t>
-            </a:r>
-            <a:r>
-              <a:rPr lang="en-US" altLang="zh-CN" sz="1200" dirty="0" err="1"/>
-              <a:t>irqaction</a:t>
-            </a:r>
-            <a:r>
-              <a:rPr lang="en-US" altLang="zh-CN" sz="1200" dirty="0"/>
-              <a:t> structure (include/</a:t>
-            </a:r>
-            <a:r>
-              <a:rPr lang="en-US" altLang="zh-CN" sz="1200" dirty="0" err="1"/>
-              <a:t>linux</a:t>
-            </a:r>
-            <a:r>
-              <a:rPr lang="en-US" altLang="zh-CN" sz="1200" dirty="0"/>
-              <a:t>/</a:t>
-            </a:r>
-            <a:r>
-              <a:rPr lang="en-US" altLang="zh-CN" sz="1200" dirty="0" err="1"/>
-              <a:t>interrupt.h</a:t>
-            </a:r>
-            <a:r>
-              <a:rPr lang="en-US" altLang="zh-CN" sz="1200" dirty="0"/>
-              <a:t>)</a:t>
-            </a:r>
-          </a:p>
-          <a:p>
-            <a:endParaRPr lang="en-US" altLang="zh-CN" sz="1200" dirty="0"/>
-          </a:p>
-          <a:p>
-            <a:r>
-              <a:rPr lang="en-US" altLang="zh-CN" sz="1200" b="1" u="sng" dirty="0"/>
-              <a:t>Interrupt work flow</a:t>
-            </a:r>
-          </a:p>
-          <a:p>
-            <a:r>
-              <a:rPr lang="en-US" altLang="zh-CN" sz="1200" dirty="0"/>
-              <a:t>  CPU ack to execute </a:t>
-            </a:r>
-            <a:r>
-              <a:rPr lang="en-US" altLang="zh-CN" sz="1200" dirty="0" err="1"/>
-              <a:t>vector_irq</a:t>
-            </a:r>
-            <a:r>
-              <a:rPr lang="en-US" altLang="zh-CN" sz="1200" dirty="0"/>
-              <a:t>-&gt;</a:t>
-            </a:r>
-          </a:p>
-          <a:p>
-            <a:r>
-              <a:rPr lang="en-US" altLang="zh-CN" sz="1200" dirty="0"/>
-              <a:t>  call </a:t>
-            </a:r>
-            <a:r>
-              <a:rPr lang="en-US" altLang="zh-CN" sz="1200" dirty="0" err="1"/>
-              <a:t>asm_do_IRQ</a:t>
-            </a:r>
-            <a:r>
-              <a:rPr lang="en-US" altLang="zh-CN" sz="1200" dirty="0"/>
-              <a:t> from </a:t>
-            </a:r>
-            <a:r>
-              <a:rPr lang="en-US" altLang="zh-CN" sz="1200" dirty="0" err="1"/>
-              <a:t>vector_irq</a:t>
-            </a:r>
-            <a:r>
-              <a:rPr lang="en-US" altLang="zh-CN" sz="1200" dirty="0"/>
-              <a:t>-&gt;</a:t>
-            </a:r>
-          </a:p>
-          <a:p>
-            <a:r>
-              <a:rPr lang="en-US" altLang="zh-CN" sz="1200" dirty="0"/>
-              <a:t>  </a:t>
-            </a:r>
-            <a:r>
-              <a:rPr lang="en-US" altLang="zh-CN" sz="1200" dirty="0" err="1"/>
-              <a:t>asm_do_IRQ</a:t>
-            </a:r>
-            <a:r>
-              <a:rPr lang="en-US" altLang="zh-CN" sz="1200" dirty="0"/>
-              <a:t> call </a:t>
-            </a:r>
-            <a:r>
-              <a:rPr lang="en-US" altLang="zh-CN" sz="1200" dirty="0" err="1"/>
-              <a:t>irq_desc.handle_irq</a:t>
-            </a:r>
-            <a:r>
-              <a:rPr lang="en-US" altLang="zh-CN" sz="1200" dirty="0"/>
-              <a:t>-&gt; </a:t>
-            </a:r>
-          </a:p>
-          <a:p>
-            <a:r>
-              <a:rPr lang="en-US" altLang="zh-CN" sz="1200" dirty="0"/>
-              <a:t> </a:t>
-            </a:r>
-            <a:r>
-              <a:rPr lang="en-US" altLang="zh-CN" sz="1200" dirty="0" err="1"/>
-              <a:t>handle.irq</a:t>
-            </a:r>
-            <a:r>
-              <a:rPr lang="en-US" altLang="zh-CN" sz="1200" dirty="0"/>
-              <a:t> call </a:t>
-            </a:r>
-            <a:r>
-              <a:rPr lang="en-US" altLang="zh-CN" sz="1200" dirty="0" err="1"/>
-              <a:t>chip.functions</a:t>
-            </a:r>
-            <a:r>
-              <a:rPr lang="en-US" altLang="zh-CN" sz="1200" dirty="0"/>
-              <a:t> to do with hardware-&gt;</a:t>
-            </a:r>
-            <a:r>
-              <a:rPr lang="en-US" altLang="zh-CN" sz="1200" dirty="0" err="1"/>
-              <a:t>handle.IRQ</a:t>
-            </a:r>
-            <a:r>
-              <a:rPr lang="en-US" altLang="zh-CN" sz="1200" dirty="0"/>
-              <a:t> screen action table for every handler function’s implementation</a:t>
-            </a:r>
-            <a:endParaRPr lang="zh-CN" altLang="en-US" sz="1200" dirty="0"/>
-          </a:p>
-        </p:txBody>
-      </p:sp>
-      <p:sp>
-        <p:nvSpPr>
-          <p:cNvPr id="42" name="文本框 41">
-            <a:extLst>
-              <a:ext uri="{FF2B5EF4-FFF2-40B4-BE49-F238E27FC236}">
-                <a16:creationId xmlns:a16="http://schemas.microsoft.com/office/drawing/2014/main" id="{5D7082CF-A10C-43C8-B6FF-0EEAE28522F3}"/>
+              <a:rPr lang="en-US" altLang="zh-CN" dirty="0"/>
+              <a:t>Y</a:t>
+            </a:r>
+            <a:endParaRPr lang="zh-CN" altLang="en-US" dirty="0"/>
+          </a:p>
+        </p:txBody>
+      </p:sp>
+      <p:sp>
+        <p:nvSpPr>
+          <p:cNvPr id="31" name="文本框 30">
+            <a:extLst>
+              <a:ext uri="{FF2B5EF4-FFF2-40B4-BE49-F238E27FC236}">
+                <a16:creationId xmlns:a16="http://schemas.microsoft.com/office/drawing/2014/main" id="{F0A76FD5-BC00-4262-8EEE-A259D40EC325}"/>
               </a:ext>
             </a:extLst>
           </p:cNvPr>
@@ -5582,8 +4355,8 @@
         </p:nvSpPr>
         <p:spPr>
           <a:xfrm>
-            <a:off x="6813610" y="2645437"/>
-            <a:ext cx="1822507" cy="400110"/>
+            <a:off x="5784696" y="5323130"/>
+            <a:ext cx="311304" cy="369332"/>
           </a:xfrm>
           <a:prstGeom prst="rect">
             <a:avLst/>
@@ -5597,53 +4370,17 @@
           <a:lstStyle/>
           <a:p>
             <a:r>
-              <a:rPr lang="en-US" altLang="zh-CN" sz="1000" dirty="0"/>
-              <a:t>kernel last action: launch </a:t>
-            </a:r>
-            <a:r>
-              <a:rPr lang="en-US" altLang="zh-CN" sz="1000" dirty="0" err="1"/>
-              <a:t>init</a:t>
-            </a:r>
-            <a:r>
-              <a:rPr lang="en-US" altLang="zh-CN" sz="1000" dirty="0"/>
-              <a:t> (</a:t>
-            </a:r>
-            <a:r>
-              <a:rPr lang="en-US" altLang="zh-CN" sz="1000" dirty="0" err="1"/>
-              <a:t>init</a:t>
-            </a:r>
-            <a:r>
-              <a:rPr lang="en-US" altLang="zh-CN" sz="1000" dirty="0"/>
-              <a:t>/</a:t>
-            </a:r>
-            <a:r>
-              <a:rPr lang="en-US" altLang="zh-CN" sz="1000" dirty="0" err="1"/>
-              <a:t>main.c</a:t>
-            </a:r>
-            <a:r>
-              <a:rPr lang="en-US" altLang="zh-CN" sz="1000" dirty="0"/>
-              <a:t>)-&gt;/</a:t>
-            </a:r>
-            <a:r>
-              <a:rPr lang="en-US" altLang="zh-CN" sz="1000" dirty="0" err="1"/>
-              <a:t>sbin</a:t>
-            </a:r>
-            <a:r>
-              <a:rPr lang="en-US" altLang="zh-CN" sz="1000" dirty="0"/>
-              <a:t>/</a:t>
-            </a:r>
-            <a:r>
-              <a:rPr lang="en-US" altLang="zh-CN" sz="1000" dirty="0" err="1"/>
-              <a:t>init</a:t>
-            </a:r>
-            <a:endParaRPr lang="zh-CN" altLang="en-US" sz="1000" dirty="0"/>
+              <a:rPr lang="en-US" altLang="zh-CN" dirty="0"/>
+              <a:t>N</a:t>
+            </a:r>
+            <a:endParaRPr lang="zh-CN" altLang="en-US" dirty="0"/>
           </a:p>
         </p:txBody>
       </p:sp>
     </p:spTree>
     <p:extLst>
       <p:ext uri="{BB962C8B-B14F-4D97-AF65-F5344CB8AC3E}">
-        <p14:creationId xmlns:p14="http://schemas.microsoft.com/office/powerpoint/2010/main" val="2334305620"/>
+        <p14:creationId xmlns:p14="http://schemas.microsoft.com/office/powerpoint/2010/main" val="3786656598"/>
       </p:ext>
     </p:extLst>
   </p:cSld>
@@ -5698,7 +4435,7 @@
           <a:p>
             <a:r>
               <a:rPr lang="en-US" altLang="zh-CN" dirty="0"/>
-              <a:t>Linux architecture-Bootloader</a:t>
+              <a:t>Linux architecture-outline</a:t>
             </a:r>
             <a:endParaRPr lang="zh-CN" altLang="en-US" dirty="0"/>
           </a:p>
@@ -5718,7 +4455,7 @@
         </p:nvSpPr>
         <p:spPr>
           <a:xfrm>
-            <a:off x="9707129" y="1775160"/>
+            <a:off x="6329776" y="3951175"/>
             <a:ext cx="1127464" cy="497150"/>
           </a:xfrm>
           <a:prstGeom prst="cube">
@@ -5756,10 +4493,10 @@
       </p:sp>
       <p:sp>
         <p:nvSpPr>
-          <p:cNvPr id="9" name="箭头: 上 8">
-            <a:extLst>
-              <a:ext uri="{FF2B5EF4-FFF2-40B4-BE49-F238E27FC236}">
-                <a16:creationId xmlns:a16="http://schemas.microsoft.com/office/drawing/2014/main" id="{096BF2E9-4B31-46C9-94E9-AD18CE6F61D7}"/>
+          <p:cNvPr id="5" name="立方体 4">
+            <a:extLst>
+              <a:ext uri="{FF2B5EF4-FFF2-40B4-BE49-F238E27FC236}">
+                <a16:creationId xmlns:a16="http://schemas.microsoft.com/office/drawing/2014/main" id="{ADA16702-8B29-4AD5-B356-80ED1E1EC458}"/>
               </a:ext>
             </a:extLst>
           </p:cNvPr>
@@ -5768,10 +4505,10 @@
         </p:nvSpPr>
         <p:spPr>
           <a:xfrm>
-            <a:off x="10151014" y="1399699"/>
-            <a:ext cx="119847" cy="375461"/>
-          </a:xfrm>
-          <a:prstGeom prst="upArrow">
+            <a:off x="6187734" y="5107875"/>
+            <a:ext cx="1127464" cy="497150"/>
+          </a:xfrm>
+          <a:prstGeom prst="cube">
             <a:avLst/>
           </a:prstGeom>
         </p:spPr>
@@ -5796,66 +4533,46 @@
           <a:lstStyle/>
           <a:p>
             <a:pPr algn="ctr"/>
-            <a:endParaRPr lang="zh-CN" altLang="en-US"/>
-          </a:p>
-        </p:txBody>
-      </p:sp>
-      <p:sp>
-        <p:nvSpPr>
-          <p:cNvPr id="11" name="文本框 10">
-            <a:extLst>
-              <a:ext uri="{FF2B5EF4-FFF2-40B4-BE49-F238E27FC236}">
-                <a16:creationId xmlns:a16="http://schemas.microsoft.com/office/drawing/2014/main" id="{F27CFE37-1626-44E5-825A-F659491630CB}"/>
-              </a:ext>
-            </a:extLst>
-          </p:cNvPr>
-          <p:cNvSpPr txBox="1"/>
+            <a:r>
+              <a:rPr lang="en-US" altLang="zh-CN" sz="1200" dirty="0"/>
+              <a:t>ASIC/SOC</a:t>
+            </a:r>
+            <a:endParaRPr lang="zh-CN" altLang="en-US" sz="1200" dirty="0"/>
+          </a:p>
+        </p:txBody>
+      </p:sp>
+      <p:sp>
+        <p:nvSpPr>
+          <p:cNvPr id="6" name="缺角矩形 5">
+            <a:extLst>
+              <a:ext uri="{FF2B5EF4-FFF2-40B4-BE49-F238E27FC236}">
+                <a16:creationId xmlns:a16="http://schemas.microsoft.com/office/drawing/2014/main" id="{1222E876-8F49-4FE4-A2E3-30A9673D5F1E}"/>
+              </a:ext>
+            </a:extLst>
+          </p:cNvPr>
+          <p:cNvSpPr/>
           <p:nvPr/>
         </p:nvSpPr>
         <p:spPr>
           <a:xfrm>
-            <a:off x="10270861" y="1345279"/>
-            <a:ext cx="798990" cy="400110"/>
-          </a:xfrm>
-          <a:prstGeom prst="rect">
+            <a:off x="7608161" y="4614402"/>
+            <a:ext cx="870012" cy="493473"/>
+          </a:xfrm>
+          <a:prstGeom prst="plaque">
             <a:avLst/>
           </a:prstGeom>
-          <a:noFill/>
-        </p:spPr>
-        <p:txBody>
-          <a:bodyPr wrap="square" rtlCol="0">
-            <a:spAutoFit/>
-          </a:bodyPr>
-          <a:lstStyle/>
-          <a:p>
-            <a:r>
-              <a:rPr lang="en-US" altLang="zh-CN" sz="1000" dirty="0"/>
-              <a:t>Boot parameters</a:t>
-            </a:r>
-            <a:endParaRPr lang="zh-CN" altLang="en-US" sz="1000" dirty="0"/>
-          </a:p>
-        </p:txBody>
-      </p:sp>
-      <p:sp>
-        <p:nvSpPr>
-          <p:cNvPr id="12" name="立方体 11">
-            <a:extLst>
-              <a:ext uri="{FF2B5EF4-FFF2-40B4-BE49-F238E27FC236}">
-                <a16:creationId xmlns:a16="http://schemas.microsoft.com/office/drawing/2014/main" id="{E1092073-3B9B-4ABA-8033-C861B2A64F39}"/>
-              </a:ext>
-            </a:extLst>
-          </p:cNvPr>
-          <p:cNvSpPr/>
-          <p:nvPr/>
-        </p:nvSpPr>
-        <p:spPr>
-          <a:xfrm>
-            <a:off x="9604296" y="796780"/>
-            <a:ext cx="1209582" cy="497150"/>
-          </a:xfrm>
-          <a:prstGeom prst="cube">
-            <a:avLst/>
-          </a:prstGeom>
+          <a:solidFill>
+            <a:schemeClr val="accent6">
+              <a:lumMod val="20000"/>
+              <a:lumOff val="80000"/>
+            </a:schemeClr>
+          </a:solidFill>
+          <a:ln>
+            <a:solidFill>
+              <a:srgbClr val="7030A0"/>
+            </a:solidFill>
+            <a:prstDash val="dash"/>
+          </a:ln>
         </p:spPr>
         <p:style>
           <a:lnRef idx="2">
@@ -5879,19 +4596,27 @@
           <a:p>
             <a:pPr algn="ctr"/>
             <a:r>
-              <a:rPr lang="en-US" altLang="zh-CN" sz="1200" dirty="0"/>
-              <a:t>kernel</a:t>
-            </a:r>
-            <a:endParaRPr lang="zh-CN" altLang="en-US" sz="1200" dirty="0"/>
-          </a:p>
-        </p:txBody>
-      </p:sp>
-      <p:sp>
-        <p:nvSpPr>
-          <p:cNvPr id="17" name="立方体 16">
-            <a:extLst>
-              <a:ext uri="{FF2B5EF4-FFF2-40B4-BE49-F238E27FC236}">
-                <a16:creationId xmlns:a16="http://schemas.microsoft.com/office/drawing/2014/main" id="{6F6A4280-5667-40DC-BFC6-5A16F0C13F12}"/>
+              <a:rPr lang="en-US" altLang="zh-CN" sz="1000" dirty="0">
+                <a:solidFill>
+                  <a:schemeClr val="tx1"/>
+                </a:solidFill>
+              </a:rPr>
+              <a:t>Firmware (optional)</a:t>
+            </a:r>
+            <a:endParaRPr lang="zh-CN" altLang="en-US" sz="1000" dirty="0">
+              <a:solidFill>
+                <a:schemeClr val="tx1"/>
+              </a:solidFill>
+            </a:endParaRPr>
+          </a:p>
+        </p:txBody>
+      </p:sp>
+      <p:sp>
+        <p:nvSpPr>
+          <p:cNvPr id="7" name="箭头: 直角双向 6">
+            <a:extLst>
+              <a:ext uri="{FF2B5EF4-FFF2-40B4-BE49-F238E27FC236}">
+                <a16:creationId xmlns:a16="http://schemas.microsoft.com/office/drawing/2014/main" id="{0A2D04D3-E868-421A-B8A8-7C2190EF8039}"/>
               </a:ext>
             </a:extLst>
           </p:cNvPr>
@@ -5900,10 +4625,10 @@
         </p:nvSpPr>
         <p:spPr>
           <a:xfrm>
-            <a:off x="10803388" y="755835"/>
-            <a:ext cx="1388612" cy="497150"/>
-          </a:xfrm>
-          <a:prstGeom prst="cube">
+            <a:off x="7377342" y="5107875"/>
+            <a:ext cx="577049" cy="278884"/>
+          </a:xfrm>
+          <a:prstGeom prst="leftUpArrow">
             <a:avLst/>
           </a:prstGeom>
         </p:spPr>
@@ -5928,28 +4653,16 @@
           <a:lstStyle/>
           <a:p>
             <a:pPr algn="ctr"/>
-            <a:r>
-              <a:rPr lang="en-US" altLang="zh-CN" sz="1200" dirty="0"/>
-              <a:t>Driver(open/read/write/</a:t>
-            </a:r>
-            <a:r>
-              <a:rPr lang="en-US" altLang="zh-CN" sz="1200" dirty="0" err="1"/>
-              <a:t>ioctl</a:t>
-            </a:r>
-            <a:r>
-              <a:rPr lang="en-US" altLang="zh-CN" sz="1200" dirty="0"/>
-              <a:t>…) </a:t>
-            </a:r>
-            <a:endParaRPr lang="zh-CN" altLang="en-US" sz="1200" dirty="0"/>
-          </a:p>
-        </p:txBody>
-      </p:sp>
-      <p:sp>
-        <p:nvSpPr>
-          <p:cNvPr id="31" name="立方体 30">
-            <a:extLst>
-              <a:ext uri="{FF2B5EF4-FFF2-40B4-BE49-F238E27FC236}">
-                <a16:creationId xmlns:a16="http://schemas.microsoft.com/office/drawing/2014/main" id="{E15F0ED8-88AE-4EC6-90CE-75E77A4B3356}"/>
+            <a:endParaRPr lang="zh-CN" altLang="en-US"/>
+          </a:p>
+        </p:txBody>
+      </p:sp>
+      <p:sp>
+        <p:nvSpPr>
+          <p:cNvPr id="8" name="箭头: 直角双向 7">
+            <a:extLst>
+              <a:ext uri="{FF2B5EF4-FFF2-40B4-BE49-F238E27FC236}">
+                <a16:creationId xmlns:a16="http://schemas.microsoft.com/office/drawing/2014/main" id="{7C259396-DFB8-4999-986D-99B74DEA7D4A}"/>
               </a:ext>
             </a:extLst>
           </p:cNvPr>
@@ -5957,11 +4670,11 @@
           <p:nvPr/>
         </p:nvSpPr>
         <p:spPr>
-          <a:xfrm>
-            <a:off x="8394714" y="833244"/>
-            <a:ext cx="1209582" cy="497150"/>
-          </a:xfrm>
-          <a:prstGeom prst="cube">
+          <a:xfrm rot="16200000">
+            <a:off x="7526425" y="4156664"/>
+            <a:ext cx="577049" cy="278884"/>
+          </a:xfrm>
+          <a:prstGeom prst="leftUpArrow">
             <a:avLst/>
           </a:prstGeom>
         </p:spPr>
@@ -5986,756 +4699,30 @@
           <a:lstStyle/>
           <a:p>
             <a:pPr algn="ctr"/>
-            <a:r>
-              <a:rPr lang="en-US" altLang="zh-CN" sz="1200" dirty="0"/>
-              <a:t>Kernel-</a:t>
-            </a:r>
-            <a:r>
-              <a:rPr lang="en-US" altLang="zh-CN" sz="1200" dirty="0" err="1"/>
-              <a:t>syscall</a:t>
-            </a:r>
-            <a:endParaRPr lang="zh-CN" altLang="en-US" sz="1200" dirty="0"/>
-          </a:p>
-        </p:txBody>
-      </p:sp>
-      <p:sp>
-        <p:nvSpPr>
-          <p:cNvPr id="80" name="文本框 79">
-            <a:extLst>
-              <a:ext uri="{FF2B5EF4-FFF2-40B4-BE49-F238E27FC236}">
-                <a16:creationId xmlns:a16="http://schemas.microsoft.com/office/drawing/2014/main" id="{A0B91055-B219-4830-93C3-6818BC76ECDE}"/>
-              </a:ext>
-            </a:extLst>
-          </p:cNvPr>
-          <p:cNvSpPr txBox="1"/>
+            <a:endParaRPr lang="zh-CN" altLang="en-US"/>
+          </a:p>
+        </p:txBody>
+      </p:sp>
+      <p:sp>
+        <p:nvSpPr>
+          <p:cNvPr id="9" name="箭头: 上 8">
+            <a:extLst>
+              <a:ext uri="{FF2B5EF4-FFF2-40B4-BE49-F238E27FC236}">
+                <a16:creationId xmlns:a16="http://schemas.microsoft.com/office/drawing/2014/main" id="{096BF2E9-4B31-46C9-94E9-AD18CE6F61D7}"/>
+              </a:ext>
+            </a:extLst>
+          </p:cNvPr>
+          <p:cNvSpPr/>
           <p:nvPr/>
         </p:nvSpPr>
         <p:spPr>
           <a:xfrm>
-            <a:off x="259952" y="940092"/>
-            <a:ext cx="4533989" cy="3970318"/>
-          </a:xfrm>
-          <a:prstGeom prst="rect">
+            <a:off x="6773661" y="3575714"/>
+            <a:ext cx="119847" cy="375461"/>
+          </a:xfrm>
+          <a:prstGeom prst="upArrow">
             <a:avLst/>
           </a:prstGeom>
-          <a:noFill/>
-        </p:spPr>
-        <p:txBody>
-          <a:bodyPr wrap="square" rtlCol="0">
-            <a:spAutoFit/>
-          </a:bodyPr>
-          <a:lstStyle/>
-          <a:p>
-            <a:r>
-              <a:rPr lang="en-US" altLang="zh-CN" sz="1200" b="1" u="sng" dirty="0"/>
-              <a:t>Bootloader dispatch parameters to Kernel through Tagged list</a:t>
-            </a:r>
-          </a:p>
-          <a:p>
-            <a:pPr lvl="1"/>
-            <a:r>
-              <a:rPr lang="en-US" altLang="zh-CN" sz="1200" dirty="0"/>
-              <a:t>-include/</a:t>
-            </a:r>
-            <a:r>
-              <a:rPr lang="en-US" altLang="zh-CN" sz="1200" dirty="0" err="1"/>
-              <a:t>asm</a:t>
-            </a:r>
-            <a:r>
-              <a:rPr lang="en-US" altLang="zh-CN" sz="1200" dirty="0"/>
-              <a:t>/</a:t>
-            </a:r>
-            <a:r>
-              <a:rPr lang="en-US" altLang="zh-CN" sz="1200" dirty="0" err="1"/>
-              <a:t>setup.h</a:t>
-            </a:r>
-            <a:endParaRPr lang="en-US" altLang="zh-CN" sz="1200" dirty="0"/>
-          </a:p>
-          <a:p>
-            <a:r>
-              <a:rPr lang="en-US" altLang="zh-CN" sz="1200" dirty="0"/>
-              <a:t>Struct </a:t>
-            </a:r>
-            <a:r>
-              <a:rPr lang="en-US" altLang="zh-CN" sz="1200" dirty="0" err="1"/>
-              <a:t>tag_header</a:t>
-            </a:r>
-            <a:r>
-              <a:rPr lang="en-US" altLang="zh-CN" sz="1200" dirty="0"/>
-              <a:t> {</a:t>
-            </a:r>
-          </a:p>
-          <a:p>
-            <a:r>
-              <a:rPr lang="en-US" altLang="zh-CN" sz="1200" dirty="0"/>
-              <a:t>    u32 size;</a:t>
-            </a:r>
-          </a:p>
-          <a:p>
-            <a:r>
-              <a:rPr lang="en-US" altLang="zh-CN" sz="1200" dirty="0"/>
-              <a:t>    u32 tag;</a:t>
-            </a:r>
-          </a:p>
-          <a:p>
-            <a:r>
-              <a:rPr lang="en-US" altLang="zh-CN" sz="1200" dirty="0"/>
-              <a:t>};</a:t>
-            </a:r>
-          </a:p>
-          <a:p>
-            <a:r>
-              <a:rPr lang="en-US" altLang="zh-CN" sz="1200" dirty="0"/>
-              <a:t>Struct tag{</a:t>
-            </a:r>
-          </a:p>
-          <a:p>
-            <a:r>
-              <a:rPr lang="en-US" altLang="zh-CN" sz="1200" dirty="0"/>
-              <a:t>   struct </a:t>
-            </a:r>
-            <a:r>
-              <a:rPr lang="en-US" altLang="zh-CN" sz="1200" dirty="0" err="1"/>
-              <a:t>tag_header</a:t>
-            </a:r>
-            <a:r>
-              <a:rPr lang="en-US" altLang="zh-CN" sz="1200" dirty="0"/>
-              <a:t>         </a:t>
-            </a:r>
-            <a:r>
-              <a:rPr lang="en-US" altLang="zh-CN" sz="1200" b="1" dirty="0" err="1"/>
-              <a:t>hdr</a:t>
-            </a:r>
-            <a:r>
-              <a:rPr lang="en-US" altLang="zh-CN" sz="1200" b="1" dirty="0"/>
-              <a:t>;</a:t>
-            </a:r>
-          </a:p>
-          <a:p>
-            <a:r>
-              <a:rPr lang="en-US" altLang="zh-CN" sz="1200" dirty="0"/>
-              <a:t>   union {</a:t>
-            </a:r>
-          </a:p>
-          <a:p>
-            <a:r>
-              <a:rPr lang="en-US" altLang="zh-CN" sz="1200" dirty="0"/>
-              <a:t>       struct </a:t>
-            </a:r>
-            <a:r>
-              <a:rPr lang="en-US" altLang="zh-CN" sz="1200" dirty="0" err="1"/>
-              <a:t>tag_core</a:t>
-            </a:r>
-            <a:r>
-              <a:rPr lang="en-US" altLang="zh-CN" sz="1200" dirty="0"/>
-              <a:t>         core;</a:t>
-            </a:r>
-          </a:p>
-          <a:p>
-            <a:r>
-              <a:rPr lang="en-US" altLang="zh-CN" sz="1200" dirty="0"/>
-              <a:t>       struct tag_mem32     mem;</a:t>
-            </a:r>
-          </a:p>
-          <a:p>
-            <a:r>
-              <a:rPr lang="en-US" altLang="zh-CN" sz="1200" dirty="0"/>
-              <a:t>       struct </a:t>
-            </a:r>
-            <a:r>
-              <a:rPr lang="en-US" altLang="zh-CN" sz="1200" dirty="0" err="1"/>
-              <a:t>tag_videotext</a:t>
-            </a:r>
-            <a:r>
-              <a:rPr lang="en-US" altLang="zh-CN" sz="1200" dirty="0"/>
-              <a:t>  videotext;</a:t>
-            </a:r>
-          </a:p>
-          <a:p>
-            <a:r>
-              <a:rPr lang="en-US" altLang="zh-CN" sz="1200" dirty="0"/>
-              <a:t>       struct </a:t>
-            </a:r>
-            <a:r>
-              <a:rPr lang="en-US" altLang="zh-CN" sz="1200" dirty="0" err="1"/>
-              <a:t>tag_ramdisk</a:t>
-            </a:r>
-            <a:r>
-              <a:rPr lang="en-US" altLang="zh-CN" sz="1200" dirty="0"/>
-              <a:t>    </a:t>
-            </a:r>
-            <a:r>
-              <a:rPr lang="en-US" altLang="zh-CN" sz="1200" dirty="0" err="1"/>
-              <a:t>ramdisk</a:t>
-            </a:r>
-            <a:r>
-              <a:rPr lang="en-US" altLang="zh-CN" sz="1200" dirty="0"/>
-              <a:t>;</a:t>
-            </a:r>
-          </a:p>
-          <a:p>
-            <a:r>
-              <a:rPr lang="en-US" altLang="zh-CN" sz="1200" dirty="0"/>
-              <a:t>       struct </a:t>
-            </a:r>
-            <a:r>
-              <a:rPr lang="en-US" altLang="zh-CN" sz="1200" dirty="0" err="1"/>
-              <a:t>tag_initrd</a:t>
-            </a:r>
-            <a:r>
-              <a:rPr lang="en-US" altLang="zh-CN" sz="1200" dirty="0"/>
-              <a:t>        </a:t>
-            </a:r>
-            <a:r>
-              <a:rPr lang="en-US" altLang="zh-CN" sz="1200" dirty="0" err="1"/>
-              <a:t>initrd</a:t>
-            </a:r>
-            <a:r>
-              <a:rPr lang="en-US" altLang="zh-CN" sz="1200" dirty="0"/>
-              <a:t>;</a:t>
-            </a:r>
-          </a:p>
-          <a:p>
-            <a:r>
-              <a:rPr lang="en-US" altLang="zh-CN" sz="1200" dirty="0"/>
-              <a:t>       struct </a:t>
-            </a:r>
-            <a:r>
-              <a:rPr lang="en-US" altLang="zh-CN" sz="1200" dirty="0" err="1"/>
-              <a:t>tag_serialnr</a:t>
-            </a:r>
-            <a:r>
-              <a:rPr lang="en-US" altLang="zh-CN" sz="1200" dirty="0"/>
-              <a:t>     </a:t>
-            </a:r>
-            <a:r>
-              <a:rPr lang="en-US" altLang="zh-CN" sz="1200" dirty="0" err="1"/>
-              <a:t>serialnr</a:t>
-            </a:r>
-            <a:r>
-              <a:rPr lang="en-US" altLang="zh-CN" sz="1200" dirty="0"/>
-              <a:t>;</a:t>
-            </a:r>
-          </a:p>
-          <a:p>
-            <a:r>
-              <a:rPr lang="en-US" altLang="zh-CN" sz="1200" dirty="0"/>
-              <a:t>       struct </a:t>
-            </a:r>
-            <a:r>
-              <a:rPr lang="en-US" altLang="zh-CN" sz="1200" dirty="0" err="1"/>
-              <a:t>tag_revision</a:t>
-            </a:r>
-            <a:r>
-              <a:rPr lang="en-US" altLang="zh-CN" sz="1200" dirty="0"/>
-              <a:t>     revision;</a:t>
-            </a:r>
-          </a:p>
-          <a:p>
-            <a:r>
-              <a:rPr lang="en-US" altLang="zh-CN" sz="1200" dirty="0"/>
-              <a:t>       struct </a:t>
-            </a:r>
-            <a:r>
-              <a:rPr lang="en-US" altLang="zh-CN" sz="1200" dirty="0" err="1"/>
-              <a:t>tag_videolfb</a:t>
-            </a:r>
-            <a:r>
-              <a:rPr lang="en-US" altLang="zh-CN" sz="1200" dirty="0"/>
-              <a:t>    </a:t>
-            </a:r>
-            <a:r>
-              <a:rPr lang="en-US" altLang="zh-CN" sz="1200" dirty="0" err="1"/>
-              <a:t>videolfb</a:t>
-            </a:r>
-            <a:r>
-              <a:rPr lang="en-US" altLang="zh-CN" sz="1200" dirty="0"/>
-              <a:t>;</a:t>
-            </a:r>
-          </a:p>
-          <a:p>
-            <a:r>
-              <a:rPr lang="en-US" altLang="zh-CN" sz="1200" dirty="0"/>
-              <a:t>       struct </a:t>
-            </a:r>
-            <a:r>
-              <a:rPr lang="en-US" altLang="zh-CN" sz="1200" dirty="0" err="1"/>
-              <a:t>tag_cmdline</a:t>
-            </a:r>
-            <a:r>
-              <a:rPr lang="en-US" altLang="zh-CN" sz="1200" dirty="0"/>
-              <a:t>     </a:t>
-            </a:r>
-            <a:r>
-              <a:rPr lang="en-US" altLang="zh-CN" sz="1200" dirty="0" err="1"/>
-              <a:t>cmdline</a:t>
-            </a:r>
-            <a:r>
-              <a:rPr lang="en-US" altLang="zh-CN" sz="1200" dirty="0"/>
-              <a:t>;</a:t>
-            </a:r>
-          </a:p>
-          <a:p>
-            <a:r>
-              <a:rPr lang="en-US" altLang="zh-CN" sz="1200" dirty="0"/>
-              <a:t>        // any specific </a:t>
-            </a:r>
-          </a:p>
-          <a:p>
-            <a:r>
-              <a:rPr lang="en-US" altLang="zh-CN" sz="1200" dirty="0"/>
-              <a:t>          }</a:t>
-            </a:r>
-            <a:r>
-              <a:rPr lang="en-US" altLang="zh-CN" sz="1200" b="1" dirty="0"/>
-              <a:t>u;</a:t>
-            </a:r>
-          </a:p>
-          <a:p>
-            <a:r>
-              <a:rPr lang="en-US" altLang="zh-CN" sz="1200" dirty="0"/>
-              <a:t>  };</a:t>
-            </a:r>
-          </a:p>
-        </p:txBody>
-      </p:sp>
-      <p:sp>
-        <p:nvSpPr>
-          <p:cNvPr id="10" name="文本框 9">
-            <a:extLst>
-              <a:ext uri="{FF2B5EF4-FFF2-40B4-BE49-F238E27FC236}">
-                <a16:creationId xmlns:a16="http://schemas.microsoft.com/office/drawing/2014/main" id="{86981294-B180-4906-BB16-15753FAB764E}"/>
-              </a:ext>
-            </a:extLst>
-          </p:cNvPr>
-          <p:cNvSpPr txBox="1"/>
-          <p:nvPr/>
-        </p:nvSpPr>
-        <p:spPr>
-          <a:xfrm>
-            <a:off x="4818035" y="1659183"/>
-            <a:ext cx="5870680" cy="4893647"/>
-          </a:xfrm>
-          <a:prstGeom prst="rect">
-            <a:avLst/>
-          </a:prstGeom>
-          <a:noFill/>
-        </p:spPr>
-        <p:txBody>
-          <a:bodyPr wrap="square" rtlCol="0">
-            <a:spAutoFit/>
-          </a:bodyPr>
-          <a:lstStyle/>
-          <a:p>
-            <a:r>
-              <a:rPr lang="en-US" altLang="zh-CN" sz="1200" b="1" u="sng" dirty="0"/>
-              <a:t>Set ATAG_CORE</a:t>
-            </a:r>
-          </a:p>
-          <a:p>
-            <a:r>
-              <a:rPr lang="en-US" altLang="zh-CN" sz="1200" dirty="0"/>
-              <a:t>Params =(struct tag*) 0x30000000;   //address for example</a:t>
-            </a:r>
-          </a:p>
-          <a:p>
-            <a:r>
-              <a:rPr lang="en-US" altLang="zh-CN" sz="1200" dirty="0"/>
-              <a:t>Params-&gt;</a:t>
-            </a:r>
-            <a:r>
-              <a:rPr lang="en-US" altLang="zh-CN" sz="1200" dirty="0" err="1"/>
-              <a:t>hdr.tag</a:t>
-            </a:r>
-            <a:r>
-              <a:rPr lang="en-US" altLang="zh-CN" sz="1200" dirty="0"/>
-              <a:t>=ATAG_CORE;</a:t>
-            </a:r>
-          </a:p>
-          <a:p>
-            <a:r>
-              <a:rPr lang="en-US" altLang="zh-CN" sz="1200" dirty="0"/>
-              <a:t>Params-&gt;</a:t>
-            </a:r>
-            <a:r>
-              <a:rPr lang="en-US" altLang="zh-CN" sz="1200" dirty="0" err="1"/>
-              <a:t>hdr.size</a:t>
-            </a:r>
-            <a:r>
-              <a:rPr lang="en-US" altLang="zh-CN" sz="1200" dirty="0"/>
-              <a:t>=</a:t>
-            </a:r>
-            <a:r>
-              <a:rPr lang="en-US" altLang="zh-CN" sz="1200" dirty="0" err="1"/>
-              <a:t>tag_size</a:t>
-            </a:r>
-            <a:r>
-              <a:rPr lang="en-US" altLang="zh-CN" sz="1200" dirty="0"/>
-              <a:t>(</a:t>
-            </a:r>
-            <a:r>
-              <a:rPr lang="en-US" altLang="zh-CN" sz="1200" dirty="0" err="1"/>
-              <a:t>tag_core</a:t>
-            </a:r>
-            <a:r>
-              <a:rPr lang="en-US" altLang="zh-CN" sz="1200" dirty="0"/>
-              <a:t>); </a:t>
-            </a:r>
-          </a:p>
-          <a:p>
-            <a:r>
-              <a:rPr lang="en-US" altLang="zh-CN" sz="1200" dirty="0"/>
-              <a:t>Params-&gt;</a:t>
-            </a:r>
-            <a:r>
-              <a:rPr lang="en-US" altLang="zh-CN" sz="1200" dirty="0" err="1"/>
-              <a:t>u.core.flags</a:t>
-            </a:r>
-            <a:r>
-              <a:rPr lang="en-US" altLang="zh-CN" sz="1200" dirty="0"/>
-              <a:t>=0;</a:t>
-            </a:r>
-          </a:p>
-          <a:p>
-            <a:r>
-              <a:rPr lang="en-US" altLang="zh-CN" sz="1200" dirty="0"/>
-              <a:t>Params-&gt;</a:t>
-            </a:r>
-            <a:r>
-              <a:rPr lang="en-US" altLang="zh-CN" sz="1200" dirty="0" err="1"/>
-              <a:t>u.core.pagesize</a:t>
-            </a:r>
-            <a:r>
-              <a:rPr lang="en-US" altLang="zh-CN" sz="1200" dirty="0"/>
-              <a:t>=0;</a:t>
-            </a:r>
-          </a:p>
-          <a:p>
-            <a:r>
-              <a:rPr lang="en-US" altLang="zh-CN" sz="1200" dirty="0"/>
-              <a:t>Params-&gt;</a:t>
-            </a:r>
-            <a:r>
-              <a:rPr lang="en-US" altLang="zh-CN" sz="1200" dirty="0" err="1"/>
-              <a:t>u.core.rootdev</a:t>
-            </a:r>
-            <a:r>
-              <a:rPr lang="en-US" altLang="zh-CN" sz="1200" dirty="0"/>
-              <a:t>=0;</a:t>
-            </a:r>
-          </a:p>
-          <a:p>
-            <a:r>
-              <a:rPr lang="en-US" altLang="zh-CN" sz="1200" dirty="0"/>
-              <a:t>Params=</a:t>
-            </a:r>
-            <a:r>
-              <a:rPr lang="en-US" altLang="zh-CN" sz="1200" dirty="0" err="1"/>
-              <a:t>tag_next</a:t>
-            </a:r>
-            <a:r>
-              <a:rPr lang="en-US" altLang="zh-CN" sz="1200" dirty="0"/>
-              <a:t>(params);</a:t>
-            </a:r>
-          </a:p>
-          <a:p>
-            <a:endParaRPr lang="en-US" altLang="zh-CN" sz="1200" dirty="0"/>
-          </a:p>
-          <a:p>
-            <a:r>
-              <a:rPr lang="en-US" altLang="zh-CN" sz="1200" dirty="0"/>
-              <a:t>#define </a:t>
-            </a:r>
-            <a:r>
-              <a:rPr lang="en-US" altLang="zh-CN" sz="1200" dirty="0" err="1"/>
-              <a:t>tag_next</a:t>
-            </a:r>
-            <a:r>
-              <a:rPr lang="en-US" altLang="zh-CN" sz="1200" dirty="0"/>
-              <a:t>(t) ((struct tag*)((u32*)(t)+(t)-&gt;</a:t>
-            </a:r>
-            <a:r>
-              <a:rPr lang="en-US" altLang="zh-CN" sz="1200" dirty="0" err="1"/>
-              <a:t>hdr.size</a:t>
-            </a:r>
-            <a:r>
-              <a:rPr lang="en-US" altLang="zh-CN" sz="1200" dirty="0"/>
-              <a:t>))</a:t>
-            </a:r>
-          </a:p>
-          <a:p>
-            <a:r>
-              <a:rPr lang="en-US" altLang="zh-CN" sz="1200" b="1" u="sng" dirty="0"/>
-              <a:t>Set ATAG_MEM</a:t>
-            </a:r>
-          </a:p>
-          <a:p>
-            <a:r>
-              <a:rPr lang="en-US" altLang="zh-CN" sz="1200" dirty="0"/>
-              <a:t>Params-&gt;</a:t>
-            </a:r>
-            <a:r>
-              <a:rPr lang="en-US" altLang="zh-CN" sz="1200" dirty="0" err="1"/>
-              <a:t>hdr.tag</a:t>
-            </a:r>
-            <a:r>
-              <a:rPr lang="en-US" altLang="zh-CN" sz="1200" dirty="0"/>
-              <a:t>=ATAG_MEM;</a:t>
-            </a:r>
-          </a:p>
-          <a:p>
-            <a:r>
-              <a:rPr lang="en-US" altLang="zh-CN" sz="1200" dirty="0"/>
-              <a:t>Params-&gt;</a:t>
-            </a:r>
-            <a:r>
-              <a:rPr lang="en-US" altLang="zh-CN" sz="1200" dirty="0" err="1"/>
-              <a:t>hdr.size</a:t>
-            </a:r>
-            <a:r>
-              <a:rPr lang="en-US" altLang="zh-CN" sz="1200" dirty="0"/>
-              <a:t>=</a:t>
-            </a:r>
-            <a:r>
-              <a:rPr lang="en-US" altLang="zh-CN" sz="1200" dirty="0" err="1"/>
-              <a:t>tag_size</a:t>
-            </a:r>
-            <a:r>
-              <a:rPr lang="en-US" altLang="zh-CN" sz="1200" dirty="0"/>
-              <a:t>(tag_mem32);</a:t>
-            </a:r>
-          </a:p>
-          <a:p>
-            <a:r>
-              <a:rPr lang="en-US" altLang="zh-CN" sz="1200" dirty="0"/>
-              <a:t>Params-&gt;</a:t>
-            </a:r>
-            <a:r>
-              <a:rPr lang="en-US" altLang="zh-CN" sz="1200" dirty="0" err="1"/>
-              <a:t>u.mem.start</a:t>
-            </a:r>
-            <a:r>
-              <a:rPr lang="en-US" altLang="zh-CN" sz="1200" dirty="0"/>
-              <a:t>=0x30000000;</a:t>
-            </a:r>
-          </a:p>
-          <a:p>
-            <a:r>
-              <a:rPr lang="en-US" altLang="zh-CN" sz="1200" dirty="0"/>
-              <a:t>Params-&gt;</a:t>
-            </a:r>
-            <a:r>
-              <a:rPr lang="en-US" altLang="zh-CN" sz="1200" dirty="0" err="1"/>
-              <a:t>u.mem.size</a:t>
-            </a:r>
-            <a:r>
-              <a:rPr lang="en-US" altLang="zh-CN" sz="1200" dirty="0"/>
-              <a:t>=0x4000000;</a:t>
-            </a:r>
-          </a:p>
-          <a:p>
-            <a:r>
-              <a:rPr lang="en-US" altLang="zh-CN" sz="1200" dirty="0"/>
-              <a:t>Params=</a:t>
-            </a:r>
-            <a:r>
-              <a:rPr lang="en-US" altLang="zh-CN" sz="1200" dirty="0" err="1"/>
-              <a:t>tag_next</a:t>
-            </a:r>
-            <a:r>
-              <a:rPr lang="en-US" altLang="zh-CN" sz="1200" dirty="0"/>
-              <a:t>(params);</a:t>
-            </a:r>
-          </a:p>
-          <a:p>
-            <a:r>
-              <a:rPr lang="en-US" altLang="zh-CN" sz="1200" b="1" u="sng" dirty="0"/>
-              <a:t>Set ATAG_CMDLINE</a:t>
-            </a:r>
-          </a:p>
-          <a:p>
-            <a:r>
-              <a:rPr lang="en-US" altLang="zh-CN" sz="1200" dirty="0"/>
-              <a:t>Char *p=“root=/dev/</a:t>
-            </a:r>
-            <a:r>
-              <a:rPr lang="en-US" altLang="zh-CN" sz="1200" dirty="0" err="1"/>
-              <a:t>mtdblock</a:t>
-            </a:r>
-            <a:r>
-              <a:rPr lang="en-US" altLang="zh-CN" sz="1200" dirty="0"/>
-              <a:t> 2 </a:t>
-            </a:r>
-            <a:r>
-              <a:rPr lang="en-US" altLang="zh-CN" sz="1200" dirty="0" err="1"/>
-              <a:t>init</a:t>
-            </a:r>
-            <a:r>
-              <a:rPr lang="en-US" altLang="zh-CN" sz="1200" dirty="0"/>
-              <a:t>=/</a:t>
-            </a:r>
-            <a:r>
-              <a:rPr lang="en-US" altLang="zh-CN" sz="1200" dirty="0" err="1"/>
-              <a:t>linuxrc</a:t>
-            </a:r>
-            <a:r>
-              <a:rPr lang="en-US" altLang="zh-CN" sz="1200" dirty="0"/>
-              <a:t> console=ttySAC0”;   //for example</a:t>
-            </a:r>
-          </a:p>
-          <a:p>
-            <a:r>
-              <a:rPr lang="en-US" altLang="zh-CN" sz="1200" dirty="0"/>
-              <a:t>Params-&gt;</a:t>
-            </a:r>
-            <a:r>
-              <a:rPr lang="en-US" altLang="zh-CN" sz="1200" dirty="0" err="1"/>
-              <a:t>hdr.tag</a:t>
-            </a:r>
-            <a:r>
-              <a:rPr lang="en-US" altLang="zh-CN" sz="1200" dirty="0"/>
-              <a:t>=ATAG_CMDLINE;</a:t>
-            </a:r>
-          </a:p>
-          <a:p>
-            <a:r>
-              <a:rPr lang="en-US" altLang="zh-CN" sz="1200" dirty="0"/>
-              <a:t>Params-&gt;</a:t>
-            </a:r>
-            <a:r>
-              <a:rPr lang="en-US" altLang="zh-CN" sz="1200" dirty="0" err="1"/>
-              <a:t>hdr.size</a:t>
-            </a:r>
-            <a:r>
-              <a:rPr lang="en-US" altLang="zh-CN" sz="1200" dirty="0"/>
-              <a:t>=(</a:t>
-            </a:r>
-            <a:r>
-              <a:rPr lang="en-US" altLang="zh-CN" sz="1200" dirty="0" err="1"/>
-              <a:t>sizeof</a:t>
-            </a:r>
-            <a:r>
-              <a:rPr lang="en-US" altLang="zh-CN" sz="1200" dirty="0"/>
-              <a:t>(struct </a:t>
-            </a:r>
-            <a:r>
-              <a:rPr lang="en-US" altLang="zh-CN" sz="1200" dirty="0" err="1"/>
-              <a:t>tag_header</a:t>
-            </a:r>
-            <a:r>
-              <a:rPr lang="en-US" altLang="zh-CN" sz="1200" dirty="0"/>
-              <a:t>)+</a:t>
-            </a:r>
-            <a:r>
-              <a:rPr lang="en-US" altLang="zh-CN" sz="1200" dirty="0" err="1"/>
-              <a:t>strlen</a:t>
-            </a:r>
-            <a:r>
-              <a:rPr lang="en-US" altLang="zh-CN" sz="1200" dirty="0"/>
-              <a:t>(p)+1+4)&gt;&gt;2;</a:t>
-            </a:r>
-          </a:p>
-          <a:p>
-            <a:r>
-              <a:rPr lang="en-US" altLang="zh-CN" sz="1200" dirty="0" err="1"/>
-              <a:t>Strcpy</a:t>
-            </a:r>
-            <a:r>
-              <a:rPr lang="en-US" altLang="zh-CN" sz="1200" dirty="0"/>
-              <a:t>(params-&gt;</a:t>
-            </a:r>
-            <a:r>
-              <a:rPr lang="en-US" altLang="zh-CN" sz="1200" dirty="0" err="1"/>
-              <a:t>u.cmdline.cmdline,p</a:t>
-            </a:r>
-            <a:r>
-              <a:rPr lang="en-US" altLang="zh-CN" sz="1200" dirty="0"/>
-              <a:t>);</a:t>
-            </a:r>
-          </a:p>
-          <a:p>
-            <a:r>
-              <a:rPr lang="en-US" altLang="zh-CN" sz="1200" dirty="0"/>
-              <a:t>Params=</a:t>
-            </a:r>
-            <a:r>
-              <a:rPr lang="en-US" altLang="zh-CN" sz="1200" dirty="0" err="1"/>
-              <a:t>tag_next</a:t>
-            </a:r>
-            <a:r>
-              <a:rPr lang="en-US" altLang="zh-CN" sz="1200" dirty="0"/>
-              <a:t>(params);  </a:t>
-            </a:r>
-          </a:p>
-          <a:p>
-            <a:r>
-              <a:rPr lang="en-US" altLang="zh-CN" sz="1200" dirty="0"/>
-              <a:t>//dispatch to kernel for first root file system, first executed program, console target… </a:t>
-            </a:r>
-          </a:p>
-          <a:p>
-            <a:r>
-              <a:rPr lang="en-US" altLang="zh-CN" sz="1200" b="1" u="sng" dirty="0"/>
-              <a:t>Set ATAG_NONE as the end</a:t>
-            </a:r>
-          </a:p>
-          <a:p>
-            <a:r>
-              <a:rPr lang="en-US" altLang="zh-CN" sz="1200" dirty="0"/>
-              <a:t>Params-&gt;</a:t>
-            </a:r>
-            <a:r>
-              <a:rPr lang="en-US" altLang="zh-CN" sz="1200" dirty="0" err="1"/>
-              <a:t>hdr.tag</a:t>
-            </a:r>
-            <a:r>
-              <a:rPr lang="en-US" altLang="zh-CN" sz="1200" dirty="0"/>
-              <a:t>=ATAG_NONE;</a:t>
-            </a:r>
-          </a:p>
-          <a:p>
-            <a:r>
-              <a:rPr lang="en-US" altLang="zh-CN" sz="1200" dirty="0"/>
-              <a:t>Params-&gt;</a:t>
-            </a:r>
-            <a:r>
-              <a:rPr lang="en-US" altLang="zh-CN" sz="1200" dirty="0" err="1"/>
-              <a:t>hdr.size</a:t>
-            </a:r>
-            <a:r>
-              <a:rPr lang="en-US" altLang="zh-CN" sz="1200" dirty="0"/>
-              <a:t>=0;</a:t>
-            </a:r>
-          </a:p>
-        </p:txBody>
-      </p:sp>
-      <p:sp>
-        <p:nvSpPr>
-          <p:cNvPr id="3" name="矩形 2">
-            <a:extLst>
-              <a:ext uri="{FF2B5EF4-FFF2-40B4-BE49-F238E27FC236}">
-                <a16:creationId xmlns:a16="http://schemas.microsoft.com/office/drawing/2014/main" id="{D6755D11-951C-43CC-A67A-8B6E39111014}"/>
-              </a:ext>
-            </a:extLst>
-          </p:cNvPr>
-          <p:cNvSpPr/>
-          <p:nvPr/>
-        </p:nvSpPr>
-        <p:spPr>
-          <a:xfrm>
-            <a:off x="9604296" y="1399699"/>
-            <a:ext cx="1465555" cy="1023905"/>
-          </a:xfrm>
-          <a:prstGeom prst="rect">
-            <a:avLst/>
-          </a:prstGeom>
-          <a:noFill/>
-          <a:ln>
-            <a:solidFill>
-              <a:srgbClr val="7030A0"/>
-            </a:solidFill>
-            <a:prstDash val="lgDashDot"/>
-          </a:ln>
         </p:spPr>
         <p:style>
           <a:lnRef idx="2">
@@ -6762,10 +4749,1842 @@
           </a:p>
         </p:txBody>
       </p:sp>
+      <p:sp>
+        <p:nvSpPr>
+          <p:cNvPr id="11" name="文本框 10">
+            <a:extLst>
+              <a:ext uri="{FF2B5EF4-FFF2-40B4-BE49-F238E27FC236}">
+                <a16:creationId xmlns:a16="http://schemas.microsoft.com/office/drawing/2014/main" id="{F27CFE37-1626-44E5-825A-F659491630CB}"/>
+              </a:ext>
+            </a:extLst>
+          </p:cNvPr>
+          <p:cNvSpPr txBox="1"/>
+          <p:nvPr/>
+        </p:nvSpPr>
+        <p:spPr>
+          <a:xfrm>
+            <a:off x="6893508" y="3521294"/>
+            <a:ext cx="798990" cy="400110"/>
+          </a:xfrm>
+          <a:prstGeom prst="rect">
+            <a:avLst/>
+          </a:prstGeom>
+          <a:noFill/>
+        </p:spPr>
+        <p:txBody>
+          <a:bodyPr wrap="square" rtlCol="0">
+            <a:spAutoFit/>
+          </a:bodyPr>
+          <a:lstStyle/>
+          <a:p>
+            <a:r>
+              <a:rPr lang="en-US" altLang="zh-CN" sz="1000" dirty="0"/>
+              <a:t>Boot parameters</a:t>
+            </a:r>
+            <a:endParaRPr lang="zh-CN" altLang="en-US" sz="1000" dirty="0"/>
+          </a:p>
+        </p:txBody>
+      </p:sp>
+      <p:sp>
+        <p:nvSpPr>
+          <p:cNvPr id="12" name="立方体 11">
+            <a:extLst>
+              <a:ext uri="{FF2B5EF4-FFF2-40B4-BE49-F238E27FC236}">
+                <a16:creationId xmlns:a16="http://schemas.microsoft.com/office/drawing/2014/main" id="{E1092073-3B9B-4ABA-8033-C861B2A64F39}"/>
+              </a:ext>
+            </a:extLst>
+          </p:cNvPr>
+          <p:cNvSpPr/>
+          <p:nvPr/>
+        </p:nvSpPr>
+        <p:spPr>
+          <a:xfrm>
+            <a:off x="6217696" y="3062084"/>
+            <a:ext cx="1209582" cy="497150"/>
+          </a:xfrm>
+          <a:prstGeom prst="cube">
+            <a:avLst/>
+          </a:prstGeom>
+        </p:spPr>
+        <p:style>
+          <a:lnRef idx="2">
+            <a:schemeClr val="accent1">
+              <a:shade val="50000"/>
+            </a:schemeClr>
+          </a:lnRef>
+          <a:fillRef idx="1">
+            <a:schemeClr val="accent1"/>
+          </a:fillRef>
+          <a:effectRef idx="0">
+            <a:schemeClr val="accent1"/>
+          </a:effectRef>
+          <a:fontRef idx="minor">
+            <a:schemeClr val="lt1"/>
+          </a:fontRef>
+        </p:style>
+        <p:txBody>
+          <a:bodyPr rtlCol="0" anchor="ctr"/>
+          <a:lstStyle/>
+          <a:p>
+            <a:pPr algn="ctr"/>
+            <a:r>
+              <a:rPr lang="en-US" altLang="zh-CN" sz="1200" dirty="0"/>
+              <a:t>kernel</a:t>
+            </a:r>
+            <a:endParaRPr lang="zh-CN" altLang="en-US" sz="1200" dirty="0"/>
+          </a:p>
+        </p:txBody>
+      </p:sp>
+      <p:sp>
+        <p:nvSpPr>
+          <p:cNvPr id="13" name="立方体 12">
+            <a:extLst>
+              <a:ext uri="{FF2B5EF4-FFF2-40B4-BE49-F238E27FC236}">
+                <a16:creationId xmlns:a16="http://schemas.microsoft.com/office/drawing/2014/main" id="{D2DA8301-4910-4D9D-830B-8DEB4A38EAC3}"/>
+              </a:ext>
+            </a:extLst>
+          </p:cNvPr>
+          <p:cNvSpPr/>
+          <p:nvPr/>
+        </p:nvSpPr>
+        <p:spPr>
+          <a:xfrm>
+            <a:off x="6249878" y="2218705"/>
+            <a:ext cx="1127464" cy="497150"/>
+          </a:xfrm>
+          <a:prstGeom prst="cube">
+            <a:avLst/>
+          </a:prstGeom>
+        </p:spPr>
+        <p:style>
+          <a:lnRef idx="2">
+            <a:schemeClr val="accent1">
+              <a:shade val="50000"/>
+            </a:schemeClr>
+          </a:lnRef>
+          <a:fillRef idx="1">
+            <a:schemeClr val="accent1"/>
+          </a:fillRef>
+          <a:effectRef idx="0">
+            <a:schemeClr val="accent1"/>
+          </a:effectRef>
+          <a:fontRef idx="minor">
+            <a:schemeClr val="lt1"/>
+          </a:fontRef>
+        </p:style>
+        <p:txBody>
+          <a:bodyPr rtlCol="0" anchor="ctr"/>
+          <a:lstStyle/>
+          <a:p>
+            <a:pPr algn="ctr"/>
+            <a:r>
+              <a:rPr lang="en-US" altLang="zh-CN" sz="1200" dirty="0" err="1"/>
+              <a:t>FileSystem</a:t>
+            </a:r>
+            <a:endParaRPr lang="zh-CN" altLang="en-US" sz="1200" dirty="0"/>
+          </a:p>
+        </p:txBody>
+      </p:sp>
+      <p:sp>
+        <p:nvSpPr>
+          <p:cNvPr id="14" name="箭头: 上下 13">
+            <a:extLst>
+              <a:ext uri="{FF2B5EF4-FFF2-40B4-BE49-F238E27FC236}">
+                <a16:creationId xmlns:a16="http://schemas.microsoft.com/office/drawing/2014/main" id="{BF5D8777-7EC9-4EF5-8067-40A0828C9D34}"/>
+              </a:ext>
+            </a:extLst>
+          </p:cNvPr>
+          <p:cNvSpPr/>
+          <p:nvPr/>
+        </p:nvSpPr>
+        <p:spPr>
+          <a:xfrm>
+            <a:off x="6813610" y="2715855"/>
+            <a:ext cx="79898" cy="308289"/>
+          </a:xfrm>
+          <a:prstGeom prst="upDownArrow">
+            <a:avLst/>
+          </a:prstGeom>
+        </p:spPr>
+        <p:style>
+          <a:lnRef idx="2">
+            <a:schemeClr val="accent1">
+              <a:shade val="50000"/>
+            </a:schemeClr>
+          </a:lnRef>
+          <a:fillRef idx="1">
+            <a:schemeClr val="accent1"/>
+          </a:fillRef>
+          <a:effectRef idx="0">
+            <a:schemeClr val="accent1"/>
+          </a:effectRef>
+          <a:fontRef idx="minor">
+            <a:schemeClr val="lt1"/>
+          </a:fontRef>
+        </p:style>
+        <p:txBody>
+          <a:bodyPr rtlCol="0" anchor="ctr"/>
+          <a:lstStyle/>
+          <a:p>
+            <a:pPr algn="ctr"/>
+            <a:endParaRPr lang="zh-CN" altLang="en-US"/>
+          </a:p>
+        </p:txBody>
+      </p:sp>
+      <p:sp>
+        <p:nvSpPr>
+          <p:cNvPr id="15" name="立方体 14">
+            <a:extLst>
+              <a:ext uri="{FF2B5EF4-FFF2-40B4-BE49-F238E27FC236}">
+                <a16:creationId xmlns:a16="http://schemas.microsoft.com/office/drawing/2014/main" id="{E78C9CD9-CDD3-4ABD-9107-ECA51AE9BB18}"/>
+              </a:ext>
+            </a:extLst>
+          </p:cNvPr>
+          <p:cNvSpPr/>
+          <p:nvPr/>
+        </p:nvSpPr>
+        <p:spPr>
+          <a:xfrm>
+            <a:off x="6289827" y="1438328"/>
+            <a:ext cx="1127464" cy="497150"/>
+          </a:xfrm>
+          <a:prstGeom prst="cube">
+            <a:avLst/>
+          </a:prstGeom>
+        </p:spPr>
+        <p:style>
+          <a:lnRef idx="2">
+            <a:schemeClr val="accent1">
+              <a:shade val="50000"/>
+            </a:schemeClr>
+          </a:lnRef>
+          <a:fillRef idx="1">
+            <a:schemeClr val="accent1"/>
+          </a:fillRef>
+          <a:effectRef idx="0">
+            <a:schemeClr val="accent1"/>
+          </a:effectRef>
+          <a:fontRef idx="minor">
+            <a:schemeClr val="lt1"/>
+          </a:fontRef>
+        </p:style>
+        <p:txBody>
+          <a:bodyPr rtlCol="0" anchor="ctr"/>
+          <a:lstStyle/>
+          <a:p>
+            <a:pPr algn="ctr"/>
+            <a:r>
+              <a:rPr lang="en-US" altLang="zh-CN" sz="1200" dirty="0"/>
+              <a:t>Applications</a:t>
+            </a:r>
+            <a:endParaRPr lang="zh-CN" altLang="en-US" sz="1200" dirty="0"/>
+          </a:p>
+        </p:txBody>
+      </p:sp>
+      <p:sp>
+        <p:nvSpPr>
+          <p:cNvPr id="16" name="箭头: 上下 15">
+            <a:extLst>
+              <a:ext uri="{FF2B5EF4-FFF2-40B4-BE49-F238E27FC236}">
+                <a16:creationId xmlns:a16="http://schemas.microsoft.com/office/drawing/2014/main" id="{CCE7C80B-1631-43AD-9E58-CBCCD79B03A9}"/>
+              </a:ext>
+            </a:extLst>
+          </p:cNvPr>
+          <p:cNvSpPr/>
+          <p:nvPr/>
+        </p:nvSpPr>
+        <p:spPr>
+          <a:xfrm>
+            <a:off x="6782538" y="1951992"/>
+            <a:ext cx="79898" cy="308289"/>
+          </a:xfrm>
+          <a:prstGeom prst="upDownArrow">
+            <a:avLst/>
+          </a:prstGeom>
+        </p:spPr>
+        <p:style>
+          <a:lnRef idx="2">
+            <a:schemeClr val="accent1">
+              <a:shade val="50000"/>
+            </a:schemeClr>
+          </a:lnRef>
+          <a:fillRef idx="1">
+            <a:schemeClr val="accent1"/>
+          </a:fillRef>
+          <a:effectRef idx="0">
+            <a:schemeClr val="accent1"/>
+          </a:effectRef>
+          <a:fontRef idx="minor">
+            <a:schemeClr val="lt1"/>
+          </a:fontRef>
+        </p:style>
+        <p:txBody>
+          <a:bodyPr rtlCol="0" anchor="ctr"/>
+          <a:lstStyle/>
+          <a:p>
+            <a:pPr algn="ctr"/>
+            <a:endParaRPr lang="zh-CN" altLang="en-US"/>
+          </a:p>
+        </p:txBody>
+      </p:sp>
+      <p:sp>
+        <p:nvSpPr>
+          <p:cNvPr id="17" name="立方体 16">
+            <a:extLst>
+              <a:ext uri="{FF2B5EF4-FFF2-40B4-BE49-F238E27FC236}">
+                <a16:creationId xmlns:a16="http://schemas.microsoft.com/office/drawing/2014/main" id="{6F6A4280-5667-40DC-BFC6-5A16F0C13F12}"/>
+              </a:ext>
+            </a:extLst>
+          </p:cNvPr>
+          <p:cNvSpPr/>
+          <p:nvPr/>
+        </p:nvSpPr>
+        <p:spPr>
+          <a:xfrm>
+            <a:off x="7382162" y="3073675"/>
+            <a:ext cx="1388612" cy="497150"/>
+          </a:xfrm>
+          <a:prstGeom prst="cube">
+            <a:avLst/>
+          </a:prstGeom>
+        </p:spPr>
+        <p:style>
+          <a:lnRef idx="2">
+            <a:schemeClr val="accent1">
+              <a:shade val="50000"/>
+            </a:schemeClr>
+          </a:lnRef>
+          <a:fillRef idx="1">
+            <a:schemeClr val="accent1"/>
+          </a:fillRef>
+          <a:effectRef idx="0">
+            <a:schemeClr val="accent1"/>
+          </a:effectRef>
+          <a:fontRef idx="minor">
+            <a:schemeClr val="lt1"/>
+          </a:fontRef>
+        </p:style>
+        <p:txBody>
+          <a:bodyPr rtlCol="0" anchor="ctr"/>
+          <a:lstStyle/>
+          <a:p>
+            <a:pPr algn="ctr"/>
+            <a:r>
+              <a:rPr lang="en-US" altLang="zh-CN" sz="1200" dirty="0"/>
+              <a:t>Driver(open/read/write/</a:t>
+            </a:r>
+            <a:r>
+              <a:rPr lang="en-US" altLang="zh-CN" sz="1200" dirty="0" err="1"/>
+              <a:t>ioctl</a:t>
+            </a:r>
+            <a:r>
+              <a:rPr lang="en-US" altLang="zh-CN" sz="1200" dirty="0"/>
+              <a:t>…) </a:t>
+            </a:r>
+            <a:endParaRPr lang="zh-CN" altLang="en-US" sz="1200" dirty="0"/>
+          </a:p>
+        </p:txBody>
+      </p:sp>
+      <p:sp>
+        <p:nvSpPr>
+          <p:cNvPr id="19" name="立方体 18">
+            <a:extLst>
+              <a:ext uri="{FF2B5EF4-FFF2-40B4-BE49-F238E27FC236}">
+                <a16:creationId xmlns:a16="http://schemas.microsoft.com/office/drawing/2014/main" id="{6DC5E313-26F0-4557-9B29-9CC568E11C1B}"/>
+              </a:ext>
+            </a:extLst>
+          </p:cNvPr>
+          <p:cNvSpPr/>
+          <p:nvPr/>
+        </p:nvSpPr>
+        <p:spPr>
+          <a:xfrm>
+            <a:off x="7728008" y="2183552"/>
+            <a:ext cx="1240273" cy="497150"/>
+          </a:xfrm>
+          <a:prstGeom prst="cube">
+            <a:avLst/>
+          </a:prstGeom>
+        </p:spPr>
+        <p:style>
+          <a:lnRef idx="2">
+            <a:schemeClr val="accent1">
+              <a:shade val="50000"/>
+            </a:schemeClr>
+          </a:lnRef>
+          <a:fillRef idx="1">
+            <a:schemeClr val="accent1"/>
+          </a:fillRef>
+          <a:effectRef idx="0">
+            <a:schemeClr val="accent1"/>
+          </a:effectRef>
+          <a:fontRef idx="minor">
+            <a:schemeClr val="lt1"/>
+          </a:fontRef>
+        </p:style>
+        <p:txBody>
+          <a:bodyPr rtlCol="0" anchor="ctr"/>
+          <a:lstStyle/>
+          <a:p>
+            <a:pPr algn="ctr"/>
+            <a:r>
+              <a:rPr lang="en-US" altLang="zh-CN" sz="1200" dirty="0"/>
+              <a:t>Library(</a:t>
+            </a:r>
+            <a:r>
+              <a:rPr lang="en-US" altLang="zh-CN" sz="1200" dirty="0" err="1"/>
+              <a:t>glibc</a:t>
+            </a:r>
+            <a:r>
+              <a:rPr lang="en-US" altLang="zh-CN" sz="1200" dirty="0"/>
+              <a:t>…)</a:t>
+            </a:r>
+            <a:endParaRPr lang="zh-CN" altLang="en-US" sz="1200" dirty="0"/>
+          </a:p>
+        </p:txBody>
+      </p:sp>
+      <p:sp>
+        <p:nvSpPr>
+          <p:cNvPr id="20" name="箭头: 左右 19">
+            <a:extLst>
+              <a:ext uri="{FF2B5EF4-FFF2-40B4-BE49-F238E27FC236}">
+                <a16:creationId xmlns:a16="http://schemas.microsoft.com/office/drawing/2014/main" id="{E3E45EC7-1AA3-475C-8F4D-76290CFE6A00}"/>
+              </a:ext>
+            </a:extLst>
+          </p:cNvPr>
+          <p:cNvSpPr/>
+          <p:nvPr/>
+        </p:nvSpPr>
+        <p:spPr>
+          <a:xfrm>
+            <a:off x="7365863" y="2457961"/>
+            <a:ext cx="362145" cy="106532"/>
+          </a:xfrm>
+          <a:prstGeom prst="leftRightArrow">
+            <a:avLst/>
+          </a:prstGeom>
+        </p:spPr>
+        <p:style>
+          <a:lnRef idx="2">
+            <a:schemeClr val="accent1">
+              <a:shade val="50000"/>
+            </a:schemeClr>
+          </a:lnRef>
+          <a:fillRef idx="1">
+            <a:schemeClr val="accent1"/>
+          </a:fillRef>
+          <a:effectRef idx="0">
+            <a:schemeClr val="accent1"/>
+          </a:effectRef>
+          <a:fontRef idx="minor">
+            <a:schemeClr val="lt1"/>
+          </a:fontRef>
+        </p:style>
+        <p:txBody>
+          <a:bodyPr rtlCol="0" anchor="ctr"/>
+          <a:lstStyle/>
+          <a:p>
+            <a:pPr algn="ctr"/>
+            <a:endParaRPr lang="zh-CN" altLang="en-US"/>
+          </a:p>
+        </p:txBody>
+      </p:sp>
+      <p:cxnSp>
+        <p:nvCxnSpPr>
+          <p:cNvPr id="22" name="直接箭头连接符 21">
+            <a:extLst>
+              <a:ext uri="{FF2B5EF4-FFF2-40B4-BE49-F238E27FC236}">
+                <a16:creationId xmlns:a16="http://schemas.microsoft.com/office/drawing/2014/main" id="{09085910-CB1B-4F70-BF4B-506FEBDC17F8}"/>
+              </a:ext>
+            </a:extLst>
+          </p:cNvPr>
+          <p:cNvCxnSpPr>
+            <a:cxnSpLocks/>
+            <a:stCxn id="17" idx="5"/>
+          </p:cNvCxnSpPr>
+          <p:nvPr/>
+        </p:nvCxnSpPr>
+        <p:spPr>
+          <a:xfrm flipV="1">
+            <a:off x="8770774" y="3089099"/>
+            <a:ext cx="368427" cy="171007"/>
+          </a:xfrm>
+          <a:prstGeom prst="straightConnector1">
+            <a:avLst/>
+          </a:prstGeom>
+          <a:ln>
+            <a:tailEnd type="triangle"/>
+          </a:ln>
+        </p:spPr>
+        <p:style>
+          <a:lnRef idx="1">
+            <a:schemeClr val="accent1"/>
+          </a:lnRef>
+          <a:fillRef idx="0">
+            <a:schemeClr val="accent1"/>
+          </a:fillRef>
+          <a:effectRef idx="0">
+            <a:schemeClr val="accent1"/>
+          </a:effectRef>
+          <a:fontRef idx="minor">
+            <a:schemeClr val="tx1"/>
+          </a:fontRef>
+        </p:style>
+      </p:cxnSp>
+      <p:cxnSp>
+        <p:nvCxnSpPr>
+          <p:cNvPr id="23" name="直接箭头连接符 22">
+            <a:extLst>
+              <a:ext uri="{FF2B5EF4-FFF2-40B4-BE49-F238E27FC236}">
+                <a16:creationId xmlns:a16="http://schemas.microsoft.com/office/drawing/2014/main" id="{6A466E73-EDEB-4B50-B2E3-C8C207AB653D}"/>
+              </a:ext>
+            </a:extLst>
+          </p:cNvPr>
+          <p:cNvCxnSpPr>
+            <a:cxnSpLocks/>
+            <a:stCxn id="17" idx="5"/>
+          </p:cNvCxnSpPr>
+          <p:nvPr/>
+        </p:nvCxnSpPr>
+        <p:spPr>
+          <a:xfrm>
+            <a:off x="8770774" y="3260106"/>
+            <a:ext cx="368427" cy="168676"/>
+          </a:xfrm>
+          <a:prstGeom prst="straightConnector1">
+            <a:avLst/>
+          </a:prstGeom>
+          <a:ln>
+            <a:tailEnd type="triangle"/>
+          </a:ln>
+        </p:spPr>
+        <p:style>
+          <a:lnRef idx="1">
+            <a:schemeClr val="accent1"/>
+          </a:lnRef>
+          <a:fillRef idx="0">
+            <a:schemeClr val="accent1"/>
+          </a:fillRef>
+          <a:effectRef idx="0">
+            <a:schemeClr val="accent1"/>
+          </a:effectRef>
+          <a:fontRef idx="minor">
+            <a:schemeClr val="tx1"/>
+          </a:fontRef>
+        </p:style>
+      </p:cxnSp>
+      <p:cxnSp>
+        <p:nvCxnSpPr>
+          <p:cNvPr id="26" name="直接箭头连接符 25">
+            <a:extLst>
+              <a:ext uri="{FF2B5EF4-FFF2-40B4-BE49-F238E27FC236}">
+                <a16:creationId xmlns:a16="http://schemas.microsoft.com/office/drawing/2014/main" id="{FEA867EA-C031-4ED7-BA92-1792AE0F13CA}"/>
+              </a:ext>
+            </a:extLst>
+          </p:cNvPr>
+          <p:cNvCxnSpPr>
+            <a:cxnSpLocks/>
+            <a:stCxn id="17" idx="5"/>
+          </p:cNvCxnSpPr>
+          <p:nvPr/>
+        </p:nvCxnSpPr>
+        <p:spPr>
+          <a:xfrm>
+            <a:off x="8770774" y="3260106"/>
+            <a:ext cx="294446" cy="395448"/>
+          </a:xfrm>
+          <a:prstGeom prst="straightConnector1">
+            <a:avLst/>
+          </a:prstGeom>
+          <a:ln>
+            <a:tailEnd type="triangle"/>
+          </a:ln>
+        </p:spPr>
+        <p:style>
+          <a:lnRef idx="1">
+            <a:schemeClr val="accent1"/>
+          </a:lnRef>
+          <a:fillRef idx="0">
+            <a:schemeClr val="accent1"/>
+          </a:fillRef>
+          <a:effectRef idx="0">
+            <a:schemeClr val="accent1"/>
+          </a:effectRef>
+          <a:fontRef idx="minor">
+            <a:schemeClr val="tx1"/>
+          </a:fontRef>
+        </p:style>
+      </p:cxnSp>
+      <p:sp>
+        <p:nvSpPr>
+          <p:cNvPr id="28" name="文本框 27">
+            <a:extLst>
+              <a:ext uri="{FF2B5EF4-FFF2-40B4-BE49-F238E27FC236}">
+                <a16:creationId xmlns:a16="http://schemas.microsoft.com/office/drawing/2014/main" id="{AD1022A9-C111-4A2C-9B87-9BBE9DCF9345}"/>
+              </a:ext>
+            </a:extLst>
+          </p:cNvPr>
+          <p:cNvSpPr txBox="1"/>
+          <p:nvPr/>
+        </p:nvSpPr>
+        <p:spPr>
+          <a:xfrm>
+            <a:off x="9214854" y="3013885"/>
+            <a:ext cx="1127464" cy="246221"/>
+          </a:xfrm>
+          <a:prstGeom prst="rect">
+            <a:avLst/>
+          </a:prstGeom>
+          <a:noFill/>
+        </p:spPr>
+        <p:txBody>
+          <a:bodyPr wrap="square" rtlCol="0">
+            <a:spAutoFit/>
+          </a:bodyPr>
+          <a:lstStyle/>
+          <a:p>
+            <a:r>
+              <a:rPr lang="en-US" altLang="zh-CN" sz="1000" dirty="0"/>
+              <a:t>Character device</a:t>
+            </a:r>
+            <a:endParaRPr lang="zh-CN" altLang="en-US" sz="1000" dirty="0"/>
+          </a:p>
+        </p:txBody>
+      </p:sp>
+      <p:sp>
+        <p:nvSpPr>
+          <p:cNvPr id="29" name="文本框 28">
+            <a:extLst>
+              <a:ext uri="{FF2B5EF4-FFF2-40B4-BE49-F238E27FC236}">
+                <a16:creationId xmlns:a16="http://schemas.microsoft.com/office/drawing/2014/main" id="{A2E99E23-79D9-4216-BB56-9E656FC6E87B}"/>
+              </a:ext>
+            </a:extLst>
+          </p:cNvPr>
+          <p:cNvSpPr txBox="1"/>
+          <p:nvPr/>
+        </p:nvSpPr>
+        <p:spPr>
+          <a:xfrm>
+            <a:off x="9218367" y="3324604"/>
+            <a:ext cx="1058665" cy="246221"/>
+          </a:xfrm>
+          <a:prstGeom prst="rect">
+            <a:avLst/>
+          </a:prstGeom>
+          <a:noFill/>
+        </p:spPr>
+        <p:txBody>
+          <a:bodyPr wrap="square" rtlCol="0">
+            <a:spAutoFit/>
+          </a:bodyPr>
+          <a:lstStyle/>
+          <a:p>
+            <a:r>
+              <a:rPr lang="en-US" altLang="zh-CN" sz="1000" dirty="0"/>
+              <a:t>Block device</a:t>
+            </a:r>
+            <a:endParaRPr lang="zh-CN" altLang="en-US" sz="1000" dirty="0"/>
+          </a:p>
+        </p:txBody>
+      </p:sp>
+      <p:sp>
+        <p:nvSpPr>
+          <p:cNvPr id="30" name="文本框 29">
+            <a:extLst>
+              <a:ext uri="{FF2B5EF4-FFF2-40B4-BE49-F238E27FC236}">
+                <a16:creationId xmlns:a16="http://schemas.microsoft.com/office/drawing/2014/main" id="{A8B5CB1E-954A-4684-B82B-91613213E745}"/>
+              </a:ext>
+            </a:extLst>
+          </p:cNvPr>
+          <p:cNvSpPr txBox="1"/>
+          <p:nvPr/>
+        </p:nvSpPr>
+        <p:spPr>
+          <a:xfrm>
+            <a:off x="9198756" y="3556820"/>
+            <a:ext cx="1127463" cy="246221"/>
+          </a:xfrm>
+          <a:prstGeom prst="rect">
+            <a:avLst/>
+          </a:prstGeom>
+          <a:noFill/>
+        </p:spPr>
+        <p:txBody>
+          <a:bodyPr wrap="square" rtlCol="0">
+            <a:spAutoFit/>
+          </a:bodyPr>
+          <a:lstStyle/>
+          <a:p>
+            <a:r>
+              <a:rPr lang="en-US" altLang="zh-CN" sz="1000" dirty="0"/>
+              <a:t>Network device</a:t>
+            </a:r>
+            <a:endParaRPr lang="zh-CN" altLang="en-US" sz="1000" dirty="0"/>
+          </a:p>
+        </p:txBody>
+      </p:sp>
+      <p:sp>
+        <p:nvSpPr>
+          <p:cNvPr id="31" name="立方体 30">
+            <a:extLst>
+              <a:ext uri="{FF2B5EF4-FFF2-40B4-BE49-F238E27FC236}">
+                <a16:creationId xmlns:a16="http://schemas.microsoft.com/office/drawing/2014/main" id="{E15F0ED8-88AE-4EC6-90CE-75E77A4B3356}"/>
+              </a:ext>
+            </a:extLst>
+          </p:cNvPr>
+          <p:cNvSpPr/>
+          <p:nvPr/>
+        </p:nvSpPr>
+        <p:spPr>
+          <a:xfrm>
+            <a:off x="5015788" y="3099510"/>
+            <a:ext cx="1209582" cy="497150"/>
+          </a:xfrm>
+          <a:prstGeom prst="cube">
+            <a:avLst/>
+          </a:prstGeom>
+        </p:spPr>
+        <p:style>
+          <a:lnRef idx="2">
+            <a:schemeClr val="accent1">
+              <a:shade val="50000"/>
+            </a:schemeClr>
+          </a:lnRef>
+          <a:fillRef idx="1">
+            <a:schemeClr val="accent1"/>
+          </a:fillRef>
+          <a:effectRef idx="0">
+            <a:schemeClr val="accent1"/>
+          </a:effectRef>
+          <a:fontRef idx="minor">
+            <a:schemeClr val="lt1"/>
+          </a:fontRef>
+        </p:style>
+        <p:txBody>
+          <a:bodyPr rtlCol="0" anchor="ctr"/>
+          <a:lstStyle/>
+          <a:p>
+            <a:pPr algn="ctr"/>
+            <a:r>
+              <a:rPr lang="en-US" altLang="zh-CN" sz="1200" dirty="0"/>
+              <a:t>Kernel-</a:t>
+            </a:r>
+            <a:r>
+              <a:rPr lang="en-US" altLang="zh-CN" sz="1200" dirty="0" err="1"/>
+              <a:t>syscall</a:t>
+            </a:r>
+            <a:endParaRPr lang="zh-CN" altLang="en-US" sz="1200" dirty="0"/>
+          </a:p>
+        </p:txBody>
+      </p:sp>
+      <p:sp>
+        <p:nvSpPr>
+          <p:cNvPr id="32" name="箭头: 直角双向 31">
+            <a:extLst>
+              <a:ext uri="{FF2B5EF4-FFF2-40B4-BE49-F238E27FC236}">
+                <a16:creationId xmlns:a16="http://schemas.microsoft.com/office/drawing/2014/main" id="{E1137A9F-8F0A-440A-9731-0084B227F869}"/>
+              </a:ext>
+            </a:extLst>
+          </p:cNvPr>
+          <p:cNvSpPr/>
+          <p:nvPr/>
+        </p:nvSpPr>
+        <p:spPr>
+          <a:xfrm rot="5400000">
+            <a:off x="4568859" y="4395600"/>
+            <a:ext cx="1961966" cy="322195"/>
+          </a:xfrm>
+          <a:prstGeom prst="leftUpArrow">
+            <a:avLst/>
+          </a:prstGeom>
+        </p:spPr>
+        <p:style>
+          <a:lnRef idx="2">
+            <a:schemeClr val="accent1">
+              <a:shade val="50000"/>
+            </a:schemeClr>
+          </a:lnRef>
+          <a:fillRef idx="1">
+            <a:schemeClr val="accent1"/>
+          </a:fillRef>
+          <a:effectRef idx="0">
+            <a:schemeClr val="accent1"/>
+          </a:effectRef>
+          <a:fontRef idx="minor">
+            <a:schemeClr val="lt1"/>
+          </a:fontRef>
+        </p:style>
+        <p:txBody>
+          <a:bodyPr rtlCol="0" anchor="ctr"/>
+          <a:lstStyle/>
+          <a:p>
+            <a:pPr algn="ctr"/>
+            <a:endParaRPr lang="zh-CN" altLang="en-US"/>
+          </a:p>
+        </p:txBody>
+      </p:sp>
+      <p:cxnSp>
+        <p:nvCxnSpPr>
+          <p:cNvPr id="41" name="连接符: 曲线 40">
+            <a:extLst>
+              <a:ext uri="{FF2B5EF4-FFF2-40B4-BE49-F238E27FC236}">
+                <a16:creationId xmlns:a16="http://schemas.microsoft.com/office/drawing/2014/main" id="{CDC14709-BE9A-4E24-9B37-162A73CA3F8A}"/>
+              </a:ext>
+            </a:extLst>
+          </p:cNvPr>
+          <p:cNvCxnSpPr>
+            <a:cxnSpLocks/>
+          </p:cNvCxnSpPr>
+          <p:nvPr/>
+        </p:nvCxnSpPr>
+        <p:spPr>
+          <a:xfrm flipV="1">
+            <a:off x="7102135" y="4861140"/>
+            <a:ext cx="807866" cy="710602"/>
+          </a:xfrm>
+          <a:prstGeom prst="curvedConnector3">
+            <a:avLst/>
+          </a:prstGeom>
+          <a:ln>
+            <a:solidFill>
+              <a:srgbClr val="C00000"/>
+            </a:solidFill>
+            <a:prstDash val="sysDash"/>
+            <a:tailEnd type="triangle"/>
+          </a:ln>
+        </p:spPr>
+        <p:style>
+          <a:lnRef idx="1">
+            <a:schemeClr val="accent1"/>
+          </a:lnRef>
+          <a:fillRef idx="0">
+            <a:schemeClr val="accent1"/>
+          </a:fillRef>
+          <a:effectRef idx="0">
+            <a:schemeClr val="accent1"/>
+          </a:effectRef>
+          <a:fontRef idx="minor">
+            <a:schemeClr val="tx1"/>
+          </a:fontRef>
+        </p:style>
+      </p:cxnSp>
+      <p:sp>
+        <p:nvSpPr>
+          <p:cNvPr id="43" name="文本框 42">
+            <a:extLst>
+              <a:ext uri="{FF2B5EF4-FFF2-40B4-BE49-F238E27FC236}">
+                <a16:creationId xmlns:a16="http://schemas.microsoft.com/office/drawing/2014/main" id="{44C71754-F657-4316-B3DE-9EE68CD6A441}"/>
+              </a:ext>
+            </a:extLst>
+          </p:cNvPr>
+          <p:cNvSpPr txBox="1"/>
+          <p:nvPr/>
+        </p:nvSpPr>
+        <p:spPr>
+          <a:xfrm>
+            <a:off x="6977847" y="5767425"/>
+            <a:ext cx="798990" cy="246221"/>
+          </a:xfrm>
+          <a:prstGeom prst="rect">
+            <a:avLst/>
+          </a:prstGeom>
+          <a:noFill/>
+        </p:spPr>
+        <p:txBody>
+          <a:bodyPr wrap="square" rtlCol="0">
+            <a:spAutoFit/>
+          </a:bodyPr>
+          <a:lstStyle/>
+          <a:p>
+            <a:r>
+              <a:rPr lang="en-US" altLang="zh-CN" sz="1000" b="1" dirty="0"/>
+              <a:t>1.Boot</a:t>
+            </a:r>
+            <a:endParaRPr lang="zh-CN" altLang="en-US" sz="1000" b="1" dirty="0"/>
+          </a:p>
+        </p:txBody>
+      </p:sp>
+      <p:sp>
+        <p:nvSpPr>
+          <p:cNvPr id="44" name="流程图: 接点 43">
+            <a:extLst>
+              <a:ext uri="{FF2B5EF4-FFF2-40B4-BE49-F238E27FC236}">
+                <a16:creationId xmlns:a16="http://schemas.microsoft.com/office/drawing/2014/main" id="{E72BF010-DFF9-406C-B035-2B0FD726AE9D}"/>
+              </a:ext>
+            </a:extLst>
+          </p:cNvPr>
+          <p:cNvSpPr/>
+          <p:nvPr/>
+        </p:nvSpPr>
+        <p:spPr>
+          <a:xfrm>
+            <a:off x="7062186" y="5544028"/>
+            <a:ext cx="79898" cy="72609"/>
+          </a:xfrm>
+          <a:prstGeom prst="flowChartConnector">
+            <a:avLst/>
+          </a:prstGeom>
+          <a:solidFill>
+            <a:srgbClr val="FF0000"/>
+          </a:solidFill>
+          <a:ln>
+            <a:solidFill>
+              <a:srgbClr val="FF0000"/>
+            </a:solidFill>
+          </a:ln>
+        </p:spPr>
+        <p:style>
+          <a:lnRef idx="2">
+            <a:schemeClr val="accent1">
+              <a:shade val="50000"/>
+            </a:schemeClr>
+          </a:lnRef>
+          <a:fillRef idx="1">
+            <a:schemeClr val="accent1"/>
+          </a:fillRef>
+          <a:effectRef idx="0">
+            <a:schemeClr val="accent1"/>
+          </a:effectRef>
+          <a:fontRef idx="minor">
+            <a:schemeClr val="lt1"/>
+          </a:fontRef>
+        </p:style>
+        <p:txBody>
+          <a:bodyPr rtlCol="0" anchor="ctr"/>
+          <a:lstStyle/>
+          <a:p>
+            <a:pPr algn="ctr"/>
+            <a:endParaRPr lang="zh-CN" altLang="en-US"/>
+          </a:p>
+        </p:txBody>
+      </p:sp>
+      <p:cxnSp>
+        <p:nvCxnSpPr>
+          <p:cNvPr id="45" name="连接符: 曲线 44">
+            <a:extLst>
+              <a:ext uri="{FF2B5EF4-FFF2-40B4-BE49-F238E27FC236}">
+                <a16:creationId xmlns:a16="http://schemas.microsoft.com/office/drawing/2014/main" id="{F12137DD-E008-4F54-A31E-E6A93DCE8CB9}"/>
+              </a:ext>
+            </a:extLst>
+          </p:cNvPr>
+          <p:cNvCxnSpPr>
+            <a:cxnSpLocks/>
+          </p:cNvCxnSpPr>
+          <p:nvPr/>
+        </p:nvCxnSpPr>
+        <p:spPr>
+          <a:xfrm rot="16200000" flipV="1">
+            <a:off x="7144399" y="4176413"/>
+            <a:ext cx="710602" cy="695579"/>
+          </a:xfrm>
+          <a:prstGeom prst="curvedConnector3">
+            <a:avLst/>
+          </a:prstGeom>
+          <a:ln>
+            <a:solidFill>
+              <a:srgbClr val="C00000"/>
+            </a:solidFill>
+            <a:prstDash val="sysDash"/>
+            <a:tailEnd type="triangle"/>
+          </a:ln>
+        </p:spPr>
+        <p:style>
+          <a:lnRef idx="1">
+            <a:schemeClr val="accent1"/>
+          </a:lnRef>
+          <a:fillRef idx="0">
+            <a:schemeClr val="accent1"/>
+          </a:fillRef>
+          <a:effectRef idx="0">
+            <a:schemeClr val="accent1"/>
+          </a:effectRef>
+          <a:fontRef idx="minor">
+            <a:schemeClr val="tx1"/>
+          </a:fontRef>
+        </p:style>
+      </p:cxnSp>
+      <p:cxnSp>
+        <p:nvCxnSpPr>
+          <p:cNvPr id="47" name="连接符: 曲线 46">
+            <a:extLst>
+              <a:ext uri="{FF2B5EF4-FFF2-40B4-BE49-F238E27FC236}">
+                <a16:creationId xmlns:a16="http://schemas.microsoft.com/office/drawing/2014/main" id="{35554B1E-61C1-4533-9922-5BC5655692E0}"/>
+              </a:ext>
+            </a:extLst>
+          </p:cNvPr>
+          <p:cNvCxnSpPr>
+            <a:cxnSpLocks/>
+          </p:cNvCxnSpPr>
+          <p:nvPr/>
+        </p:nvCxnSpPr>
+        <p:spPr>
+          <a:xfrm rot="16200000" flipV="1">
+            <a:off x="6573031" y="3684251"/>
+            <a:ext cx="839311" cy="29678"/>
+          </a:xfrm>
+          <a:prstGeom prst="curvedConnector3">
+            <a:avLst>
+              <a:gd name="adj1" fmla="val 77501"/>
+            </a:avLst>
+          </a:prstGeom>
+          <a:ln>
+            <a:solidFill>
+              <a:srgbClr val="C00000"/>
+            </a:solidFill>
+            <a:prstDash val="sysDash"/>
+            <a:tailEnd type="triangle"/>
+          </a:ln>
+        </p:spPr>
+        <p:style>
+          <a:lnRef idx="1">
+            <a:schemeClr val="accent1"/>
+          </a:lnRef>
+          <a:fillRef idx="0">
+            <a:schemeClr val="accent1"/>
+          </a:fillRef>
+          <a:effectRef idx="0">
+            <a:schemeClr val="accent1"/>
+          </a:effectRef>
+          <a:fontRef idx="minor">
+            <a:schemeClr val="tx1"/>
+          </a:fontRef>
+        </p:style>
+      </p:cxnSp>
+      <p:cxnSp>
+        <p:nvCxnSpPr>
+          <p:cNvPr id="49" name="连接符: 曲线 48">
+            <a:extLst>
+              <a:ext uri="{FF2B5EF4-FFF2-40B4-BE49-F238E27FC236}">
+                <a16:creationId xmlns:a16="http://schemas.microsoft.com/office/drawing/2014/main" id="{F3E21902-2F50-45D8-B11E-36F2CB60B038}"/>
+              </a:ext>
+            </a:extLst>
+          </p:cNvPr>
+          <p:cNvCxnSpPr>
+            <a:cxnSpLocks/>
+            <a:endCxn id="20" idx="0"/>
+          </p:cNvCxnSpPr>
+          <p:nvPr/>
+        </p:nvCxnSpPr>
+        <p:spPr>
+          <a:xfrm rot="5400000" flipH="1" flipV="1">
+            <a:off x="6937985" y="2458059"/>
+            <a:ext cx="736854" cy="736659"/>
+          </a:xfrm>
+          <a:prstGeom prst="curvedConnector3">
+            <a:avLst>
+              <a:gd name="adj1" fmla="val 92470"/>
+            </a:avLst>
+          </a:prstGeom>
+          <a:ln>
+            <a:solidFill>
+              <a:srgbClr val="C00000"/>
+            </a:solidFill>
+            <a:prstDash val="sysDash"/>
+            <a:tailEnd type="triangle"/>
+          </a:ln>
+        </p:spPr>
+        <p:style>
+          <a:lnRef idx="1">
+            <a:schemeClr val="accent1"/>
+          </a:lnRef>
+          <a:fillRef idx="0">
+            <a:schemeClr val="accent1"/>
+          </a:fillRef>
+          <a:effectRef idx="0">
+            <a:schemeClr val="accent1"/>
+          </a:effectRef>
+          <a:fontRef idx="minor">
+            <a:schemeClr val="tx1"/>
+          </a:fontRef>
+        </p:style>
+      </p:cxnSp>
+      <p:cxnSp>
+        <p:nvCxnSpPr>
+          <p:cNvPr id="54" name="连接符: 曲线 53">
+            <a:extLst>
+              <a:ext uri="{FF2B5EF4-FFF2-40B4-BE49-F238E27FC236}">
+                <a16:creationId xmlns:a16="http://schemas.microsoft.com/office/drawing/2014/main" id="{9CC55C9F-FAB3-4D6B-966F-7ADA321C3CFA}"/>
+              </a:ext>
+            </a:extLst>
+          </p:cNvPr>
+          <p:cNvCxnSpPr>
+            <a:cxnSpLocks/>
+          </p:cNvCxnSpPr>
+          <p:nvPr/>
+        </p:nvCxnSpPr>
+        <p:spPr>
+          <a:xfrm rot="16200000" flipV="1">
+            <a:off x="6582321" y="2142620"/>
+            <a:ext cx="894743" cy="129924"/>
+          </a:xfrm>
+          <a:prstGeom prst="curvedConnector3">
+            <a:avLst>
+              <a:gd name="adj1" fmla="val 50000"/>
+            </a:avLst>
+          </a:prstGeom>
+          <a:ln>
+            <a:solidFill>
+              <a:srgbClr val="C00000"/>
+            </a:solidFill>
+            <a:prstDash val="sysDash"/>
+            <a:tailEnd type="triangle"/>
+          </a:ln>
+        </p:spPr>
+        <p:style>
+          <a:lnRef idx="1">
+            <a:schemeClr val="accent1"/>
+          </a:lnRef>
+          <a:fillRef idx="0">
+            <a:schemeClr val="accent1"/>
+          </a:fillRef>
+          <a:effectRef idx="0">
+            <a:schemeClr val="accent1"/>
+          </a:effectRef>
+          <a:fontRef idx="minor">
+            <a:schemeClr val="tx1"/>
+          </a:fontRef>
+        </p:style>
+      </p:cxnSp>
+      <p:cxnSp>
+        <p:nvCxnSpPr>
+          <p:cNvPr id="56" name="连接符: 曲线 55">
+            <a:extLst>
+              <a:ext uri="{FF2B5EF4-FFF2-40B4-BE49-F238E27FC236}">
+                <a16:creationId xmlns:a16="http://schemas.microsoft.com/office/drawing/2014/main" id="{B8071BD6-BE1D-423D-9346-84EE4CE8EB24}"/>
+              </a:ext>
+            </a:extLst>
+          </p:cNvPr>
+          <p:cNvCxnSpPr>
+            <a:cxnSpLocks/>
+            <a:endCxn id="17" idx="2"/>
+          </p:cNvCxnSpPr>
+          <p:nvPr/>
+        </p:nvCxnSpPr>
+        <p:spPr>
+          <a:xfrm flipV="1">
+            <a:off x="6937712" y="3384394"/>
+            <a:ext cx="444450" cy="83042"/>
+          </a:xfrm>
+          <a:prstGeom prst="curvedConnector3">
+            <a:avLst>
+              <a:gd name="adj1" fmla="val 50000"/>
+            </a:avLst>
+          </a:prstGeom>
+          <a:ln>
+            <a:solidFill>
+              <a:srgbClr val="C00000"/>
+            </a:solidFill>
+            <a:prstDash val="sysDash"/>
+            <a:tailEnd type="triangle"/>
+          </a:ln>
+        </p:spPr>
+        <p:style>
+          <a:lnRef idx="1">
+            <a:schemeClr val="accent1"/>
+          </a:lnRef>
+          <a:fillRef idx="0">
+            <a:schemeClr val="accent1"/>
+          </a:fillRef>
+          <a:effectRef idx="0">
+            <a:schemeClr val="accent1"/>
+          </a:effectRef>
+          <a:fontRef idx="minor">
+            <a:schemeClr val="tx1"/>
+          </a:fontRef>
+        </p:style>
+      </p:cxnSp>
+      <p:sp>
+        <p:nvSpPr>
+          <p:cNvPr id="59" name="流程图: 接点 58">
+            <a:extLst>
+              <a:ext uri="{FF2B5EF4-FFF2-40B4-BE49-F238E27FC236}">
+                <a16:creationId xmlns:a16="http://schemas.microsoft.com/office/drawing/2014/main" id="{2491BC39-7052-40B2-B21A-078DA3EB1808}"/>
+              </a:ext>
+            </a:extLst>
+          </p:cNvPr>
+          <p:cNvSpPr/>
+          <p:nvPr/>
+        </p:nvSpPr>
+        <p:spPr>
+          <a:xfrm>
+            <a:off x="6573913" y="1290827"/>
+            <a:ext cx="79898" cy="72609"/>
+          </a:xfrm>
+          <a:prstGeom prst="flowChartConnector">
+            <a:avLst/>
+          </a:prstGeom>
+          <a:solidFill>
+            <a:srgbClr val="7030A0"/>
+          </a:solidFill>
+          <a:ln>
+            <a:solidFill>
+              <a:srgbClr val="7030A0"/>
+            </a:solidFill>
+          </a:ln>
+        </p:spPr>
+        <p:style>
+          <a:lnRef idx="2">
+            <a:schemeClr val="accent1">
+              <a:shade val="50000"/>
+            </a:schemeClr>
+          </a:lnRef>
+          <a:fillRef idx="1">
+            <a:schemeClr val="accent1"/>
+          </a:fillRef>
+          <a:effectRef idx="0">
+            <a:schemeClr val="accent1"/>
+          </a:effectRef>
+          <a:fontRef idx="minor">
+            <a:schemeClr val="lt1"/>
+          </a:fontRef>
+        </p:style>
+        <p:txBody>
+          <a:bodyPr rtlCol="0" anchor="ctr"/>
+          <a:lstStyle/>
+          <a:p>
+            <a:pPr algn="ctr"/>
+            <a:endParaRPr lang="zh-CN" altLang="en-US"/>
+          </a:p>
+        </p:txBody>
+      </p:sp>
+      <p:sp>
+        <p:nvSpPr>
+          <p:cNvPr id="60" name="流程图: 接点 59">
+            <a:extLst>
+              <a:ext uri="{FF2B5EF4-FFF2-40B4-BE49-F238E27FC236}">
+                <a16:creationId xmlns:a16="http://schemas.microsoft.com/office/drawing/2014/main" id="{DA2A7E85-F1D0-4579-A136-EDB3A51B2255}"/>
+              </a:ext>
+            </a:extLst>
+          </p:cNvPr>
+          <p:cNvSpPr/>
+          <p:nvPr/>
+        </p:nvSpPr>
+        <p:spPr>
+          <a:xfrm>
+            <a:off x="6927628" y="1690224"/>
+            <a:ext cx="79898" cy="72609"/>
+          </a:xfrm>
+          <a:prstGeom prst="flowChartConnector">
+            <a:avLst/>
+          </a:prstGeom>
+          <a:solidFill>
+            <a:srgbClr val="FF0000"/>
+          </a:solidFill>
+          <a:ln>
+            <a:solidFill>
+              <a:srgbClr val="FF0000"/>
+            </a:solidFill>
+          </a:ln>
+        </p:spPr>
+        <p:style>
+          <a:lnRef idx="2">
+            <a:schemeClr val="accent1">
+              <a:shade val="50000"/>
+            </a:schemeClr>
+          </a:lnRef>
+          <a:fillRef idx="1">
+            <a:schemeClr val="accent1"/>
+          </a:fillRef>
+          <a:effectRef idx="0">
+            <a:schemeClr val="accent1"/>
+          </a:effectRef>
+          <a:fontRef idx="minor">
+            <a:schemeClr val="lt1"/>
+          </a:fontRef>
+        </p:style>
+        <p:txBody>
+          <a:bodyPr rtlCol="0" anchor="ctr"/>
+          <a:lstStyle/>
+          <a:p>
+            <a:pPr algn="ctr"/>
+            <a:endParaRPr lang="zh-CN" altLang="en-US"/>
+          </a:p>
+        </p:txBody>
+      </p:sp>
+      <p:sp>
+        <p:nvSpPr>
+          <p:cNvPr id="61" name="文本框 60">
+            <a:extLst>
+              <a:ext uri="{FF2B5EF4-FFF2-40B4-BE49-F238E27FC236}">
+                <a16:creationId xmlns:a16="http://schemas.microsoft.com/office/drawing/2014/main" id="{D4E6B0A0-6CC5-4FE6-B33F-E05030AB2388}"/>
+              </a:ext>
+            </a:extLst>
+          </p:cNvPr>
+          <p:cNvSpPr txBox="1"/>
+          <p:nvPr/>
+        </p:nvSpPr>
+        <p:spPr>
+          <a:xfrm>
+            <a:off x="6662691" y="1124543"/>
+            <a:ext cx="798990" cy="246221"/>
+          </a:xfrm>
+          <a:prstGeom prst="rect">
+            <a:avLst/>
+          </a:prstGeom>
+          <a:noFill/>
+        </p:spPr>
+        <p:txBody>
+          <a:bodyPr wrap="square" rtlCol="0">
+            <a:spAutoFit/>
+          </a:bodyPr>
+          <a:lstStyle/>
+          <a:p>
+            <a:r>
+              <a:rPr lang="en-US" altLang="zh-CN" sz="1000" b="1" dirty="0"/>
+              <a:t>2.RunTime</a:t>
+            </a:r>
+            <a:endParaRPr lang="zh-CN" altLang="en-US" sz="1000" b="1" dirty="0"/>
+          </a:p>
+        </p:txBody>
+      </p:sp>
+      <p:cxnSp>
+        <p:nvCxnSpPr>
+          <p:cNvPr id="62" name="连接符: 曲线 61">
+            <a:extLst>
+              <a:ext uri="{FF2B5EF4-FFF2-40B4-BE49-F238E27FC236}">
+                <a16:creationId xmlns:a16="http://schemas.microsoft.com/office/drawing/2014/main" id="{6124D24F-8F96-4169-A580-1264EB000E7F}"/>
+              </a:ext>
+            </a:extLst>
+          </p:cNvPr>
+          <p:cNvCxnSpPr>
+            <a:cxnSpLocks/>
+          </p:cNvCxnSpPr>
+          <p:nvPr/>
+        </p:nvCxnSpPr>
+        <p:spPr>
+          <a:xfrm rot="5400000">
+            <a:off x="6016168" y="1846848"/>
+            <a:ext cx="1084672" cy="137555"/>
+          </a:xfrm>
+          <a:prstGeom prst="curvedConnector3">
+            <a:avLst/>
+          </a:prstGeom>
+          <a:ln>
+            <a:solidFill>
+              <a:srgbClr val="7030A0"/>
+            </a:solidFill>
+            <a:prstDash val="sysDash"/>
+            <a:tailEnd type="triangle"/>
+          </a:ln>
+        </p:spPr>
+        <p:style>
+          <a:lnRef idx="1">
+            <a:schemeClr val="accent1"/>
+          </a:lnRef>
+          <a:fillRef idx="0">
+            <a:schemeClr val="accent1"/>
+          </a:fillRef>
+          <a:effectRef idx="0">
+            <a:schemeClr val="accent1"/>
+          </a:effectRef>
+          <a:fontRef idx="minor">
+            <a:schemeClr val="tx1"/>
+          </a:fontRef>
+        </p:style>
+      </p:cxnSp>
+      <p:cxnSp>
+        <p:nvCxnSpPr>
+          <p:cNvPr id="73" name="连接符: 曲线 72">
+            <a:extLst>
+              <a:ext uri="{FF2B5EF4-FFF2-40B4-BE49-F238E27FC236}">
+                <a16:creationId xmlns:a16="http://schemas.microsoft.com/office/drawing/2014/main" id="{74935B05-BDCD-48F0-AC21-62701FAF6488}"/>
+              </a:ext>
+            </a:extLst>
+          </p:cNvPr>
+          <p:cNvCxnSpPr>
+            <a:cxnSpLocks/>
+            <a:endCxn id="31" idx="4"/>
+          </p:cNvCxnSpPr>
+          <p:nvPr/>
+        </p:nvCxnSpPr>
+        <p:spPr>
+          <a:xfrm rot="5400000">
+            <a:off x="5845366" y="2754321"/>
+            <a:ext cx="911625" cy="400190"/>
+          </a:xfrm>
+          <a:prstGeom prst="curvedConnector2">
+            <a:avLst/>
+          </a:prstGeom>
+          <a:ln>
+            <a:solidFill>
+              <a:srgbClr val="7030A0"/>
+            </a:solidFill>
+            <a:prstDash val="sysDash"/>
+            <a:tailEnd type="triangle"/>
+          </a:ln>
+        </p:spPr>
+        <p:style>
+          <a:lnRef idx="1">
+            <a:schemeClr val="accent1"/>
+          </a:lnRef>
+          <a:fillRef idx="0">
+            <a:schemeClr val="accent1"/>
+          </a:fillRef>
+          <a:effectRef idx="0">
+            <a:schemeClr val="accent1"/>
+          </a:effectRef>
+          <a:fontRef idx="minor">
+            <a:schemeClr val="tx1"/>
+          </a:fontRef>
+        </p:style>
+      </p:cxnSp>
+      <p:cxnSp>
+        <p:nvCxnSpPr>
+          <p:cNvPr id="75" name="连接符: 曲线 74">
+            <a:extLst>
+              <a:ext uri="{FF2B5EF4-FFF2-40B4-BE49-F238E27FC236}">
+                <a16:creationId xmlns:a16="http://schemas.microsoft.com/office/drawing/2014/main" id="{493132F5-F629-4892-BC22-3B8FB7E7467B}"/>
+              </a:ext>
+            </a:extLst>
+          </p:cNvPr>
+          <p:cNvCxnSpPr>
+            <a:cxnSpLocks/>
+            <a:endCxn id="5" idx="2"/>
+          </p:cNvCxnSpPr>
+          <p:nvPr/>
+        </p:nvCxnSpPr>
+        <p:spPr>
+          <a:xfrm rot="16200000" flipH="1">
+            <a:off x="4924278" y="4155138"/>
+            <a:ext cx="2023078" cy="503834"/>
+          </a:xfrm>
+          <a:prstGeom prst="curvedConnector2">
+            <a:avLst/>
+          </a:prstGeom>
+          <a:ln>
+            <a:solidFill>
+              <a:srgbClr val="7030A0"/>
+            </a:solidFill>
+            <a:prstDash val="sysDash"/>
+            <a:tailEnd type="triangle"/>
+          </a:ln>
+        </p:spPr>
+        <p:style>
+          <a:lnRef idx="1">
+            <a:schemeClr val="accent1"/>
+          </a:lnRef>
+          <a:fillRef idx="0">
+            <a:schemeClr val="accent1"/>
+          </a:fillRef>
+          <a:effectRef idx="0">
+            <a:schemeClr val="accent1"/>
+          </a:effectRef>
+          <a:fontRef idx="minor">
+            <a:schemeClr val="tx1"/>
+          </a:fontRef>
+        </p:style>
+      </p:cxnSp>
+      <p:sp>
+        <p:nvSpPr>
+          <p:cNvPr id="80" name="文本框 79">
+            <a:extLst>
+              <a:ext uri="{FF2B5EF4-FFF2-40B4-BE49-F238E27FC236}">
+                <a16:creationId xmlns:a16="http://schemas.microsoft.com/office/drawing/2014/main" id="{A0B91055-B219-4830-93C3-6818BC76ECDE}"/>
+              </a:ext>
+            </a:extLst>
+          </p:cNvPr>
+          <p:cNvSpPr txBox="1"/>
+          <p:nvPr/>
+        </p:nvSpPr>
+        <p:spPr>
+          <a:xfrm>
+            <a:off x="229116" y="1366220"/>
+            <a:ext cx="3669354" cy="4524315"/>
+          </a:xfrm>
+          <a:prstGeom prst="rect">
+            <a:avLst/>
+          </a:prstGeom>
+          <a:noFill/>
+        </p:spPr>
+        <p:txBody>
+          <a:bodyPr wrap="square" rtlCol="0">
+            <a:spAutoFit/>
+          </a:bodyPr>
+          <a:lstStyle/>
+          <a:p>
+            <a:r>
+              <a:rPr lang="en-US" altLang="zh-CN" sz="1200" b="1" u="sng" dirty="0"/>
+              <a:t>Exception handler</a:t>
+            </a:r>
+          </a:p>
+          <a:p>
+            <a:r>
+              <a:rPr lang="en-US" altLang="zh-CN" sz="1200" b="1" dirty="0"/>
+              <a:t>Init/</a:t>
+            </a:r>
+            <a:r>
+              <a:rPr lang="en-US" altLang="zh-CN" sz="1200" b="1" dirty="0" err="1"/>
+              <a:t>main.c</a:t>
+            </a:r>
+            <a:r>
+              <a:rPr lang="en-US" altLang="zh-CN" sz="1200" b="1" dirty="0"/>
+              <a:t>  </a:t>
+            </a:r>
+            <a:r>
+              <a:rPr lang="en-US" altLang="zh-CN" sz="1200" dirty="0"/>
+              <a:t>:  </a:t>
+            </a:r>
+            <a:r>
+              <a:rPr lang="en-US" altLang="zh-CN" sz="1200" dirty="0" err="1"/>
+              <a:t>trap_init</a:t>
+            </a:r>
+            <a:r>
+              <a:rPr lang="en-US" altLang="zh-CN" sz="1200" dirty="0"/>
+              <a:t>(); </a:t>
+            </a:r>
+            <a:r>
+              <a:rPr lang="en-US" altLang="zh-CN" sz="1200" dirty="0" err="1"/>
+              <a:t>init_IRQ</a:t>
+            </a:r>
+            <a:r>
+              <a:rPr lang="en-US" altLang="zh-CN" sz="1200" dirty="0"/>
+              <a:t>()</a:t>
+            </a:r>
+          </a:p>
+          <a:p>
+            <a:r>
+              <a:rPr lang="en-US" altLang="zh-CN" sz="1200" dirty="0"/>
+              <a:t> -arch/arm/kernel/</a:t>
+            </a:r>
+            <a:r>
+              <a:rPr lang="en-US" altLang="zh-CN" sz="1200" dirty="0" err="1"/>
+              <a:t>traps.c</a:t>
+            </a:r>
+            <a:endParaRPr lang="en-US" altLang="zh-CN" sz="1200" dirty="0"/>
+          </a:p>
+          <a:p>
+            <a:r>
+              <a:rPr lang="en-US" altLang="zh-CN" sz="1200" dirty="0"/>
+              <a:t> -arch/arm/kernel/</a:t>
+            </a:r>
+            <a:r>
+              <a:rPr lang="en-US" altLang="zh-CN" sz="1200" dirty="0" err="1"/>
+              <a:t>irq.c</a:t>
+            </a:r>
+            <a:endParaRPr lang="en-US" altLang="zh-CN" sz="1200" dirty="0"/>
+          </a:p>
+          <a:p>
+            <a:endParaRPr lang="en-US" altLang="zh-CN" sz="1200" dirty="0"/>
+          </a:p>
+          <a:p>
+            <a:r>
+              <a:rPr lang="en-US" altLang="zh-CN" sz="1200" b="1" u="sng" dirty="0"/>
+              <a:t>Exception Categories</a:t>
+            </a:r>
+          </a:p>
+          <a:p>
+            <a:r>
+              <a:rPr lang="en-US" altLang="zh-CN" sz="1200" dirty="0"/>
+              <a:t>-undefined instruction</a:t>
+            </a:r>
+          </a:p>
+          <a:p>
+            <a:r>
+              <a:rPr lang="en-US" altLang="zh-CN" sz="1200" dirty="0"/>
+              <a:t>-instruction prefetch abort</a:t>
+            </a:r>
+          </a:p>
+          <a:p>
+            <a:r>
+              <a:rPr lang="en-US" altLang="zh-CN" sz="1200" dirty="0"/>
+              <a:t>-data access abort</a:t>
+            </a:r>
+          </a:p>
+          <a:p>
+            <a:r>
+              <a:rPr lang="en-US" altLang="zh-CN" sz="1200" dirty="0"/>
+              <a:t>-interrupt</a:t>
+            </a:r>
+          </a:p>
+          <a:p>
+            <a:r>
+              <a:rPr lang="en-US" altLang="zh-CN" sz="1200" dirty="0"/>
+              <a:t>-</a:t>
+            </a:r>
+            <a:r>
+              <a:rPr lang="en-US" altLang="zh-CN" sz="1200" dirty="0" err="1"/>
+              <a:t>swi</a:t>
+            </a:r>
+            <a:r>
+              <a:rPr lang="en-US" altLang="zh-CN" sz="1200" dirty="0"/>
+              <a:t>(software wait instruction)</a:t>
+            </a:r>
+          </a:p>
+          <a:p>
+            <a:endParaRPr lang="en-US" altLang="zh-CN" sz="1200" dirty="0"/>
+          </a:p>
+          <a:p>
+            <a:r>
+              <a:rPr lang="en-US" altLang="zh-CN" sz="1200" b="1" u="sng" dirty="0"/>
+              <a:t>Interrupt handler architecture</a:t>
+            </a:r>
+          </a:p>
+          <a:p>
+            <a:r>
+              <a:rPr lang="en-US" altLang="zh-CN" sz="1200" dirty="0"/>
+              <a:t>-</a:t>
+            </a:r>
+            <a:r>
+              <a:rPr lang="en-US" altLang="zh-CN" sz="1200" dirty="0" err="1"/>
+              <a:t>irq_desc</a:t>
+            </a:r>
+            <a:r>
+              <a:rPr lang="en-US" altLang="zh-CN" sz="1200" dirty="0"/>
+              <a:t> structure (include/</a:t>
+            </a:r>
+            <a:r>
+              <a:rPr lang="en-US" altLang="zh-CN" sz="1200" dirty="0" err="1"/>
+              <a:t>linux</a:t>
+            </a:r>
+            <a:r>
+              <a:rPr lang="en-US" altLang="zh-CN" sz="1200" dirty="0"/>
+              <a:t>/</a:t>
+            </a:r>
+            <a:r>
+              <a:rPr lang="en-US" altLang="zh-CN" sz="1200" dirty="0" err="1"/>
+              <a:t>irq.h</a:t>
+            </a:r>
+            <a:r>
+              <a:rPr lang="en-US" altLang="zh-CN" sz="1200" dirty="0"/>
+              <a:t>)</a:t>
+            </a:r>
+          </a:p>
+          <a:p>
+            <a:r>
+              <a:rPr lang="en-US" altLang="zh-CN" sz="1200" dirty="0"/>
+              <a:t>-</a:t>
+            </a:r>
+            <a:r>
+              <a:rPr lang="en-US" altLang="zh-CN" sz="1200" dirty="0" err="1"/>
+              <a:t>irq_chip</a:t>
+            </a:r>
+            <a:r>
+              <a:rPr lang="en-US" altLang="zh-CN" sz="1200" dirty="0"/>
+              <a:t>(include/</a:t>
+            </a:r>
+            <a:r>
+              <a:rPr lang="en-US" altLang="zh-CN" sz="1200" dirty="0" err="1"/>
+              <a:t>linux</a:t>
+            </a:r>
+            <a:r>
+              <a:rPr lang="en-US" altLang="zh-CN" sz="1200" dirty="0"/>
+              <a:t>/</a:t>
+            </a:r>
+            <a:r>
+              <a:rPr lang="en-US" altLang="zh-CN" sz="1200" dirty="0" err="1"/>
+              <a:t>irq.h</a:t>
+            </a:r>
+            <a:r>
+              <a:rPr lang="en-US" altLang="zh-CN" sz="1200" dirty="0"/>
+              <a:t>)</a:t>
+            </a:r>
+          </a:p>
+          <a:p>
+            <a:r>
+              <a:rPr lang="en-US" altLang="zh-CN" sz="1200" dirty="0"/>
+              <a:t>-</a:t>
+            </a:r>
+            <a:r>
+              <a:rPr lang="en-US" altLang="zh-CN" sz="1200" dirty="0" err="1"/>
+              <a:t>irqaction</a:t>
+            </a:r>
+            <a:r>
+              <a:rPr lang="en-US" altLang="zh-CN" sz="1200" dirty="0"/>
+              <a:t> structure (include/</a:t>
+            </a:r>
+            <a:r>
+              <a:rPr lang="en-US" altLang="zh-CN" sz="1200" dirty="0" err="1"/>
+              <a:t>linux</a:t>
+            </a:r>
+            <a:r>
+              <a:rPr lang="en-US" altLang="zh-CN" sz="1200" dirty="0"/>
+              <a:t>/</a:t>
+            </a:r>
+            <a:r>
+              <a:rPr lang="en-US" altLang="zh-CN" sz="1200" dirty="0" err="1"/>
+              <a:t>interrupt.h</a:t>
+            </a:r>
+            <a:r>
+              <a:rPr lang="en-US" altLang="zh-CN" sz="1200" dirty="0"/>
+              <a:t>)</a:t>
+            </a:r>
+          </a:p>
+          <a:p>
+            <a:endParaRPr lang="en-US" altLang="zh-CN" sz="1200" dirty="0"/>
+          </a:p>
+          <a:p>
+            <a:r>
+              <a:rPr lang="en-US" altLang="zh-CN" sz="1200" b="1" u="sng" dirty="0"/>
+              <a:t>Interrupt work flow</a:t>
+            </a:r>
+          </a:p>
+          <a:p>
+            <a:r>
+              <a:rPr lang="en-US" altLang="zh-CN" sz="1200" dirty="0"/>
+              <a:t>  CPU ack to execute </a:t>
+            </a:r>
+            <a:r>
+              <a:rPr lang="en-US" altLang="zh-CN" sz="1200" dirty="0" err="1"/>
+              <a:t>vector_irq</a:t>
+            </a:r>
+            <a:r>
+              <a:rPr lang="en-US" altLang="zh-CN" sz="1200" dirty="0"/>
+              <a:t>-&gt;</a:t>
+            </a:r>
+          </a:p>
+          <a:p>
+            <a:r>
+              <a:rPr lang="en-US" altLang="zh-CN" sz="1200" dirty="0"/>
+              <a:t>  call </a:t>
+            </a:r>
+            <a:r>
+              <a:rPr lang="en-US" altLang="zh-CN" sz="1200" dirty="0" err="1"/>
+              <a:t>asm_do_IRQ</a:t>
+            </a:r>
+            <a:r>
+              <a:rPr lang="en-US" altLang="zh-CN" sz="1200" dirty="0"/>
+              <a:t> from </a:t>
+            </a:r>
+            <a:r>
+              <a:rPr lang="en-US" altLang="zh-CN" sz="1200" dirty="0" err="1"/>
+              <a:t>vector_irq</a:t>
+            </a:r>
+            <a:r>
+              <a:rPr lang="en-US" altLang="zh-CN" sz="1200" dirty="0"/>
+              <a:t>-&gt;</a:t>
+            </a:r>
+          </a:p>
+          <a:p>
+            <a:r>
+              <a:rPr lang="en-US" altLang="zh-CN" sz="1200" dirty="0"/>
+              <a:t>  </a:t>
+            </a:r>
+            <a:r>
+              <a:rPr lang="en-US" altLang="zh-CN" sz="1200" dirty="0" err="1"/>
+              <a:t>asm_do_IRQ</a:t>
+            </a:r>
+            <a:r>
+              <a:rPr lang="en-US" altLang="zh-CN" sz="1200" dirty="0"/>
+              <a:t> call </a:t>
+            </a:r>
+            <a:r>
+              <a:rPr lang="en-US" altLang="zh-CN" sz="1200" dirty="0" err="1"/>
+              <a:t>irq_desc.handle_irq</a:t>
+            </a:r>
+            <a:r>
+              <a:rPr lang="en-US" altLang="zh-CN" sz="1200" dirty="0"/>
+              <a:t>-&gt; </a:t>
+            </a:r>
+          </a:p>
+          <a:p>
+            <a:r>
+              <a:rPr lang="en-US" altLang="zh-CN" sz="1200" dirty="0"/>
+              <a:t> </a:t>
+            </a:r>
+            <a:r>
+              <a:rPr lang="en-US" altLang="zh-CN" sz="1200" dirty="0" err="1"/>
+              <a:t>handle.irq</a:t>
+            </a:r>
+            <a:r>
+              <a:rPr lang="en-US" altLang="zh-CN" sz="1200" dirty="0"/>
+              <a:t> call </a:t>
+            </a:r>
+            <a:r>
+              <a:rPr lang="en-US" altLang="zh-CN" sz="1200" dirty="0" err="1"/>
+              <a:t>chip.functions</a:t>
+            </a:r>
+            <a:r>
+              <a:rPr lang="en-US" altLang="zh-CN" sz="1200" dirty="0"/>
+              <a:t> to do with hardware-&gt;</a:t>
+            </a:r>
+            <a:r>
+              <a:rPr lang="en-US" altLang="zh-CN" sz="1200" dirty="0" err="1"/>
+              <a:t>handle.IRQ</a:t>
+            </a:r>
+            <a:r>
+              <a:rPr lang="en-US" altLang="zh-CN" sz="1200" dirty="0"/>
+              <a:t> screen action table for every handler function’s implementation</a:t>
+            </a:r>
+            <a:endParaRPr lang="zh-CN" altLang="en-US" sz="1200" dirty="0"/>
+          </a:p>
+        </p:txBody>
+      </p:sp>
+      <p:sp>
+        <p:nvSpPr>
+          <p:cNvPr id="42" name="文本框 41">
+            <a:extLst>
+              <a:ext uri="{FF2B5EF4-FFF2-40B4-BE49-F238E27FC236}">
+                <a16:creationId xmlns:a16="http://schemas.microsoft.com/office/drawing/2014/main" id="{5D7082CF-A10C-43C8-B6FF-0EEAE28522F3}"/>
+              </a:ext>
+            </a:extLst>
+          </p:cNvPr>
+          <p:cNvSpPr txBox="1"/>
+          <p:nvPr/>
+        </p:nvSpPr>
+        <p:spPr>
+          <a:xfrm>
+            <a:off x="6813610" y="2645437"/>
+            <a:ext cx="1822507" cy="400110"/>
+          </a:xfrm>
+          <a:prstGeom prst="rect">
+            <a:avLst/>
+          </a:prstGeom>
+          <a:noFill/>
+        </p:spPr>
+        <p:txBody>
+          <a:bodyPr wrap="square" rtlCol="0">
+            <a:spAutoFit/>
+          </a:bodyPr>
+          <a:lstStyle/>
+          <a:p>
+            <a:r>
+              <a:rPr lang="en-US" altLang="zh-CN" sz="1000" dirty="0"/>
+              <a:t>kernel last action: launch </a:t>
+            </a:r>
+            <a:r>
+              <a:rPr lang="en-US" altLang="zh-CN" sz="1000" dirty="0" err="1"/>
+              <a:t>init</a:t>
+            </a:r>
+            <a:r>
+              <a:rPr lang="en-US" altLang="zh-CN" sz="1000" dirty="0"/>
+              <a:t> (</a:t>
+            </a:r>
+            <a:r>
+              <a:rPr lang="en-US" altLang="zh-CN" sz="1000" dirty="0" err="1"/>
+              <a:t>init</a:t>
+            </a:r>
+            <a:r>
+              <a:rPr lang="en-US" altLang="zh-CN" sz="1000" dirty="0"/>
+              <a:t>/</a:t>
+            </a:r>
+            <a:r>
+              <a:rPr lang="en-US" altLang="zh-CN" sz="1000" dirty="0" err="1"/>
+              <a:t>main.c</a:t>
+            </a:r>
+            <a:r>
+              <a:rPr lang="en-US" altLang="zh-CN" sz="1000" dirty="0"/>
+              <a:t>)-&gt;/</a:t>
+            </a:r>
+            <a:r>
+              <a:rPr lang="en-US" altLang="zh-CN" sz="1000" dirty="0" err="1"/>
+              <a:t>sbin</a:t>
+            </a:r>
+            <a:r>
+              <a:rPr lang="en-US" altLang="zh-CN" sz="1000" dirty="0"/>
+              <a:t>/</a:t>
+            </a:r>
+            <a:r>
+              <a:rPr lang="en-US" altLang="zh-CN" sz="1000" dirty="0" err="1"/>
+              <a:t>init</a:t>
+            </a:r>
+            <a:endParaRPr lang="zh-CN" altLang="en-US" sz="1000" dirty="0"/>
+          </a:p>
+        </p:txBody>
+      </p:sp>
     </p:spTree>
     <p:extLst>
       <p:ext uri="{BB962C8B-B14F-4D97-AF65-F5344CB8AC3E}">
-        <p14:creationId xmlns:p14="http://schemas.microsoft.com/office/powerpoint/2010/main" val="2486926668"/>
+        <p14:creationId xmlns:p14="http://schemas.microsoft.com/office/powerpoint/2010/main" val="2334305620"/>
       </p:ext>
     </p:extLst>
   </p:cSld>
@@ -6815,14 +6634,12 @@
           </a:xfrm>
         </p:spPr>
         <p:txBody>
-          <a:bodyPr>
-            <a:normAutofit/>
-          </a:bodyPr>
+          <a:bodyPr/>
           <a:lstStyle/>
           <a:p>
             <a:r>
               <a:rPr lang="en-US" altLang="zh-CN" dirty="0"/>
-              <a:t>Linux architecture-kernel</a:t>
+              <a:t>Linux architecture-Bootloader</a:t>
             </a:r>
             <a:endParaRPr lang="zh-CN" altLang="en-US" dirty="0"/>
           </a:p>
@@ -6830,428 +6647,10 @@
       </p:sp>
       <p:sp>
         <p:nvSpPr>
-          <p:cNvPr id="80" name="文本框 79">
-            <a:extLst>
-              <a:ext uri="{FF2B5EF4-FFF2-40B4-BE49-F238E27FC236}">
-                <a16:creationId xmlns:a16="http://schemas.microsoft.com/office/drawing/2014/main" id="{A0B91055-B219-4830-93C3-6818BC76ECDE}"/>
-              </a:ext>
-            </a:extLst>
-          </p:cNvPr>
-          <p:cNvSpPr txBox="1"/>
-          <p:nvPr/>
-        </p:nvSpPr>
-        <p:spPr>
-          <a:xfrm>
-            <a:off x="259952" y="940092"/>
-            <a:ext cx="5235326" cy="4339650"/>
-          </a:xfrm>
-          <a:prstGeom prst="rect">
-            <a:avLst/>
-          </a:prstGeom>
-          <a:noFill/>
-        </p:spPr>
-        <p:txBody>
-          <a:bodyPr wrap="square" rtlCol="0">
-            <a:spAutoFit/>
-          </a:bodyPr>
-          <a:lstStyle/>
-          <a:p>
-            <a:r>
-              <a:rPr lang="en-US" altLang="zh-CN" sz="1200" b="1" u="sng" dirty="0"/>
-              <a:t>Kernel Debug Skills</a:t>
-            </a:r>
-          </a:p>
-          <a:p>
-            <a:r>
-              <a:rPr lang="en-US" altLang="zh-CN" sz="1200" dirty="0"/>
-              <a:t>Kernel log/system log analysis (/var/log)</a:t>
-            </a:r>
-          </a:p>
-          <a:p>
-            <a:r>
-              <a:rPr lang="en-US" altLang="zh-CN" sz="1200" dirty="0"/>
-              <a:t>Compile kernel to add KGDB patch, enable remote host debug kernel</a:t>
-            </a:r>
-          </a:p>
-          <a:p>
-            <a:r>
-              <a:rPr lang="en-US" altLang="zh-CN" sz="1200" dirty="0"/>
-              <a:t>Oops call stack trace</a:t>
-            </a:r>
-          </a:p>
-          <a:p>
-            <a:endParaRPr lang="en-US" altLang="zh-CN" sz="1200" dirty="0"/>
-          </a:p>
-          <a:p>
-            <a:r>
-              <a:rPr lang="en-US" altLang="zh-CN" sz="1200" b="1" u="sng" dirty="0"/>
-              <a:t>Kernel </a:t>
-            </a:r>
-            <a:r>
-              <a:rPr lang="en-US" altLang="zh-CN" sz="1200" b="1" u="sng" dirty="0" err="1"/>
-              <a:t>Kconfig</a:t>
-            </a:r>
-            <a:r>
-              <a:rPr lang="en-US" altLang="zh-CN" sz="1200" b="1" u="sng" dirty="0"/>
-              <a:t> Analysis</a:t>
-            </a:r>
-          </a:p>
-          <a:p>
-            <a:r>
-              <a:rPr lang="en-US" altLang="zh-CN" sz="1200" dirty="0"/>
-              <a:t>  $make config</a:t>
-            </a:r>
-          </a:p>
-          <a:p>
-            <a:r>
-              <a:rPr lang="en-US" altLang="zh-CN" sz="1200" dirty="0"/>
-              <a:t>  $make </a:t>
-            </a:r>
-            <a:r>
-              <a:rPr lang="en-US" altLang="zh-CN" sz="1200" dirty="0" err="1"/>
-              <a:t>menuconfig</a:t>
-            </a:r>
-            <a:endParaRPr lang="en-US" altLang="zh-CN" sz="1200" dirty="0"/>
-          </a:p>
-          <a:p>
-            <a:r>
-              <a:rPr lang="en-US" altLang="zh-CN" sz="1200" dirty="0"/>
-              <a:t>  $make </a:t>
-            </a:r>
-            <a:r>
-              <a:rPr lang="en-US" altLang="zh-CN" sz="1200" dirty="0" err="1"/>
-              <a:t>xconfig</a:t>
-            </a:r>
-            <a:endParaRPr lang="en-US" altLang="zh-CN" sz="1200" dirty="0"/>
-          </a:p>
-          <a:p>
-            <a:r>
-              <a:rPr lang="en-US" altLang="zh-CN" sz="1200" dirty="0"/>
-              <a:t>Snapshots- TBC</a:t>
-            </a:r>
-          </a:p>
-          <a:p>
-            <a:endParaRPr lang="en-US" altLang="zh-CN" sz="1200" dirty="0"/>
-          </a:p>
-          <a:p>
-            <a:endParaRPr lang="en-US" altLang="zh-CN" sz="1200" dirty="0"/>
-          </a:p>
-          <a:p>
-            <a:r>
-              <a:rPr lang="en-US" altLang="zh-CN" sz="1200" b="1" u="sng" dirty="0"/>
-              <a:t>Kernel Bootup Procedure</a:t>
-            </a:r>
-          </a:p>
-          <a:p>
-            <a:r>
-              <a:rPr lang="en-US" altLang="zh-CN" sz="1200" dirty="0"/>
-              <a:t>Phase 1:  Assembly Language: /arch/x86/boot/</a:t>
-            </a:r>
-            <a:r>
-              <a:rPr lang="en-US" altLang="zh-CN" sz="1200" dirty="0" err="1"/>
-              <a:t>header.s</a:t>
-            </a:r>
-            <a:r>
-              <a:rPr lang="en-US" altLang="zh-CN" sz="1200" dirty="0"/>
-              <a:t>  </a:t>
-            </a:r>
-          </a:p>
-          <a:p>
-            <a:endParaRPr lang="en-US" altLang="zh-CN" sz="1200" dirty="0"/>
-          </a:p>
-          <a:p>
-            <a:endParaRPr lang="en-US" altLang="zh-CN" sz="1200" dirty="0"/>
-          </a:p>
-          <a:p>
-            <a:endParaRPr lang="en-US" altLang="zh-CN" sz="1200" dirty="0"/>
-          </a:p>
-          <a:p>
-            <a:endParaRPr lang="en-US" altLang="zh-CN" sz="1200" dirty="0"/>
-          </a:p>
-          <a:p>
-            <a:endParaRPr lang="en-US" altLang="zh-CN" sz="1200" dirty="0"/>
-          </a:p>
-          <a:p>
-            <a:endParaRPr lang="en-US" altLang="zh-CN" sz="1200" dirty="0"/>
-          </a:p>
-          <a:p>
-            <a:endParaRPr lang="en-US" altLang="zh-CN" sz="1200" dirty="0"/>
-          </a:p>
-          <a:p>
-            <a:endParaRPr lang="en-US" altLang="zh-CN" sz="1200" dirty="0"/>
-          </a:p>
-          <a:p>
-            <a:r>
-              <a:rPr lang="en-US" altLang="zh-CN" sz="1200" dirty="0"/>
-              <a:t>Phase 2:  invoke function “</a:t>
-            </a:r>
-            <a:r>
-              <a:rPr lang="en-US" altLang="zh-CN" sz="1200" dirty="0" err="1"/>
-              <a:t>start_kernel</a:t>
-            </a:r>
-            <a:r>
-              <a:rPr lang="en-US" altLang="zh-CN" sz="1200" dirty="0"/>
-              <a:t>()” in /</a:t>
-            </a:r>
-            <a:r>
-              <a:rPr lang="en-US" altLang="zh-CN" sz="1200" dirty="0" err="1"/>
-              <a:t>init</a:t>
-            </a:r>
-            <a:r>
-              <a:rPr lang="en-US" altLang="zh-CN" sz="1200" dirty="0"/>
-              <a:t>/</a:t>
-            </a:r>
-            <a:r>
-              <a:rPr lang="en-US" altLang="zh-CN" sz="1200" dirty="0" err="1"/>
-              <a:t>main.c</a:t>
-            </a:r>
-            <a:endParaRPr lang="en-US" altLang="zh-CN" sz="1200" dirty="0"/>
-          </a:p>
-        </p:txBody>
-      </p:sp>
-      <p:pic>
-        <p:nvPicPr>
-          <p:cNvPr id="6" name="图片 5">
-            <a:extLst>
-              <a:ext uri="{FF2B5EF4-FFF2-40B4-BE49-F238E27FC236}">
-                <a16:creationId xmlns:a16="http://schemas.microsoft.com/office/drawing/2014/main" id="{74A895EF-2BFB-4791-8027-F9C8036419B3}"/>
-              </a:ext>
-            </a:extLst>
-          </p:cNvPr>
-          <p:cNvPicPr>
-            <a:picLocks noChangeAspect="1"/>
-          </p:cNvPicPr>
-          <p:nvPr/>
-        </p:nvPicPr>
-        <p:blipFill>
-          <a:blip r:embed="rId2"/>
-          <a:stretch>
-            <a:fillRect/>
-          </a:stretch>
-        </p:blipFill>
-        <p:spPr>
-          <a:xfrm>
-            <a:off x="10466705" y="58113"/>
-            <a:ext cx="1656283" cy="6741774"/>
-          </a:xfrm>
-          <a:prstGeom prst="rect">
-            <a:avLst/>
-          </a:prstGeom>
-        </p:spPr>
-      </p:pic>
-      <p:sp>
-        <p:nvSpPr>
-          <p:cNvPr id="7" name="文本框 6">
-            <a:extLst>
-              <a:ext uri="{FF2B5EF4-FFF2-40B4-BE49-F238E27FC236}">
-                <a16:creationId xmlns:a16="http://schemas.microsoft.com/office/drawing/2014/main" id="{55C7EB8F-6FBA-46AA-814F-D9A4890114CD}"/>
-              </a:ext>
-            </a:extLst>
-          </p:cNvPr>
-          <p:cNvSpPr txBox="1"/>
-          <p:nvPr/>
-        </p:nvSpPr>
-        <p:spPr>
-          <a:xfrm>
-            <a:off x="5231379" y="1083404"/>
-            <a:ext cx="5235326" cy="2123658"/>
-          </a:xfrm>
-          <a:prstGeom prst="rect">
-            <a:avLst/>
-          </a:prstGeom>
-          <a:noFill/>
-        </p:spPr>
-        <p:txBody>
-          <a:bodyPr wrap="square" rtlCol="0">
-            <a:spAutoFit/>
-          </a:bodyPr>
-          <a:lstStyle/>
-          <a:p>
-            <a:r>
-              <a:rPr lang="en-US" altLang="zh-CN" sz="1200" b="1" u="sng" dirty="0"/>
-              <a:t>Kernel Bootup Procedure</a:t>
-            </a:r>
-          </a:p>
-          <a:p>
-            <a:r>
-              <a:rPr lang="en-US" altLang="zh-CN" sz="1200" dirty="0"/>
-              <a:t>Phase 3: last function invoke “</a:t>
-            </a:r>
-            <a:r>
-              <a:rPr lang="en-US" altLang="zh-CN" sz="1200" dirty="0" err="1"/>
-              <a:t>rest_init</a:t>
-            </a:r>
-            <a:r>
-              <a:rPr lang="en-US" altLang="zh-CN" sz="1200" dirty="0"/>
-              <a:t>()” in function “</a:t>
-            </a:r>
-            <a:r>
-              <a:rPr lang="en-US" altLang="zh-CN" sz="1200" dirty="0" err="1"/>
-              <a:t>start_kernel</a:t>
-            </a:r>
-            <a:r>
-              <a:rPr lang="en-US" altLang="zh-CN" sz="1200" dirty="0"/>
-              <a:t>()”</a:t>
-            </a:r>
-          </a:p>
-          <a:p>
-            <a:r>
-              <a:rPr lang="en-US" altLang="zh-CN" sz="1200" dirty="0"/>
-              <a:t>    - call root file system   </a:t>
-            </a:r>
-          </a:p>
-          <a:p>
-            <a:endParaRPr lang="en-US" altLang="zh-CN" sz="1200" dirty="0"/>
-          </a:p>
-          <a:p>
-            <a:endParaRPr lang="en-US" altLang="zh-CN" sz="1200" dirty="0"/>
-          </a:p>
-          <a:p>
-            <a:endParaRPr lang="en-US" altLang="zh-CN" sz="1200" dirty="0"/>
-          </a:p>
-          <a:p>
-            <a:endParaRPr lang="en-US" altLang="zh-CN" sz="1200" dirty="0"/>
-          </a:p>
-          <a:p>
-            <a:endParaRPr lang="en-US" altLang="zh-CN" sz="1200" dirty="0"/>
-          </a:p>
-          <a:p>
-            <a:endParaRPr lang="en-US" altLang="zh-CN" sz="1200" dirty="0"/>
-          </a:p>
-          <a:p>
-            <a:endParaRPr lang="en-US" altLang="zh-CN" sz="1200" dirty="0"/>
-          </a:p>
-          <a:p>
-            <a:endParaRPr lang="en-US" altLang="zh-CN" sz="1200" dirty="0"/>
-          </a:p>
-        </p:txBody>
-      </p:sp>
-      <p:pic>
-        <p:nvPicPr>
-          <p:cNvPr id="4" name="图片 3">
-            <a:extLst>
-              <a:ext uri="{FF2B5EF4-FFF2-40B4-BE49-F238E27FC236}">
-                <a16:creationId xmlns:a16="http://schemas.microsoft.com/office/drawing/2014/main" id="{F3F3E6E2-A048-4669-8BA4-D1AC9BBED265}"/>
-              </a:ext>
-            </a:extLst>
-          </p:cNvPr>
-          <p:cNvPicPr>
-            <a:picLocks noChangeAspect="1"/>
-          </p:cNvPicPr>
-          <p:nvPr/>
-        </p:nvPicPr>
-        <p:blipFill>
-          <a:blip r:embed="rId3"/>
-          <a:stretch>
-            <a:fillRect/>
-          </a:stretch>
-        </p:blipFill>
-        <p:spPr>
-          <a:xfrm>
-            <a:off x="5495278" y="1933252"/>
-            <a:ext cx="2407513" cy="921758"/>
-          </a:xfrm>
-          <a:prstGeom prst="rect">
-            <a:avLst/>
-          </a:prstGeom>
-        </p:spPr>
-      </p:pic>
-      <p:pic>
-        <p:nvPicPr>
-          <p:cNvPr id="5" name="图片 4">
-            <a:extLst>
-              <a:ext uri="{FF2B5EF4-FFF2-40B4-BE49-F238E27FC236}">
-                <a16:creationId xmlns:a16="http://schemas.microsoft.com/office/drawing/2014/main" id="{D857EB80-6E40-445F-9DA7-25B0EBB9E8D5}"/>
-              </a:ext>
-            </a:extLst>
-          </p:cNvPr>
-          <p:cNvPicPr>
-            <a:picLocks noChangeAspect="1"/>
-          </p:cNvPicPr>
-          <p:nvPr/>
-        </p:nvPicPr>
-        <p:blipFill>
-          <a:blip r:embed="rId4"/>
-          <a:stretch>
-            <a:fillRect/>
-          </a:stretch>
-        </p:blipFill>
-        <p:spPr>
-          <a:xfrm>
-            <a:off x="715150" y="5194444"/>
-            <a:ext cx="1656283" cy="1606470"/>
-          </a:xfrm>
-          <a:prstGeom prst="rect">
-            <a:avLst/>
-          </a:prstGeom>
-        </p:spPr>
-      </p:pic>
-      <p:pic>
-        <p:nvPicPr>
-          <p:cNvPr id="8" name="图片 7">
-            <a:extLst>
-              <a:ext uri="{FF2B5EF4-FFF2-40B4-BE49-F238E27FC236}">
-                <a16:creationId xmlns:a16="http://schemas.microsoft.com/office/drawing/2014/main" id="{2DEDB1FB-D468-43B4-8779-5F0402B76A69}"/>
-              </a:ext>
-            </a:extLst>
-          </p:cNvPr>
-          <p:cNvPicPr>
-            <a:picLocks noChangeAspect="1"/>
-          </p:cNvPicPr>
-          <p:nvPr/>
-        </p:nvPicPr>
-        <p:blipFill>
-          <a:blip r:embed="rId5"/>
-          <a:stretch>
-            <a:fillRect/>
-          </a:stretch>
-        </p:blipFill>
-        <p:spPr>
-          <a:xfrm>
-            <a:off x="5509427" y="3265198"/>
-            <a:ext cx="2625057" cy="1583423"/>
-          </a:xfrm>
-          <a:prstGeom prst="rect">
-            <a:avLst/>
-          </a:prstGeom>
-        </p:spPr>
-      </p:pic>
-      <p:pic>
-        <p:nvPicPr>
-          <p:cNvPr id="9" name="图片 8">
-            <a:extLst>
-              <a:ext uri="{FF2B5EF4-FFF2-40B4-BE49-F238E27FC236}">
-                <a16:creationId xmlns:a16="http://schemas.microsoft.com/office/drawing/2014/main" id="{3A6B54CE-8AE5-461E-9E1F-1D48EE051720}"/>
-              </a:ext>
-            </a:extLst>
-          </p:cNvPr>
-          <p:cNvPicPr>
-            <a:picLocks noChangeAspect="1"/>
-          </p:cNvPicPr>
-          <p:nvPr/>
-        </p:nvPicPr>
-        <p:blipFill>
-          <a:blip r:embed="rId6"/>
-          <a:stretch>
-            <a:fillRect/>
-          </a:stretch>
-        </p:blipFill>
-        <p:spPr>
-          <a:xfrm>
-            <a:off x="5530786" y="5365327"/>
-            <a:ext cx="3108618" cy="1264703"/>
-          </a:xfrm>
-          <a:prstGeom prst="rect">
-            <a:avLst/>
-          </a:prstGeom>
-        </p:spPr>
-      </p:pic>
-      <p:sp>
-        <p:nvSpPr>
-          <p:cNvPr id="10" name="箭头: 下 9">
-            <a:extLst>
-              <a:ext uri="{FF2B5EF4-FFF2-40B4-BE49-F238E27FC236}">
-                <a16:creationId xmlns:a16="http://schemas.microsoft.com/office/drawing/2014/main" id="{95CEC6AE-0FE9-418F-88BC-411D4E38D2CE}"/>
+          <p:cNvPr id="4" name="立方体 3">
+            <a:extLst>
+              <a:ext uri="{FF2B5EF4-FFF2-40B4-BE49-F238E27FC236}">
+                <a16:creationId xmlns:a16="http://schemas.microsoft.com/office/drawing/2014/main" id="{22D34478-9AD0-472A-85FA-7CC839B29B65}"/>
               </a:ext>
             </a:extLst>
           </p:cNvPr>
@@ -7260,10 +6659,10 @@
         </p:nvSpPr>
         <p:spPr>
           <a:xfrm>
-            <a:off x="6821955" y="2929631"/>
-            <a:ext cx="84872" cy="277431"/>
-          </a:xfrm>
-          <a:prstGeom prst="downArrow">
+            <a:off x="9707129" y="1775160"/>
+            <a:ext cx="1127464" cy="497150"/>
+          </a:xfrm>
+          <a:prstGeom prst="cube">
             <a:avLst/>
           </a:prstGeom>
         </p:spPr>
@@ -7288,16 +6687,20 @@
           <a:lstStyle/>
           <a:p>
             <a:pPr algn="ctr"/>
-            <a:endParaRPr lang="zh-CN" altLang="en-US"/>
-          </a:p>
-        </p:txBody>
-      </p:sp>
-      <p:sp>
-        <p:nvSpPr>
-          <p:cNvPr id="12" name="箭头: 下 11">
-            <a:extLst>
-              <a:ext uri="{FF2B5EF4-FFF2-40B4-BE49-F238E27FC236}">
-                <a16:creationId xmlns:a16="http://schemas.microsoft.com/office/drawing/2014/main" id="{FBE7C6C2-DD8B-4E68-A292-D80C1986F569}"/>
+            <a:r>
+              <a:rPr lang="en-US" altLang="zh-CN" sz="1200" dirty="0"/>
+              <a:t>Bootloader</a:t>
+            </a:r>
+            <a:endParaRPr lang="zh-CN" altLang="en-US" sz="1200" dirty="0"/>
+          </a:p>
+        </p:txBody>
+      </p:sp>
+      <p:sp>
+        <p:nvSpPr>
+          <p:cNvPr id="9" name="箭头: 上 8">
+            <a:extLst>
+              <a:ext uri="{FF2B5EF4-FFF2-40B4-BE49-F238E27FC236}">
+                <a16:creationId xmlns:a16="http://schemas.microsoft.com/office/drawing/2014/main" id="{096BF2E9-4B31-46C9-94E9-AD18CE6F61D7}"/>
               </a:ext>
             </a:extLst>
           </p:cNvPr>
@@ -7306,10 +6709,10 @@
         </p:nvSpPr>
         <p:spPr>
           <a:xfrm>
-            <a:off x="6899901" y="4917013"/>
-            <a:ext cx="84872" cy="277431"/>
-          </a:xfrm>
-          <a:prstGeom prst="downArrow">
+            <a:off x="10151014" y="1399699"/>
+            <a:ext cx="119847" cy="375461"/>
+          </a:xfrm>
+          <a:prstGeom prst="upArrow">
             <a:avLst/>
           </a:prstGeom>
         </p:spPr>
@@ -7340,10 +6743,46 @@
       </p:sp>
       <p:sp>
         <p:nvSpPr>
-          <p:cNvPr id="13" name="箭头: 下 12">
-            <a:extLst>
-              <a:ext uri="{FF2B5EF4-FFF2-40B4-BE49-F238E27FC236}">
-                <a16:creationId xmlns:a16="http://schemas.microsoft.com/office/drawing/2014/main" id="{21E0C26E-3FAA-4EE5-AA9F-0F7C1CE16A6C}"/>
+          <p:cNvPr id="11" name="文本框 10">
+            <a:extLst>
+              <a:ext uri="{FF2B5EF4-FFF2-40B4-BE49-F238E27FC236}">
+                <a16:creationId xmlns:a16="http://schemas.microsoft.com/office/drawing/2014/main" id="{F27CFE37-1626-44E5-825A-F659491630CB}"/>
+              </a:ext>
+            </a:extLst>
+          </p:cNvPr>
+          <p:cNvSpPr txBox="1"/>
+          <p:nvPr/>
+        </p:nvSpPr>
+        <p:spPr>
+          <a:xfrm>
+            <a:off x="10270861" y="1345279"/>
+            <a:ext cx="798990" cy="400110"/>
+          </a:xfrm>
+          <a:prstGeom prst="rect">
+            <a:avLst/>
+          </a:prstGeom>
+          <a:noFill/>
+        </p:spPr>
+        <p:txBody>
+          <a:bodyPr wrap="square" rtlCol="0">
+            <a:spAutoFit/>
+          </a:bodyPr>
+          <a:lstStyle/>
+          <a:p>
+            <a:r>
+              <a:rPr lang="en-US" altLang="zh-CN" sz="1000" dirty="0"/>
+              <a:t>Boot parameters</a:t>
+            </a:r>
+            <a:endParaRPr lang="zh-CN" altLang="en-US" sz="1000" dirty="0"/>
+          </a:p>
+        </p:txBody>
+      </p:sp>
+      <p:sp>
+        <p:nvSpPr>
+          <p:cNvPr id="12" name="立方体 11">
+            <a:extLst>
+              <a:ext uri="{FF2B5EF4-FFF2-40B4-BE49-F238E27FC236}">
+                <a16:creationId xmlns:a16="http://schemas.microsoft.com/office/drawing/2014/main" id="{E1092073-3B9B-4ABA-8033-C861B2A64F39}"/>
               </a:ext>
             </a:extLst>
           </p:cNvPr>
@@ -7352,10 +6791,10 @@
         </p:nvSpPr>
         <p:spPr>
           <a:xfrm>
-            <a:off x="1750786" y="4666994"/>
-            <a:ext cx="84872" cy="277431"/>
-          </a:xfrm>
-          <a:prstGeom prst="downArrow">
+            <a:off x="9604296" y="796780"/>
+            <a:ext cx="1209582" cy="497150"/>
+          </a:xfrm>
+          <a:prstGeom prst="cube">
             <a:avLst/>
           </a:prstGeom>
         </p:spPr>
@@ -7380,44 +6819,894 @@
           <a:lstStyle/>
           <a:p>
             <a:pPr algn="ctr"/>
-            <a:endParaRPr lang="zh-CN" altLang="en-US"/>
-          </a:p>
-        </p:txBody>
-      </p:sp>
-      <p:pic>
-        <p:nvPicPr>
-          <p:cNvPr id="11" name="图片 10">
-            <a:extLst>
-              <a:ext uri="{FF2B5EF4-FFF2-40B4-BE49-F238E27FC236}">
-                <a16:creationId xmlns:a16="http://schemas.microsoft.com/office/drawing/2014/main" id="{5A7AF03E-A2A7-4330-9FFC-1D3C672AAC5D}"/>
-              </a:ext>
-            </a:extLst>
-          </p:cNvPr>
-          <p:cNvPicPr>
-            <a:picLocks noChangeAspect="1"/>
-          </p:cNvPicPr>
+            <a:r>
+              <a:rPr lang="en-US" altLang="zh-CN" sz="1200" dirty="0"/>
+              <a:t>kernel</a:t>
+            </a:r>
+            <a:endParaRPr lang="zh-CN" altLang="en-US" sz="1200" dirty="0"/>
+          </a:p>
+        </p:txBody>
+      </p:sp>
+      <p:sp>
+        <p:nvSpPr>
+          <p:cNvPr id="17" name="立方体 16">
+            <a:extLst>
+              <a:ext uri="{FF2B5EF4-FFF2-40B4-BE49-F238E27FC236}">
+                <a16:creationId xmlns:a16="http://schemas.microsoft.com/office/drawing/2014/main" id="{6F6A4280-5667-40DC-BFC6-5A16F0C13F12}"/>
+              </a:ext>
+            </a:extLst>
+          </p:cNvPr>
+          <p:cNvSpPr/>
           <p:nvPr/>
-        </p:nvPicPr>
-        <p:blipFill>
-          <a:blip r:embed="rId7"/>
-          <a:stretch>
-            <a:fillRect/>
-          </a:stretch>
-        </p:blipFill>
+        </p:nvSpPr>
         <p:spPr>
           <a:xfrm>
-            <a:off x="911900" y="3565800"/>
-            <a:ext cx="1262782" cy="1101194"/>
+            <a:off x="10803388" y="755835"/>
+            <a:ext cx="1388612" cy="497150"/>
+          </a:xfrm>
+          <a:prstGeom prst="cube">
+            <a:avLst/>
+          </a:prstGeom>
+        </p:spPr>
+        <p:style>
+          <a:lnRef idx="2">
+            <a:schemeClr val="accent1">
+              <a:shade val="50000"/>
+            </a:schemeClr>
+          </a:lnRef>
+          <a:fillRef idx="1">
+            <a:schemeClr val="accent1"/>
+          </a:fillRef>
+          <a:effectRef idx="0">
+            <a:schemeClr val="accent1"/>
+          </a:effectRef>
+          <a:fontRef idx="minor">
+            <a:schemeClr val="lt1"/>
+          </a:fontRef>
+        </p:style>
+        <p:txBody>
+          <a:bodyPr rtlCol="0" anchor="ctr"/>
+          <a:lstStyle/>
+          <a:p>
+            <a:pPr algn="ctr"/>
+            <a:r>
+              <a:rPr lang="en-US" altLang="zh-CN" sz="1200" dirty="0"/>
+              <a:t>Driver(open/read/write/</a:t>
+            </a:r>
+            <a:r>
+              <a:rPr lang="en-US" altLang="zh-CN" sz="1200" dirty="0" err="1"/>
+              <a:t>ioctl</a:t>
+            </a:r>
+            <a:r>
+              <a:rPr lang="en-US" altLang="zh-CN" sz="1200" dirty="0"/>
+              <a:t>…) </a:t>
+            </a:r>
+            <a:endParaRPr lang="zh-CN" altLang="en-US" sz="1200" dirty="0"/>
+          </a:p>
+        </p:txBody>
+      </p:sp>
+      <p:sp>
+        <p:nvSpPr>
+          <p:cNvPr id="31" name="立方体 30">
+            <a:extLst>
+              <a:ext uri="{FF2B5EF4-FFF2-40B4-BE49-F238E27FC236}">
+                <a16:creationId xmlns:a16="http://schemas.microsoft.com/office/drawing/2014/main" id="{E15F0ED8-88AE-4EC6-90CE-75E77A4B3356}"/>
+              </a:ext>
+            </a:extLst>
+          </p:cNvPr>
+          <p:cNvSpPr/>
+          <p:nvPr/>
+        </p:nvSpPr>
+        <p:spPr>
+          <a:xfrm>
+            <a:off x="8394714" y="833244"/>
+            <a:ext cx="1209582" cy="497150"/>
+          </a:xfrm>
+          <a:prstGeom prst="cube">
+            <a:avLst/>
+          </a:prstGeom>
+        </p:spPr>
+        <p:style>
+          <a:lnRef idx="2">
+            <a:schemeClr val="accent1">
+              <a:shade val="50000"/>
+            </a:schemeClr>
+          </a:lnRef>
+          <a:fillRef idx="1">
+            <a:schemeClr val="accent1"/>
+          </a:fillRef>
+          <a:effectRef idx="0">
+            <a:schemeClr val="accent1"/>
+          </a:effectRef>
+          <a:fontRef idx="minor">
+            <a:schemeClr val="lt1"/>
+          </a:fontRef>
+        </p:style>
+        <p:txBody>
+          <a:bodyPr rtlCol="0" anchor="ctr"/>
+          <a:lstStyle/>
+          <a:p>
+            <a:pPr algn="ctr"/>
+            <a:r>
+              <a:rPr lang="en-US" altLang="zh-CN" sz="1200" dirty="0"/>
+              <a:t>Kernel-</a:t>
+            </a:r>
+            <a:r>
+              <a:rPr lang="en-US" altLang="zh-CN" sz="1200" dirty="0" err="1"/>
+              <a:t>syscall</a:t>
+            </a:r>
+            <a:endParaRPr lang="zh-CN" altLang="en-US" sz="1200" dirty="0"/>
+          </a:p>
+        </p:txBody>
+      </p:sp>
+      <p:sp>
+        <p:nvSpPr>
+          <p:cNvPr id="80" name="文本框 79">
+            <a:extLst>
+              <a:ext uri="{FF2B5EF4-FFF2-40B4-BE49-F238E27FC236}">
+                <a16:creationId xmlns:a16="http://schemas.microsoft.com/office/drawing/2014/main" id="{A0B91055-B219-4830-93C3-6818BC76ECDE}"/>
+              </a:ext>
+            </a:extLst>
+          </p:cNvPr>
+          <p:cNvSpPr txBox="1"/>
+          <p:nvPr/>
+        </p:nvSpPr>
+        <p:spPr>
+          <a:xfrm>
+            <a:off x="259952" y="940092"/>
+            <a:ext cx="4533989" cy="3970318"/>
           </a:xfrm>
           <a:prstGeom prst="rect">
             <a:avLst/>
           </a:prstGeom>
-        </p:spPr>
-      </p:pic>
+          <a:noFill/>
+        </p:spPr>
+        <p:txBody>
+          <a:bodyPr wrap="square" rtlCol="0">
+            <a:spAutoFit/>
+          </a:bodyPr>
+          <a:lstStyle/>
+          <a:p>
+            <a:r>
+              <a:rPr lang="en-US" altLang="zh-CN" sz="1200" b="1" u="sng" dirty="0"/>
+              <a:t>Bootloader dispatch parameters to Kernel through Tagged list</a:t>
+            </a:r>
+          </a:p>
+          <a:p>
+            <a:pPr lvl="1"/>
+            <a:r>
+              <a:rPr lang="en-US" altLang="zh-CN" sz="1200" dirty="0"/>
+              <a:t>-include/</a:t>
+            </a:r>
+            <a:r>
+              <a:rPr lang="en-US" altLang="zh-CN" sz="1200" dirty="0" err="1"/>
+              <a:t>asm</a:t>
+            </a:r>
+            <a:r>
+              <a:rPr lang="en-US" altLang="zh-CN" sz="1200" dirty="0"/>
+              <a:t>/</a:t>
+            </a:r>
+            <a:r>
+              <a:rPr lang="en-US" altLang="zh-CN" sz="1200" dirty="0" err="1"/>
+              <a:t>setup.h</a:t>
+            </a:r>
+            <a:endParaRPr lang="en-US" altLang="zh-CN" sz="1200" dirty="0"/>
+          </a:p>
+          <a:p>
+            <a:r>
+              <a:rPr lang="en-US" altLang="zh-CN" sz="1200" dirty="0"/>
+              <a:t>Struct </a:t>
+            </a:r>
+            <a:r>
+              <a:rPr lang="en-US" altLang="zh-CN" sz="1200" dirty="0" err="1"/>
+              <a:t>tag_header</a:t>
+            </a:r>
+            <a:r>
+              <a:rPr lang="en-US" altLang="zh-CN" sz="1200" dirty="0"/>
+              <a:t> {</a:t>
+            </a:r>
+          </a:p>
+          <a:p>
+            <a:r>
+              <a:rPr lang="en-US" altLang="zh-CN" sz="1200" dirty="0"/>
+              <a:t>    u32 size;</a:t>
+            </a:r>
+          </a:p>
+          <a:p>
+            <a:r>
+              <a:rPr lang="en-US" altLang="zh-CN" sz="1200" dirty="0"/>
+              <a:t>    u32 tag;</a:t>
+            </a:r>
+          </a:p>
+          <a:p>
+            <a:r>
+              <a:rPr lang="en-US" altLang="zh-CN" sz="1200" dirty="0"/>
+              <a:t>};</a:t>
+            </a:r>
+          </a:p>
+          <a:p>
+            <a:r>
+              <a:rPr lang="en-US" altLang="zh-CN" sz="1200" dirty="0"/>
+              <a:t>Struct tag{</a:t>
+            </a:r>
+          </a:p>
+          <a:p>
+            <a:r>
+              <a:rPr lang="en-US" altLang="zh-CN" sz="1200" dirty="0"/>
+              <a:t>   struct </a:t>
+            </a:r>
+            <a:r>
+              <a:rPr lang="en-US" altLang="zh-CN" sz="1200" dirty="0" err="1"/>
+              <a:t>tag_header</a:t>
+            </a:r>
+            <a:r>
+              <a:rPr lang="en-US" altLang="zh-CN" sz="1200" dirty="0"/>
+              <a:t>         </a:t>
+            </a:r>
+            <a:r>
+              <a:rPr lang="en-US" altLang="zh-CN" sz="1200" b="1" dirty="0" err="1"/>
+              <a:t>hdr</a:t>
+            </a:r>
+            <a:r>
+              <a:rPr lang="en-US" altLang="zh-CN" sz="1200" b="1" dirty="0"/>
+              <a:t>;</a:t>
+            </a:r>
+          </a:p>
+          <a:p>
+            <a:r>
+              <a:rPr lang="en-US" altLang="zh-CN" sz="1200" dirty="0"/>
+              <a:t>   union {</a:t>
+            </a:r>
+          </a:p>
+          <a:p>
+            <a:r>
+              <a:rPr lang="en-US" altLang="zh-CN" sz="1200" dirty="0"/>
+              <a:t>       struct </a:t>
+            </a:r>
+            <a:r>
+              <a:rPr lang="en-US" altLang="zh-CN" sz="1200" dirty="0" err="1"/>
+              <a:t>tag_core</a:t>
+            </a:r>
+            <a:r>
+              <a:rPr lang="en-US" altLang="zh-CN" sz="1200" dirty="0"/>
+              <a:t>         core;</a:t>
+            </a:r>
+          </a:p>
+          <a:p>
+            <a:r>
+              <a:rPr lang="en-US" altLang="zh-CN" sz="1200" dirty="0"/>
+              <a:t>       struct tag_mem32     mem;</a:t>
+            </a:r>
+          </a:p>
+          <a:p>
+            <a:r>
+              <a:rPr lang="en-US" altLang="zh-CN" sz="1200" dirty="0"/>
+              <a:t>       struct </a:t>
+            </a:r>
+            <a:r>
+              <a:rPr lang="en-US" altLang="zh-CN" sz="1200" dirty="0" err="1"/>
+              <a:t>tag_videotext</a:t>
+            </a:r>
+            <a:r>
+              <a:rPr lang="en-US" altLang="zh-CN" sz="1200" dirty="0"/>
+              <a:t>  videotext;</a:t>
+            </a:r>
+          </a:p>
+          <a:p>
+            <a:r>
+              <a:rPr lang="en-US" altLang="zh-CN" sz="1200" dirty="0"/>
+              <a:t>       struct </a:t>
+            </a:r>
+            <a:r>
+              <a:rPr lang="en-US" altLang="zh-CN" sz="1200" dirty="0" err="1"/>
+              <a:t>tag_ramdisk</a:t>
+            </a:r>
+            <a:r>
+              <a:rPr lang="en-US" altLang="zh-CN" sz="1200" dirty="0"/>
+              <a:t>    </a:t>
+            </a:r>
+            <a:r>
+              <a:rPr lang="en-US" altLang="zh-CN" sz="1200" dirty="0" err="1"/>
+              <a:t>ramdisk</a:t>
+            </a:r>
+            <a:r>
+              <a:rPr lang="en-US" altLang="zh-CN" sz="1200" dirty="0"/>
+              <a:t>;</a:t>
+            </a:r>
+          </a:p>
+          <a:p>
+            <a:r>
+              <a:rPr lang="en-US" altLang="zh-CN" sz="1200" dirty="0"/>
+              <a:t>       struct </a:t>
+            </a:r>
+            <a:r>
+              <a:rPr lang="en-US" altLang="zh-CN" sz="1200" dirty="0" err="1"/>
+              <a:t>tag_initrd</a:t>
+            </a:r>
+            <a:r>
+              <a:rPr lang="en-US" altLang="zh-CN" sz="1200" dirty="0"/>
+              <a:t>        </a:t>
+            </a:r>
+            <a:r>
+              <a:rPr lang="en-US" altLang="zh-CN" sz="1200" dirty="0" err="1"/>
+              <a:t>initrd</a:t>
+            </a:r>
+            <a:r>
+              <a:rPr lang="en-US" altLang="zh-CN" sz="1200" dirty="0"/>
+              <a:t>;</a:t>
+            </a:r>
+          </a:p>
+          <a:p>
+            <a:r>
+              <a:rPr lang="en-US" altLang="zh-CN" sz="1200" dirty="0"/>
+              <a:t>       struct </a:t>
+            </a:r>
+            <a:r>
+              <a:rPr lang="en-US" altLang="zh-CN" sz="1200" dirty="0" err="1"/>
+              <a:t>tag_serialnr</a:t>
+            </a:r>
+            <a:r>
+              <a:rPr lang="en-US" altLang="zh-CN" sz="1200" dirty="0"/>
+              <a:t>     </a:t>
+            </a:r>
+            <a:r>
+              <a:rPr lang="en-US" altLang="zh-CN" sz="1200" dirty="0" err="1"/>
+              <a:t>serialnr</a:t>
+            </a:r>
+            <a:r>
+              <a:rPr lang="en-US" altLang="zh-CN" sz="1200" dirty="0"/>
+              <a:t>;</a:t>
+            </a:r>
+          </a:p>
+          <a:p>
+            <a:r>
+              <a:rPr lang="en-US" altLang="zh-CN" sz="1200" dirty="0"/>
+              <a:t>       struct </a:t>
+            </a:r>
+            <a:r>
+              <a:rPr lang="en-US" altLang="zh-CN" sz="1200" dirty="0" err="1"/>
+              <a:t>tag_revision</a:t>
+            </a:r>
+            <a:r>
+              <a:rPr lang="en-US" altLang="zh-CN" sz="1200" dirty="0"/>
+              <a:t>     revision;</a:t>
+            </a:r>
+          </a:p>
+          <a:p>
+            <a:r>
+              <a:rPr lang="en-US" altLang="zh-CN" sz="1200" dirty="0"/>
+              <a:t>       struct </a:t>
+            </a:r>
+            <a:r>
+              <a:rPr lang="en-US" altLang="zh-CN" sz="1200" dirty="0" err="1"/>
+              <a:t>tag_videolfb</a:t>
+            </a:r>
+            <a:r>
+              <a:rPr lang="en-US" altLang="zh-CN" sz="1200" dirty="0"/>
+              <a:t>    </a:t>
+            </a:r>
+            <a:r>
+              <a:rPr lang="en-US" altLang="zh-CN" sz="1200" dirty="0" err="1"/>
+              <a:t>videolfb</a:t>
+            </a:r>
+            <a:r>
+              <a:rPr lang="en-US" altLang="zh-CN" sz="1200" dirty="0"/>
+              <a:t>;</a:t>
+            </a:r>
+          </a:p>
+          <a:p>
+            <a:r>
+              <a:rPr lang="en-US" altLang="zh-CN" sz="1200" dirty="0"/>
+              <a:t>       struct </a:t>
+            </a:r>
+            <a:r>
+              <a:rPr lang="en-US" altLang="zh-CN" sz="1200" dirty="0" err="1"/>
+              <a:t>tag_cmdline</a:t>
+            </a:r>
+            <a:r>
+              <a:rPr lang="en-US" altLang="zh-CN" sz="1200" dirty="0"/>
+              <a:t>     </a:t>
+            </a:r>
+            <a:r>
+              <a:rPr lang="en-US" altLang="zh-CN" sz="1200" dirty="0" err="1"/>
+              <a:t>cmdline</a:t>
+            </a:r>
+            <a:r>
+              <a:rPr lang="en-US" altLang="zh-CN" sz="1200" dirty="0"/>
+              <a:t>;</a:t>
+            </a:r>
+          </a:p>
+          <a:p>
+            <a:r>
+              <a:rPr lang="en-US" altLang="zh-CN" sz="1200" dirty="0"/>
+              <a:t>        // any specific </a:t>
+            </a:r>
+          </a:p>
+          <a:p>
+            <a:r>
+              <a:rPr lang="en-US" altLang="zh-CN" sz="1200" dirty="0"/>
+              <a:t>          }</a:t>
+            </a:r>
+            <a:r>
+              <a:rPr lang="en-US" altLang="zh-CN" sz="1200" b="1" dirty="0"/>
+              <a:t>u;</a:t>
+            </a:r>
+          </a:p>
+          <a:p>
+            <a:r>
+              <a:rPr lang="en-US" altLang="zh-CN" sz="1200" dirty="0"/>
+              <a:t>  };</a:t>
+            </a:r>
+          </a:p>
+        </p:txBody>
+      </p:sp>
+      <p:sp>
+        <p:nvSpPr>
+          <p:cNvPr id="10" name="文本框 9">
+            <a:extLst>
+              <a:ext uri="{FF2B5EF4-FFF2-40B4-BE49-F238E27FC236}">
+                <a16:creationId xmlns:a16="http://schemas.microsoft.com/office/drawing/2014/main" id="{86981294-B180-4906-BB16-15753FAB764E}"/>
+              </a:ext>
+            </a:extLst>
+          </p:cNvPr>
+          <p:cNvSpPr txBox="1"/>
+          <p:nvPr/>
+        </p:nvSpPr>
+        <p:spPr>
+          <a:xfrm>
+            <a:off x="4818035" y="1659183"/>
+            <a:ext cx="5870680" cy="4893647"/>
+          </a:xfrm>
+          <a:prstGeom prst="rect">
+            <a:avLst/>
+          </a:prstGeom>
+          <a:noFill/>
+        </p:spPr>
+        <p:txBody>
+          <a:bodyPr wrap="square" rtlCol="0">
+            <a:spAutoFit/>
+          </a:bodyPr>
+          <a:lstStyle/>
+          <a:p>
+            <a:r>
+              <a:rPr lang="en-US" altLang="zh-CN" sz="1200" b="1" u="sng" dirty="0"/>
+              <a:t>Set ATAG_CORE</a:t>
+            </a:r>
+          </a:p>
+          <a:p>
+            <a:r>
+              <a:rPr lang="en-US" altLang="zh-CN" sz="1200" dirty="0"/>
+              <a:t>Params =(struct tag*) 0x30000000;   //address for example</a:t>
+            </a:r>
+          </a:p>
+          <a:p>
+            <a:r>
+              <a:rPr lang="en-US" altLang="zh-CN" sz="1200" dirty="0"/>
+              <a:t>Params-&gt;</a:t>
+            </a:r>
+            <a:r>
+              <a:rPr lang="en-US" altLang="zh-CN" sz="1200" dirty="0" err="1"/>
+              <a:t>hdr.tag</a:t>
+            </a:r>
+            <a:r>
+              <a:rPr lang="en-US" altLang="zh-CN" sz="1200" dirty="0"/>
+              <a:t>=ATAG_CORE;</a:t>
+            </a:r>
+          </a:p>
+          <a:p>
+            <a:r>
+              <a:rPr lang="en-US" altLang="zh-CN" sz="1200" dirty="0"/>
+              <a:t>Params-&gt;</a:t>
+            </a:r>
+            <a:r>
+              <a:rPr lang="en-US" altLang="zh-CN" sz="1200" dirty="0" err="1"/>
+              <a:t>hdr.size</a:t>
+            </a:r>
+            <a:r>
+              <a:rPr lang="en-US" altLang="zh-CN" sz="1200" dirty="0"/>
+              <a:t>=</a:t>
+            </a:r>
+            <a:r>
+              <a:rPr lang="en-US" altLang="zh-CN" sz="1200" dirty="0" err="1"/>
+              <a:t>tag_size</a:t>
+            </a:r>
+            <a:r>
+              <a:rPr lang="en-US" altLang="zh-CN" sz="1200" dirty="0"/>
+              <a:t>(</a:t>
+            </a:r>
+            <a:r>
+              <a:rPr lang="en-US" altLang="zh-CN" sz="1200" dirty="0" err="1"/>
+              <a:t>tag_core</a:t>
+            </a:r>
+            <a:r>
+              <a:rPr lang="en-US" altLang="zh-CN" sz="1200" dirty="0"/>
+              <a:t>); </a:t>
+            </a:r>
+          </a:p>
+          <a:p>
+            <a:r>
+              <a:rPr lang="en-US" altLang="zh-CN" sz="1200" dirty="0"/>
+              <a:t>Params-&gt;</a:t>
+            </a:r>
+            <a:r>
+              <a:rPr lang="en-US" altLang="zh-CN" sz="1200" dirty="0" err="1"/>
+              <a:t>u.core.flags</a:t>
+            </a:r>
+            <a:r>
+              <a:rPr lang="en-US" altLang="zh-CN" sz="1200" dirty="0"/>
+              <a:t>=0;</a:t>
+            </a:r>
+          </a:p>
+          <a:p>
+            <a:r>
+              <a:rPr lang="en-US" altLang="zh-CN" sz="1200" dirty="0"/>
+              <a:t>Params-&gt;</a:t>
+            </a:r>
+            <a:r>
+              <a:rPr lang="en-US" altLang="zh-CN" sz="1200" dirty="0" err="1"/>
+              <a:t>u.core.pagesize</a:t>
+            </a:r>
+            <a:r>
+              <a:rPr lang="en-US" altLang="zh-CN" sz="1200" dirty="0"/>
+              <a:t>=0;</a:t>
+            </a:r>
+          </a:p>
+          <a:p>
+            <a:r>
+              <a:rPr lang="en-US" altLang="zh-CN" sz="1200" dirty="0"/>
+              <a:t>Params-&gt;</a:t>
+            </a:r>
+            <a:r>
+              <a:rPr lang="en-US" altLang="zh-CN" sz="1200" dirty="0" err="1"/>
+              <a:t>u.core.rootdev</a:t>
+            </a:r>
+            <a:r>
+              <a:rPr lang="en-US" altLang="zh-CN" sz="1200" dirty="0"/>
+              <a:t>=0;</a:t>
+            </a:r>
+          </a:p>
+          <a:p>
+            <a:r>
+              <a:rPr lang="en-US" altLang="zh-CN" sz="1200" dirty="0"/>
+              <a:t>Params=</a:t>
+            </a:r>
+            <a:r>
+              <a:rPr lang="en-US" altLang="zh-CN" sz="1200" dirty="0" err="1"/>
+              <a:t>tag_next</a:t>
+            </a:r>
+            <a:r>
+              <a:rPr lang="en-US" altLang="zh-CN" sz="1200" dirty="0"/>
+              <a:t>(params);</a:t>
+            </a:r>
+          </a:p>
+          <a:p>
+            <a:endParaRPr lang="en-US" altLang="zh-CN" sz="1200" dirty="0"/>
+          </a:p>
+          <a:p>
+            <a:r>
+              <a:rPr lang="en-US" altLang="zh-CN" sz="1200" dirty="0"/>
+              <a:t>#define </a:t>
+            </a:r>
+            <a:r>
+              <a:rPr lang="en-US" altLang="zh-CN" sz="1200" dirty="0" err="1"/>
+              <a:t>tag_next</a:t>
+            </a:r>
+            <a:r>
+              <a:rPr lang="en-US" altLang="zh-CN" sz="1200" dirty="0"/>
+              <a:t>(t) ((struct tag*)((u32*)(t)+(t)-&gt;</a:t>
+            </a:r>
+            <a:r>
+              <a:rPr lang="en-US" altLang="zh-CN" sz="1200" dirty="0" err="1"/>
+              <a:t>hdr.size</a:t>
+            </a:r>
+            <a:r>
+              <a:rPr lang="en-US" altLang="zh-CN" sz="1200" dirty="0"/>
+              <a:t>))</a:t>
+            </a:r>
+          </a:p>
+          <a:p>
+            <a:r>
+              <a:rPr lang="en-US" altLang="zh-CN" sz="1200" b="1" u="sng" dirty="0"/>
+              <a:t>Set ATAG_MEM</a:t>
+            </a:r>
+          </a:p>
+          <a:p>
+            <a:r>
+              <a:rPr lang="en-US" altLang="zh-CN" sz="1200" dirty="0"/>
+              <a:t>Params-&gt;</a:t>
+            </a:r>
+            <a:r>
+              <a:rPr lang="en-US" altLang="zh-CN" sz="1200" dirty="0" err="1"/>
+              <a:t>hdr.tag</a:t>
+            </a:r>
+            <a:r>
+              <a:rPr lang="en-US" altLang="zh-CN" sz="1200" dirty="0"/>
+              <a:t>=ATAG_MEM;</a:t>
+            </a:r>
+          </a:p>
+          <a:p>
+            <a:r>
+              <a:rPr lang="en-US" altLang="zh-CN" sz="1200" dirty="0"/>
+              <a:t>Params-&gt;</a:t>
+            </a:r>
+            <a:r>
+              <a:rPr lang="en-US" altLang="zh-CN" sz="1200" dirty="0" err="1"/>
+              <a:t>hdr.size</a:t>
+            </a:r>
+            <a:r>
+              <a:rPr lang="en-US" altLang="zh-CN" sz="1200" dirty="0"/>
+              <a:t>=</a:t>
+            </a:r>
+            <a:r>
+              <a:rPr lang="en-US" altLang="zh-CN" sz="1200" dirty="0" err="1"/>
+              <a:t>tag_size</a:t>
+            </a:r>
+            <a:r>
+              <a:rPr lang="en-US" altLang="zh-CN" sz="1200" dirty="0"/>
+              <a:t>(tag_mem32);</a:t>
+            </a:r>
+          </a:p>
+          <a:p>
+            <a:r>
+              <a:rPr lang="en-US" altLang="zh-CN" sz="1200" dirty="0"/>
+              <a:t>Params-&gt;</a:t>
+            </a:r>
+            <a:r>
+              <a:rPr lang="en-US" altLang="zh-CN" sz="1200" dirty="0" err="1"/>
+              <a:t>u.mem.start</a:t>
+            </a:r>
+            <a:r>
+              <a:rPr lang="en-US" altLang="zh-CN" sz="1200" dirty="0"/>
+              <a:t>=0x30000000;</a:t>
+            </a:r>
+          </a:p>
+          <a:p>
+            <a:r>
+              <a:rPr lang="en-US" altLang="zh-CN" sz="1200" dirty="0"/>
+              <a:t>Params-&gt;</a:t>
+            </a:r>
+            <a:r>
+              <a:rPr lang="en-US" altLang="zh-CN" sz="1200" dirty="0" err="1"/>
+              <a:t>u.mem.size</a:t>
+            </a:r>
+            <a:r>
+              <a:rPr lang="en-US" altLang="zh-CN" sz="1200" dirty="0"/>
+              <a:t>=0x4000000;</a:t>
+            </a:r>
+          </a:p>
+          <a:p>
+            <a:r>
+              <a:rPr lang="en-US" altLang="zh-CN" sz="1200" dirty="0"/>
+              <a:t>Params=</a:t>
+            </a:r>
+            <a:r>
+              <a:rPr lang="en-US" altLang="zh-CN" sz="1200" dirty="0" err="1"/>
+              <a:t>tag_next</a:t>
+            </a:r>
+            <a:r>
+              <a:rPr lang="en-US" altLang="zh-CN" sz="1200" dirty="0"/>
+              <a:t>(params);</a:t>
+            </a:r>
+          </a:p>
+          <a:p>
+            <a:r>
+              <a:rPr lang="en-US" altLang="zh-CN" sz="1200" b="1" u="sng" dirty="0"/>
+              <a:t>Set ATAG_CMDLINE</a:t>
+            </a:r>
+          </a:p>
+          <a:p>
+            <a:r>
+              <a:rPr lang="en-US" altLang="zh-CN" sz="1200" dirty="0"/>
+              <a:t>Char *p=“root=/dev/</a:t>
+            </a:r>
+            <a:r>
+              <a:rPr lang="en-US" altLang="zh-CN" sz="1200" dirty="0" err="1"/>
+              <a:t>mtdblock</a:t>
+            </a:r>
+            <a:r>
+              <a:rPr lang="en-US" altLang="zh-CN" sz="1200" dirty="0"/>
+              <a:t> 2 </a:t>
+            </a:r>
+            <a:r>
+              <a:rPr lang="en-US" altLang="zh-CN" sz="1200" dirty="0" err="1"/>
+              <a:t>init</a:t>
+            </a:r>
+            <a:r>
+              <a:rPr lang="en-US" altLang="zh-CN" sz="1200" dirty="0"/>
+              <a:t>=/</a:t>
+            </a:r>
+            <a:r>
+              <a:rPr lang="en-US" altLang="zh-CN" sz="1200" dirty="0" err="1"/>
+              <a:t>linuxrc</a:t>
+            </a:r>
+            <a:r>
+              <a:rPr lang="en-US" altLang="zh-CN" sz="1200" dirty="0"/>
+              <a:t> console=ttySAC0”;   //for example</a:t>
+            </a:r>
+          </a:p>
+          <a:p>
+            <a:r>
+              <a:rPr lang="en-US" altLang="zh-CN" sz="1200" dirty="0"/>
+              <a:t>Params-&gt;</a:t>
+            </a:r>
+            <a:r>
+              <a:rPr lang="en-US" altLang="zh-CN" sz="1200" dirty="0" err="1"/>
+              <a:t>hdr.tag</a:t>
+            </a:r>
+            <a:r>
+              <a:rPr lang="en-US" altLang="zh-CN" sz="1200" dirty="0"/>
+              <a:t>=ATAG_CMDLINE;</a:t>
+            </a:r>
+          </a:p>
+          <a:p>
+            <a:r>
+              <a:rPr lang="en-US" altLang="zh-CN" sz="1200" dirty="0"/>
+              <a:t>Params-&gt;</a:t>
+            </a:r>
+            <a:r>
+              <a:rPr lang="en-US" altLang="zh-CN" sz="1200" dirty="0" err="1"/>
+              <a:t>hdr.size</a:t>
+            </a:r>
+            <a:r>
+              <a:rPr lang="en-US" altLang="zh-CN" sz="1200" dirty="0"/>
+              <a:t>=(</a:t>
+            </a:r>
+            <a:r>
+              <a:rPr lang="en-US" altLang="zh-CN" sz="1200" dirty="0" err="1"/>
+              <a:t>sizeof</a:t>
+            </a:r>
+            <a:r>
+              <a:rPr lang="en-US" altLang="zh-CN" sz="1200" dirty="0"/>
+              <a:t>(struct </a:t>
+            </a:r>
+            <a:r>
+              <a:rPr lang="en-US" altLang="zh-CN" sz="1200" dirty="0" err="1"/>
+              <a:t>tag_header</a:t>
+            </a:r>
+            <a:r>
+              <a:rPr lang="en-US" altLang="zh-CN" sz="1200" dirty="0"/>
+              <a:t>)+</a:t>
+            </a:r>
+            <a:r>
+              <a:rPr lang="en-US" altLang="zh-CN" sz="1200" dirty="0" err="1"/>
+              <a:t>strlen</a:t>
+            </a:r>
+            <a:r>
+              <a:rPr lang="en-US" altLang="zh-CN" sz="1200" dirty="0"/>
+              <a:t>(p)+1+4)&gt;&gt;2;</a:t>
+            </a:r>
+          </a:p>
+          <a:p>
+            <a:r>
+              <a:rPr lang="en-US" altLang="zh-CN" sz="1200" dirty="0" err="1"/>
+              <a:t>Strcpy</a:t>
+            </a:r>
+            <a:r>
+              <a:rPr lang="en-US" altLang="zh-CN" sz="1200" dirty="0"/>
+              <a:t>(params-&gt;</a:t>
+            </a:r>
+            <a:r>
+              <a:rPr lang="en-US" altLang="zh-CN" sz="1200" dirty="0" err="1"/>
+              <a:t>u.cmdline.cmdline,p</a:t>
+            </a:r>
+            <a:r>
+              <a:rPr lang="en-US" altLang="zh-CN" sz="1200" dirty="0"/>
+              <a:t>);</a:t>
+            </a:r>
+          </a:p>
+          <a:p>
+            <a:r>
+              <a:rPr lang="en-US" altLang="zh-CN" sz="1200" dirty="0"/>
+              <a:t>Params=</a:t>
+            </a:r>
+            <a:r>
+              <a:rPr lang="en-US" altLang="zh-CN" sz="1200" dirty="0" err="1"/>
+              <a:t>tag_next</a:t>
+            </a:r>
+            <a:r>
+              <a:rPr lang="en-US" altLang="zh-CN" sz="1200" dirty="0"/>
+              <a:t>(params);  </a:t>
+            </a:r>
+          </a:p>
+          <a:p>
+            <a:r>
+              <a:rPr lang="en-US" altLang="zh-CN" sz="1200" dirty="0"/>
+              <a:t>//dispatch to kernel for first root file system, first executed program, console target… </a:t>
+            </a:r>
+          </a:p>
+          <a:p>
+            <a:r>
+              <a:rPr lang="en-US" altLang="zh-CN" sz="1200" b="1" u="sng" dirty="0"/>
+              <a:t>Set ATAG_NONE as the end</a:t>
+            </a:r>
+          </a:p>
+          <a:p>
+            <a:r>
+              <a:rPr lang="en-US" altLang="zh-CN" sz="1200" dirty="0"/>
+              <a:t>Params-&gt;</a:t>
+            </a:r>
+            <a:r>
+              <a:rPr lang="en-US" altLang="zh-CN" sz="1200" dirty="0" err="1"/>
+              <a:t>hdr.tag</a:t>
+            </a:r>
+            <a:r>
+              <a:rPr lang="en-US" altLang="zh-CN" sz="1200" dirty="0"/>
+              <a:t>=ATAG_NONE;</a:t>
+            </a:r>
+          </a:p>
+          <a:p>
+            <a:r>
+              <a:rPr lang="en-US" altLang="zh-CN" sz="1200" dirty="0"/>
+              <a:t>Params-&gt;</a:t>
+            </a:r>
+            <a:r>
+              <a:rPr lang="en-US" altLang="zh-CN" sz="1200" dirty="0" err="1"/>
+              <a:t>hdr.size</a:t>
+            </a:r>
+            <a:r>
+              <a:rPr lang="en-US" altLang="zh-CN" sz="1200" dirty="0"/>
+              <a:t>=0;</a:t>
+            </a:r>
+          </a:p>
+        </p:txBody>
+      </p:sp>
+      <p:sp>
+        <p:nvSpPr>
+          <p:cNvPr id="3" name="矩形 2">
+            <a:extLst>
+              <a:ext uri="{FF2B5EF4-FFF2-40B4-BE49-F238E27FC236}">
+                <a16:creationId xmlns:a16="http://schemas.microsoft.com/office/drawing/2014/main" id="{D6755D11-951C-43CC-A67A-8B6E39111014}"/>
+              </a:ext>
+            </a:extLst>
+          </p:cNvPr>
+          <p:cNvSpPr/>
+          <p:nvPr/>
+        </p:nvSpPr>
+        <p:spPr>
+          <a:xfrm>
+            <a:off x="9604296" y="1399699"/>
+            <a:ext cx="1465555" cy="1023905"/>
+          </a:xfrm>
+          <a:prstGeom prst="rect">
+            <a:avLst/>
+          </a:prstGeom>
+          <a:noFill/>
+          <a:ln>
+            <a:solidFill>
+              <a:srgbClr val="7030A0"/>
+            </a:solidFill>
+            <a:prstDash val="lgDashDot"/>
+          </a:ln>
+        </p:spPr>
+        <p:style>
+          <a:lnRef idx="2">
+            <a:schemeClr val="accent1">
+              <a:shade val="50000"/>
+            </a:schemeClr>
+          </a:lnRef>
+          <a:fillRef idx="1">
+            <a:schemeClr val="accent1"/>
+          </a:fillRef>
+          <a:effectRef idx="0">
+            <a:schemeClr val="accent1"/>
+          </a:effectRef>
+          <a:fontRef idx="minor">
+            <a:schemeClr val="lt1"/>
+          </a:fontRef>
+        </p:style>
+        <p:txBody>
+          <a:bodyPr rtlCol="0" anchor="ctr"/>
+          <a:lstStyle/>
+          <a:p>
+            <a:pPr algn="ctr"/>
+            <a:endParaRPr lang="zh-CN" altLang="en-US"/>
+          </a:p>
+        </p:txBody>
+      </p:sp>
     </p:spTree>
     <p:extLst>
       <p:ext uri="{BB962C8B-B14F-4D97-AF65-F5344CB8AC3E}">
-        <p14:creationId xmlns:p14="http://schemas.microsoft.com/office/powerpoint/2010/main" val="832347279"/>
+        <p14:creationId xmlns:p14="http://schemas.microsoft.com/office/powerpoint/2010/main" val="2486926668"/>
       </p:ext>
     </p:extLst>
   </p:cSld>
@@ -7474,6 +7763,658 @@
           <a:p>
             <a:r>
               <a:rPr lang="en-US" altLang="zh-CN" dirty="0"/>
+              <a:t>Linux architecture-kernel</a:t>
+            </a:r>
+            <a:endParaRPr lang="zh-CN" altLang="en-US" dirty="0"/>
+          </a:p>
+        </p:txBody>
+      </p:sp>
+      <p:sp>
+        <p:nvSpPr>
+          <p:cNvPr id="80" name="文本框 79">
+            <a:extLst>
+              <a:ext uri="{FF2B5EF4-FFF2-40B4-BE49-F238E27FC236}">
+                <a16:creationId xmlns:a16="http://schemas.microsoft.com/office/drawing/2014/main" id="{A0B91055-B219-4830-93C3-6818BC76ECDE}"/>
+              </a:ext>
+            </a:extLst>
+          </p:cNvPr>
+          <p:cNvSpPr txBox="1"/>
+          <p:nvPr/>
+        </p:nvSpPr>
+        <p:spPr>
+          <a:xfrm>
+            <a:off x="259952" y="940092"/>
+            <a:ext cx="5235326" cy="4339650"/>
+          </a:xfrm>
+          <a:prstGeom prst="rect">
+            <a:avLst/>
+          </a:prstGeom>
+          <a:noFill/>
+        </p:spPr>
+        <p:txBody>
+          <a:bodyPr wrap="square" rtlCol="0">
+            <a:spAutoFit/>
+          </a:bodyPr>
+          <a:lstStyle/>
+          <a:p>
+            <a:r>
+              <a:rPr lang="en-US" altLang="zh-CN" sz="1200" b="1" u="sng" dirty="0"/>
+              <a:t>Kernel Debug Skills</a:t>
+            </a:r>
+          </a:p>
+          <a:p>
+            <a:r>
+              <a:rPr lang="en-US" altLang="zh-CN" sz="1200" dirty="0"/>
+              <a:t>Kernel log/system log analysis (/var/log)</a:t>
+            </a:r>
+          </a:p>
+          <a:p>
+            <a:r>
+              <a:rPr lang="en-US" altLang="zh-CN" sz="1200" dirty="0"/>
+              <a:t>Compile kernel to add KGDB patch, enable remote host debug kernel</a:t>
+            </a:r>
+          </a:p>
+          <a:p>
+            <a:r>
+              <a:rPr lang="en-US" altLang="zh-CN" sz="1200" dirty="0"/>
+              <a:t>Oops call stack trace</a:t>
+            </a:r>
+          </a:p>
+          <a:p>
+            <a:endParaRPr lang="en-US" altLang="zh-CN" sz="1200" dirty="0"/>
+          </a:p>
+          <a:p>
+            <a:r>
+              <a:rPr lang="en-US" altLang="zh-CN" sz="1200" b="1" u="sng" dirty="0"/>
+              <a:t>Kernel </a:t>
+            </a:r>
+            <a:r>
+              <a:rPr lang="en-US" altLang="zh-CN" sz="1200" b="1" u="sng" dirty="0" err="1"/>
+              <a:t>Kconfig</a:t>
+            </a:r>
+            <a:r>
+              <a:rPr lang="en-US" altLang="zh-CN" sz="1200" b="1" u="sng" dirty="0"/>
+              <a:t> Analysis</a:t>
+            </a:r>
+          </a:p>
+          <a:p>
+            <a:r>
+              <a:rPr lang="en-US" altLang="zh-CN" sz="1200" dirty="0"/>
+              <a:t>  $make config</a:t>
+            </a:r>
+          </a:p>
+          <a:p>
+            <a:r>
+              <a:rPr lang="en-US" altLang="zh-CN" sz="1200" dirty="0"/>
+              <a:t>  $make </a:t>
+            </a:r>
+            <a:r>
+              <a:rPr lang="en-US" altLang="zh-CN" sz="1200" dirty="0" err="1"/>
+              <a:t>menuconfig</a:t>
+            </a:r>
+            <a:endParaRPr lang="en-US" altLang="zh-CN" sz="1200" dirty="0"/>
+          </a:p>
+          <a:p>
+            <a:r>
+              <a:rPr lang="en-US" altLang="zh-CN" sz="1200" dirty="0"/>
+              <a:t>  $make </a:t>
+            </a:r>
+            <a:r>
+              <a:rPr lang="en-US" altLang="zh-CN" sz="1200" dirty="0" err="1"/>
+              <a:t>xconfig</a:t>
+            </a:r>
+            <a:endParaRPr lang="en-US" altLang="zh-CN" sz="1200" dirty="0"/>
+          </a:p>
+          <a:p>
+            <a:r>
+              <a:rPr lang="en-US" altLang="zh-CN" sz="1200" dirty="0"/>
+              <a:t>Snapshots- TBC</a:t>
+            </a:r>
+          </a:p>
+          <a:p>
+            <a:endParaRPr lang="en-US" altLang="zh-CN" sz="1200" dirty="0"/>
+          </a:p>
+          <a:p>
+            <a:endParaRPr lang="en-US" altLang="zh-CN" sz="1200" dirty="0"/>
+          </a:p>
+          <a:p>
+            <a:r>
+              <a:rPr lang="en-US" altLang="zh-CN" sz="1200" b="1" u="sng" dirty="0"/>
+              <a:t>Kernel Bootup Procedure</a:t>
+            </a:r>
+          </a:p>
+          <a:p>
+            <a:r>
+              <a:rPr lang="en-US" altLang="zh-CN" sz="1200" dirty="0"/>
+              <a:t>Phase 1:  Assembly Language: /arch/x86/boot/</a:t>
+            </a:r>
+            <a:r>
+              <a:rPr lang="en-US" altLang="zh-CN" sz="1200" dirty="0" err="1"/>
+              <a:t>header.s</a:t>
+            </a:r>
+            <a:r>
+              <a:rPr lang="en-US" altLang="zh-CN" sz="1200" dirty="0"/>
+              <a:t>  </a:t>
+            </a:r>
+          </a:p>
+          <a:p>
+            <a:endParaRPr lang="en-US" altLang="zh-CN" sz="1200" dirty="0"/>
+          </a:p>
+          <a:p>
+            <a:endParaRPr lang="en-US" altLang="zh-CN" sz="1200" dirty="0"/>
+          </a:p>
+          <a:p>
+            <a:endParaRPr lang="en-US" altLang="zh-CN" sz="1200" dirty="0"/>
+          </a:p>
+          <a:p>
+            <a:endParaRPr lang="en-US" altLang="zh-CN" sz="1200" dirty="0"/>
+          </a:p>
+          <a:p>
+            <a:endParaRPr lang="en-US" altLang="zh-CN" sz="1200" dirty="0"/>
+          </a:p>
+          <a:p>
+            <a:endParaRPr lang="en-US" altLang="zh-CN" sz="1200" dirty="0"/>
+          </a:p>
+          <a:p>
+            <a:endParaRPr lang="en-US" altLang="zh-CN" sz="1200" dirty="0"/>
+          </a:p>
+          <a:p>
+            <a:endParaRPr lang="en-US" altLang="zh-CN" sz="1200" dirty="0"/>
+          </a:p>
+          <a:p>
+            <a:r>
+              <a:rPr lang="en-US" altLang="zh-CN" sz="1200" dirty="0"/>
+              <a:t>Phase 2:  invoke function “</a:t>
+            </a:r>
+            <a:r>
+              <a:rPr lang="en-US" altLang="zh-CN" sz="1200" dirty="0" err="1"/>
+              <a:t>start_kernel</a:t>
+            </a:r>
+            <a:r>
+              <a:rPr lang="en-US" altLang="zh-CN" sz="1200" dirty="0"/>
+              <a:t>()” in /</a:t>
+            </a:r>
+            <a:r>
+              <a:rPr lang="en-US" altLang="zh-CN" sz="1200" dirty="0" err="1"/>
+              <a:t>init</a:t>
+            </a:r>
+            <a:r>
+              <a:rPr lang="en-US" altLang="zh-CN" sz="1200" dirty="0"/>
+              <a:t>/</a:t>
+            </a:r>
+            <a:r>
+              <a:rPr lang="en-US" altLang="zh-CN" sz="1200" dirty="0" err="1"/>
+              <a:t>main.c</a:t>
+            </a:r>
+            <a:endParaRPr lang="en-US" altLang="zh-CN" sz="1200" dirty="0"/>
+          </a:p>
+        </p:txBody>
+      </p:sp>
+      <p:pic>
+        <p:nvPicPr>
+          <p:cNvPr id="6" name="图片 5">
+            <a:extLst>
+              <a:ext uri="{FF2B5EF4-FFF2-40B4-BE49-F238E27FC236}">
+                <a16:creationId xmlns:a16="http://schemas.microsoft.com/office/drawing/2014/main" id="{74A895EF-2BFB-4791-8027-F9C8036419B3}"/>
+              </a:ext>
+            </a:extLst>
+          </p:cNvPr>
+          <p:cNvPicPr>
+            <a:picLocks noChangeAspect="1"/>
+          </p:cNvPicPr>
+          <p:nvPr/>
+        </p:nvPicPr>
+        <p:blipFill>
+          <a:blip r:embed="rId2"/>
+          <a:stretch>
+            <a:fillRect/>
+          </a:stretch>
+        </p:blipFill>
+        <p:spPr>
+          <a:xfrm>
+            <a:off x="10466705" y="58113"/>
+            <a:ext cx="1656283" cy="6741774"/>
+          </a:xfrm>
+          <a:prstGeom prst="rect">
+            <a:avLst/>
+          </a:prstGeom>
+        </p:spPr>
+      </p:pic>
+      <p:sp>
+        <p:nvSpPr>
+          <p:cNvPr id="7" name="文本框 6">
+            <a:extLst>
+              <a:ext uri="{FF2B5EF4-FFF2-40B4-BE49-F238E27FC236}">
+                <a16:creationId xmlns:a16="http://schemas.microsoft.com/office/drawing/2014/main" id="{55C7EB8F-6FBA-46AA-814F-D9A4890114CD}"/>
+              </a:ext>
+            </a:extLst>
+          </p:cNvPr>
+          <p:cNvSpPr txBox="1"/>
+          <p:nvPr/>
+        </p:nvSpPr>
+        <p:spPr>
+          <a:xfrm>
+            <a:off x="5231379" y="1083404"/>
+            <a:ext cx="5235326" cy="2123658"/>
+          </a:xfrm>
+          <a:prstGeom prst="rect">
+            <a:avLst/>
+          </a:prstGeom>
+          <a:noFill/>
+        </p:spPr>
+        <p:txBody>
+          <a:bodyPr wrap="square" rtlCol="0">
+            <a:spAutoFit/>
+          </a:bodyPr>
+          <a:lstStyle/>
+          <a:p>
+            <a:r>
+              <a:rPr lang="en-US" altLang="zh-CN" sz="1200" b="1" u="sng" dirty="0"/>
+              <a:t>Kernel Bootup Procedure</a:t>
+            </a:r>
+          </a:p>
+          <a:p>
+            <a:r>
+              <a:rPr lang="en-US" altLang="zh-CN" sz="1200" dirty="0"/>
+              <a:t>Phase 3: last function invoke “</a:t>
+            </a:r>
+            <a:r>
+              <a:rPr lang="en-US" altLang="zh-CN" sz="1200" dirty="0" err="1"/>
+              <a:t>rest_init</a:t>
+            </a:r>
+            <a:r>
+              <a:rPr lang="en-US" altLang="zh-CN" sz="1200" dirty="0"/>
+              <a:t>()” in function “</a:t>
+            </a:r>
+            <a:r>
+              <a:rPr lang="en-US" altLang="zh-CN" sz="1200" dirty="0" err="1"/>
+              <a:t>start_kernel</a:t>
+            </a:r>
+            <a:r>
+              <a:rPr lang="en-US" altLang="zh-CN" sz="1200" dirty="0"/>
+              <a:t>()”</a:t>
+            </a:r>
+          </a:p>
+          <a:p>
+            <a:r>
+              <a:rPr lang="en-US" altLang="zh-CN" sz="1200" dirty="0"/>
+              <a:t>    - call root file system   </a:t>
+            </a:r>
+          </a:p>
+          <a:p>
+            <a:endParaRPr lang="en-US" altLang="zh-CN" sz="1200" dirty="0"/>
+          </a:p>
+          <a:p>
+            <a:endParaRPr lang="en-US" altLang="zh-CN" sz="1200" dirty="0"/>
+          </a:p>
+          <a:p>
+            <a:endParaRPr lang="en-US" altLang="zh-CN" sz="1200" dirty="0"/>
+          </a:p>
+          <a:p>
+            <a:endParaRPr lang="en-US" altLang="zh-CN" sz="1200" dirty="0"/>
+          </a:p>
+          <a:p>
+            <a:endParaRPr lang="en-US" altLang="zh-CN" sz="1200" dirty="0"/>
+          </a:p>
+          <a:p>
+            <a:endParaRPr lang="en-US" altLang="zh-CN" sz="1200" dirty="0"/>
+          </a:p>
+          <a:p>
+            <a:endParaRPr lang="en-US" altLang="zh-CN" sz="1200" dirty="0"/>
+          </a:p>
+          <a:p>
+            <a:endParaRPr lang="en-US" altLang="zh-CN" sz="1200" dirty="0"/>
+          </a:p>
+        </p:txBody>
+      </p:sp>
+      <p:pic>
+        <p:nvPicPr>
+          <p:cNvPr id="4" name="图片 3">
+            <a:extLst>
+              <a:ext uri="{FF2B5EF4-FFF2-40B4-BE49-F238E27FC236}">
+                <a16:creationId xmlns:a16="http://schemas.microsoft.com/office/drawing/2014/main" id="{F3F3E6E2-A048-4669-8BA4-D1AC9BBED265}"/>
+              </a:ext>
+            </a:extLst>
+          </p:cNvPr>
+          <p:cNvPicPr>
+            <a:picLocks noChangeAspect="1"/>
+          </p:cNvPicPr>
+          <p:nvPr/>
+        </p:nvPicPr>
+        <p:blipFill>
+          <a:blip r:embed="rId3"/>
+          <a:stretch>
+            <a:fillRect/>
+          </a:stretch>
+        </p:blipFill>
+        <p:spPr>
+          <a:xfrm>
+            <a:off x="5495278" y="1933252"/>
+            <a:ext cx="2407513" cy="921758"/>
+          </a:xfrm>
+          <a:prstGeom prst="rect">
+            <a:avLst/>
+          </a:prstGeom>
+        </p:spPr>
+      </p:pic>
+      <p:pic>
+        <p:nvPicPr>
+          <p:cNvPr id="5" name="图片 4">
+            <a:extLst>
+              <a:ext uri="{FF2B5EF4-FFF2-40B4-BE49-F238E27FC236}">
+                <a16:creationId xmlns:a16="http://schemas.microsoft.com/office/drawing/2014/main" id="{D857EB80-6E40-445F-9DA7-25B0EBB9E8D5}"/>
+              </a:ext>
+            </a:extLst>
+          </p:cNvPr>
+          <p:cNvPicPr>
+            <a:picLocks noChangeAspect="1"/>
+          </p:cNvPicPr>
+          <p:nvPr/>
+        </p:nvPicPr>
+        <p:blipFill>
+          <a:blip r:embed="rId4"/>
+          <a:stretch>
+            <a:fillRect/>
+          </a:stretch>
+        </p:blipFill>
+        <p:spPr>
+          <a:xfrm>
+            <a:off x="715150" y="5194444"/>
+            <a:ext cx="1656283" cy="1606470"/>
+          </a:xfrm>
+          <a:prstGeom prst="rect">
+            <a:avLst/>
+          </a:prstGeom>
+        </p:spPr>
+      </p:pic>
+      <p:pic>
+        <p:nvPicPr>
+          <p:cNvPr id="8" name="图片 7">
+            <a:extLst>
+              <a:ext uri="{FF2B5EF4-FFF2-40B4-BE49-F238E27FC236}">
+                <a16:creationId xmlns:a16="http://schemas.microsoft.com/office/drawing/2014/main" id="{2DEDB1FB-D468-43B4-8779-5F0402B76A69}"/>
+              </a:ext>
+            </a:extLst>
+          </p:cNvPr>
+          <p:cNvPicPr>
+            <a:picLocks noChangeAspect="1"/>
+          </p:cNvPicPr>
+          <p:nvPr/>
+        </p:nvPicPr>
+        <p:blipFill>
+          <a:blip r:embed="rId5"/>
+          <a:stretch>
+            <a:fillRect/>
+          </a:stretch>
+        </p:blipFill>
+        <p:spPr>
+          <a:xfrm>
+            <a:off x="5509427" y="3265198"/>
+            <a:ext cx="2625057" cy="1583423"/>
+          </a:xfrm>
+          <a:prstGeom prst="rect">
+            <a:avLst/>
+          </a:prstGeom>
+        </p:spPr>
+      </p:pic>
+      <p:pic>
+        <p:nvPicPr>
+          <p:cNvPr id="9" name="图片 8">
+            <a:extLst>
+              <a:ext uri="{FF2B5EF4-FFF2-40B4-BE49-F238E27FC236}">
+                <a16:creationId xmlns:a16="http://schemas.microsoft.com/office/drawing/2014/main" id="{3A6B54CE-8AE5-461E-9E1F-1D48EE051720}"/>
+              </a:ext>
+            </a:extLst>
+          </p:cNvPr>
+          <p:cNvPicPr>
+            <a:picLocks noChangeAspect="1"/>
+          </p:cNvPicPr>
+          <p:nvPr/>
+        </p:nvPicPr>
+        <p:blipFill>
+          <a:blip r:embed="rId6"/>
+          <a:stretch>
+            <a:fillRect/>
+          </a:stretch>
+        </p:blipFill>
+        <p:spPr>
+          <a:xfrm>
+            <a:off x="5530786" y="5365327"/>
+            <a:ext cx="3108618" cy="1264703"/>
+          </a:xfrm>
+          <a:prstGeom prst="rect">
+            <a:avLst/>
+          </a:prstGeom>
+        </p:spPr>
+      </p:pic>
+      <p:sp>
+        <p:nvSpPr>
+          <p:cNvPr id="10" name="箭头: 下 9">
+            <a:extLst>
+              <a:ext uri="{FF2B5EF4-FFF2-40B4-BE49-F238E27FC236}">
+                <a16:creationId xmlns:a16="http://schemas.microsoft.com/office/drawing/2014/main" id="{95CEC6AE-0FE9-418F-88BC-411D4E38D2CE}"/>
+              </a:ext>
+            </a:extLst>
+          </p:cNvPr>
+          <p:cNvSpPr/>
+          <p:nvPr/>
+        </p:nvSpPr>
+        <p:spPr>
+          <a:xfrm>
+            <a:off x="6821955" y="2929631"/>
+            <a:ext cx="84872" cy="277431"/>
+          </a:xfrm>
+          <a:prstGeom prst="downArrow">
+            <a:avLst/>
+          </a:prstGeom>
+        </p:spPr>
+        <p:style>
+          <a:lnRef idx="2">
+            <a:schemeClr val="accent1">
+              <a:shade val="50000"/>
+            </a:schemeClr>
+          </a:lnRef>
+          <a:fillRef idx="1">
+            <a:schemeClr val="accent1"/>
+          </a:fillRef>
+          <a:effectRef idx="0">
+            <a:schemeClr val="accent1"/>
+          </a:effectRef>
+          <a:fontRef idx="minor">
+            <a:schemeClr val="lt1"/>
+          </a:fontRef>
+        </p:style>
+        <p:txBody>
+          <a:bodyPr rtlCol="0" anchor="ctr"/>
+          <a:lstStyle/>
+          <a:p>
+            <a:pPr algn="ctr"/>
+            <a:endParaRPr lang="zh-CN" altLang="en-US"/>
+          </a:p>
+        </p:txBody>
+      </p:sp>
+      <p:sp>
+        <p:nvSpPr>
+          <p:cNvPr id="12" name="箭头: 下 11">
+            <a:extLst>
+              <a:ext uri="{FF2B5EF4-FFF2-40B4-BE49-F238E27FC236}">
+                <a16:creationId xmlns:a16="http://schemas.microsoft.com/office/drawing/2014/main" id="{FBE7C6C2-DD8B-4E68-A292-D80C1986F569}"/>
+              </a:ext>
+            </a:extLst>
+          </p:cNvPr>
+          <p:cNvSpPr/>
+          <p:nvPr/>
+        </p:nvSpPr>
+        <p:spPr>
+          <a:xfrm>
+            <a:off x="6899901" y="4917013"/>
+            <a:ext cx="84872" cy="277431"/>
+          </a:xfrm>
+          <a:prstGeom prst="downArrow">
+            <a:avLst/>
+          </a:prstGeom>
+        </p:spPr>
+        <p:style>
+          <a:lnRef idx="2">
+            <a:schemeClr val="accent1">
+              <a:shade val="50000"/>
+            </a:schemeClr>
+          </a:lnRef>
+          <a:fillRef idx="1">
+            <a:schemeClr val="accent1"/>
+          </a:fillRef>
+          <a:effectRef idx="0">
+            <a:schemeClr val="accent1"/>
+          </a:effectRef>
+          <a:fontRef idx="minor">
+            <a:schemeClr val="lt1"/>
+          </a:fontRef>
+        </p:style>
+        <p:txBody>
+          <a:bodyPr rtlCol="0" anchor="ctr"/>
+          <a:lstStyle/>
+          <a:p>
+            <a:pPr algn="ctr"/>
+            <a:endParaRPr lang="zh-CN" altLang="en-US"/>
+          </a:p>
+        </p:txBody>
+      </p:sp>
+      <p:sp>
+        <p:nvSpPr>
+          <p:cNvPr id="13" name="箭头: 下 12">
+            <a:extLst>
+              <a:ext uri="{FF2B5EF4-FFF2-40B4-BE49-F238E27FC236}">
+                <a16:creationId xmlns:a16="http://schemas.microsoft.com/office/drawing/2014/main" id="{21E0C26E-3FAA-4EE5-AA9F-0F7C1CE16A6C}"/>
+              </a:ext>
+            </a:extLst>
+          </p:cNvPr>
+          <p:cNvSpPr/>
+          <p:nvPr/>
+        </p:nvSpPr>
+        <p:spPr>
+          <a:xfrm>
+            <a:off x="1750786" y="4666994"/>
+            <a:ext cx="84872" cy="277431"/>
+          </a:xfrm>
+          <a:prstGeom prst="downArrow">
+            <a:avLst/>
+          </a:prstGeom>
+        </p:spPr>
+        <p:style>
+          <a:lnRef idx="2">
+            <a:schemeClr val="accent1">
+              <a:shade val="50000"/>
+            </a:schemeClr>
+          </a:lnRef>
+          <a:fillRef idx="1">
+            <a:schemeClr val="accent1"/>
+          </a:fillRef>
+          <a:effectRef idx="0">
+            <a:schemeClr val="accent1"/>
+          </a:effectRef>
+          <a:fontRef idx="minor">
+            <a:schemeClr val="lt1"/>
+          </a:fontRef>
+        </p:style>
+        <p:txBody>
+          <a:bodyPr rtlCol="0" anchor="ctr"/>
+          <a:lstStyle/>
+          <a:p>
+            <a:pPr algn="ctr"/>
+            <a:endParaRPr lang="zh-CN" altLang="en-US"/>
+          </a:p>
+        </p:txBody>
+      </p:sp>
+      <p:pic>
+        <p:nvPicPr>
+          <p:cNvPr id="11" name="图片 10">
+            <a:extLst>
+              <a:ext uri="{FF2B5EF4-FFF2-40B4-BE49-F238E27FC236}">
+                <a16:creationId xmlns:a16="http://schemas.microsoft.com/office/drawing/2014/main" id="{5A7AF03E-A2A7-4330-9FFC-1D3C672AAC5D}"/>
+              </a:ext>
+            </a:extLst>
+          </p:cNvPr>
+          <p:cNvPicPr>
+            <a:picLocks noChangeAspect="1"/>
+          </p:cNvPicPr>
+          <p:nvPr/>
+        </p:nvPicPr>
+        <p:blipFill>
+          <a:blip r:embed="rId7"/>
+          <a:stretch>
+            <a:fillRect/>
+          </a:stretch>
+        </p:blipFill>
+        <p:spPr>
+          <a:xfrm>
+            <a:off x="911900" y="3565800"/>
+            <a:ext cx="1262782" cy="1101194"/>
+          </a:xfrm>
+          <a:prstGeom prst="rect">
+            <a:avLst/>
+          </a:prstGeom>
+        </p:spPr>
+      </p:pic>
+    </p:spTree>
+    <p:extLst>
+      <p:ext uri="{BB962C8B-B14F-4D97-AF65-F5344CB8AC3E}">
+        <p14:creationId xmlns:p14="http://schemas.microsoft.com/office/powerpoint/2010/main" val="832347279"/>
+      </p:ext>
+    </p:extLst>
+  </p:cSld>
+  <p:clrMapOvr>
+    <a:masterClrMapping/>
+  </p:clrMapOvr>
+</p:sld>
+</file>
+
+<file path=ppt/slides/slide6.xml><?xml version="1.0" encoding="utf-8"?>
+<p:sld xmlns:a="http://schemas.openxmlformats.org/drawingml/2006/main" xmlns:r="http://schemas.openxmlformats.org/officeDocument/2006/relationships" xmlns:p="http://schemas.openxmlformats.org/presentationml/2006/main">
+  <p:cSld>
+    <p:spTree>
+      <p:nvGrpSpPr>
+        <p:cNvPr id="1" name=""/>
+        <p:cNvGrpSpPr/>
+        <p:nvPr/>
+      </p:nvGrpSpPr>
+      <p:grpSpPr>
+        <a:xfrm>
+          <a:off x="0" y="0"/>
+          <a:ext cx="0" cy="0"/>
+          <a:chOff x="0" y="0"/>
+          <a:chExt cx="0" cy="0"/>
+        </a:xfrm>
+      </p:grpSpPr>
+      <p:sp>
+        <p:nvSpPr>
+          <p:cNvPr id="2" name="标题 1">
+            <a:extLst>
+              <a:ext uri="{FF2B5EF4-FFF2-40B4-BE49-F238E27FC236}">
+                <a16:creationId xmlns:a16="http://schemas.microsoft.com/office/drawing/2014/main" id="{4DBEFF03-2B27-4B5F-99CC-9195A6F11D10}"/>
+              </a:ext>
+            </a:extLst>
+          </p:cNvPr>
+          <p:cNvSpPr>
+            <a:spLocks noGrp="1"/>
+          </p:cNvSpPr>
+          <p:nvPr>
+            <p:ph type="title"/>
+          </p:nvPr>
+        </p:nvSpPr>
+        <p:spPr>
+          <a:xfrm>
+            <a:off x="79898" y="18255"/>
+            <a:ext cx="11273902" cy="778525"/>
+          </a:xfrm>
+        </p:spPr>
+        <p:txBody>
+          <a:bodyPr>
+            <a:normAutofit/>
+          </a:bodyPr>
+          <a:lstStyle/>
+          <a:p>
+            <a:r>
+              <a:rPr lang="en-US" altLang="zh-CN" dirty="0"/>
               <a:t>Linux architecture-File System</a:t>
             </a:r>
             <a:endParaRPr lang="zh-CN" altLang="en-US" dirty="0"/>
@@ -8349,7 +9290,7 @@
 </p:sld>
 </file>
 
-<file path=ppt/slides/slide6.xml><?xml version="1.0" encoding="utf-8"?>
+<file path=ppt/slides/slide7.xml><?xml version="1.0" encoding="utf-8"?>
 <p:sld xmlns:a="http://schemas.openxmlformats.org/drawingml/2006/main" xmlns:r="http://schemas.openxmlformats.org/officeDocument/2006/relationships" xmlns:p="http://schemas.openxmlformats.org/presentationml/2006/main">
   <p:cSld>
     <p:spTree>

--- a/Knowledge-Tree.pptx
+++ b/Knowledge-Tree.pptx
@@ -265,7 +265,7 @@
           <a:p>
             <a:fld id="{F0BE7671-7E54-437F-9FD7-4EB903191A88}" type="datetimeFigureOut">
               <a:rPr lang="zh-CN" altLang="en-US" smtClean="0"/>
-              <a:t>2019/7/27</a:t>
+              <a:t>2019/8/18</a:t>
             </a:fld>
             <a:endParaRPr lang="zh-CN" altLang="en-US"/>
           </a:p>
@@ -463,7 +463,7 @@
           <a:p>
             <a:fld id="{F0BE7671-7E54-437F-9FD7-4EB903191A88}" type="datetimeFigureOut">
               <a:rPr lang="zh-CN" altLang="en-US" smtClean="0"/>
-              <a:t>2019/7/27</a:t>
+              <a:t>2019/8/18</a:t>
             </a:fld>
             <a:endParaRPr lang="zh-CN" altLang="en-US"/>
           </a:p>
@@ -671,7 +671,7 @@
           <a:p>
             <a:fld id="{F0BE7671-7E54-437F-9FD7-4EB903191A88}" type="datetimeFigureOut">
               <a:rPr lang="zh-CN" altLang="en-US" smtClean="0"/>
-              <a:t>2019/7/27</a:t>
+              <a:t>2019/8/18</a:t>
             </a:fld>
             <a:endParaRPr lang="zh-CN" altLang="en-US"/>
           </a:p>
@@ -869,7 +869,7 @@
           <a:p>
             <a:fld id="{F0BE7671-7E54-437F-9FD7-4EB903191A88}" type="datetimeFigureOut">
               <a:rPr lang="zh-CN" altLang="en-US" smtClean="0"/>
-              <a:t>2019/7/27</a:t>
+              <a:t>2019/8/18</a:t>
             </a:fld>
             <a:endParaRPr lang="zh-CN" altLang="en-US"/>
           </a:p>
@@ -1144,7 +1144,7 @@
           <a:p>
             <a:fld id="{F0BE7671-7E54-437F-9FD7-4EB903191A88}" type="datetimeFigureOut">
               <a:rPr lang="zh-CN" altLang="en-US" smtClean="0"/>
-              <a:t>2019/7/27</a:t>
+              <a:t>2019/8/18</a:t>
             </a:fld>
             <a:endParaRPr lang="zh-CN" altLang="en-US"/>
           </a:p>
@@ -1409,7 +1409,7 @@
           <a:p>
             <a:fld id="{F0BE7671-7E54-437F-9FD7-4EB903191A88}" type="datetimeFigureOut">
               <a:rPr lang="zh-CN" altLang="en-US" smtClean="0"/>
-              <a:t>2019/7/27</a:t>
+              <a:t>2019/8/18</a:t>
             </a:fld>
             <a:endParaRPr lang="zh-CN" altLang="en-US"/>
           </a:p>
@@ -1821,7 +1821,7 @@
           <a:p>
             <a:fld id="{F0BE7671-7E54-437F-9FD7-4EB903191A88}" type="datetimeFigureOut">
               <a:rPr lang="zh-CN" altLang="en-US" smtClean="0"/>
-              <a:t>2019/7/27</a:t>
+              <a:t>2019/8/18</a:t>
             </a:fld>
             <a:endParaRPr lang="zh-CN" altLang="en-US"/>
           </a:p>
@@ -1962,7 +1962,7 @@
           <a:p>
             <a:fld id="{F0BE7671-7E54-437F-9FD7-4EB903191A88}" type="datetimeFigureOut">
               <a:rPr lang="zh-CN" altLang="en-US" smtClean="0"/>
-              <a:t>2019/7/27</a:t>
+              <a:t>2019/8/18</a:t>
             </a:fld>
             <a:endParaRPr lang="zh-CN" altLang="en-US"/>
           </a:p>
@@ -2075,7 +2075,7 @@
           <a:p>
             <a:fld id="{F0BE7671-7E54-437F-9FD7-4EB903191A88}" type="datetimeFigureOut">
               <a:rPr lang="zh-CN" altLang="en-US" smtClean="0"/>
-              <a:t>2019/7/27</a:t>
+              <a:t>2019/8/18</a:t>
             </a:fld>
             <a:endParaRPr lang="zh-CN" altLang="en-US"/>
           </a:p>
@@ -2386,7 +2386,7 @@
           <a:p>
             <a:fld id="{F0BE7671-7E54-437F-9FD7-4EB903191A88}" type="datetimeFigureOut">
               <a:rPr lang="zh-CN" altLang="en-US" smtClean="0"/>
-              <a:t>2019/7/27</a:t>
+              <a:t>2019/8/18</a:t>
             </a:fld>
             <a:endParaRPr lang="zh-CN" altLang="en-US"/>
           </a:p>
@@ -2674,7 +2674,7 @@
           <a:p>
             <a:fld id="{F0BE7671-7E54-437F-9FD7-4EB903191A88}" type="datetimeFigureOut">
               <a:rPr lang="zh-CN" altLang="en-US" smtClean="0"/>
-              <a:t>2019/7/27</a:t>
+              <a:t>2019/8/18</a:t>
             </a:fld>
             <a:endParaRPr lang="zh-CN" altLang="en-US"/>
           </a:p>
@@ -2915,7 +2915,7 @@
           <a:p>
             <a:fld id="{F0BE7671-7E54-437F-9FD7-4EB903191A88}" type="datetimeFigureOut">
               <a:rPr lang="zh-CN" altLang="en-US" smtClean="0"/>
-              <a:t>2019/7/27</a:t>
+              <a:t>2019/8/18</a:t>
             </a:fld>
             <a:endParaRPr lang="zh-CN" altLang="en-US"/>
           </a:p>
@@ -3407,10 +3407,10 @@
       </p:sp>
       <p:pic>
         <p:nvPicPr>
-          <p:cNvPr id="5" name="图片 4">
-            <a:extLst>
-              <a:ext uri="{FF2B5EF4-FFF2-40B4-BE49-F238E27FC236}">
-                <a16:creationId xmlns:a16="http://schemas.microsoft.com/office/drawing/2014/main" id="{70CBF513-6539-469B-8175-D461D9CD97FE}"/>
+          <p:cNvPr id="2" name="图片 1">
+            <a:extLst>
+              <a:ext uri="{FF2B5EF4-FFF2-40B4-BE49-F238E27FC236}">
+                <a16:creationId xmlns:a16="http://schemas.microsoft.com/office/drawing/2014/main" id="{318E9D50-2783-4065-9863-270449ABE613}"/>
               </a:ext>
             </a:extLst>
           </p:cNvPr>
@@ -3427,8 +3427,8 @@
         </p:blipFill>
         <p:spPr>
           <a:xfrm>
-            <a:off x="1277853" y="595982"/>
-            <a:ext cx="9268818" cy="5871618"/>
+            <a:off x="1745942" y="770735"/>
+            <a:ext cx="8700116" cy="5522111"/>
           </a:xfrm>
           <a:prstGeom prst="rect">
             <a:avLst/>

--- a/Knowledge-Tree.pptx
+++ b/Knowledge-Tree.pptx
@@ -265,7 +265,7 @@
           <a:p>
             <a:fld id="{F0BE7671-7E54-437F-9FD7-4EB903191A88}" type="datetimeFigureOut">
               <a:rPr lang="zh-CN" altLang="en-US" smtClean="0"/>
-              <a:t>2019/8/18</a:t>
+              <a:t>2019/8/19</a:t>
             </a:fld>
             <a:endParaRPr lang="zh-CN" altLang="en-US"/>
           </a:p>
@@ -463,7 +463,7 @@
           <a:p>
             <a:fld id="{F0BE7671-7E54-437F-9FD7-4EB903191A88}" type="datetimeFigureOut">
               <a:rPr lang="zh-CN" altLang="en-US" smtClean="0"/>
-              <a:t>2019/8/18</a:t>
+              <a:t>2019/8/19</a:t>
             </a:fld>
             <a:endParaRPr lang="zh-CN" altLang="en-US"/>
           </a:p>
@@ -671,7 +671,7 @@
           <a:p>
             <a:fld id="{F0BE7671-7E54-437F-9FD7-4EB903191A88}" type="datetimeFigureOut">
               <a:rPr lang="zh-CN" altLang="en-US" smtClean="0"/>
-              <a:t>2019/8/18</a:t>
+              <a:t>2019/8/19</a:t>
             </a:fld>
             <a:endParaRPr lang="zh-CN" altLang="en-US"/>
           </a:p>
@@ -869,7 +869,7 @@
           <a:p>
             <a:fld id="{F0BE7671-7E54-437F-9FD7-4EB903191A88}" type="datetimeFigureOut">
               <a:rPr lang="zh-CN" altLang="en-US" smtClean="0"/>
-              <a:t>2019/8/18</a:t>
+              <a:t>2019/8/19</a:t>
             </a:fld>
             <a:endParaRPr lang="zh-CN" altLang="en-US"/>
           </a:p>
@@ -1144,7 +1144,7 @@
           <a:p>
             <a:fld id="{F0BE7671-7E54-437F-9FD7-4EB903191A88}" type="datetimeFigureOut">
               <a:rPr lang="zh-CN" altLang="en-US" smtClean="0"/>
-              <a:t>2019/8/18</a:t>
+              <a:t>2019/8/19</a:t>
             </a:fld>
             <a:endParaRPr lang="zh-CN" altLang="en-US"/>
           </a:p>
@@ -1409,7 +1409,7 @@
           <a:p>
             <a:fld id="{F0BE7671-7E54-437F-9FD7-4EB903191A88}" type="datetimeFigureOut">
               <a:rPr lang="zh-CN" altLang="en-US" smtClean="0"/>
-              <a:t>2019/8/18</a:t>
+              <a:t>2019/8/19</a:t>
             </a:fld>
             <a:endParaRPr lang="zh-CN" altLang="en-US"/>
           </a:p>
@@ -1821,7 +1821,7 @@
           <a:p>
             <a:fld id="{F0BE7671-7E54-437F-9FD7-4EB903191A88}" type="datetimeFigureOut">
               <a:rPr lang="zh-CN" altLang="en-US" smtClean="0"/>
-              <a:t>2019/8/18</a:t>
+              <a:t>2019/8/19</a:t>
             </a:fld>
             <a:endParaRPr lang="zh-CN" altLang="en-US"/>
           </a:p>
@@ -1962,7 +1962,7 @@
           <a:p>
             <a:fld id="{F0BE7671-7E54-437F-9FD7-4EB903191A88}" type="datetimeFigureOut">
               <a:rPr lang="zh-CN" altLang="en-US" smtClean="0"/>
-              <a:t>2019/8/18</a:t>
+              <a:t>2019/8/19</a:t>
             </a:fld>
             <a:endParaRPr lang="zh-CN" altLang="en-US"/>
           </a:p>
@@ -2075,7 +2075,7 @@
           <a:p>
             <a:fld id="{F0BE7671-7E54-437F-9FD7-4EB903191A88}" type="datetimeFigureOut">
               <a:rPr lang="zh-CN" altLang="en-US" smtClean="0"/>
-              <a:t>2019/8/18</a:t>
+              <a:t>2019/8/19</a:t>
             </a:fld>
             <a:endParaRPr lang="zh-CN" altLang="en-US"/>
           </a:p>
@@ -2386,7 +2386,7 @@
           <a:p>
             <a:fld id="{F0BE7671-7E54-437F-9FD7-4EB903191A88}" type="datetimeFigureOut">
               <a:rPr lang="zh-CN" altLang="en-US" smtClean="0"/>
-              <a:t>2019/8/18</a:t>
+              <a:t>2019/8/19</a:t>
             </a:fld>
             <a:endParaRPr lang="zh-CN" altLang="en-US"/>
           </a:p>
@@ -2674,7 +2674,7 @@
           <a:p>
             <a:fld id="{F0BE7671-7E54-437F-9FD7-4EB903191A88}" type="datetimeFigureOut">
               <a:rPr lang="zh-CN" altLang="en-US" smtClean="0"/>
-              <a:t>2019/8/18</a:t>
+              <a:t>2019/8/19</a:t>
             </a:fld>
             <a:endParaRPr lang="zh-CN" altLang="en-US"/>
           </a:p>
@@ -2915,7 +2915,7 @@
           <a:p>
             <a:fld id="{F0BE7671-7E54-437F-9FD7-4EB903191A88}" type="datetimeFigureOut">
               <a:rPr lang="zh-CN" altLang="en-US" smtClean="0"/>
-              <a:t>2019/8/18</a:t>
+              <a:t>2019/8/19</a:t>
             </a:fld>
             <a:endParaRPr lang="zh-CN" altLang="en-US"/>
           </a:p>
@@ -3407,10 +3407,10 @@
       </p:sp>
       <p:pic>
         <p:nvPicPr>
-          <p:cNvPr id="2" name="图片 1">
-            <a:extLst>
-              <a:ext uri="{FF2B5EF4-FFF2-40B4-BE49-F238E27FC236}">
-                <a16:creationId xmlns:a16="http://schemas.microsoft.com/office/drawing/2014/main" id="{318E9D50-2783-4065-9863-270449ABE613}"/>
+          <p:cNvPr id="3" name="图片 2">
+            <a:extLst>
+              <a:ext uri="{FF2B5EF4-FFF2-40B4-BE49-F238E27FC236}">
+                <a16:creationId xmlns:a16="http://schemas.microsoft.com/office/drawing/2014/main" id="{2AE601E1-34DB-41E0-B593-F651A62412C9}"/>
               </a:ext>
             </a:extLst>
           </p:cNvPr>
@@ -3427,8 +3427,8 @@
         </p:blipFill>
         <p:spPr>
           <a:xfrm>
-            <a:off x="1745942" y="770735"/>
-            <a:ext cx="8700116" cy="5522111"/>
+            <a:off x="1714870" y="662782"/>
+            <a:ext cx="8762260" cy="5646790"/>
           </a:xfrm>
           <a:prstGeom prst="rect">
             <a:avLst/>

--- a/Knowledge-Tree.pptx
+++ b/Knowledge-Tree.pptx
@@ -265,7 +265,7 @@
           <a:p>
             <a:fld id="{F0BE7671-7E54-437F-9FD7-4EB903191A88}" type="datetimeFigureOut">
               <a:rPr lang="zh-CN" altLang="en-US" smtClean="0"/>
-              <a:t>2019/8/19</a:t>
+              <a:t>2019/8/25</a:t>
             </a:fld>
             <a:endParaRPr lang="zh-CN" altLang="en-US"/>
           </a:p>
@@ -463,7 +463,7 @@
           <a:p>
             <a:fld id="{F0BE7671-7E54-437F-9FD7-4EB903191A88}" type="datetimeFigureOut">
               <a:rPr lang="zh-CN" altLang="en-US" smtClean="0"/>
-              <a:t>2019/8/19</a:t>
+              <a:t>2019/8/25</a:t>
             </a:fld>
             <a:endParaRPr lang="zh-CN" altLang="en-US"/>
           </a:p>
@@ -671,7 +671,7 @@
           <a:p>
             <a:fld id="{F0BE7671-7E54-437F-9FD7-4EB903191A88}" type="datetimeFigureOut">
               <a:rPr lang="zh-CN" altLang="en-US" smtClean="0"/>
-              <a:t>2019/8/19</a:t>
+              <a:t>2019/8/25</a:t>
             </a:fld>
             <a:endParaRPr lang="zh-CN" altLang="en-US"/>
           </a:p>
@@ -869,7 +869,7 @@
           <a:p>
             <a:fld id="{F0BE7671-7E54-437F-9FD7-4EB903191A88}" type="datetimeFigureOut">
               <a:rPr lang="zh-CN" altLang="en-US" smtClean="0"/>
-              <a:t>2019/8/19</a:t>
+              <a:t>2019/8/25</a:t>
             </a:fld>
             <a:endParaRPr lang="zh-CN" altLang="en-US"/>
           </a:p>
@@ -1144,7 +1144,7 @@
           <a:p>
             <a:fld id="{F0BE7671-7E54-437F-9FD7-4EB903191A88}" type="datetimeFigureOut">
               <a:rPr lang="zh-CN" altLang="en-US" smtClean="0"/>
-              <a:t>2019/8/19</a:t>
+              <a:t>2019/8/25</a:t>
             </a:fld>
             <a:endParaRPr lang="zh-CN" altLang="en-US"/>
           </a:p>
@@ -1409,7 +1409,7 @@
           <a:p>
             <a:fld id="{F0BE7671-7E54-437F-9FD7-4EB903191A88}" type="datetimeFigureOut">
               <a:rPr lang="zh-CN" altLang="en-US" smtClean="0"/>
-              <a:t>2019/8/19</a:t>
+              <a:t>2019/8/25</a:t>
             </a:fld>
             <a:endParaRPr lang="zh-CN" altLang="en-US"/>
           </a:p>
@@ -1821,7 +1821,7 @@
           <a:p>
             <a:fld id="{F0BE7671-7E54-437F-9FD7-4EB903191A88}" type="datetimeFigureOut">
               <a:rPr lang="zh-CN" altLang="en-US" smtClean="0"/>
-              <a:t>2019/8/19</a:t>
+              <a:t>2019/8/25</a:t>
             </a:fld>
             <a:endParaRPr lang="zh-CN" altLang="en-US"/>
           </a:p>
@@ -1962,7 +1962,7 @@
           <a:p>
             <a:fld id="{F0BE7671-7E54-437F-9FD7-4EB903191A88}" type="datetimeFigureOut">
               <a:rPr lang="zh-CN" altLang="en-US" smtClean="0"/>
-              <a:t>2019/8/19</a:t>
+              <a:t>2019/8/25</a:t>
             </a:fld>
             <a:endParaRPr lang="zh-CN" altLang="en-US"/>
           </a:p>
@@ -2075,7 +2075,7 @@
           <a:p>
             <a:fld id="{F0BE7671-7E54-437F-9FD7-4EB903191A88}" type="datetimeFigureOut">
               <a:rPr lang="zh-CN" altLang="en-US" smtClean="0"/>
-              <a:t>2019/8/19</a:t>
+              <a:t>2019/8/25</a:t>
             </a:fld>
             <a:endParaRPr lang="zh-CN" altLang="en-US"/>
           </a:p>
@@ -2386,7 +2386,7 @@
           <a:p>
             <a:fld id="{F0BE7671-7E54-437F-9FD7-4EB903191A88}" type="datetimeFigureOut">
               <a:rPr lang="zh-CN" altLang="en-US" smtClean="0"/>
-              <a:t>2019/8/19</a:t>
+              <a:t>2019/8/25</a:t>
             </a:fld>
             <a:endParaRPr lang="zh-CN" altLang="en-US"/>
           </a:p>
@@ -2674,7 +2674,7 @@
           <a:p>
             <a:fld id="{F0BE7671-7E54-437F-9FD7-4EB903191A88}" type="datetimeFigureOut">
               <a:rPr lang="zh-CN" altLang="en-US" smtClean="0"/>
-              <a:t>2019/8/19</a:t>
+              <a:t>2019/8/25</a:t>
             </a:fld>
             <a:endParaRPr lang="zh-CN" altLang="en-US"/>
           </a:p>
@@ -2915,7 +2915,7 @@
           <a:p>
             <a:fld id="{F0BE7671-7E54-437F-9FD7-4EB903191A88}" type="datetimeFigureOut">
               <a:rPr lang="zh-CN" altLang="en-US" smtClean="0"/>
-              <a:t>2019/8/19</a:t>
+              <a:t>2019/8/25</a:t>
             </a:fld>
             <a:endParaRPr lang="zh-CN" altLang="en-US"/>
           </a:p>
@@ -3399,7 +3399,7 @@
               <a:rPr lang="en-US" altLang="zh-CN" dirty="0">
                 <a:hlinkClick r:id="rId2"/>
               </a:rPr>
-              <a:t>https://app.mindmup.com/map/_free/2019/07/6fb37590b01311e9965265413d5f1884</a:t>
+              <a:t>https://app.mindmup.com/map/_free/2019/08/8829f900c71a11e9bef937bc505f6cda</a:t>
             </a:r>
             <a:endParaRPr lang="zh-CN" altLang="en-US" dirty="0"/>
           </a:p>
@@ -3407,10 +3407,10 @@
       </p:sp>
       <p:pic>
         <p:nvPicPr>
-          <p:cNvPr id="3" name="图片 2">
-            <a:extLst>
-              <a:ext uri="{FF2B5EF4-FFF2-40B4-BE49-F238E27FC236}">
-                <a16:creationId xmlns:a16="http://schemas.microsoft.com/office/drawing/2014/main" id="{2AE601E1-34DB-41E0-B593-F651A62412C9}"/>
+          <p:cNvPr id="2" name="图片 1">
+            <a:extLst>
+              <a:ext uri="{FF2B5EF4-FFF2-40B4-BE49-F238E27FC236}">
+                <a16:creationId xmlns:a16="http://schemas.microsoft.com/office/drawing/2014/main" id="{9832275B-D3C4-4FC1-AC7B-B3A97C84CDB5}"/>
               </a:ext>
             </a:extLst>
           </p:cNvPr>
@@ -3427,8 +3427,8 @@
         </p:blipFill>
         <p:spPr>
           <a:xfrm>
-            <a:off x="1714870" y="662782"/>
-            <a:ext cx="8762260" cy="5646790"/>
+            <a:off x="769768" y="647246"/>
+            <a:ext cx="10652464" cy="5632108"/>
           </a:xfrm>
           <a:prstGeom prst="rect">
             <a:avLst/>

--- a/Knowledge-Tree.pptx
+++ b/Knowledge-Tree.pptx
@@ -265,7 +265,7 @@
           <a:p>
             <a:fld id="{F0BE7671-7E54-437F-9FD7-4EB903191A88}" type="datetimeFigureOut">
               <a:rPr lang="zh-CN" altLang="en-US" smtClean="0"/>
-              <a:t>2019/8/25</a:t>
+              <a:t>2020/6/7</a:t>
             </a:fld>
             <a:endParaRPr lang="zh-CN" altLang="en-US"/>
           </a:p>
@@ -463,7 +463,7 @@
           <a:p>
             <a:fld id="{F0BE7671-7E54-437F-9FD7-4EB903191A88}" type="datetimeFigureOut">
               <a:rPr lang="zh-CN" altLang="en-US" smtClean="0"/>
-              <a:t>2019/8/25</a:t>
+              <a:t>2020/6/7</a:t>
             </a:fld>
             <a:endParaRPr lang="zh-CN" altLang="en-US"/>
           </a:p>
@@ -671,7 +671,7 @@
           <a:p>
             <a:fld id="{F0BE7671-7E54-437F-9FD7-4EB903191A88}" type="datetimeFigureOut">
               <a:rPr lang="zh-CN" altLang="en-US" smtClean="0"/>
-              <a:t>2019/8/25</a:t>
+              <a:t>2020/6/7</a:t>
             </a:fld>
             <a:endParaRPr lang="zh-CN" altLang="en-US"/>
           </a:p>
@@ -869,7 +869,7 @@
           <a:p>
             <a:fld id="{F0BE7671-7E54-437F-9FD7-4EB903191A88}" type="datetimeFigureOut">
               <a:rPr lang="zh-CN" altLang="en-US" smtClean="0"/>
-              <a:t>2019/8/25</a:t>
+              <a:t>2020/6/7</a:t>
             </a:fld>
             <a:endParaRPr lang="zh-CN" altLang="en-US"/>
           </a:p>
@@ -1144,7 +1144,7 @@
           <a:p>
             <a:fld id="{F0BE7671-7E54-437F-9FD7-4EB903191A88}" type="datetimeFigureOut">
               <a:rPr lang="zh-CN" altLang="en-US" smtClean="0"/>
-              <a:t>2019/8/25</a:t>
+              <a:t>2020/6/7</a:t>
             </a:fld>
             <a:endParaRPr lang="zh-CN" altLang="en-US"/>
           </a:p>
@@ -1409,7 +1409,7 @@
           <a:p>
             <a:fld id="{F0BE7671-7E54-437F-9FD7-4EB903191A88}" type="datetimeFigureOut">
               <a:rPr lang="zh-CN" altLang="en-US" smtClean="0"/>
-              <a:t>2019/8/25</a:t>
+              <a:t>2020/6/7</a:t>
             </a:fld>
             <a:endParaRPr lang="zh-CN" altLang="en-US"/>
           </a:p>
@@ -1821,7 +1821,7 @@
           <a:p>
             <a:fld id="{F0BE7671-7E54-437F-9FD7-4EB903191A88}" type="datetimeFigureOut">
               <a:rPr lang="zh-CN" altLang="en-US" smtClean="0"/>
-              <a:t>2019/8/25</a:t>
+              <a:t>2020/6/7</a:t>
             </a:fld>
             <a:endParaRPr lang="zh-CN" altLang="en-US"/>
           </a:p>
@@ -1962,7 +1962,7 @@
           <a:p>
             <a:fld id="{F0BE7671-7E54-437F-9FD7-4EB903191A88}" type="datetimeFigureOut">
               <a:rPr lang="zh-CN" altLang="en-US" smtClean="0"/>
-              <a:t>2019/8/25</a:t>
+              <a:t>2020/6/7</a:t>
             </a:fld>
             <a:endParaRPr lang="zh-CN" altLang="en-US"/>
           </a:p>
@@ -2075,7 +2075,7 @@
           <a:p>
             <a:fld id="{F0BE7671-7E54-437F-9FD7-4EB903191A88}" type="datetimeFigureOut">
               <a:rPr lang="zh-CN" altLang="en-US" smtClean="0"/>
-              <a:t>2019/8/25</a:t>
+              <a:t>2020/6/7</a:t>
             </a:fld>
             <a:endParaRPr lang="zh-CN" altLang="en-US"/>
           </a:p>
@@ -2386,7 +2386,7 @@
           <a:p>
             <a:fld id="{F0BE7671-7E54-437F-9FD7-4EB903191A88}" type="datetimeFigureOut">
               <a:rPr lang="zh-CN" altLang="en-US" smtClean="0"/>
-              <a:t>2019/8/25</a:t>
+              <a:t>2020/6/7</a:t>
             </a:fld>
             <a:endParaRPr lang="zh-CN" altLang="en-US"/>
           </a:p>
@@ -2674,7 +2674,7 @@
           <a:p>
             <a:fld id="{F0BE7671-7E54-437F-9FD7-4EB903191A88}" type="datetimeFigureOut">
               <a:rPr lang="zh-CN" altLang="en-US" smtClean="0"/>
-              <a:t>2019/8/25</a:t>
+              <a:t>2020/6/7</a:t>
             </a:fld>
             <a:endParaRPr lang="zh-CN" altLang="en-US"/>
           </a:p>
@@ -2915,7 +2915,7 @@
           <a:p>
             <a:fld id="{F0BE7671-7E54-437F-9FD7-4EB903191A88}" type="datetimeFigureOut">
               <a:rPr lang="zh-CN" altLang="en-US" smtClean="0"/>
-              <a:t>2019/8/25</a:t>
+              <a:t>2020/6/7</a:t>
             </a:fld>
             <a:endParaRPr lang="zh-CN" altLang="en-US"/>
           </a:p>
